--- a/卒業論文/2012/工藤亮/卒論発表（工藤）.pptx
+++ b/卒業論文/2012/工藤亮/卒論発表（工藤）.pptx
@@ -685,6 +685,170 @@
           <a:p>
             <a:fld id="{66808EC6-8396-49DB-A400-D3B95AE59215}" type="slidenum">
               <a:rPr kumimoji="1" lang="ja-JP" altLang="en-US" smtClean="0"/>
+              <a:t>13</a:t>
+            </a:fld>
+            <a:endParaRPr kumimoji="1" lang="ja-JP" altLang="en-US"/>
+          </a:p>
+        </p:txBody>
+      </p:sp>
+    </p:spTree>
+    <p:extLst>
+      <p:ext uri="{BB962C8B-B14F-4D97-AF65-F5344CB8AC3E}">
+        <p14:creationId xmlns:p14="http://schemas.microsoft.com/office/powerpoint/2010/main" val="2844868345"/>
+      </p:ext>
+    </p:extLst>
+  </p:cSld>
+  <p:clrMapOvr>
+    <a:masterClrMapping/>
+  </p:clrMapOvr>
+</p:notes>
+</file>
+
+<file path=ppt/notesSlides/notesSlide11.xml><?xml version="1.0" encoding="utf-8"?>
+<p:notes xmlns:a="http://schemas.openxmlformats.org/drawingml/2006/main" xmlns:r="http://schemas.openxmlformats.org/officeDocument/2006/relationships" xmlns:p="http://schemas.openxmlformats.org/presentationml/2006/main">
+  <p:cSld>
+    <p:spTree>
+      <p:nvGrpSpPr>
+        <p:cNvPr id="1" name=""/>
+        <p:cNvGrpSpPr/>
+        <p:nvPr/>
+      </p:nvGrpSpPr>
+      <p:grpSpPr>
+        <a:xfrm>
+          <a:off x="0" y="0"/>
+          <a:ext cx="0" cy="0"/>
+          <a:chOff x="0" y="0"/>
+          <a:chExt cx="0" cy="0"/>
+        </a:xfrm>
+      </p:grpSpPr>
+      <p:sp>
+        <p:nvSpPr>
+          <p:cNvPr id="2" name="スライド イメージ プレースホルダー 1"/>
+          <p:cNvSpPr>
+            <a:spLocks noGrp="1" noRot="1" noChangeAspect="1"/>
+          </p:cNvSpPr>
+          <p:nvPr>
+            <p:ph type="sldImg"/>
+          </p:nvPr>
+        </p:nvSpPr>
+        <p:spPr/>
+      </p:sp>
+      <p:sp>
+        <p:nvSpPr>
+          <p:cNvPr id="3" name="ノート プレースホルダー 2"/>
+          <p:cNvSpPr>
+            <a:spLocks noGrp="1"/>
+          </p:cNvSpPr>
+          <p:nvPr>
+            <p:ph type="body" idx="1"/>
+          </p:nvPr>
+        </p:nvSpPr>
+        <p:spPr/>
+        <p:txBody>
+          <a:bodyPr/>
+          <a:lstStyle/>
+          <a:p>
+            <a:pPr marL="0" marR="0" indent="0" algn="l" defTabSz="914400" rtl="0" eaLnBrk="1" fontAlgn="auto" latinLnBrk="0" hangingPunct="1">
+              <a:lnSpc>
+                <a:spcPct val="100000"/>
+              </a:lnSpc>
+              <a:spcBef>
+                <a:spcPts val="0"/>
+              </a:spcBef>
+              <a:spcAft>
+                <a:spcPts val="0"/>
+              </a:spcAft>
+              <a:buClrTx/>
+              <a:buSzTx/>
+              <a:buFontTx/>
+              <a:buNone/>
+              <a:tabLst/>
+              <a:defRPr/>
+            </a:pPr>
+            <a:r>
+              <a:rPr kumimoji="1" lang="ja-JP" altLang="en-US" dirty="0" smtClean="0"/>
+              <a:t>口答内容</a:t>
+            </a:r>
+            <a:endParaRPr kumimoji="1" lang="en-US" altLang="ja-JP" dirty="0" smtClean="0"/>
+          </a:p>
+          <a:p>
+            <a:pPr marL="0" marR="0" indent="0" algn="l" defTabSz="914400" rtl="0" eaLnBrk="1" fontAlgn="auto" latinLnBrk="0" hangingPunct="1">
+              <a:lnSpc>
+                <a:spcPct val="100000"/>
+              </a:lnSpc>
+              <a:spcBef>
+                <a:spcPts val="0"/>
+              </a:spcBef>
+              <a:spcAft>
+                <a:spcPts val="0"/>
+              </a:spcAft>
+              <a:buClrTx/>
+              <a:buSzTx/>
+              <a:buFontTx/>
+              <a:buNone/>
+              <a:tabLst/>
+              <a:defRPr/>
+            </a:pPr>
+            <a:r>
+              <a:rPr kumimoji="1" lang="ja-JP" altLang="ja-JP" sz="1200" kern="1200" dirty="0" smtClean="0">
+                <a:solidFill>
+                  <a:schemeClr val="tx1"/>
+                </a:solidFill>
+                <a:effectLst/>
+                <a:latin typeface="+mn-lt"/>
+                <a:ea typeface="+mn-ea"/>
+                <a:cs typeface="+mn-cs"/>
+              </a:rPr>
+              <a:t>本システムによって，</a:t>
+            </a:r>
+            <a:r>
+              <a:rPr kumimoji="1" lang="en-US" altLang="ja-JP" sz="1200" kern="1200" dirty="0" err="1" smtClean="0">
+                <a:solidFill>
+                  <a:schemeClr val="tx1"/>
+                </a:solidFill>
+                <a:effectLst/>
+                <a:latin typeface="+mn-lt"/>
+                <a:ea typeface="+mn-ea"/>
+                <a:cs typeface="+mn-cs"/>
+              </a:rPr>
+              <a:t>GitHub</a:t>
+            </a:r>
+            <a:r>
+              <a:rPr kumimoji="1" lang="ja-JP" altLang="ja-JP" sz="1200" kern="1200" dirty="0" smtClean="0">
+                <a:solidFill>
+                  <a:schemeClr val="tx1"/>
+                </a:solidFill>
+                <a:effectLst/>
+                <a:latin typeface="+mn-lt"/>
+                <a:ea typeface="+mn-ea"/>
+                <a:cs typeface="+mn-cs"/>
+              </a:rPr>
+              <a:t>上でのソフトウェア開発において，標準的なプロジェクトマネジメント手法を導入しやすくなることが期待される．</a:t>
+            </a:r>
+            <a:endParaRPr kumimoji="1" lang="ja-JP" altLang="en-US" dirty="0" smtClean="0"/>
+          </a:p>
+          <a:p>
+            <a:endParaRPr kumimoji="1" lang="ja-JP" altLang="en-US" dirty="0"/>
+          </a:p>
+        </p:txBody>
+      </p:sp>
+      <p:sp>
+        <p:nvSpPr>
+          <p:cNvPr id="4" name="スライド番号プレースホルダー 3"/>
+          <p:cNvSpPr>
+            <a:spLocks noGrp="1"/>
+          </p:cNvSpPr>
+          <p:nvPr>
+            <p:ph type="sldNum" sz="quarter" idx="10"/>
+          </p:nvPr>
+        </p:nvSpPr>
+        <p:spPr/>
+        <p:txBody>
+          <a:bodyPr/>
+          <a:lstStyle/>
+          <a:p>
+            <a:fld id="{66808EC6-8396-49DB-A400-D3B95AE59215}" type="slidenum">
+              <a:rPr kumimoji="1" lang="ja-JP" altLang="en-US" smtClean="0"/>
               <a:t>14</a:t>
             </a:fld>
             <a:endParaRPr kumimoji="1" lang="ja-JP" altLang="en-US"/>
@@ -704,7 +868,7 @@
 </p:notes>
 </file>
 
-<file path=ppt/notesSlides/notesSlide11.xml><?xml version="1.0" encoding="utf-8"?>
+<file path=ppt/notesSlides/notesSlide12.xml><?xml version="1.0" encoding="utf-8"?>
 <p:notes xmlns:a="http://schemas.openxmlformats.org/drawingml/2006/main" xmlns:r="http://schemas.openxmlformats.org/officeDocument/2006/relationships" xmlns:p="http://schemas.openxmlformats.org/presentationml/2006/main">
   <p:cSld>
     <p:spTree>
@@ -968,8 +1132,18 @@
           <a:p>
             <a:r>
               <a:rPr kumimoji="1" lang="ja-JP" altLang="en-US" dirty="0" smtClean="0"/>
-              <a:t>ソフト開発プロジェクトの開発体制には，一般的なプロジェクト</a:t>
-            </a:r>
+              <a:t>プロジェクトホスティングサービスとは，バージョン管理システムを提供するサービス</a:t>
+            </a:r>
+            <a:endParaRPr kumimoji="1" lang="en-US" altLang="ja-JP" dirty="0" smtClean="0"/>
+          </a:p>
+          <a:p>
+            <a:r>
+              <a:rPr kumimoji="1" lang="ja-JP" altLang="en-US" dirty="0" smtClean="0"/>
+              <a:t>ソフトウェア開発の開発体制はについて説明</a:t>
+            </a:r>
+            <a:endParaRPr kumimoji="1" lang="en-US" altLang="ja-JP" dirty="0" smtClean="0"/>
+          </a:p>
+          <a:p>
             <a:endParaRPr kumimoji="1" lang="ja-JP" altLang="en-US" dirty="0"/>
           </a:p>
         </p:txBody>
@@ -1077,7 +1251,27 @@
             </a:r>
           </a:p>
           <a:p>
-            <a:endParaRPr kumimoji="1" lang="ja-JP" altLang="en-US" dirty="0"/>
+            <a:r>
+              <a:rPr kumimoji="1" lang="ja-JP" altLang="en-US" dirty="0" smtClean="0"/>
+              <a:t>プロジェクトマネジャーの指示内容とメンバーの進捗報告内容から</a:t>
+            </a:r>
+            <a:r>
+              <a:rPr kumimoji="1" lang="en-US" altLang="ja-JP" dirty="0" smtClean="0"/>
+              <a:t>EVM</a:t>
+            </a:r>
+            <a:r>
+              <a:rPr kumimoji="1" lang="ja-JP" altLang="en-US" dirty="0" smtClean="0"/>
+              <a:t>に必要なデータを抽出し，</a:t>
+            </a:r>
+            <a:r>
+              <a:rPr kumimoji="1" lang="en-US" altLang="ja-JP" dirty="0" smtClean="0"/>
+              <a:t>EVM</a:t>
+            </a:r>
+            <a:r>
+              <a:rPr kumimoji="1" lang="ja-JP" altLang="en-US" dirty="0" smtClean="0"/>
+              <a:t>を自動</a:t>
+            </a:r>
+            <a:endParaRPr kumimoji="1" lang="en-US" altLang="ja-JP" dirty="0" smtClean="0"/>
           </a:p>
         </p:txBody>
       </p:sp>
@@ -1268,6 +1462,14 @@
           <a:bodyPr/>
           <a:lstStyle/>
           <a:p>
+            <a:r>
+              <a:rPr kumimoji="1" lang="en-US" altLang="ja-JP" dirty="0" err="1" smtClean="0"/>
+              <a:t>GitHub</a:t>
+            </a:r>
+            <a:r>
+              <a:rPr kumimoji="1" lang="ja-JP" altLang="en-US" dirty="0" smtClean="0"/>
+              <a:t>はプロジェクトホスティング</a:t>
+            </a:r>
             <a:endParaRPr kumimoji="1" lang="ja-JP" altLang="en-US" dirty="0"/>
           </a:p>
         </p:txBody>
@@ -1375,6 +1577,103 @@
             </a:r>
           </a:p>
           <a:p>
+            <a:r>
+              <a:rPr kumimoji="1" lang="en-US" altLang="ja-JP" dirty="0" smtClean="0"/>
+              <a:t>Issues</a:t>
+            </a:r>
+            <a:r>
+              <a:rPr kumimoji="1" lang="ja-JP" altLang="en-US" dirty="0" smtClean="0"/>
+              <a:t>の内容の，「タスク名」「タスク期限日」「計画予定時間数」「時給金額」「材料費」「直接労働時間数」「進捗測定基準度」「使用材料費」を記述する．</a:t>
+            </a:r>
+          </a:p>
+          <a:p>
+            <a:r>
+              <a:rPr kumimoji="1" lang="ja-JP" altLang="en-US" dirty="0" smtClean="0"/>
+              <a:t>の記述内容は，</a:t>
+            </a:r>
+            <a:r>
+              <a:rPr kumimoji="1" lang="en-US" altLang="ja-JP" dirty="0" smtClean="0"/>
+              <a:t>JSON</a:t>
+            </a:r>
+            <a:r>
+              <a:rPr kumimoji="1" lang="ja-JP" altLang="en-US" dirty="0" smtClean="0"/>
+              <a:t>形式で</a:t>
+            </a:r>
+            <a:r>
+              <a:rPr kumimoji="1" lang="en-US" altLang="ja-JP" dirty="0" smtClean="0"/>
+              <a:t>{"time":20}</a:t>
+            </a:r>
+            <a:r>
+              <a:rPr kumimoji="1" lang="ja-JP" altLang="en-US" dirty="0" err="1" smtClean="0"/>
+              <a:t>のように</a:t>
+            </a:r>
+            <a:r>
+              <a:rPr kumimoji="1" lang="ja-JP" altLang="en-US" dirty="0" smtClean="0"/>
+              <a:t>記述する．</a:t>
+            </a:r>
+          </a:p>
+          <a:p>
+            <a:r>
+              <a:rPr kumimoji="1" lang="ja-JP" altLang="en-US" dirty="0" smtClean="0"/>
+              <a:t>ブックマークレットを利用して，</a:t>
+            </a:r>
+            <a:r>
+              <a:rPr kumimoji="1" lang="en-US" altLang="ja-JP" dirty="0" err="1" smtClean="0"/>
+              <a:t>GitHub</a:t>
+            </a:r>
+            <a:r>
+              <a:rPr kumimoji="1" lang="ja-JP" altLang="en-US" dirty="0" smtClean="0"/>
+              <a:t>のページ上に</a:t>
+            </a:r>
+            <a:r>
+              <a:rPr kumimoji="1" lang="en-US" altLang="ja-JP" dirty="0" smtClean="0"/>
+              <a:t>EVM</a:t>
+            </a:r>
+            <a:r>
+              <a:rPr kumimoji="1" lang="ja-JP" altLang="en-US" dirty="0" err="1" smtClean="0"/>
+              <a:t>を描</a:t>
+            </a:r>
+            <a:r>
+              <a:rPr kumimoji="1" lang="ja-JP" altLang="en-US" dirty="0" smtClean="0"/>
+              <a:t>画する．このブックマークレットは，ブラウザのアドレス欄から</a:t>
+            </a:r>
+            <a:r>
+              <a:rPr kumimoji="1" lang="en-US" altLang="ja-JP" dirty="0" err="1" smtClean="0"/>
+              <a:t>GitHub</a:t>
+            </a:r>
+            <a:r>
+              <a:rPr kumimoji="1" lang="ja-JP" altLang="en-US" dirty="0" smtClean="0"/>
+              <a:t>のプロジェクト名を抽出し，</a:t>
+            </a:r>
+            <a:r>
+              <a:rPr kumimoji="1" lang="en-US" altLang="ja-JP" dirty="0" smtClean="0"/>
+              <a:t>Google Chart API</a:t>
+            </a:r>
+            <a:r>
+              <a:rPr kumimoji="1" lang="ja-JP" altLang="en-US" dirty="0" smtClean="0"/>
+              <a:t>（グラフ描画ツール）のための</a:t>
+            </a:r>
+            <a:r>
+              <a:rPr kumimoji="1" lang="en-US" altLang="ja-JP" dirty="0" smtClean="0"/>
+              <a:t>URL</a:t>
+            </a:r>
+            <a:r>
+              <a:rPr kumimoji="1" lang="ja-JP" altLang="en-US" dirty="0" smtClean="0"/>
+              <a:t>を作成，その</a:t>
+            </a:r>
+            <a:r>
+              <a:rPr kumimoji="1" lang="en-US" altLang="ja-JP" dirty="0" smtClean="0"/>
+              <a:t>URL</a:t>
+            </a:r>
+            <a:r>
+              <a:rPr kumimoji="1" lang="ja-JP" altLang="en-US" dirty="0" smtClean="0"/>
+              <a:t>で描かれるグラフを，ページ上に挿入する．</a:t>
+            </a:r>
+          </a:p>
+          <a:p>
+            <a:endParaRPr kumimoji="1" lang="ja-JP" altLang="en-US" dirty="0" smtClean="0"/>
+          </a:p>
+          <a:p>
             <a:endParaRPr kumimoji="1" lang="ja-JP" altLang="en-US" dirty="0"/>
           </a:p>
         </p:txBody>
@@ -1566,29 +1865,17 @@
           <a:bodyPr/>
           <a:lstStyle/>
           <a:p>
-            <a:pPr marL="0" marR="0" indent="0" algn="l" defTabSz="914400" rtl="0" eaLnBrk="1" fontAlgn="auto" latinLnBrk="0" hangingPunct="1">
-              <a:lnSpc>
-                <a:spcPct val="100000"/>
-              </a:lnSpc>
-              <a:spcBef>
-                <a:spcPts val="0"/>
-              </a:spcBef>
-              <a:spcAft>
-                <a:spcPts val="0"/>
-              </a:spcAft>
-              <a:buClrTx/>
-              <a:buSzTx/>
-              <a:buFontTx/>
-              <a:buNone/>
-              <a:tabLst/>
-              <a:defRPr/>
-            </a:pPr>
             <a:r>
               <a:rPr kumimoji="1" lang="ja-JP" altLang="en-US" dirty="0" smtClean="0"/>
-              <a:t>口答内容</a:t>
-            </a:r>
-          </a:p>
-          <a:p>
+              <a:t>口頭内容</a:t>
+            </a:r>
+            <a:endParaRPr kumimoji="1" lang="en-US" altLang="ja-JP" dirty="0" smtClean="0"/>
+          </a:p>
+          <a:p>
+            <a:r>
+              <a:rPr kumimoji="1" lang="en-US" altLang="ja-JP" dirty="0" err="1" smtClean="0"/>
+              <a:t>IssuesGitHub</a:t>
+            </a:r>
             <a:endParaRPr kumimoji="1" lang="ja-JP" altLang="en-US" dirty="0"/>
           </a:p>
         </p:txBody>
@@ -1610,7 +1897,7 @@
           <a:p>
             <a:fld id="{66808EC6-8396-49DB-A400-D3B95AE59215}" type="slidenum">
               <a:rPr kumimoji="1" lang="ja-JP" altLang="en-US" smtClean="0"/>
-              <a:t>13</a:t>
+              <a:t>10</a:t>
             </a:fld>
             <a:endParaRPr kumimoji="1" lang="ja-JP" altLang="en-US"/>
           </a:p>
@@ -1619,7 +1906,7 @@
     </p:spTree>
     <p:extLst>
       <p:ext uri="{BB962C8B-B14F-4D97-AF65-F5344CB8AC3E}">
-        <p14:creationId xmlns:p14="http://schemas.microsoft.com/office/powerpoint/2010/main" val="2844868345"/>
+        <p14:creationId xmlns:p14="http://schemas.microsoft.com/office/powerpoint/2010/main" val="1190718628"/>
       </p:ext>
     </p:extLst>
   </p:cSld>
@@ -5292,6 +5579,14 @@
   <p:clrMapOvr>
     <a:masterClrMapping/>
   </p:clrMapOvr>
+  <mc:AlternateContent xmlns:mc="http://schemas.openxmlformats.org/markup-compatibility/2006" xmlns:p14="http://schemas.microsoft.com/office/powerpoint/2010/main">
+    <mc:Choice Requires="p14">
+      <p:transition p14:dur="0"/>
+    </mc:Choice>
+    <mc:Fallback xmlns="">
+      <p:transition/>
+    </mc:Fallback>
+  </mc:AlternateContent>
   <p:timing>
     <p:tnLst>
       <p:par>
@@ -5375,7 +5670,27 @@
           <a:bodyPr/>
           <a:lstStyle/>
           <a:p>
-            <a:endParaRPr kumimoji="1" lang="ja-JP" altLang="en-US" dirty="0"/>
+            <a:r>
+              <a:rPr kumimoji="1" lang="en-US" altLang="ja-JP" dirty="0" err="1" smtClean="0"/>
+              <a:t>GitHub</a:t>
+            </a:r>
+            <a:r>
+              <a:rPr kumimoji="1" lang="en-US" altLang="ja-JP" dirty="0" smtClean="0"/>
+              <a:t> API</a:t>
+            </a:r>
+            <a:r>
+              <a:rPr kumimoji="1" lang="ja-JP" altLang="en-US" dirty="0" smtClean="0"/>
+              <a:t>によって，</a:t>
+            </a:r>
+            <a:r>
+              <a:rPr kumimoji="1" lang="en-US" altLang="ja-JP" dirty="0" smtClean="0"/>
+              <a:t>EVM</a:t>
+            </a:r>
+            <a:r>
+              <a:rPr lang="ja-JP" altLang="en-US" dirty="0" smtClean="0"/>
+              <a:t>に必要なデータを正確に取得できるかを検証する</a:t>
+            </a:r>
+            <a:endParaRPr kumimoji="1" lang="en-US" altLang="ja-JP" dirty="0" smtClean="0"/>
           </a:p>
         </p:txBody>
       </p:sp>
@@ -5464,7 +5779,43 @@
           <a:bodyPr/>
           <a:lstStyle/>
           <a:p>
-            <a:endParaRPr kumimoji="1" lang="ja-JP" altLang="en-US"/>
+            <a:r>
+              <a:rPr kumimoji="1" lang="en-US" altLang="ja-JP" dirty="0" err="1" smtClean="0"/>
+              <a:t>GitHub</a:t>
+            </a:r>
+            <a:r>
+              <a:rPr kumimoji="1" lang="en-US" altLang="ja-JP" dirty="0" smtClean="0"/>
+              <a:t> API</a:t>
+            </a:r>
+            <a:r>
+              <a:rPr kumimoji="1" lang="ja-JP" altLang="en-US" dirty="0" smtClean="0"/>
+              <a:t>で取得したデータから仮想プロジェクトデータから作成されると予想される</a:t>
+            </a:r>
+            <a:r>
+              <a:rPr kumimoji="1" lang="en-US" altLang="ja-JP" dirty="0" smtClean="0"/>
+              <a:t>EVM</a:t>
+            </a:r>
+            <a:r>
+              <a:rPr lang="ja-JP" altLang="en-US" dirty="0" smtClean="0"/>
+              <a:t>グラフを</a:t>
+            </a:r>
+            <a:r>
+              <a:rPr kumimoji="1" lang="en-US" altLang="ja-JP" dirty="0" smtClean="0"/>
+              <a:t>Excel</a:t>
+            </a:r>
+            <a:r>
+              <a:rPr kumimoji="1" lang="ja-JP" altLang="en-US" dirty="0" smtClean="0"/>
+              <a:t>で作成し，システムで作成した</a:t>
+            </a:r>
+            <a:r>
+              <a:rPr kumimoji="1" lang="en-US" altLang="ja-JP" dirty="0" smtClean="0"/>
+              <a:t>EVM</a:t>
+            </a:r>
+            <a:r>
+              <a:rPr kumimoji="1" lang="ja-JP" altLang="en-US" dirty="0" smtClean="0"/>
+              <a:t>グラフと同じものができるか検証する．</a:t>
+            </a:r>
+            <a:endParaRPr kumimoji="1" lang="ja-JP" altLang="en-US" dirty="0"/>
           </a:p>
         </p:txBody>
       </p:sp>
@@ -5561,7 +5912,15 @@
           <a:bodyPr/>
           <a:lstStyle/>
           <a:p>
-            <a:endParaRPr kumimoji="1" lang="ja-JP" altLang="en-US"/>
+            <a:r>
+              <a:rPr lang="en-US" altLang="ja-JP" dirty="0" smtClean="0"/>
+              <a:t>EVM</a:t>
+            </a:r>
+            <a:r>
+              <a:rPr lang="ja-JP" altLang="en-US" dirty="0" smtClean="0"/>
+              <a:t>を作成</a:t>
+            </a:r>
+            <a:endParaRPr kumimoji="1" lang="ja-JP" altLang="en-US" dirty="0"/>
           </a:p>
         </p:txBody>
       </p:sp>
@@ -5640,10 +5999,100 @@
           <a:bodyPr/>
           <a:lstStyle/>
           <a:p>
+            <a:r>
+              <a:rPr kumimoji="1" lang="ja-JP" altLang="en-US" dirty="0" smtClean="0"/>
+              <a:t>システムの検証から</a:t>
+            </a:r>
+            <a:r>
+              <a:rPr lang="en-US" altLang="ja-JP" dirty="0"/>
+              <a:t>EVM</a:t>
+            </a:r>
+            <a:r>
+              <a:rPr lang="ja-JP" altLang="ja-JP" dirty="0"/>
+              <a:t>のために必要な情報を</a:t>
+            </a:r>
+            <a:r>
+              <a:rPr lang="en-US" altLang="ja-JP" dirty="0"/>
+              <a:t>Issues</a:t>
+            </a:r>
+            <a:r>
+              <a:rPr lang="ja-JP" altLang="ja-JP" dirty="0"/>
+              <a:t>に記述しておくことによって</a:t>
+            </a:r>
+            <a:r>
+              <a:rPr lang="ja-JP" altLang="ja-JP" dirty="0" smtClean="0"/>
+              <a:t>，</a:t>
+            </a:r>
+            <a:r>
+              <a:rPr lang="en-US" altLang="ja-JP" dirty="0" err="1" smtClean="0"/>
+              <a:t>GitHub</a:t>
+            </a:r>
+            <a:r>
+              <a:rPr lang="ja-JP" altLang="ja-JP" dirty="0"/>
+              <a:t>上に</a:t>
+            </a:r>
+            <a:r>
+              <a:rPr lang="en-US" altLang="ja-JP" dirty="0"/>
+              <a:t>EVM</a:t>
+            </a:r>
+            <a:r>
+              <a:rPr lang="ja-JP" altLang="ja-JP" dirty="0" err="1"/>
+              <a:t>を描</a:t>
+            </a:r>
+            <a:r>
+              <a:rPr lang="ja-JP" altLang="ja-JP" dirty="0"/>
+              <a:t>画することができる</a:t>
+            </a:r>
+            <a:r>
+              <a:rPr lang="ja-JP" altLang="ja-JP" dirty="0" smtClean="0"/>
+              <a:t>．</a:t>
+            </a:r>
+            <a:endParaRPr lang="en-US" altLang="ja-JP" dirty="0" smtClean="0"/>
+          </a:p>
+          <a:p>
+            <a:pPr marL="0" indent="0">
+              <a:buNone/>
+            </a:pPr>
+            <a:endParaRPr lang="ja-JP" altLang="ja-JP" dirty="0"/>
+          </a:p>
+          <a:p>
             <a:endParaRPr kumimoji="1" lang="ja-JP" altLang="en-US" dirty="0"/>
           </a:p>
         </p:txBody>
       </p:sp>
+      <p:pic>
+        <p:nvPicPr>
+          <p:cNvPr id="4" name="図 3" descr="C:\Users\kudo\Desktop\costoverキャプチャ.PNG"/>
+          <p:cNvPicPr/>
+          <p:nvPr/>
+        </p:nvPicPr>
+        <p:blipFill>
+          <a:blip r:embed="rId3" cstate="print">
+            <a:extLst>
+              <a:ext uri="{28A0092B-C50C-407E-A947-70E740481C1C}">
+                <a14:useLocalDpi xmlns:a14="http://schemas.microsoft.com/office/drawing/2010/main" val="0"/>
+              </a:ext>
+            </a:extLst>
+          </a:blip>
+          <a:srcRect/>
+          <a:stretch>
+            <a:fillRect/>
+          </a:stretch>
+        </p:blipFill>
+        <p:spPr bwMode="auto">
+          <a:xfrm>
+            <a:off x="827584" y="2852936"/>
+            <a:ext cx="7632848" cy="3240360"/>
+          </a:xfrm>
+          <a:prstGeom prst="rect">
+            <a:avLst/>
+          </a:prstGeom>
+          <a:noFill/>
+          <a:ln>
+            <a:noFill/>
+          </a:ln>
+        </p:spPr>
+      </p:pic>
     </p:spTree>
     <p:extLst>
       <p:ext uri="{BB962C8B-B14F-4D97-AF65-F5344CB8AC3E}">
@@ -5719,7 +6168,75 @@
           <a:bodyPr/>
           <a:lstStyle/>
           <a:p>
-            <a:endParaRPr kumimoji="1" lang="ja-JP" altLang="en-US"/>
+            <a:r>
+              <a:rPr kumimoji="1" lang="ja-JP" altLang="en-US" dirty="0" smtClean="0"/>
+              <a:t>本研究で開発したシステムでは，</a:t>
+            </a:r>
+            <a:r>
+              <a:rPr kumimoji="1" lang="en-US" altLang="ja-JP" dirty="0" err="1" smtClean="0"/>
+              <a:t>GitHub</a:t>
+            </a:r>
+            <a:r>
+              <a:rPr kumimoji="1" lang="ja-JP" altLang="en-US" dirty="0" smtClean="0"/>
+              <a:t>上で</a:t>
+            </a:r>
+            <a:r>
+              <a:rPr kumimoji="1" lang="en-US" altLang="ja-JP" dirty="0" smtClean="0"/>
+              <a:t>EVM</a:t>
+            </a:r>
+            <a:r>
+              <a:rPr kumimoji="1" lang="ja-JP" altLang="en-US" dirty="0" err="1" smtClean="0"/>
+              <a:t>を描</a:t>
+            </a:r>
+            <a:r>
+              <a:rPr kumimoji="1" lang="ja-JP" altLang="en-US" dirty="0" smtClean="0"/>
+              <a:t>画することは可能である．</a:t>
+            </a:r>
+            <a:endParaRPr kumimoji="1" lang="en-US" altLang="ja-JP" dirty="0" smtClean="0"/>
+          </a:p>
+          <a:p>
+            <a:r>
+              <a:rPr lang="ja-JP" altLang="en-US" dirty="0" smtClean="0"/>
+              <a:t>ただし，</a:t>
+            </a:r>
+            <a:r>
+              <a:rPr lang="en-US" altLang="ja-JP" dirty="0" smtClean="0"/>
+              <a:t>EVM</a:t>
+            </a:r>
+            <a:r>
+              <a:rPr lang="ja-JP" altLang="en-US" dirty="0" smtClean="0"/>
+              <a:t>を作成するために</a:t>
+            </a:r>
+            <a:r>
+              <a:rPr lang="en-US" altLang="ja-JP" dirty="0" smtClean="0"/>
+              <a:t>Issues</a:t>
+            </a:r>
+            <a:r>
+              <a:rPr lang="ja-JP" altLang="ja-JP" dirty="0" err="1"/>
+              <a:t>での</a:t>
+            </a:r>
+            <a:r>
+              <a:rPr lang="ja-JP" altLang="ja-JP" dirty="0"/>
+              <a:t>タスクの記述方法を統一するだけで利用可能であることが，本システムの大きな</a:t>
+            </a:r>
+            <a:r>
+              <a:rPr lang="ja-JP" altLang="ja-JP" dirty="0" smtClean="0"/>
+              <a:t>利点</a:t>
+            </a:r>
+            <a:r>
+              <a:rPr lang="ja-JP" altLang="en-US" dirty="0" smtClean="0"/>
+              <a:t>と考えられる．</a:t>
+            </a:r>
+            <a:endParaRPr lang="en-US" altLang="ja-JP" dirty="0" smtClean="0"/>
+          </a:p>
+          <a:p>
+            <a:endParaRPr kumimoji="1" lang="en-US" altLang="ja-JP" dirty="0" smtClean="0"/>
+          </a:p>
+          <a:p>
+            <a:pPr marL="0" indent="0">
+              <a:buNone/>
+            </a:pPr>
+            <a:endParaRPr kumimoji="1" lang="ja-JP" altLang="en-US" dirty="0"/>
           </a:p>
         </p:txBody>
       </p:sp>
@@ -6023,10 +6540,113 @@
         </p:nvSpPr>
         <p:spPr/>
         <p:txBody>
-          <a:bodyPr/>
-          <a:lstStyle/>
-          <a:p>
-            <a:endParaRPr kumimoji="1" lang="ja-JP" altLang="en-US" dirty="0"/>
+          <a:bodyPr>
+            <a:normAutofit/>
+          </a:bodyPr>
+          <a:lstStyle/>
+          <a:p>
+            <a:pPr>
+              <a:buFont typeface="Wingdings" pitchFamily="2" charset="2"/>
+              <a:buChar char="l"/>
+            </a:pPr>
+            <a:r>
+              <a:rPr lang="ja-JP" altLang="en-US" dirty="0" smtClean="0"/>
+              <a:t>一般的</a:t>
+            </a:r>
+            <a:r>
+              <a:rPr lang="ja-JP" altLang="en-US" dirty="0"/>
+              <a:t>なプロジェクトと同様に，</a:t>
+            </a:r>
+            <a:r>
+              <a:rPr lang="en-US" altLang="ja-JP" dirty="0"/>
+              <a:t>PMBOK</a:t>
+            </a:r>
+            <a:r>
+              <a:rPr lang="ja-JP" altLang="en-US" dirty="0" err="1"/>
+              <a:t>で提</a:t>
+            </a:r>
+            <a:r>
+              <a:rPr lang="ja-JP" altLang="en-US" dirty="0"/>
+              <a:t>示されているようなマネジメントの活動がプロジェクトホスティングサービスでサポートされることが望ましい</a:t>
+            </a:r>
+            <a:r>
+              <a:rPr lang="ja-JP" altLang="en-US" dirty="0" smtClean="0"/>
+              <a:t>．</a:t>
+            </a:r>
+            <a:endParaRPr lang="en-US" altLang="ja-JP" dirty="0" smtClean="0"/>
+          </a:p>
+          <a:p>
+            <a:pPr>
+              <a:buFont typeface="Wingdings" pitchFamily="2" charset="2"/>
+              <a:buChar char="l"/>
+            </a:pPr>
+            <a:r>
+              <a:rPr lang="ja-JP" altLang="en-US" dirty="0" smtClean="0"/>
+              <a:t>プロジェクトマネジメントに</a:t>
+            </a:r>
+            <a:r>
+              <a:rPr lang="ja-JP" altLang="en-US" dirty="0"/>
+              <a:t>おいて</a:t>
+            </a:r>
+            <a:r>
+              <a:rPr lang="ja-JP" altLang="en-US" dirty="0" smtClean="0"/>
+              <a:t>，</a:t>
+            </a:r>
+            <a:r>
+              <a:rPr lang="en-US" altLang="ja-JP" dirty="0" smtClean="0"/>
+              <a:t>EVM</a:t>
+            </a:r>
+            <a:r>
+              <a:rPr lang="ja-JP" altLang="en-US" dirty="0"/>
+              <a:t>は，</a:t>
+            </a:r>
+            <a:r>
+              <a:rPr lang="ja-JP" altLang="en-US" dirty="0" smtClean="0"/>
+              <a:t>プロジェクトの進捗</a:t>
+            </a:r>
+            <a:r>
+              <a:rPr lang="ja-JP" altLang="en-US" dirty="0"/>
+              <a:t>状況に対応した判断を行うのに必要であり重要である．</a:t>
+            </a:r>
+          </a:p>
+          <a:p>
+            <a:pPr>
+              <a:buFont typeface="Wingdings" pitchFamily="2" charset="2"/>
+              <a:buChar char="l"/>
+            </a:pPr>
+            <a:r>
+              <a:rPr lang="ja-JP" altLang="en-US" dirty="0" smtClean="0"/>
+              <a:t>既存のプロジェクトホスティングサービス上</a:t>
+            </a:r>
+            <a:r>
+              <a:rPr lang="ja-JP" altLang="en-US" dirty="0"/>
+              <a:t>では，</a:t>
+            </a:r>
+            <a:r>
+              <a:rPr lang="en-US" altLang="ja-JP" dirty="0"/>
+              <a:t>EVM</a:t>
+            </a:r>
+            <a:r>
+              <a:rPr lang="ja-JP" altLang="en-US" dirty="0"/>
+              <a:t>を見ることは</a:t>
+            </a:r>
+            <a:r>
+              <a:rPr lang="ja-JP" altLang="en-US" dirty="0" smtClean="0"/>
+              <a:t>できないので，バージョン</a:t>
+            </a:r>
+            <a:r>
+              <a:rPr lang="ja-JP" altLang="en-US" dirty="0"/>
+              <a:t>管理システムを用いるプロジェクトマネジャーは，計画時のデータと進行中の進捗データを取り出して，別々に処理することによって</a:t>
+            </a:r>
+            <a:r>
+              <a:rPr lang="en-US" altLang="ja-JP" dirty="0"/>
+              <a:t>EVM</a:t>
+            </a:r>
+            <a:r>
+              <a:rPr lang="ja-JP" altLang="en-US" dirty="0"/>
+              <a:t>を描かなければならない．</a:t>
+            </a:r>
+            <a:endParaRPr kumimoji="1" lang="en-US" altLang="ja-JP" dirty="0" smtClean="0"/>
           </a:p>
         </p:txBody>
       </p:sp>
@@ -6105,10 +6725,226 @@
           <a:bodyPr/>
           <a:lstStyle/>
           <a:p>
-            <a:endParaRPr kumimoji="1" lang="ja-JP" altLang="en-US"/>
-          </a:p>
-        </p:txBody>
-      </p:sp>
+            <a:pPr>
+              <a:buFont typeface="Wingdings" pitchFamily="2" charset="2"/>
+              <a:buChar char="l"/>
+            </a:pPr>
+            <a:r>
+              <a:rPr kumimoji="1" lang="en-US" altLang="ja-JP" dirty="0" err="1" smtClean="0"/>
+              <a:t>GitHub</a:t>
+            </a:r>
+            <a:r>
+              <a:rPr kumimoji="1" lang="ja-JP" altLang="en-US" dirty="0" smtClean="0"/>
+              <a:t>上で自動的に</a:t>
+            </a:r>
+            <a:r>
+              <a:rPr lang="en-US" altLang="ja-JP" dirty="0" smtClean="0"/>
+              <a:t>EVM</a:t>
+            </a:r>
+            <a:r>
+              <a:rPr lang="ja-JP" altLang="en-US" dirty="0" err="1" smtClean="0"/>
+              <a:t>を描</a:t>
+            </a:r>
+            <a:r>
+              <a:rPr lang="ja-JP" altLang="en-US" dirty="0" smtClean="0"/>
+              <a:t>画</a:t>
+            </a:r>
+            <a:r>
+              <a:rPr kumimoji="1" lang="ja-JP" altLang="en-US" dirty="0" smtClean="0"/>
+              <a:t>するシステムを開発する．</a:t>
+            </a:r>
+            <a:endParaRPr kumimoji="1" lang="en-US" altLang="ja-JP" dirty="0" smtClean="0"/>
+          </a:p>
+          <a:p>
+            <a:pPr marL="0" indent="0">
+              <a:buNone/>
+            </a:pPr>
+            <a:endParaRPr kumimoji="1" lang="ja-JP" altLang="en-US" dirty="0"/>
+          </a:p>
+        </p:txBody>
+      </p:sp>
+      <p:pic>
+        <p:nvPicPr>
+          <p:cNvPr id="6" name="図 5" descr="C:\Users\kudo\Desktop\costoverissues内容.PNG"/>
+          <p:cNvPicPr/>
+          <p:nvPr/>
+        </p:nvPicPr>
+        <p:blipFill>
+          <a:blip r:embed="rId3">
+            <a:extLst>
+              <a:ext uri="{28A0092B-C50C-407E-A947-70E740481C1C}">
+                <a14:useLocalDpi xmlns:a14="http://schemas.microsoft.com/office/drawing/2010/main" val="0"/>
+              </a:ext>
+            </a:extLst>
+          </a:blip>
+          <a:srcRect/>
+          <a:stretch>
+            <a:fillRect/>
+          </a:stretch>
+        </p:blipFill>
+        <p:spPr bwMode="auto">
+          <a:xfrm>
+            <a:off x="107504" y="1988840"/>
+            <a:ext cx="3816424" cy="1944216"/>
+          </a:xfrm>
+          <a:prstGeom prst="rect">
+            <a:avLst/>
+          </a:prstGeom>
+          <a:noFill/>
+          <a:ln>
+            <a:noFill/>
+          </a:ln>
+        </p:spPr>
+      </p:pic>
+      <p:pic>
+        <p:nvPicPr>
+          <p:cNvPr id="8" name="図 7"/>
+          <p:cNvPicPr/>
+          <p:nvPr/>
+        </p:nvPicPr>
+        <p:blipFill>
+          <a:blip r:embed="rId4"/>
+          <a:stretch>
+            <a:fillRect/>
+          </a:stretch>
+        </p:blipFill>
+        <p:spPr>
+          <a:xfrm>
+            <a:off x="560194" y="4221911"/>
+            <a:ext cx="4947910" cy="2079625"/>
+          </a:xfrm>
+          <a:prstGeom prst="rect">
+            <a:avLst/>
+          </a:prstGeom>
+        </p:spPr>
+      </p:pic>
+      <p:sp>
+        <p:nvSpPr>
+          <p:cNvPr id="10" name="曲折矢印 9"/>
+          <p:cNvSpPr/>
+          <p:nvPr/>
+        </p:nvSpPr>
+        <p:spPr>
+          <a:xfrm rot="10800000">
+            <a:off x="5746698" y="4585052"/>
+            <a:ext cx="864096" cy="1008112"/>
+          </a:xfrm>
+          <a:prstGeom prst="bentArrow">
+            <a:avLst/>
+          </a:prstGeom>
+          <a:solidFill>
+            <a:srgbClr val="00B0F0"/>
+          </a:solidFill>
+        </p:spPr>
+        <p:style>
+          <a:lnRef idx="2">
+            <a:schemeClr val="accent1">
+              <a:shade val="50000"/>
+            </a:schemeClr>
+          </a:lnRef>
+          <a:fillRef idx="1">
+            <a:schemeClr val="accent1"/>
+          </a:fillRef>
+          <a:effectRef idx="0">
+            <a:schemeClr val="accent1"/>
+          </a:effectRef>
+          <a:fontRef idx="minor">
+            <a:schemeClr val="lt1"/>
+          </a:fontRef>
+        </p:style>
+        <p:txBody>
+          <a:bodyPr rtlCol="0" anchor="ctr"/>
+          <a:lstStyle/>
+          <a:p>
+            <a:pPr algn="ctr"/>
+            <a:endParaRPr kumimoji="1" lang="ja-JP" altLang="en-US">
+              <a:solidFill>
+                <a:schemeClr val="tx1"/>
+              </a:solidFill>
+            </a:endParaRPr>
+          </a:p>
+        </p:txBody>
+      </p:sp>
+      <p:sp>
+        <p:nvSpPr>
+          <p:cNvPr id="13" name="右矢印 12"/>
+          <p:cNvSpPr/>
+          <p:nvPr/>
+        </p:nvSpPr>
+        <p:spPr>
+          <a:xfrm>
+            <a:off x="4233356" y="2798958"/>
+            <a:ext cx="719455" cy="467995"/>
+          </a:xfrm>
+          <a:prstGeom prst="rightArrow">
+            <a:avLst/>
+          </a:prstGeom>
+          <a:solidFill>
+            <a:srgbClr val="00B0F0"/>
+          </a:solidFill>
+        </p:spPr>
+        <p:style>
+          <a:lnRef idx="2">
+            <a:schemeClr val="accent1">
+              <a:shade val="50000"/>
+            </a:schemeClr>
+          </a:lnRef>
+          <a:fillRef idx="1">
+            <a:schemeClr val="accent1"/>
+          </a:fillRef>
+          <a:effectRef idx="0">
+            <a:schemeClr val="accent1"/>
+          </a:effectRef>
+          <a:fontRef idx="minor">
+            <a:schemeClr val="lt1"/>
+          </a:fontRef>
+        </p:style>
+        <p:txBody>
+          <a:bodyPr rot="0" spcFirstLastPara="0" vert="horz" wrap="square" lIns="91440" tIns="45720" rIns="91440" bIns="45720" numCol="1" spcCol="0" rtlCol="0" fromWordArt="0" anchor="ctr" anchorCtr="0" forceAA="0" compatLnSpc="1">
+            <a:prstTxWarp prst="textNoShape">
+              <a:avLst/>
+            </a:prstTxWarp>
+            <a:noAutofit/>
+          </a:bodyPr>
+          <a:lstStyle/>
+          <a:p>
+            <a:endParaRPr lang="ja-JP" altLang="en-US"/>
+          </a:p>
+        </p:txBody>
+      </p:sp>
+      <p:pic>
+        <p:nvPicPr>
+          <p:cNvPr id="14" name="図 13" descr="C:\Users\akira\Desktop\GoogleChartAPI（summarize修正版）URL.png"/>
+          <p:cNvPicPr/>
+          <p:nvPr/>
+        </p:nvPicPr>
+        <p:blipFill>
+          <a:blip r:embed="rId5">
+            <a:extLst>
+              <a:ext uri="{28A0092B-C50C-407E-A947-70E740481C1C}">
+                <a14:useLocalDpi xmlns:a14="http://schemas.microsoft.com/office/drawing/2010/main" val="0"/>
+              </a:ext>
+            </a:extLst>
+          </a:blip>
+          <a:srcRect/>
+          <a:stretch>
+            <a:fillRect/>
+          </a:stretch>
+        </p:blipFill>
+        <p:spPr bwMode="auto">
+          <a:xfrm>
+            <a:off x="5041522" y="2132856"/>
+            <a:ext cx="3874717" cy="1806371"/>
+          </a:xfrm>
+          <a:prstGeom prst="rect">
+            <a:avLst/>
+          </a:prstGeom>
+          <a:noFill/>
+          <a:ln>
+            <a:noFill/>
+          </a:ln>
+        </p:spPr>
+      </p:pic>
     </p:spTree>
     <p:extLst>
       <p:ext uri="{BB962C8B-B14F-4D97-AF65-F5344CB8AC3E}">
@@ -6119,6 +6955,18 @@
   <p:clrMapOvr>
     <a:masterClrMapping/>
   </p:clrMapOvr>
+  <mc:AlternateContent xmlns:mc="http://schemas.openxmlformats.org/markup-compatibility/2006" xmlns:p14="http://schemas.microsoft.com/office/powerpoint/2010/main">
+    <mc:Choice Requires="p14">
+      <p:transition p14:dur="100">
+        <p:cut/>
+      </p:transition>
+    </mc:Choice>
+    <mc:Fallback xmlns="">
+      <p:transition>
+        <p:cut/>
+      </p:transition>
+    </mc:Fallback>
+  </mc:AlternateContent>
   <p:timing>
     <p:tnLst>
       <p:par>
@@ -6184,7 +7032,14 @@
           <a:bodyPr/>
           <a:lstStyle/>
           <a:p>
-            <a:endParaRPr kumimoji="1" lang="ja-JP" altLang="en-US"/>
+            <a:r>
+              <a:rPr kumimoji="1" lang="ja-JP" altLang="en-US" dirty="0" smtClean="0"/>
+              <a:t>研究方法について説明する</a:t>
+            </a:r>
+            <a:endParaRPr kumimoji="1" lang="en-US" altLang="ja-JP" dirty="0" smtClean="0"/>
+          </a:p>
+          <a:p>
+            <a:endParaRPr kumimoji="1" lang="ja-JP" altLang="en-US" dirty="0"/>
           </a:p>
         </p:txBody>
       </p:sp>
@@ -6241,29 +7096,52 @@
           <a:lstStyle/>
           <a:p>
             <a:r>
+              <a:rPr kumimoji="1" lang="en-US" altLang="ja-JP" dirty="0" err="1" smtClean="0"/>
+              <a:t>GitHub</a:t>
+            </a:r>
+            <a:r>
+              <a:rPr lang="ja-JP" altLang="en-US" dirty="0" smtClean="0"/>
+              <a:t>について</a:t>
+            </a:r>
+            <a:endParaRPr kumimoji="1" lang="ja-JP" altLang="en-US" dirty="0"/>
+          </a:p>
+        </p:txBody>
+      </p:sp>
+      <p:sp>
+        <p:nvSpPr>
+          <p:cNvPr id="3" name="コンテンツ プレースホルダー 2"/>
+          <p:cNvSpPr>
+            <a:spLocks noGrp="1"/>
+          </p:cNvSpPr>
+          <p:nvPr>
+            <p:ph idx="1"/>
+          </p:nvPr>
+        </p:nvSpPr>
+        <p:spPr/>
+        <p:txBody>
+          <a:bodyPr/>
+          <a:lstStyle/>
+          <a:p>
+            <a:r>
+              <a:rPr kumimoji="1" lang="en-US" altLang="ja-JP" dirty="0" err="1" smtClean="0"/>
+              <a:t>GitHub</a:t>
+            </a:r>
+            <a:r>
+              <a:rPr lang="ja-JP" altLang="en-US" dirty="0" smtClean="0"/>
+              <a:t>について説明をする</a:t>
+            </a:r>
+            <a:endParaRPr lang="en-US" altLang="ja-JP" dirty="0" smtClean="0"/>
+          </a:p>
+          <a:p>
+            <a:r>
+              <a:rPr kumimoji="1" lang="en-US" altLang="ja-JP" dirty="0" smtClean="0"/>
+              <a:t>Issues</a:t>
+            </a:r>
+            <a:r>
               <a:rPr kumimoji="1" lang="ja-JP" altLang="en-US" dirty="0" smtClean="0"/>
-              <a:t>プロジェクトホスティングサービス</a:t>
+              <a:t>について説明をする</a:t>
             </a:r>
             <a:endParaRPr kumimoji="1" lang="ja-JP" altLang="en-US" dirty="0"/>
-          </a:p>
-        </p:txBody>
-      </p:sp>
-      <p:sp>
-        <p:nvSpPr>
-          <p:cNvPr id="3" name="コンテンツ プレースホルダー 2"/>
-          <p:cNvSpPr>
-            <a:spLocks noGrp="1"/>
-          </p:cNvSpPr>
-          <p:nvPr>
-            <p:ph idx="1"/>
-          </p:nvPr>
-        </p:nvSpPr>
-        <p:spPr/>
-        <p:txBody>
-          <a:bodyPr/>
-          <a:lstStyle/>
-          <a:p>
-            <a:endParaRPr kumimoji="1" lang="ja-JP" altLang="en-US"/>
           </a:p>
         </p:txBody>
       </p:sp>
@@ -6342,10 +7220,67 @@
           <a:bodyPr/>
           <a:lstStyle/>
           <a:p>
-            <a:endParaRPr kumimoji="1" lang="ja-JP" altLang="en-US"/>
-          </a:p>
-        </p:txBody>
-      </p:sp>
+            <a:r>
+              <a:rPr kumimoji="1" lang="en-US" altLang="ja-JP" dirty="0" smtClean="0"/>
+              <a:t>Issues</a:t>
+            </a:r>
+            <a:r>
+              <a:rPr kumimoji="1" lang="ja-JP" altLang="en-US" dirty="0" smtClean="0"/>
+              <a:t>の内容からを</a:t>
+            </a:r>
+            <a:r>
+              <a:rPr kumimoji="1" lang="en-US" altLang="ja-JP" dirty="0" smtClean="0"/>
+              <a:t>JSON</a:t>
+            </a:r>
+            <a:r>
+              <a:rPr kumimoji="1" lang="ja-JP" altLang="en-US" dirty="0" smtClean="0"/>
+              <a:t>形式で記述し，この内容から</a:t>
+            </a:r>
+            <a:r>
+              <a:rPr kumimoji="1" lang="en-US" altLang="ja-JP" dirty="0" smtClean="0"/>
+              <a:t>EVM</a:t>
+            </a:r>
+            <a:r>
+              <a:rPr kumimoji="1" lang="ja-JP" altLang="en-US" dirty="0" smtClean="0"/>
+              <a:t>を</a:t>
+            </a:r>
+            <a:r>
+              <a:rPr kumimoji="1" lang="en-US" altLang="ja-JP" dirty="0" err="1" smtClean="0"/>
+              <a:t>GitHub</a:t>
+            </a:r>
+            <a:r>
+              <a:rPr kumimoji="1" lang="ja-JP" altLang="en-US" dirty="0" smtClean="0"/>
+              <a:t>上に</a:t>
+            </a:r>
+            <a:endParaRPr kumimoji="1" lang="en-US" altLang="ja-JP" dirty="0" smtClean="0"/>
+          </a:p>
+          <a:p>
+            <a:endParaRPr kumimoji="1" lang="en-US" altLang="ja-JP" dirty="0" smtClean="0"/>
+          </a:p>
+        </p:txBody>
+      </p:sp>
+      <p:pic>
+        <p:nvPicPr>
+          <p:cNvPr id="4" name="図 3"/>
+          <p:cNvPicPr/>
+          <p:nvPr/>
+        </p:nvPicPr>
+        <p:blipFill>
+          <a:blip r:embed="rId3"/>
+          <a:stretch>
+            <a:fillRect/>
+          </a:stretch>
+        </p:blipFill>
+        <p:spPr>
+          <a:xfrm>
+            <a:off x="713036" y="3933056"/>
+            <a:ext cx="7632848" cy="2254250"/>
+          </a:xfrm>
+          <a:prstGeom prst="rect">
+            <a:avLst/>
+          </a:prstGeom>
+        </p:spPr>
+      </p:pic>
     </p:spTree>
     <p:extLst>
       <p:ext uri="{BB962C8B-B14F-4D97-AF65-F5344CB8AC3E}">
@@ -6549,7 +7484,7 @@
           <a:bodyPr/>
           <a:lstStyle/>
           <a:p>
-            <a:endParaRPr kumimoji="1" lang="ja-JP" altLang="en-US"/>
+            <a:endParaRPr kumimoji="1" lang="ja-JP" altLang="en-US" dirty="0"/>
           </a:p>
         </p:txBody>
       </p:sp>

--- a/卒業論文/2012/工藤亮/卒論発表（工藤）.pptx
+++ b/卒業論文/2012/工藤亮/卒論発表（工藤）.pptx
@@ -5,10 +5,10 @@
     <p:sldMasterId id="2147483768" r:id="rId1"/>
   </p:sldMasterIdLst>
   <p:notesMasterIdLst>
-    <p:notesMasterId r:id="rId25"/>
+    <p:notesMasterId r:id="rId26"/>
   </p:notesMasterIdLst>
   <p:handoutMasterIdLst>
-    <p:handoutMasterId r:id="rId26"/>
+    <p:handoutMasterId r:id="rId27"/>
   </p:handoutMasterIdLst>
   <p:sldIdLst>
     <p:sldId id="256" r:id="rId2"/>
@@ -16,24 +16,25 @@
     <p:sldId id="258" r:id="rId4"/>
     <p:sldId id="287" r:id="rId5"/>
     <p:sldId id="286" r:id="rId6"/>
-    <p:sldId id="293" r:id="rId7"/>
-    <p:sldId id="292" r:id="rId8"/>
-    <p:sldId id="259" r:id="rId9"/>
-    <p:sldId id="271" r:id="rId10"/>
-    <p:sldId id="275" r:id="rId11"/>
-    <p:sldId id="278" r:id="rId12"/>
-    <p:sldId id="290" r:id="rId13"/>
-    <p:sldId id="272" r:id="rId14"/>
-    <p:sldId id="273" r:id="rId15"/>
-    <p:sldId id="274" r:id="rId16"/>
-    <p:sldId id="263" r:id="rId17"/>
-    <p:sldId id="295" r:id="rId18"/>
-    <p:sldId id="276" r:id="rId19"/>
-    <p:sldId id="294" r:id="rId20"/>
-    <p:sldId id="268" r:id="rId21"/>
-    <p:sldId id="269" r:id="rId22"/>
-    <p:sldId id="282" r:id="rId23"/>
+    <p:sldId id="292" r:id="rId7"/>
+    <p:sldId id="259" r:id="rId8"/>
+    <p:sldId id="271" r:id="rId9"/>
+    <p:sldId id="275" r:id="rId10"/>
+    <p:sldId id="278" r:id="rId11"/>
+    <p:sldId id="290" r:id="rId12"/>
+    <p:sldId id="272" r:id="rId13"/>
+    <p:sldId id="273" r:id="rId14"/>
+    <p:sldId id="274" r:id="rId15"/>
+    <p:sldId id="263" r:id="rId16"/>
+    <p:sldId id="295" r:id="rId17"/>
+    <p:sldId id="276" r:id="rId18"/>
+    <p:sldId id="294" r:id="rId19"/>
+    <p:sldId id="268" r:id="rId20"/>
+    <p:sldId id="269" r:id="rId21"/>
+    <p:sldId id="282" r:id="rId22"/>
+    <p:sldId id="296" r:id="rId23"/>
     <p:sldId id="264" r:id="rId24"/>
+    <p:sldId id="297" r:id="rId25"/>
   </p:sldIdLst>
   <p:sldSz cx="9144000" cy="6858000" type="screen4x3"/>
   <p:notesSz cx="6858000" cy="9144000"/>
@@ -321,11 +322,11 @@
         </c:dLbls>
         <c:marker val="1"/>
         <c:smooth val="0"/>
-        <c:axId val="167043456"/>
-        <c:axId val="160393856"/>
+        <c:axId val="129442944"/>
+        <c:axId val="129444480"/>
       </c:lineChart>
       <c:dateAx>
-        <c:axId val="167043456"/>
+        <c:axId val="129442944"/>
         <c:scaling>
           <c:orientation val="minMax"/>
         </c:scaling>
@@ -335,14 +336,14 @@
         <c:majorTickMark val="out"/>
         <c:minorTickMark val="none"/>
         <c:tickLblPos val="nextTo"/>
-        <c:crossAx val="160393856"/>
+        <c:crossAx val="129444480"/>
         <c:crosses val="autoZero"/>
         <c:auto val="1"/>
         <c:lblOffset val="100"/>
         <c:baseTimeUnit val="days"/>
       </c:dateAx>
       <c:valAx>
-        <c:axId val="160393856"/>
+        <c:axId val="129444480"/>
         <c:scaling>
           <c:orientation val="minMax"/>
         </c:scaling>
@@ -353,13 +354,14 @@
         <c:majorTickMark val="out"/>
         <c:minorTickMark val="none"/>
         <c:tickLblPos val="nextTo"/>
-        <c:crossAx val="167043456"/>
+        <c:crossAx val="129442944"/>
         <c:crosses val="autoZero"/>
         <c:crossBetween val="between"/>
       </c:valAx>
     </c:plotArea>
     <c:legend>
       <c:legendPos val="r"/>
+      <c:layout/>
       <c:overlay val="0"/>
     </c:legend>
     <c:plotVisOnly val="1"/>
@@ -558,11 +560,11 @@
         </c:dLbls>
         <c:marker val="1"/>
         <c:smooth val="0"/>
-        <c:axId val="169457152"/>
-        <c:axId val="169458688"/>
+        <c:axId val="129750912"/>
+        <c:axId val="129752448"/>
       </c:lineChart>
       <c:dateAx>
-        <c:axId val="169457152"/>
+        <c:axId val="129750912"/>
         <c:scaling>
           <c:orientation val="minMax"/>
         </c:scaling>
@@ -572,14 +574,14 @@
         <c:majorTickMark val="out"/>
         <c:minorTickMark val="none"/>
         <c:tickLblPos val="nextTo"/>
-        <c:crossAx val="169458688"/>
+        <c:crossAx val="129752448"/>
         <c:crosses val="autoZero"/>
         <c:auto val="1"/>
         <c:lblOffset val="100"/>
         <c:baseTimeUnit val="days"/>
       </c:dateAx>
       <c:valAx>
-        <c:axId val="169458688"/>
+        <c:axId val="129752448"/>
         <c:scaling>
           <c:orientation val="minMax"/>
         </c:scaling>
@@ -590,13 +592,14 @@
         <c:majorTickMark val="out"/>
         <c:minorTickMark val="none"/>
         <c:tickLblPos val="nextTo"/>
-        <c:crossAx val="169457152"/>
+        <c:crossAx val="129750912"/>
         <c:crosses val="autoZero"/>
         <c:crossBetween val="between"/>
       </c:valAx>
     </c:plotArea>
     <c:legend>
       <c:legendPos val="r"/>
+      <c:layout/>
       <c:overlay val="0"/>
     </c:legend>
     <c:plotVisOnly val="1"/>
@@ -691,7 +694,7 @@
           <a:p>
             <a:fld id="{A0CAA58A-D544-4A1C-9245-7B6632685B26}" type="datetimeFigureOut">
               <a:rPr kumimoji="1" lang="ja-JP" altLang="en-US" smtClean="0"/>
-              <a:t>2014/2/4</a:t>
+              <a:t>2014/2/5</a:t>
             </a:fld>
             <a:endParaRPr kumimoji="1" lang="ja-JP" altLang="en-US"/>
           </a:p>
@@ -857,7 +860,7 @@
           <a:p>
             <a:fld id="{236BBBC1-91D1-47A5-B57F-5A24FA2A190C}" type="datetimeFigureOut">
               <a:rPr kumimoji="1" lang="ja-JP" altLang="en-US" smtClean="0"/>
-              <a:t>2014/2/4</a:t>
+              <a:t>2014/2/5</a:t>
             </a:fld>
             <a:endParaRPr kumimoji="1" lang="ja-JP" altLang="en-US"/>
           </a:p>
@@ -1324,8 +1327,35 @@
           </a:p>
           <a:p>
             <a:r>
+              <a:rPr kumimoji="1" lang="en-US" altLang="ja-JP" dirty="0" smtClean="0"/>
+              <a:t>close</a:t>
+            </a:r>
+            <a:r>
               <a:rPr kumimoji="1" lang="ja-JP" altLang="en-US" dirty="0" smtClean="0"/>
-              <a:t>次に</a:t>
+              <a:t>状態の</a:t>
+            </a:r>
+            <a:r>
+              <a:rPr kumimoji="1" lang="en-US" altLang="ja-JP" dirty="0" smtClean="0"/>
+              <a:t>Issues</a:t>
+            </a:r>
+            <a:r>
+              <a:rPr kumimoji="1" lang="ja-JP" altLang="en-US" dirty="0" smtClean="0"/>
+              <a:t>の</a:t>
+            </a:r>
+            <a:r>
+              <a:rPr kumimoji="1" lang="en-US" altLang="ja-JP" dirty="0" smtClean="0"/>
+              <a:t>comment</a:t>
+            </a:r>
+            <a:r>
+              <a:rPr kumimoji="1" lang="ja-JP" altLang="en-US" dirty="0" smtClean="0"/>
+              <a:t>には，「直接労働時間数」「進捗測定基準度」「使用材料費」を記述します．</a:t>
+            </a:r>
+            <a:endParaRPr kumimoji="1" lang="en-US" altLang="ja-JP" dirty="0" smtClean="0"/>
+          </a:p>
+          <a:p>
+            <a:r>
+              <a:rPr kumimoji="1" lang="ja-JP" altLang="en-US" dirty="0" smtClean="0"/>
+              <a:t>この内容は，</a:t>
             </a:r>
             <a:r>
               <a:rPr kumimoji="1" lang="en-US" altLang="ja-JP" dirty="0" smtClean="0"/>
@@ -1333,14 +1363,14 @@
             </a:r>
             <a:r>
               <a:rPr kumimoji="1" lang="ja-JP" altLang="en-US" dirty="0" smtClean="0"/>
-              <a:t>のために必要な情報の内容について説明します．</a:t>
+              <a:t>を作成する計算をするときに必要な項目です．</a:t>
             </a:r>
             <a:endParaRPr kumimoji="1" lang="en-US" altLang="ja-JP" dirty="0" smtClean="0"/>
           </a:p>
           <a:p>
             <a:r>
               <a:rPr kumimoji="1" lang="ja-JP" altLang="en-US" dirty="0" smtClean="0"/>
-              <a:t>発行した</a:t>
+              <a:t>また，必要情報の「</a:t>
             </a:r>
             <a:r>
               <a:rPr kumimoji="1" lang="en-US" altLang="ja-JP" dirty="0" smtClean="0"/>
@@ -1348,14 +1378,85 @@
             </a:r>
             <a:r>
               <a:rPr kumimoji="1" lang="ja-JP" altLang="en-US" dirty="0" smtClean="0"/>
-              <a:t>には，「タスク名」「タスク期限日」「計画予定時間数」「時給金額」「材料費」を記述します．</a:t>
+              <a:t>が</a:t>
+            </a:r>
+            <a:r>
+              <a:rPr kumimoji="1" lang="en-US" altLang="ja-JP" dirty="0" smtClean="0"/>
+              <a:t>close</a:t>
+            </a:r>
+            <a:r>
+              <a:rPr kumimoji="1" lang="ja-JP" altLang="en-US" dirty="0" smtClean="0"/>
+              <a:t>した時刻」と「</a:t>
+            </a:r>
+            <a:r>
+              <a:rPr kumimoji="1" lang="en-US" altLang="ja-JP" dirty="0" smtClean="0"/>
+              <a:t>Issues</a:t>
+            </a:r>
+            <a:r>
+              <a:rPr kumimoji="1" lang="ja-JP" altLang="en-US" dirty="0" smtClean="0"/>
+              <a:t>に</a:t>
+            </a:r>
+            <a:r>
+              <a:rPr kumimoji="1" lang="en-US" altLang="ja-JP" dirty="0" smtClean="0"/>
+              <a:t>comment</a:t>
+            </a:r>
+            <a:r>
+              <a:rPr kumimoji="1" lang="ja-JP" altLang="en-US" dirty="0" smtClean="0"/>
+              <a:t>した時刻」は</a:t>
+            </a:r>
+            <a:r>
+              <a:rPr kumimoji="1" lang="en-US" altLang="ja-JP" dirty="0" err="1" smtClean="0"/>
+              <a:t>GitHub</a:t>
+            </a:r>
+            <a:r>
+              <a:rPr kumimoji="1" lang="ja-JP" altLang="en-US" dirty="0" smtClean="0"/>
+              <a:t>上に表示されるので，記述する必要はないと考えられます．</a:t>
             </a:r>
             <a:endParaRPr kumimoji="1" lang="en-US" altLang="ja-JP" dirty="0" smtClean="0"/>
           </a:p>
           <a:p>
             <a:r>
               <a:rPr kumimoji="1" lang="ja-JP" altLang="en-US" dirty="0" smtClean="0"/>
-              <a:t>この内容は，</a:t>
+              <a:t>この「</a:t>
+            </a:r>
+            <a:r>
+              <a:rPr kumimoji="1" lang="en-US" altLang="ja-JP" dirty="0" smtClean="0"/>
+              <a:t>Issues</a:t>
+            </a:r>
+            <a:r>
+              <a:rPr kumimoji="1" lang="ja-JP" altLang="en-US" dirty="0" smtClean="0"/>
+              <a:t>が</a:t>
+            </a:r>
+            <a:r>
+              <a:rPr kumimoji="1" lang="en-US" altLang="ja-JP" dirty="0" smtClean="0"/>
+              <a:t>close</a:t>
+            </a:r>
+            <a:r>
+              <a:rPr kumimoji="1" lang="ja-JP" altLang="en-US" dirty="0" smtClean="0"/>
+              <a:t>した時刻」と「</a:t>
+            </a:r>
+            <a:r>
+              <a:rPr kumimoji="1" lang="en-US" altLang="ja-JP" dirty="0" smtClean="0"/>
+              <a:t>Issues</a:t>
+            </a:r>
+            <a:r>
+              <a:rPr kumimoji="1" lang="ja-JP" altLang="en-US" dirty="0" smtClean="0"/>
+              <a:t>に</a:t>
+            </a:r>
+            <a:r>
+              <a:rPr kumimoji="1" lang="en-US" altLang="ja-JP" dirty="0" smtClean="0"/>
+              <a:t>comment</a:t>
+            </a:r>
+            <a:r>
+              <a:rPr kumimoji="1" lang="ja-JP" altLang="en-US" dirty="0" smtClean="0"/>
+              <a:t>した時刻」はタスクをいつ行ったのかを判断する基準にします．</a:t>
+            </a:r>
+            <a:endParaRPr kumimoji="1" lang="en-US" altLang="ja-JP" dirty="0" smtClean="0"/>
+          </a:p>
+          <a:p>
+            <a:r>
+              <a:rPr kumimoji="1" lang="ja-JP" altLang="en-US" dirty="0" smtClean="0"/>
+              <a:t>これらの内容から</a:t>
             </a:r>
             <a:r>
               <a:rPr kumimoji="1" lang="en-US" altLang="ja-JP" dirty="0" smtClean="0"/>
@@ -1363,22 +1464,7 @@
             </a:r>
             <a:r>
               <a:rPr kumimoji="1" lang="ja-JP" altLang="en-US" dirty="0" smtClean="0"/>
-              <a:t>を作成する計算をするときに必要な項目です．</a:t>
-            </a:r>
-            <a:endParaRPr kumimoji="1" lang="en-US" altLang="ja-JP" dirty="0" smtClean="0"/>
-          </a:p>
-          <a:p>
-            <a:r>
-              <a:rPr kumimoji="1" lang="ja-JP" altLang="en-US" dirty="0" smtClean="0"/>
-              <a:t>次に</a:t>
-            </a:r>
-            <a:r>
-              <a:rPr kumimoji="1" lang="en-US" altLang="ja-JP" dirty="0" smtClean="0"/>
-              <a:t>close</a:t>
-            </a:r>
-            <a:r>
-              <a:rPr kumimoji="1" lang="ja-JP" altLang="en-US" dirty="0" smtClean="0"/>
-              <a:t>状態の</a:t>
+              <a:t>に必要な情報を</a:t>
             </a:r>
             <a:r>
               <a:rPr kumimoji="1" lang="en-US" altLang="ja-JP" dirty="0" smtClean="0"/>
@@ -1386,17 +1472,38 @@
             </a:r>
             <a:r>
               <a:rPr kumimoji="1" lang="ja-JP" altLang="en-US" dirty="0" smtClean="0"/>
-              <a:t>の</a:t>
+              <a:t>記述することで，</a:t>
             </a:r>
             <a:r>
               <a:rPr kumimoji="1" lang="en-US" altLang="ja-JP" dirty="0" smtClean="0"/>
-              <a:t>comment</a:t>
+              <a:t>EVM</a:t>
             </a:r>
             <a:r>
               <a:rPr kumimoji="1" lang="ja-JP" altLang="en-US" dirty="0" smtClean="0"/>
-              <a:t>の記述方法について説明します．</a:t>
-            </a:r>
-            <a:endParaRPr kumimoji="1" lang="en-US" altLang="ja-JP" dirty="0" smtClean="0"/>
+              <a:t>のために必要な情報を入力</a:t>
+            </a:r>
+            <a:r>
+              <a:rPr kumimoji="1" lang="ja-JP" altLang="en-US" dirty="0" err="1" smtClean="0"/>
+              <a:t>したことなります</a:t>
+            </a:r>
+            <a:r>
+              <a:rPr kumimoji="1" lang="ja-JP" altLang="en-US" dirty="0" smtClean="0"/>
+              <a:t>．</a:t>
+            </a:r>
+          </a:p>
+          <a:p>
+            <a:r>
+              <a:rPr kumimoji="1" lang="ja-JP" altLang="en-US" dirty="0" smtClean="0"/>
+              <a:t>次は</a:t>
+            </a:r>
+            <a:r>
+              <a:rPr kumimoji="1" lang="en-US" altLang="ja-JP" dirty="0" err="1" smtClean="0"/>
+              <a:t>GitHub</a:t>
+            </a:r>
+            <a:r>
+              <a:rPr kumimoji="1" lang="ja-JP" altLang="en-US" dirty="0" smtClean="0"/>
+              <a:t>から情報を取り出す手法について説明します．</a:t>
+            </a:r>
           </a:p>
           <a:p>
             <a:endParaRPr kumimoji="1" lang="en-US" altLang="ja-JP" dirty="0" smtClean="0"/>
@@ -1503,204 +1610,73 @@
           <a:lstStyle/>
           <a:p>
             <a:r>
-              <a:rPr kumimoji="1" lang="ja-JP" altLang="en-US" dirty="0" smtClean="0"/>
-              <a:t>口答内容</a:t>
-            </a:r>
-            <a:endParaRPr kumimoji="1" lang="en-US" altLang="ja-JP" dirty="0" smtClean="0"/>
-          </a:p>
-          <a:p>
-            <a:r>
-              <a:rPr kumimoji="1" lang="en-US" altLang="ja-JP" dirty="0" smtClean="0"/>
-              <a:t>close</a:t>
-            </a:r>
-            <a:r>
-              <a:rPr kumimoji="1" lang="ja-JP" altLang="en-US" dirty="0" smtClean="0"/>
-              <a:t>状態の</a:t>
-            </a:r>
-            <a:r>
-              <a:rPr kumimoji="1" lang="en-US" altLang="ja-JP" dirty="0" smtClean="0"/>
-              <a:t>Issues</a:t>
-            </a:r>
-            <a:r>
-              <a:rPr kumimoji="1" lang="ja-JP" altLang="en-US" dirty="0" smtClean="0"/>
-              <a:t>の</a:t>
-            </a:r>
-            <a:r>
-              <a:rPr kumimoji="1" lang="en-US" altLang="ja-JP" dirty="0" smtClean="0"/>
-              <a:t>comment</a:t>
-            </a:r>
-            <a:r>
-              <a:rPr kumimoji="1" lang="ja-JP" altLang="en-US" dirty="0" smtClean="0"/>
-              <a:t>には，「直接労働時間数」「進捗測定基準度」「使用材料費」を記述します．</a:t>
-            </a:r>
-            <a:endParaRPr kumimoji="1" lang="en-US" altLang="ja-JP" dirty="0" smtClean="0"/>
-          </a:p>
-          <a:p>
-            <a:r>
-              <a:rPr kumimoji="1" lang="ja-JP" altLang="en-US" dirty="0" smtClean="0"/>
-              <a:t>この内容は，</a:t>
-            </a:r>
-            <a:r>
-              <a:rPr kumimoji="1" lang="en-US" altLang="ja-JP" dirty="0" smtClean="0"/>
-              <a:t>EVM</a:t>
-            </a:r>
-            <a:r>
-              <a:rPr kumimoji="1" lang="ja-JP" altLang="en-US" dirty="0" smtClean="0"/>
-              <a:t>を作成する計算をするときに必要な項目です．</a:t>
-            </a:r>
-            <a:endParaRPr kumimoji="1" lang="en-US" altLang="ja-JP" dirty="0" smtClean="0"/>
-          </a:p>
-          <a:p>
-            <a:r>
-              <a:rPr kumimoji="1" lang="ja-JP" altLang="en-US" dirty="0" smtClean="0"/>
-              <a:t>また，必要情報の「</a:t>
-            </a:r>
-            <a:r>
-              <a:rPr kumimoji="1" lang="en-US" altLang="ja-JP" dirty="0" smtClean="0"/>
-              <a:t>Issues</a:t>
-            </a:r>
-            <a:r>
-              <a:rPr kumimoji="1" lang="ja-JP" altLang="en-US" dirty="0" smtClean="0"/>
-              <a:t>が</a:t>
-            </a:r>
-            <a:r>
-              <a:rPr kumimoji="1" lang="en-US" altLang="ja-JP" dirty="0" smtClean="0"/>
-              <a:t>close</a:t>
-            </a:r>
-            <a:r>
-              <a:rPr kumimoji="1" lang="ja-JP" altLang="en-US" dirty="0" smtClean="0"/>
-              <a:t>した時刻」と「</a:t>
-            </a:r>
-            <a:r>
-              <a:rPr kumimoji="1" lang="en-US" altLang="ja-JP" dirty="0" smtClean="0"/>
-              <a:t>Issues</a:t>
-            </a:r>
-            <a:r>
-              <a:rPr kumimoji="1" lang="ja-JP" altLang="en-US" dirty="0" smtClean="0"/>
-              <a:t>に</a:t>
-            </a:r>
-            <a:r>
-              <a:rPr kumimoji="1" lang="en-US" altLang="ja-JP" dirty="0" smtClean="0"/>
-              <a:t>comment</a:t>
-            </a:r>
-            <a:r>
-              <a:rPr kumimoji="1" lang="ja-JP" altLang="en-US" dirty="0" smtClean="0"/>
-              <a:t>した時刻」は</a:t>
-            </a:r>
-            <a:r>
               <a:rPr kumimoji="1" lang="en-US" altLang="ja-JP" dirty="0" err="1" smtClean="0"/>
               <a:t>GitHub</a:t>
             </a:r>
             <a:r>
               <a:rPr kumimoji="1" lang="ja-JP" altLang="en-US" dirty="0" smtClean="0"/>
-              <a:t>上に表示されるので，記述する必要はないと考えられます．</a:t>
+              <a:t>から情報を取り出すときに，</a:t>
+            </a:r>
+            <a:r>
+              <a:rPr kumimoji="1" lang="en-US" altLang="ja-JP" dirty="0" smtClean="0"/>
+              <a:t>API</a:t>
+            </a:r>
+            <a:r>
+              <a:rPr kumimoji="1" lang="ja-JP" altLang="en-US" dirty="0" smtClean="0"/>
+              <a:t>を使用します．</a:t>
             </a:r>
             <a:endParaRPr kumimoji="1" lang="en-US" altLang="ja-JP" dirty="0" smtClean="0"/>
           </a:p>
           <a:p>
             <a:r>
+              <a:rPr kumimoji="1" lang="en-US" altLang="ja-JP" dirty="0" smtClean="0"/>
+              <a:t>API</a:t>
+            </a:r>
+            <a:r>
               <a:rPr kumimoji="1" lang="ja-JP" altLang="en-US" dirty="0" smtClean="0"/>
-              <a:t>この「</a:t>
-            </a:r>
-            <a:r>
-              <a:rPr kumimoji="1" lang="en-US" altLang="ja-JP" dirty="0" smtClean="0"/>
-              <a:t>Issues</a:t>
-            </a:r>
+              <a:t>とは，アプリケーションから利用でき，プログラムを簡潔に設定するインタフェースです．</a:t>
+            </a:r>
+            <a:endParaRPr kumimoji="1" lang="en-US" altLang="ja-JP" dirty="0" smtClean="0"/>
+          </a:p>
+          <a:p>
+            <a:endParaRPr kumimoji="1" lang="en-US" altLang="ja-JP" dirty="0" smtClean="0"/>
+          </a:p>
+          <a:p>
             <a:r>
               <a:rPr kumimoji="1" lang="ja-JP" altLang="en-US" dirty="0" smtClean="0"/>
-              <a:t>が</a:t>
-            </a:r>
-            <a:r>
-              <a:rPr kumimoji="1" lang="en-US" altLang="ja-JP" dirty="0" smtClean="0"/>
-              <a:t>close</a:t>
-            </a:r>
-            <a:r>
-              <a:rPr kumimoji="1" lang="ja-JP" altLang="en-US" dirty="0" smtClean="0"/>
-              <a:t>した時刻」と「</a:t>
-            </a:r>
-            <a:r>
-              <a:rPr kumimoji="1" lang="en-US" altLang="ja-JP" dirty="0" smtClean="0"/>
-              <a:t>Issues</a:t>
-            </a:r>
-            <a:r>
-              <a:rPr kumimoji="1" lang="ja-JP" altLang="en-US" dirty="0" smtClean="0"/>
-              <a:t>に</a:t>
-            </a:r>
-            <a:r>
-              <a:rPr kumimoji="1" lang="en-US" altLang="ja-JP" dirty="0" smtClean="0"/>
-              <a:t>comment</a:t>
-            </a:r>
-            <a:r>
-              <a:rPr kumimoji="1" lang="ja-JP" altLang="en-US" dirty="0" smtClean="0"/>
-              <a:t>した時刻」はタスクをいつ行ったのかを判断する基準にします．</a:t>
-            </a:r>
-            <a:endParaRPr kumimoji="1" lang="en-US" altLang="ja-JP" dirty="0" smtClean="0"/>
-          </a:p>
-          <a:p>
-            <a:r>
-              <a:rPr kumimoji="1" lang="ja-JP" altLang="en-US" dirty="0" smtClean="0"/>
-              <a:t>これらの内容から</a:t>
-            </a:r>
-            <a:r>
-              <a:rPr kumimoji="1" lang="en-US" altLang="ja-JP" dirty="0" smtClean="0"/>
-              <a:t>EVM</a:t>
-            </a:r>
-            <a:r>
-              <a:rPr kumimoji="1" lang="ja-JP" altLang="en-US" dirty="0" smtClean="0"/>
-              <a:t>に必要な情報を</a:t>
-            </a:r>
-            <a:r>
-              <a:rPr kumimoji="1" lang="en-US" altLang="ja-JP" dirty="0" smtClean="0"/>
-              <a:t>Issues</a:t>
-            </a:r>
-            <a:r>
-              <a:rPr kumimoji="1" lang="ja-JP" altLang="en-US" dirty="0" smtClean="0"/>
-              <a:t>記述することで，</a:t>
-            </a:r>
-            <a:r>
-              <a:rPr kumimoji="1" lang="en-US" altLang="ja-JP" dirty="0" smtClean="0"/>
-              <a:t>EVM</a:t>
-            </a:r>
-            <a:r>
-              <a:rPr kumimoji="1" lang="ja-JP" altLang="en-US" dirty="0" smtClean="0"/>
-              <a:t>のために必要な情報を入力</a:t>
-            </a:r>
-            <a:r>
-              <a:rPr kumimoji="1" lang="ja-JP" altLang="en-US" dirty="0" err="1" smtClean="0"/>
-              <a:t>したことなります</a:t>
-            </a:r>
-            <a:r>
-              <a:rPr kumimoji="1" lang="ja-JP" altLang="en-US" dirty="0" smtClean="0"/>
-              <a:t>．</a:t>
-            </a:r>
-          </a:p>
-          <a:p>
-            <a:r>
-              <a:rPr kumimoji="1" lang="ja-JP" altLang="en-US" dirty="0" smtClean="0"/>
-              <a:t>次は</a:t>
-            </a:r>
-            <a:r>
-              <a:rPr kumimoji="1" lang="en-US" altLang="ja-JP" dirty="0" err="1" smtClean="0"/>
-              <a:t>GitHub</a:t>
-            </a:r>
-            <a:r>
-              <a:rPr kumimoji="1" lang="ja-JP" altLang="en-US" dirty="0" smtClean="0"/>
-              <a:t>から情報を取り出す手法について説明します．</a:t>
-            </a:r>
-          </a:p>
-          <a:p>
-            <a:endParaRPr kumimoji="1" lang="en-US" altLang="ja-JP" dirty="0" smtClean="0"/>
-          </a:p>
-        </p:txBody>
-      </p:sp>
-      <p:sp>
-        <p:nvSpPr>
-          <p:cNvPr id="4" name="スライド番号プレースホルダー 3"/>
-          <p:cNvSpPr>
-            <a:spLocks noGrp="1"/>
-          </p:cNvSpPr>
-          <p:nvPr>
-            <p:ph type="sldNum" sz="quarter" idx="10"/>
+              <a:t>「次へ」</a:t>
+            </a:r>
+            <a:endParaRPr kumimoji="1" lang="ja-JP" altLang="en-US" dirty="0"/>
+          </a:p>
+        </p:txBody>
+      </p:sp>
+      <p:sp>
+        <p:nvSpPr>
+          <p:cNvPr id="4" name="フッター プレースホルダー 3"/>
+          <p:cNvSpPr>
+            <a:spLocks noGrp="1"/>
+          </p:cNvSpPr>
+          <p:nvPr>
+            <p:ph type="ftr" sz="quarter" idx="10"/>
+          </p:nvPr>
+        </p:nvSpPr>
+        <p:spPr/>
+        <p:txBody>
+          <a:bodyPr/>
+          <a:lstStyle/>
+          <a:p>
+            <a:endParaRPr kumimoji="1" lang="ja-JP" altLang="en-US"/>
+          </a:p>
+        </p:txBody>
+      </p:sp>
+      <p:sp>
+        <p:nvSpPr>
+          <p:cNvPr id="5" name="スライド番号プレースホルダー 4"/>
+          <p:cNvSpPr>
+            <a:spLocks noGrp="1"/>
+          </p:cNvSpPr>
+          <p:nvPr>
+            <p:ph type="sldNum" sz="quarter" idx="11"/>
           </p:nvPr>
         </p:nvSpPr>
         <p:spPr/>
@@ -1716,29 +1692,10 @@
           </a:p>
         </p:txBody>
       </p:sp>
-      <p:sp>
-        <p:nvSpPr>
-          <p:cNvPr id="5" name="フッター プレースホルダー 4"/>
-          <p:cNvSpPr>
-            <a:spLocks noGrp="1"/>
-          </p:cNvSpPr>
-          <p:nvPr>
-            <p:ph type="ftr" sz="quarter" idx="11"/>
-          </p:nvPr>
-        </p:nvSpPr>
-        <p:spPr/>
-        <p:txBody>
-          <a:bodyPr/>
-          <a:lstStyle/>
-          <a:p>
-            <a:endParaRPr kumimoji="1" lang="ja-JP" altLang="en-US"/>
-          </a:p>
-        </p:txBody>
-      </p:sp>
     </p:spTree>
     <p:extLst>
       <p:ext uri="{BB962C8B-B14F-4D97-AF65-F5344CB8AC3E}">
-        <p14:creationId xmlns:p14="http://schemas.microsoft.com/office/powerpoint/2010/main" val="4129710771"/>
+        <p14:creationId xmlns:p14="http://schemas.microsoft.com/office/powerpoint/2010/main" val="613108032"/>
       </p:ext>
     </p:extLst>
   </p:cSld>
@@ -1793,12 +1750,109 @@
           <a:lstStyle/>
           <a:p>
             <a:r>
+              <a:rPr kumimoji="1" lang="ja-JP" altLang="en-US" dirty="0" smtClean="0"/>
+              <a:t>口答内容</a:t>
+            </a:r>
+            <a:endParaRPr kumimoji="1" lang="en-US" altLang="ja-JP" dirty="0" smtClean="0"/>
+          </a:p>
+          <a:p>
+            <a:r>
+              <a:rPr kumimoji="1" lang="ja-JP" altLang="en-US" dirty="0" smtClean="0"/>
+              <a:t>使用する</a:t>
+            </a:r>
+            <a:r>
+              <a:rPr kumimoji="1" lang="en-US" altLang="ja-JP" dirty="0" smtClean="0"/>
+              <a:t>API</a:t>
+            </a:r>
+            <a:r>
+              <a:rPr kumimoji="1" lang="ja-JP" altLang="en-US" dirty="0" smtClean="0"/>
+              <a:t>はこの</a:t>
+            </a:r>
+            <a:r>
+              <a:rPr kumimoji="1" lang="en-US" altLang="ja-JP" dirty="0" smtClean="0"/>
+              <a:t>2</a:t>
+            </a:r>
+            <a:r>
+              <a:rPr kumimoji="1" lang="ja-JP" altLang="en-US" dirty="0" smtClean="0"/>
+              <a:t>つです．</a:t>
+            </a:r>
+            <a:endParaRPr kumimoji="1" lang="en-US" altLang="ja-JP" dirty="0" smtClean="0"/>
+          </a:p>
+          <a:p>
+            <a:r>
+              <a:rPr kumimoji="1" lang="ja-JP" altLang="en-US" dirty="0" smtClean="0"/>
+              <a:t>この</a:t>
+            </a:r>
+            <a:r>
+              <a:rPr kumimoji="1" lang="en-US" altLang="ja-JP" dirty="0" smtClean="0"/>
+              <a:t>2</a:t>
+            </a:r>
+            <a:r>
+              <a:rPr kumimoji="1" lang="ja-JP" altLang="en-US" dirty="0" smtClean="0"/>
+              <a:t>つ</a:t>
+            </a:r>
+            <a:r>
+              <a:rPr kumimoji="1" lang="en-US" altLang="ja-JP" dirty="0" smtClean="0"/>
+              <a:t>API</a:t>
+            </a:r>
+            <a:r>
+              <a:rPr kumimoji="1" lang="ja-JP" altLang="en-US" dirty="0" smtClean="0"/>
+              <a:t>を利用することで，</a:t>
+            </a:r>
+            <a:r>
+              <a:rPr kumimoji="1" lang="en-US" altLang="ja-JP" dirty="0" smtClean="0"/>
+              <a:t>EVM</a:t>
+            </a:r>
+            <a:r>
+              <a:rPr kumimoji="1" lang="ja-JP" altLang="en-US" dirty="0" smtClean="0"/>
+              <a:t>のために必要な情報を取り出します．</a:t>
+            </a:r>
+            <a:endParaRPr kumimoji="1" lang="en-US" altLang="ja-JP" dirty="0" smtClean="0"/>
+          </a:p>
+          <a:p>
+            <a:r>
+              <a:rPr kumimoji="1" lang="ja-JP" altLang="en-US" dirty="0" smtClean="0"/>
+              <a:t>使用する</a:t>
+            </a:r>
+            <a:r>
+              <a:rPr kumimoji="1" lang="en-US" altLang="ja-JP" dirty="0" smtClean="0"/>
+              <a:t>API</a:t>
+            </a:r>
+            <a:r>
+              <a:rPr kumimoji="1" lang="ja-JP" altLang="en-US" dirty="0" smtClean="0"/>
+              <a:t>の説明内のリポジトリとは，</a:t>
+            </a:r>
+            <a:r>
               <a:rPr kumimoji="1" lang="en-US" altLang="ja-JP" dirty="0" err="1" smtClean="0"/>
               <a:t>GitHub</a:t>
             </a:r>
             <a:r>
               <a:rPr kumimoji="1" lang="ja-JP" altLang="en-US" dirty="0" smtClean="0"/>
-              <a:t>から情報を取り出すときに，</a:t>
+              <a:t>でデータを管理するフォルダのようなものです．</a:t>
+            </a:r>
+            <a:endParaRPr kumimoji="1" lang="en-US" altLang="ja-JP" dirty="0" smtClean="0"/>
+          </a:p>
+          <a:p>
+            <a:pPr marL="0" marR="0" indent="0" algn="l" defTabSz="914400" rtl="0" eaLnBrk="1" fontAlgn="auto" latinLnBrk="0" hangingPunct="1">
+              <a:lnSpc>
+                <a:spcPct val="100000"/>
+              </a:lnSpc>
+              <a:spcBef>
+                <a:spcPts val="0"/>
+              </a:spcBef>
+              <a:spcAft>
+                <a:spcPts val="0"/>
+              </a:spcAft>
+              <a:buClrTx/>
+              <a:buSzTx/>
+              <a:buFontTx/>
+              <a:buNone/>
+              <a:tabLst/>
+              <a:defRPr/>
+            </a:pPr>
+            <a:r>
+              <a:rPr kumimoji="1" lang="ja-JP" altLang="en-US" dirty="0" smtClean="0"/>
+              <a:t>次の手法は，</a:t>
             </a:r>
             <a:r>
               <a:rPr kumimoji="1" lang="en-US" altLang="ja-JP" dirty="0" smtClean="0"/>
@@ -1806,60 +1860,38 @@
             </a:r>
             <a:r>
               <a:rPr kumimoji="1" lang="ja-JP" altLang="en-US" dirty="0" smtClean="0"/>
-              <a:t>を使用します．</a:t>
+              <a:t>によって取り出した情報をもとに，</a:t>
+            </a:r>
+            <a:r>
+              <a:rPr kumimoji="1" lang="en-US" altLang="ja-JP" dirty="0" smtClean="0"/>
+              <a:t>EVM</a:t>
+            </a:r>
+            <a:r>
+              <a:rPr kumimoji="1" lang="ja-JP" altLang="en-US" dirty="0" err="1" smtClean="0"/>
+              <a:t>を描</a:t>
+            </a:r>
+            <a:r>
+              <a:rPr kumimoji="1" lang="ja-JP" altLang="en-US" dirty="0" smtClean="0"/>
+              <a:t>画します．</a:t>
             </a:r>
             <a:endParaRPr kumimoji="1" lang="en-US" altLang="ja-JP" dirty="0" smtClean="0"/>
           </a:p>
           <a:p>
-            <a:r>
-              <a:rPr kumimoji="1" lang="en-US" altLang="ja-JP" dirty="0" smtClean="0"/>
-              <a:t>API</a:t>
-            </a:r>
-            <a:r>
-              <a:rPr kumimoji="1" lang="ja-JP" altLang="en-US" dirty="0" smtClean="0"/>
-              <a:t>とは，アプリケーションから利用でき，プログラムを簡潔に設定するインタフェースです．</a:t>
-            </a:r>
             <a:endParaRPr kumimoji="1" lang="en-US" altLang="ja-JP" dirty="0" smtClean="0"/>
           </a:p>
           <a:p>
-            <a:endParaRPr kumimoji="1" lang="en-US" altLang="ja-JP" dirty="0" smtClean="0"/>
-          </a:p>
-          <a:p>
-            <a:r>
-              <a:rPr kumimoji="1" lang="ja-JP" altLang="en-US" dirty="0" smtClean="0"/>
-              <a:t>「次へ」</a:t>
-            </a:r>
             <a:endParaRPr kumimoji="1" lang="ja-JP" altLang="en-US" dirty="0"/>
           </a:p>
         </p:txBody>
       </p:sp>
       <p:sp>
         <p:nvSpPr>
-          <p:cNvPr id="4" name="フッター プレースホルダー 3"/>
-          <p:cNvSpPr>
-            <a:spLocks noGrp="1"/>
-          </p:cNvSpPr>
-          <p:nvPr>
-            <p:ph type="ftr" sz="quarter" idx="10"/>
-          </p:nvPr>
-        </p:nvSpPr>
-        <p:spPr/>
-        <p:txBody>
-          <a:bodyPr/>
-          <a:lstStyle/>
-          <a:p>
-            <a:endParaRPr kumimoji="1" lang="ja-JP" altLang="en-US"/>
-          </a:p>
-        </p:txBody>
-      </p:sp>
-      <p:sp>
-        <p:nvSpPr>
-          <p:cNvPr id="5" name="スライド番号プレースホルダー 4"/>
-          <p:cNvSpPr>
-            <a:spLocks noGrp="1"/>
-          </p:cNvSpPr>
-          <p:nvPr>
-            <p:ph type="sldNum" sz="quarter" idx="11"/>
+          <p:cNvPr id="4" name="スライド番号プレースホルダー 3"/>
+          <p:cNvSpPr>
+            <a:spLocks noGrp="1"/>
+          </p:cNvSpPr>
+          <p:nvPr>
+            <p:ph type="sldNum" sz="quarter" idx="10"/>
           </p:nvPr>
         </p:nvSpPr>
         <p:spPr/>
@@ -1875,10 +1907,29 @@
           </a:p>
         </p:txBody>
       </p:sp>
+      <p:sp>
+        <p:nvSpPr>
+          <p:cNvPr id="5" name="フッター プレースホルダー 4"/>
+          <p:cNvSpPr>
+            <a:spLocks noGrp="1"/>
+          </p:cNvSpPr>
+          <p:nvPr>
+            <p:ph type="ftr" sz="quarter" idx="11"/>
+          </p:nvPr>
+        </p:nvSpPr>
+        <p:spPr/>
+        <p:txBody>
+          <a:bodyPr/>
+          <a:lstStyle/>
+          <a:p>
+            <a:endParaRPr kumimoji="1" lang="ja-JP" altLang="en-US"/>
+          </a:p>
+        </p:txBody>
+      </p:sp>
     </p:spTree>
     <p:extLst>
       <p:ext uri="{BB962C8B-B14F-4D97-AF65-F5344CB8AC3E}">
-        <p14:creationId xmlns:p14="http://schemas.microsoft.com/office/powerpoint/2010/main" val="613108032"/>
+        <p14:creationId xmlns:p14="http://schemas.microsoft.com/office/powerpoint/2010/main" val="3907003686"/>
       </p:ext>
     </p:extLst>
   </p:cSld>
@@ -1941,128 +1992,61 @@
           <a:p>
             <a:r>
               <a:rPr kumimoji="1" lang="ja-JP" altLang="en-US" dirty="0" smtClean="0"/>
-              <a:t>使用する</a:t>
+              <a:t>グラフを描く方法はいろいろありますが，ここでは，</a:t>
             </a:r>
             <a:r>
               <a:rPr kumimoji="1" lang="en-US" altLang="ja-JP" dirty="0" smtClean="0"/>
-              <a:t>API</a:t>
+              <a:t>Google Chart</a:t>
+            </a:r>
+            <a:r>
+              <a:rPr kumimoji="1" lang="en-US" altLang="ja-JP" baseline="0" dirty="0" smtClean="0"/>
+              <a:t> API</a:t>
+            </a:r>
+            <a:r>
+              <a:rPr kumimoji="1" lang="ja-JP" altLang="en-US" baseline="0" dirty="0" smtClean="0"/>
+              <a:t>を使用します．</a:t>
+            </a:r>
+            <a:endParaRPr kumimoji="1" lang="en-US" altLang="ja-JP" baseline="0" dirty="0" smtClean="0"/>
+          </a:p>
+          <a:p>
+            <a:r>
+              <a:rPr kumimoji="1" lang="en-US" altLang="ja-JP" dirty="0" smtClean="0"/>
+              <a:t>Google Chart API</a:t>
             </a:r>
             <a:r>
               <a:rPr kumimoji="1" lang="ja-JP" altLang="en-US" dirty="0" smtClean="0"/>
-              <a:t>はこの</a:t>
+              <a:t>はグラフを描くツールです．</a:t>
+            </a:r>
+            <a:endParaRPr kumimoji="1" lang="en-US" altLang="ja-JP" dirty="0" smtClean="0"/>
+          </a:p>
+          <a:p>
+            <a:r>
+              <a:rPr kumimoji="1" lang="ja-JP" altLang="en-US" dirty="0" smtClean="0"/>
+              <a:t>書きたいグラフを表現する</a:t>
             </a:r>
             <a:r>
               <a:rPr kumimoji="1" lang="en-US" altLang="ja-JP" dirty="0" smtClean="0"/>
-              <a:t>2</a:t>
+              <a:t>URL</a:t>
             </a:r>
             <a:r>
               <a:rPr kumimoji="1" lang="ja-JP" altLang="en-US" dirty="0" smtClean="0"/>
-              <a:t>つです．</a:t>
+              <a:t>を作れば，図のようにグラフを描くことができます．</a:t>
             </a:r>
             <a:endParaRPr kumimoji="1" lang="en-US" altLang="ja-JP" dirty="0" smtClean="0"/>
           </a:p>
           <a:p>
             <a:r>
               <a:rPr kumimoji="1" lang="ja-JP" altLang="en-US" dirty="0" smtClean="0"/>
-              <a:t>この</a:t>
-            </a:r>
-            <a:r>
-              <a:rPr kumimoji="1" lang="en-US" altLang="ja-JP" dirty="0" smtClean="0"/>
-              <a:t>2</a:t>
+              <a:t>このツールによって次に描画したグラフを</a:t>
+            </a:r>
+            <a:r>
+              <a:rPr kumimoji="1" lang="en-US" altLang="ja-JP" dirty="0" err="1" smtClean="0"/>
+              <a:t>GtiHub</a:t>
             </a:r>
             <a:r>
               <a:rPr kumimoji="1" lang="ja-JP" altLang="en-US" dirty="0" smtClean="0"/>
-              <a:t>つ</a:t>
-            </a:r>
-            <a:r>
-              <a:rPr kumimoji="1" lang="en-US" altLang="ja-JP" dirty="0" smtClean="0"/>
-              <a:t>API</a:t>
-            </a:r>
-            <a:r>
-              <a:rPr kumimoji="1" lang="ja-JP" altLang="en-US" dirty="0" smtClean="0"/>
-              <a:t>を利用することで，</a:t>
-            </a:r>
-            <a:r>
-              <a:rPr kumimoji="1" lang="en-US" altLang="ja-JP" dirty="0" smtClean="0"/>
-              <a:t>EVM</a:t>
-            </a:r>
-            <a:r>
-              <a:rPr kumimoji="1" lang="ja-JP" altLang="en-US" dirty="0" smtClean="0"/>
-              <a:t>のために必要な情報を取り出します．</a:t>
-            </a:r>
-            <a:endParaRPr kumimoji="1" lang="en-US" altLang="ja-JP" dirty="0" smtClean="0"/>
-          </a:p>
-          <a:p>
-            <a:r>
-              <a:rPr kumimoji="1" lang="ja-JP" altLang="en-US" dirty="0" smtClean="0"/>
-              <a:t>使用する</a:t>
-            </a:r>
-            <a:r>
-              <a:rPr kumimoji="1" lang="en-US" altLang="ja-JP" dirty="0" smtClean="0"/>
-              <a:t>API</a:t>
-            </a:r>
-            <a:r>
-              <a:rPr kumimoji="1" lang="ja-JP" altLang="en-US" dirty="0" smtClean="0"/>
-              <a:t>の説明内のリポジトリとは，</a:t>
-            </a:r>
-            <a:r>
-              <a:rPr kumimoji="1" lang="en-US" altLang="ja-JP" dirty="0" err="1" smtClean="0"/>
-              <a:t>GitHub</a:t>
-            </a:r>
-            <a:r>
-              <a:rPr kumimoji="1" lang="ja-JP" altLang="en-US" dirty="0" smtClean="0"/>
-              <a:t>でデータを管理するフォルダのようなものです．</a:t>
-            </a:r>
-            <a:endParaRPr kumimoji="1" lang="en-US" altLang="ja-JP" dirty="0" smtClean="0"/>
-          </a:p>
-          <a:p>
-            <a:pPr marL="0" marR="0" indent="0" algn="l" defTabSz="914400" rtl="0" eaLnBrk="1" fontAlgn="auto" latinLnBrk="0" hangingPunct="1">
-              <a:lnSpc>
-                <a:spcPct val="100000"/>
-              </a:lnSpc>
-              <a:spcBef>
-                <a:spcPts val="0"/>
-              </a:spcBef>
-              <a:spcAft>
-                <a:spcPts val="0"/>
-              </a:spcAft>
-              <a:buClrTx/>
-              <a:buSzTx/>
-              <a:buFontTx/>
-              <a:buNone/>
-              <a:tabLst/>
-              <a:defRPr/>
-            </a:pPr>
-            <a:r>
-              <a:rPr kumimoji="1" lang="ja-JP" altLang="en-US" dirty="0" smtClean="0"/>
-              <a:t>次の手法は，</a:t>
-            </a:r>
-            <a:r>
-              <a:rPr kumimoji="1" lang="en-US" altLang="ja-JP" dirty="0" smtClean="0"/>
-              <a:t>API</a:t>
-            </a:r>
-            <a:r>
-              <a:rPr kumimoji="1" lang="ja-JP" altLang="en-US" dirty="0" smtClean="0"/>
-              <a:t>によって取り出した情報をもとに，</a:t>
-            </a:r>
-            <a:r>
-              <a:rPr kumimoji="1" lang="en-US" altLang="ja-JP" dirty="0" smtClean="0"/>
-              <a:t>EVM</a:t>
-            </a:r>
-            <a:r>
-              <a:rPr kumimoji="1" lang="ja-JP" altLang="en-US" dirty="0" err="1" smtClean="0"/>
-              <a:t>を描</a:t>
-            </a:r>
-            <a:r>
-              <a:rPr kumimoji="1" lang="ja-JP" altLang="en-US" dirty="0" smtClean="0"/>
-              <a:t>画します．</a:t>
-            </a:r>
-            <a:endParaRPr kumimoji="1" lang="en-US" altLang="ja-JP" dirty="0" smtClean="0"/>
-          </a:p>
-          <a:p>
-            <a:endParaRPr kumimoji="1" lang="en-US" altLang="ja-JP" dirty="0" smtClean="0"/>
-          </a:p>
-          <a:p>
+              <a:t>に挿入するためのツールについて説明します．</a:t>
+            </a:r>
             <a:endParaRPr kumimoji="1" lang="ja-JP" altLang="en-US" dirty="0"/>
           </a:p>
         </p:txBody>
@@ -2112,7 +2096,7 @@
     </p:spTree>
     <p:extLst>
       <p:ext uri="{BB962C8B-B14F-4D97-AF65-F5344CB8AC3E}">
-        <p14:creationId xmlns:p14="http://schemas.microsoft.com/office/powerpoint/2010/main" val="3907003686"/>
+        <p14:creationId xmlns:p14="http://schemas.microsoft.com/office/powerpoint/2010/main" val="1461953323"/>
       </p:ext>
     </p:extLst>
   </p:cSld>
@@ -2168,68 +2152,72 @@
           <a:p>
             <a:r>
               <a:rPr kumimoji="1" lang="ja-JP" altLang="en-US" dirty="0" smtClean="0"/>
-              <a:t>口答内容</a:t>
+              <a:t>口頭内容</a:t>
             </a:r>
             <a:endParaRPr kumimoji="1" lang="en-US" altLang="ja-JP" dirty="0" smtClean="0"/>
           </a:p>
           <a:p>
             <a:r>
+              <a:rPr kumimoji="1" lang="ja-JP" altLang="en-US" b="0" dirty="0" smtClean="0"/>
+              <a:t>グラフを</a:t>
+            </a:r>
+            <a:r>
+              <a:rPr kumimoji="1" lang="en-US" altLang="ja-JP" b="0" dirty="0" err="1" smtClean="0"/>
+              <a:t>GtiHub</a:t>
+            </a:r>
+            <a:r>
+              <a:rPr kumimoji="1" lang="ja-JP" altLang="en-US" b="0" dirty="0" smtClean="0"/>
+              <a:t>に挿入するためのツールは，ブックマークレットというツールを使用します．ブックマークレットとは，通常の</a:t>
+            </a:r>
+            <a:r>
               <a:rPr kumimoji="1" lang="ja-JP" altLang="en-US" dirty="0" smtClean="0"/>
-              <a:t>グラフを描く方法はいろいろありますが，ここでは，</a:t>
+              <a:t>ブックマークに</a:t>
             </a:r>
             <a:r>
               <a:rPr kumimoji="1" lang="en-US" altLang="ja-JP" dirty="0" smtClean="0"/>
-              <a:t>Google Chart</a:t>
-            </a:r>
-            <a:r>
-              <a:rPr kumimoji="1" lang="en-US" altLang="ja-JP" baseline="0" dirty="0" smtClean="0"/>
-              <a:t> API</a:t>
-            </a:r>
-            <a:r>
-              <a:rPr kumimoji="1" lang="ja-JP" altLang="en-US" baseline="0" dirty="0" smtClean="0"/>
-              <a:t>を使用します．</a:t>
-            </a:r>
-            <a:endParaRPr kumimoji="1" lang="en-US" altLang="ja-JP" baseline="0" dirty="0" smtClean="0"/>
-          </a:p>
-          <a:p>
+              <a:t>JavaScript</a:t>
+            </a:r>
+            <a:r>
+              <a:rPr kumimoji="1" lang="ja-JP" altLang="en-US" dirty="0" smtClean="0"/>
+              <a:t>による特定の動作を仕組んだものです．</a:t>
+            </a:r>
+            <a:endParaRPr kumimoji="1" lang="en-US" altLang="ja-JP" dirty="0" smtClean="0"/>
+          </a:p>
+          <a:p>
+            <a:r>
+              <a:rPr kumimoji="1" lang="ja-JP" altLang="en-US" dirty="0" smtClean="0"/>
+              <a:t>使用する際には，ブラウザのブックマークボタンを押すことで，ブックマークレットを起動します．</a:t>
+            </a:r>
+            <a:endParaRPr kumimoji="1" lang="en-US" altLang="ja-JP" dirty="0" smtClean="0"/>
+          </a:p>
+          <a:p>
+            <a:r>
+              <a:rPr kumimoji="1" lang="ja-JP" altLang="en-US" dirty="0" smtClean="0"/>
+              <a:t>以上の手法によって</a:t>
+            </a:r>
+            <a:r>
+              <a:rPr kumimoji="1" lang="en-US" altLang="ja-JP" dirty="0" err="1" smtClean="0"/>
+              <a:t>GitHub</a:t>
+            </a:r>
+            <a:r>
+              <a:rPr kumimoji="1" lang="ja-JP" altLang="en-US" dirty="0" smtClean="0"/>
+              <a:t>上に</a:t>
+            </a:r>
             <a:r>
               <a:rPr kumimoji="1" lang="en-US" altLang="ja-JP" dirty="0" smtClean="0"/>
-              <a:t>Google Chart API</a:t>
+              <a:t>EVM</a:t>
+            </a:r>
+            <a:r>
+              <a:rPr kumimoji="1" lang="ja-JP" altLang="en-US" dirty="0" err="1" smtClean="0"/>
+              <a:t>を描</a:t>
             </a:r>
             <a:r>
               <a:rPr kumimoji="1" lang="ja-JP" altLang="en-US" dirty="0" smtClean="0"/>
-              <a:t>はグラフを描くツールです．</a:t>
+              <a:t>画するシステムを開発します．</a:t>
             </a:r>
             <a:endParaRPr kumimoji="1" lang="en-US" altLang="ja-JP" dirty="0" smtClean="0"/>
           </a:p>
           <a:p>
-            <a:r>
-              <a:rPr kumimoji="1" lang="ja-JP" altLang="en-US" dirty="0" smtClean="0"/>
-              <a:t>書きたいグラフを表現する</a:t>
-            </a:r>
-            <a:r>
-              <a:rPr kumimoji="1" lang="en-US" altLang="ja-JP" dirty="0" smtClean="0"/>
-              <a:t>URL</a:t>
-            </a:r>
-            <a:r>
-              <a:rPr kumimoji="1" lang="ja-JP" altLang="en-US" dirty="0" smtClean="0"/>
-              <a:t>を作れば，図のようにグラフを描くことができます．</a:t>
-            </a:r>
-            <a:endParaRPr kumimoji="1" lang="en-US" altLang="ja-JP" dirty="0" smtClean="0"/>
-          </a:p>
-          <a:p>
-            <a:r>
-              <a:rPr kumimoji="1" lang="ja-JP" altLang="en-US" dirty="0" smtClean="0"/>
-              <a:t>このツールによって次に描画したグラフを</a:t>
-            </a:r>
-            <a:r>
-              <a:rPr kumimoji="1" lang="en-US" altLang="ja-JP" dirty="0" err="1" smtClean="0"/>
-              <a:t>GtiHub</a:t>
-            </a:r>
-            <a:r>
-              <a:rPr kumimoji="1" lang="ja-JP" altLang="en-US" dirty="0" smtClean="0"/>
-              <a:t>に挿入するためのツールについて説明します．</a:t>
-            </a:r>
             <a:endParaRPr kumimoji="1" lang="ja-JP" altLang="en-US" dirty="0"/>
           </a:p>
         </p:txBody>
@@ -2279,7 +2267,7 @@
     </p:spTree>
     <p:extLst>
       <p:ext uri="{BB962C8B-B14F-4D97-AF65-F5344CB8AC3E}">
-        <p14:creationId xmlns:p14="http://schemas.microsoft.com/office/powerpoint/2010/main" val="1461953323"/>
+        <p14:creationId xmlns:p14="http://schemas.microsoft.com/office/powerpoint/2010/main" val="978947676"/>
       </p:ext>
     </p:extLst>
   </p:cSld>
@@ -2333,50 +2321,50 @@
           <a:bodyPr/>
           <a:lstStyle/>
           <a:p>
+            <a:pPr marL="0" marR="0" indent="0" algn="l" defTabSz="914400" rtl="0" eaLnBrk="1" fontAlgn="auto" latinLnBrk="0" hangingPunct="1">
+              <a:lnSpc>
+                <a:spcPct val="100000"/>
+              </a:lnSpc>
+              <a:spcBef>
+                <a:spcPts val="0"/>
+              </a:spcBef>
+              <a:spcAft>
+                <a:spcPts val="0"/>
+              </a:spcAft>
+              <a:buClrTx/>
+              <a:buSzTx/>
+              <a:buFontTx/>
+              <a:buNone/>
+              <a:tabLst/>
+              <a:defRPr/>
+            </a:pPr>
             <a:r>
               <a:rPr kumimoji="1" lang="ja-JP" altLang="en-US" dirty="0" smtClean="0"/>
-              <a:t>口頭内容</a:t>
+              <a:t>口答内容</a:t>
             </a:r>
             <a:endParaRPr kumimoji="1" lang="en-US" altLang="ja-JP" dirty="0" smtClean="0"/>
           </a:p>
           <a:p>
-            <a:r>
-              <a:rPr kumimoji="1" lang="ja-JP" altLang="en-US" b="0" dirty="0" smtClean="0"/>
-              <a:t>グラフを</a:t>
-            </a:r>
-            <a:r>
-              <a:rPr kumimoji="1" lang="en-US" altLang="ja-JP" b="0" dirty="0" err="1" smtClean="0"/>
-              <a:t>GtiHub</a:t>
-            </a:r>
-            <a:r>
-              <a:rPr kumimoji="1" lang="ja-JP" altLang="en-US" b="0" dirty="0" smtClean="0"/>
-              <a:t>に挿入するためのツールは，ブックマークレットというツールを使用します．ブックマークレットとは，通常の</a:t>
-            </a:r>
+            <a:pPr marL="0" marR="0" indent="0" algn="l" defTabSz="914400" rtl="0" eaLnBrk="1" fontAlgn="auto" latinLnBrk="0" hangingPunct="1">
+              <a:lnSpc>
+                <a:spcPct val="100000"/>
+              </a:lnSpc>
+              <a:spcBef>
+                <a:spcPts val="0"/>
+              </a:spcBef>
+              <a:spcAft>
+                <a:spcPts val="0"/>
+              </a:spcAft>
+              <a:buClrTx/>
+              <a:buSzTx/>
+              <a:buFontTx/>
+              <a:buNone/>
+              <a:tabLst/>
+              <a:defRPr/>
+            </a:pPr>
             <a:r>
               <a:rPr kumimoji="1" lang="ja-JP" altLang="en-US" dirty="0" smtClean="0"/>
-              <a:t>ブックマークに</a:t>
-            </a:r>
-            <a:r>
-              <a:rPr kumimoji="1" lang="en-US" altLang="ja-JP" dirty="0" smtClean="0"/>
-              <a:t>JavaScript</a:t>
-            </a:r>
-            <a:r>
-              <a:rPr kumimoji="1" lang="ja-JP" altLang="en-US" dirty="0" smtClean="0"/>
-              <a:t>による特定の動作を仕組んだものです．</a:t>
-            </a:r>
-            <a:endParaRPr kumimoji="1" lang="en-US" altLang="ja-JP" dirty="0" smtClean="0"/>
-          </a:p>
-          <a:p>
-            <a:r>
-              <a:rPr kumimoji="1" lang="ja-JP" altLang="en-US" dirty="0" smtClean="0"/>
-              <a:t>使用する際には，ブラウザのブックマークボタンを押すことで，ブックマークレットを起動します．</a:t>
-            </a:r>
-            <a:endParaRPr kumimoji="1" lang="en-US" altLang="ja-JP" dirty="0" smtClean="0"/>
-          </a:p>
-          <a:p>
-            <a:r>
-              <a:rPr kumimoji="1" lang="ja-JP" altLang="en-US" dirty="0" smtClean="0"/>
-              <a:t>以上の手法によって</a:t>
+              <a:t>仮想プロジェクトデータがあり，仮想プロジェクトデータを</a:t>
             </a:r>
             <a:r>
               <a:rPr kumimoji="1" lang="en-US" altLang="ja-JP" dirty="0" err="1" smtClean="0"/>
@@ -2384,20 +2372,218 @@
             </a:r>
             <a:r>
               <a:rPr kumimoji="1" lang="ja-JP" altLang="en-US" dirty="0" smtClean="0"/>
-              <a:t>上に</a:t>
+              <a:t>の</a:t>
+            </a:r>
+            <a:r>
+              <a:rPr kumimoji="1" lang="en-US" altLang="ja-JP" dirty="0" err="1" smtClean="0"/>
+              <a:t>Isseus</a:t>
+            </a:r>
+            <a:r>
+              <a:rPr kumimoji="1" lang="ja-JP" altLang="en-US" dirty="0" err="1" smtClean="0"/>
+              <a:t>に登</a:t>
+            </a:r>
+            <a:r>
+              <a:rPr kumimoji="1" lang="ja-JP" altLang="en-US" dirty="0" smtClean="0"/>
+              <a:t>録しておく</a:t>
+            </a:r>
+          </a:p>
+          <a:p>
+            <a:pPr marL="0" marR="0" indent="0" algn="l" defTabSz="914400" rtl="0" eaLnBrk="1" fontAlgn="auto" latinLnBrk="0" hangingPunct="1">
+              <a:lnSpc>
+                <a:spcPct val="100000"/>
+              </a:lnSpc>
+              <a:spcBef>
+                <a:spcPts val="0"/>
+              </a:spcBef>
+              <a:spcAft>
+                <a:spcPts val="0"/>
+              </a:spcAft>
+              <a:buClrTx/>
+              <a:buSzTx/>
+              <a:buFontTx/>
+              <a:buNone/>
+              <a:tabLst/>
+              <a:defRPr/>
+            </a:pPr>
+            <a:r>
+              <a:rPr kumimoji="1" lang="ja-JP" altLang="en-US" dirty="0" smtClean="0"/>
+              <a:t>そして，</a:t>
+            </a:r>
+            <a:r>
+              <a:rPr kumimoji="1" lang="en-US" altLang="ja-JP" dirty="0" err="1" smtClean="0"/>
+              <a:t>GitHub</a:t>
             </a:r>
             <a:r>
               <a:rPr kumimoji="1" lang="en-US" altLang="ja-JP" dirty="0" smtClean="0"/>
-              <a:t>EVM</a:t>
-            </a:r>
-            <a:r>
-              <a:rPr kumimoji="1" lang="ja-JP" altLang="en-US" dirty="0" err="1" smtClean="0"/>
-              <a:t>を描</a:t>
+              <a:t> API</a:t>
             </a:r>
             <a:r>
               <a:rPr kumimoji="1" lang="ja-JP" altLang="en-US" dirty="0" smtClean="0"/>
-              <a:t>画するシステムを開発します．</a:t>
-            </a:r>
+              <a:t>で取り出し，取り出したデータからグラフを書く</a:t>
+            </a:r>
+          </a:p>
+          <a:p>
+            <a:pPr marL="0" marR="0" indent="0" algn="l" defTabSz="914400" rtl="0" eaLnBrk="1" fontAlgn="auto" latinLnBrk="0" hangingPunct="1">
+              <a:lnSpc>
+                <a:spcPct val="100000"/>
+              </a:lnSpc>
+              <a:spcBef>
+                <a:spcPts val="0"/>
+              </a:spcBef>
+              <a:spcAft>
+                <a:spcPts val="0"/>
+              </a:spcAft>
+              <a:buClrTx/>
+              <a:buSzTx/>
+              <a:buFontTx/>
+              <a:buNone/>
+              <a:tabLst/>
+              <a:defRPr/>
+            </a:pPr>
+            <a:r>
+              <a:rPr kumimoji="1" lang="ja-JP" altLang="en-US" dirty="0" smtClean="0"/>
+              <a:t>グラフを描くことができて，</a:t>
+            </a:r>
+          </a:p>
+          <a:p>
+            <a:pPr marL="0" marR="0" indent="0" algn="l" defTabSz="914400" rtl="0" eaLnBrk="1" fontAlgn="auto" latinLnBrk="0" hangingPunct="1">
+              <a:lnSpc>
+                <a:spcPct val="100000"/>
+              </a:lnSpc>
+              <a:spcBef>
+                <a:spcPts val="0"/>
+              </a:spcBef>
+              <a:spcAft>
+                <a:spcPts val="0"/>
+              </a:spcAft>
+              <a:buClrTx/>
+              <a:buSzTx/>
+              <a:buFontTx/>
+              <a:buNone/>
+              <a:tabLst/>
+              <a:defRPr/>
+            </a:pPr>
+            <a:r>
+              <a:rPr kumimoji="1" lang="ja-JP" altLang="en-US" dirty="0" smtClean="0"/>
+              <a:t>うめこみをして</a:t>
+            </a:r>
+          </a:p>
+          <a:p>
+            <a:pPr marL="0" marR="0" indent="0" algn="l" defTabSz="914400" rtl="0" eaLnBrk="1" fontAlgn="auto" latinLnBrk="0" hangingPunct="1">
+              <a:lnSpc>
+                <a:spcPct val="100000"/>
+              </a:lnSpc>
+              <a:spcBef>
+                <a:spcPts val="0"/>
+              </a:spcBef>
+              <a:spcAft>
+                <a:spcPts val="0"/>
+              </a:spcAft>
+              <a:buClrTx/>
+              <a:buSzTx/>
+              <a:buFontTx/>
+              <a:buNone/>
+              <a:tabLst/>
+              <a:defRPr/>
+            </a:pPr>
+            <a:r>
+              <a:rPr kumimoji="1" lang="ja-JP" altLang="en-US" dirty="0" smtClean="0"/>
+              <a:t>これとこれを比較する</a:t>
+            </a:r>
+          </a:p>
+          <a:p>
+            <a:pPr marL="0" marR="0" indent="0" algn="l" defTabSz="914400" rtl="0" eaLnBrk="1" fontAlgn="auto" latinLnBrk="0" hangingPunct="1">
+              <a:lnSpc>
+                <a:spcPct val="100000"/>
+              </a:lnSpc>
+              <a:spcBef>
+                <a:spcPts val="0"/>
+              </a:spcBef>
+              <a:spcAft>
+                <a:spcPts val="0"/>
+              </a:spcAft>
+              <a:buClrTx/>
+              <a:buSzTx/>
+              <a:buFontTx/>
+              <a:buNone/>
+              <a:tabLst/>
+              <a:defRPr/>
+            </a:pPr>
+            <a:r>
+              <a:rPr kumimoji="1" lang="ja-JP" altLang="en-US" dirty="0" smtClean="0"/>
+              <a:t>動作確認は順番にやっていく</a:t>
+            </a:r>
+          </a:p>
+          <a:p>
+            <a:pPr marL="0" marR="0" indent="0" algn="l" defTabSz="914400" rtl="0" eaLnBrk="1" fontAlgn="auto" latinLnBrk="0" hangingPunct="1">
+              <a:lnSpc>
+                <a:spcPct val="100000"/>
+              </a:lnSpc>
+              <a:spcBef>
+                <a:spcPts val="0"/>
+              </a:spcBef>
+              <a:spcAft>
+                <a:spcPts val="0"/>
+              </a:spcAft>
+              <a:buClrTx/>
+              <a:buSzTx/>
+              <a:buFontTx/>
+              <a:buNone/>
+              <a:tabLst/>
+              <a:defRPr/>
+            </a:pPr>
+            <a:endParaRPr kumimoji="1" lang="en-US" altLang="ja-JP" dirty="0" smtClean="0"/>
+          </a:p>
+          <a:p>
+            <a:pPr marL="0" marR="0" indent="0" algn="l" defTabSz="914400" rtl="0" eaLnBrk="1" fontAlgn="auto" latinLnBrk="0" hangingPunct="1">
+              <a:lnSpc>
+                <a:spcPct val="100000"/>
+              </a:lnSpc>
+              <a:spcBef>
+                <a:spcPts val="0"/>
+              </a:spcBef>
+              <a:spcAft>
+                <a:spcPts val="0"/>
+              </a:spcAft>
+              <a:buClrTx/>
+              <a:buSzTx/>
+              <a:buFontTx/>
+              <a:buNone/>
+              <a:tabLst/>
+              <a:defRPr/>
+            </a:pPr>
+            <a:endParaRPr kumimoji="1" lang="ja-JP" altLang="en-US" dirty="0" smtClean="0"/>
+          </a:p>
+          <a:p>
+            <a:r>
+              <a:rPr kumimoji="1" lang="ja-JP" altLang="en-US" dirty="0" smtClean="0"/>
+              <a:t>検証方法は</a:t>
+            </a:r>
+            <a:r>
+              <a:rPr kumimoji="1" lang="en-US" altLang="ja-JP" dirty="0" err="1" smtClean="0"/>
+              <a:t>GitHub</a:t>
+            </a:r>
+            <a:r>
+              <a:rPr kumimoji="1" lang="ja-JP" altLang="en-US" dirty="0" smtClean="0"/>
+              <a:t>内に検証用のリポジトリを作成し，その検証用のリポジトリ内に</a:t>
+            </a:r>
+            <a:r>
+              <a:rPr kumimoji="1" lang="en-US" altLang="ja-JP" dirty="0" smtClean="0"/>
+              <a:t>Issues</a:t>
+            </a:r>
+            <a:r>
+              <a:rPr kumimoji="1" lang="ja-JP" altLang="en-US" dirty="0" smtClean="0"/>
+              <a:t>を発行し，仮想プロジェクトを実行する．その仮想プロジェクトの内容に対して，各手法をもとに検証方法を実行する．</a:t>
+            </a:r>
+            <a:endParaRPr kumimoji="1" lang="en-US" altLang="ja-JP" dirty="0" smtClean="0"/>
+          </a:p>
+          <a:p>
+            <a:endParaRPr kumimoji="1" lang="en-US" altLang="ja-JP" dirty="0" smtClean="0"/>
+          </a:p>
+          <a:p>
+            <a:endParaRPr kumimoji="1" lang="en-US" altLang="ja-JP" dirty="0" smtClean="0"/>
+          </a:p>
+          <a:p>
             <a:endParaRPr kumimoji="1" lang="en-US" altLang="ja-JP" dirty="0" smtClean="0"/>
           </a:p>
           <a:p>
@@ -2450,7 +2636,7 @@
     </p:spTree>
     <p:extLst>
       <p:ext uri="{BB962C8B-B14F-4D97-AF65-F5344CB8AC3E}">
-        <p14:creationId xmlns:p14="http://schemas.microsoft.com/office/powerpoint/2010/main" val="978947676"/>
+        <p14:creationId xmlns:p14="http://schemas.microsoft.com/office/powerpoint/2010/main" val="2059259142"/>
       </p:ext>
     </p:extLst>
   </p:cSld>
@@ -2504,251 +2690,9 @@
           <a:bodyPr/>
           <a:lstStyle/>
           <a:p>
-            <a:pPr marL="0" marR="0" indent="0" algn="l" defTabSz="914400" rtl="0" eaLnBrk="1" fontAlgn="auto" latinLnBrk="0" hangingPunct="1">
-              <a:lnSpc>
-                <a:spcPct val="100000"/>
-              </a:lnSpc>
-              <a:spcBef>
-                <a:spcPts val="0"/>
-              </a:spcBef>
-              <a:spcAft>
-                <a:spcPts val="0"/>
-              </a:spcAft>
-              <a:buClrTx/>
-              <a:buSzTx/>
-              <a:buFontTx/>
-              <a:buNone/>
-              <a:tabLst/>
-              <a:defRPr/>
-            </a:pPr>
             <a:r>
               <a:rPr kumimoji="1" lang="ja-JP" altLang="en-US" dirty="0" smtClean="0"/>
-              <a:t>口答内容</a:t>
-            </a:r>
-            <a:endParaRPr kumimoji="1" lang="en-US" altLang="ja-JP" dirty="0" smtClean="0"/>
-          </a:p>
-          <a:p>
-            <a:pPr marL="0" marR="0" indent="0" algn="l" defTabSz="914400" rtl="0" eaLnBrk="1" fontAlgn="auto" latinLnBrk="0" hangingPunct="1">
-              <a:lnSpc>
-                <a:spcPct val="100000"/>
-              </a:lnSpc>
-              <a:spcBef>
-                <a:spcPts val="0"/>
-              </a:spcBef>
-              <a:spcAft>
-                <a:spcPts val="0"/>
-              </a:spcAft>
-              <a:buClrTx/>
-              <a:buSzTx/>
-              <a:buFontTx/>
-              <a:buNone/>
-              <a:tabLst/>
-              <a:defRPr/>
-            </a:pPr>
-            <a:r>
-              <a:rPr kumimoji="1" lang="ja-JP" altLang="en-US" dirty="0" smtClean="0"/>
-              <a:t>仮想プロジェクトデータがあり，仮想プロジェクトデータを</a:t>
-            </a:r>
-            <a:r>
-              <a:rPr kumimoji="1" lang="en-US" altLang="ja-JP" dirty="0" err="1" smtClean="0"/>
-              <a:t>GitHub</a:t>
-            </a:r>
-            <a:r>
-              <a:rPr kumimoji="1" lang="ja-JP" altLang="en-US" dirty="0" smtClean="0"/>
-              <a:t>の</a:t>
-            </a:r>
-            <a:r>
-              <a:rPr kumimoji="1" lang="en-US" altLang="ja-JP" dirty="0" err="1" smtClean="0"/>
-              <a:t>Isseus</a:t>
-            </a:r>
-            <a:r>
-              <a:rPr kumimoji="1" lang="ja-JP" altLang="en-US" dirty="0" err="1" smtClean="0"/>
-              <a:t>に登</a:t>
-            </a:r>
-            <a:r>
-              <a:rPr kumimoji="1" lang="ja-JP" altLang="en-US" dirty="0" smtClean="0"/>
-              <a:t>録しておく</a:t>
-            </a:r>
-          </a:p>
-          <a:p>
-            <a:pPr marL="0" marR="0" indent="0" algn="l" defTabSz="914400" rtl="0" eaLnBrk="1" fontAlgn="auto" latinLnBrk="0" hangingPunct="1">
-              <a:lnSpc>
-                <a:spcPct val="100000"/>
-              </a:lnSpc>
-              <a:spcBef>
-                <a:spcPts val="0"/>
-              </a:spcBef>
-              <a:spcAft>
-                <a:spcPts val="0"/>
-              </a:spcAft>
-              <a:buClrTx/>
-              <a:buSzTx/>
-              <a:buFontTx/>
-              <a:buNone/>
-              <a:tabLst/>
-              <a:defRPr/>
-            </a:pPr>
-            <a:r>
-              <a:rPr kumimoji="1" lang="ja-JP" altLang="en-US" dirty="0" smtClean="0"/>
-              <a:t>そして，</a:t>
-            </a:r>
-            <a:r>
-              <a:rPr kumimoji="1" lang="en-US" altLang="ja-JP" dirty="0" err="1" smtClean="0"/>
-              <a:t>GitHub</a:t>
-            </a:r>
-            <a:r>
-              <a:rPr kumimoji="1" lang="en-US" altLang="ja-JP" dirty="0" smtClean="0"/>
-              <a:t> API</a:t>
-            </a:r>
-            <a:r>
-              <a:rPr kumimoji="1" lang="ja-JP" altLang="en-US" dirty="0" smtClean="0"/>
-              <a:t>で取り出し，取り出したデータからグラフを書く</a:t>
-            </a:r>
-          </a:p>
-          <a:p>
-            <a:pPr marL="0" marR="0" indent="0" algn="l" defTabSz="914400" rtl="0" eaLnBrk="1" fontAlgn="auto" latinLnBrk="0" hangingPunct="1">
-              <a:lnSpc>
-                <a:spcPct val="100000"/>
-              </a:lnSpc>
-              <a:spcBef>
-                <a:spcPts val="0"/>
-              </a:spcBef>
-              <a:spcAft>
-                <a:spcPts val="0"/>
-              </a:spcAft>
-              <a:buClrTx/>
-              <a:buSzTx/>
-              <a:buFontTx/>
-              <a:buNone/>
-              <a:tabLst/>
-              <a:defRPr/>
-            </a:pPr>
-            <a:r>
-              <a:rPr kumimoji="1" lang="ja-JP" altLang="en-US" dirty="0" smtClean="0"/>
-              <a:t>グラフを描くことができて，</a:t>
-            </a:r>
-          </a:p>
-          <a:p>
-            <a:pPr marL="0" marR="0" indent="0" algn="l" defTabSz="914400" rtl="0" eaLnBrk="1" fontAlgn="auto" latinLnBrk="0" hangingPunct="1">
-              <a:lnSpc>
-                <a:spcPct val="100000"/>
-              </a:lnSpc>
-              <a:spcBef>
-                <a:spcPts val="0"/>
-              </a:spcBef>
-              <a:spcAft>
-                <a:spcPts val="0"/>
-              </a:spcAft>
-              <a:buClrTx/>
-              <a:buSzTx/>
-              <a:buFontTx/>
-              <a:buNone/>
-              <a:tabLst/>
-              <a:defRPr/>
-            </a:pPr>
-            <a:r>
-              <a:rPr kumimoji="1" lang="ja-JP" altLang="en-US" dirty="0" smtClean="0"/>
-              <a:t>うめこみをして</a:t>
-            </a:r>
-          </a:p>
-          <a:p>
-            <a:pPr marL="0" marR="0" indent="0" algn="l" defTabSz="914400" rtl="0" eaLnBrk="1" fontAlgn="auto" latinLnBrk="0" hangingPunct="1">
-              <a:lnSpc>
-                <a:spcPct val="100000"/>
-              </a:lnSpc>
-              <a:spcBef>
-                <a:spcPts val="0"/>
-              </a:spcBef>
-              <a:spcAft>
-                <a:spcPts val="0"/>
-              </a:spcAft>
-              <a:buClrTx/>
-              <a:buSzTx/>
-              <a:buFontTx/>
-              <a:buNone/>
-              <a:tabLst/>
-              <a:defRPr/>
-            </a:pPr>
-            <a:r>
-              <a:rPr kumimoji="1" lang="ja-JP" altLang="en-US" dirty="0" smtClean="0"/>
-              <a:t>これとこれを比較する</a:t>
-            </a:r>
-          </a:p>
-          <a:p>
-            <a:pPr marL="0" marR="0" indent="0" algn="l" defTabSz="914400" rtl="0" eaLnBrk="1" fontAlgn="auto" latinLnBrk="0" hangingPunct="1">
-              <a:lnSpc>
-                <a:spcPct val="100000"/>
-              </a:lnSpc>
-              <a:spcBef>
-                <a:spcPts val="0"/>
-              </a:spcBef>
-              <a:spcAft>
-                <a:spcPts val="0"/>
-              </a:spcAft>
-              <a:buClrTx/>
-              <a:buSzTx/>
-              <a:buFontTx/>
-              <a:buNone/>
-              <a:tabLst/>
-              <a:defRPr/>
-            </a:pPr>
-            <a:r>
-              <a:rPr kumimoji="1" lang="ja-JP" altLang="en-US" dirty="0" smtClean="0"/>
-              <a:t>動作確認は順番にやっていく</a:t>
-            </a:r>
-          </a:p>
-          <a:p>
-            <a:pPr marL="0" marR="0" indent="0" algn="l" defTabSz="914400" rtl="0" eaLnBrk="1" fontAlgn="auto" latinLnBrk="0" hangingPunct="1">
-              <a:lnSpc>
-                <a:spcPct val="100000"/>
-              </a:lnSpc>
-              <a:spcBef>
-                <a:spcPts val="0"/>
-              </a:spcBef>
-              <a:spcAft>
-                <a:spcPts val="0"/>
-              </a:spcAft>
-              <a:buClrTx/>
-              <a:buSzTx/>
-              <a:buFontTx/>
-              <a:buNone/>
-              <a:tabLst/>
-              <a:defRPr/>
-            </a:pPr>
-            <a:endParaRPr kumimoji="1" lang="en-US" altLang="ja-JP" dirty="0" smtClean="0"/>
-          </a:p>
-          <a:p>
-            <a:pPr marL="0" marR="0" indent="0" algn="l" defTabSz="914400" rtl="0" eaLnBrk="1" fontAlgn="auto" latinLnBrk="0" hangingPunct="1">
-              <a:lnSpc>
-                <a:spcPct val="100000"/>
-              </a:lnSpc>
-              <a:spcBef>
-                <a:spcPts val="0"/>
-              </a:spcBef>
-              <a:spcAft>
-                <a:spcPts val="0"/>
-              </a:spcAft>
-              <a:buClrTx/>
-              <a:buSzTx/>
-              <a:buFontTx/>
-              <a:buNone/>
-              <a:tabLst/>
-              <a:defRPr/>
-            </a:pPr>
-            <a:endParaRPr kumimoji="1" lang="ja-JP" altLang="en-US" dirty="0" smtClean="0"/>
-          </a:p>
-          <a:p>
-            <a:r>
-              <a:rPr kumimoji="1" lang="ja-JP" altLang="en-US" dirty="0" smtClean="0"/>
-              <a:t>検証方法は</a:t>
-            </a:r>
-            <a:r>
-              <a:rPr kumimoji="1" lang="en-US" altLang="ja-JP" dirty="0" err="1" smtClean="0"/>
-              <a:t>GitHub</a:t>
-            </a:r>
-            <a:r>
-              <a:rPr kumimoji="1" lang="ja-JP" altLang="en-US" dirty="0" smtClean="0"/>
-              <a:t>内に検証用のリポジトリを作成し，その検証用のリポジトリ内に</a:t>
+              <a:t>仮想プロジェクトデータは，動作確認をするために作成したリポジトリ内でタスクを</a:t>
             </a:r>
             <a:r>
               <a:rPr kumimoji="1" lang="en-US" altLang="ja-JP" dirty="0" smtClean="0"/>
@@ -2756,32 +2700,71 @@
             </a:r>
             <a:r>
               <a:rPr kumimoji="1" lang="ja-JP" altLang="en-US" dirty="0" smtClean="0"/>
-              <a:t>を発行し，仮想プロジェクトを実行する．その仮想プロジェクトの内容に対して，各手法をもとに検証方法を実行する．</a:t>
-            </a:r>
-            <a:endParaRPr kumimoji="1" lang="en-US" altLang="ja-JP" dirty="0" smtClean="0"/>
-          </a:p>
-          <a:p>
-            <a:endParaRPr kumimoji="1" lang="en-US" altLang="ja-JP" dirty="0" smtClean="0"/>
-          </a:p>
-          <a:p>
-            <a:endParaRPr kumimoji="1" lang="en-US" altLang="ja-JP" dirty="0" smtClean="0"/>
-          </a:p>
-          <a:p>
-            <a:endParaRPr kumimoji="1" lang="en-US" altLang="ja-JP" dirty="0" smtClean="0"/>
-          </a:p>
-          <a:p>
+              <a:t>によって指示し，その</a:t>
+            </a:r>
+            <a:r>
+              <a:rPr kumimoji="1" lang="en-US" altLang="ja-JP" dirty="0" smtClean="0"/>
+              <a:t>Issues</a:t>
+            </a:r>
+            <a:r>
+              <a:rPr kumimoji="1" lang="ja-JP" altLang="en-US" dirty="0" smtClean="0"/>
+              <a:t>に対応した内容を</a:t>
+            </a:r>
+            <a:r>
+              <a:rPr kumimoji="1" lang="en-US" altLang="ja-JP" dirty="0" smtClean="0"/>
+              <a:t>comment</a:t>
+            </a:r>
+            <a:r>
+              <a:rPr kumimoji="1" lang="ja-JP" altLang="en-US" dirty="0" smtClean="0"/>
+              <a:t>に記述することで進行するプロジェクトのタスクの管理を再現したデータです．仮想プロジェクトで発行された</a:t>
+            </a:r>
+            <a:r>
+              <a:rPr kumimoji="1" lang="en-US" altLang="ja-JP" dirty="0" smtClean="0"/>
+              <a:t>Issues</a:t>
+            </a:r>
+            <a:r>
+              <a:rPr kumimoji="1" lang="ja-JP" altLang="en-US" dirty="0" smtClean="0"/>
+              <a:t>と</a:t>
+            </a:r>
+            <a:r>
+              <a:rPr kumimoji="1" lang="en-US" altLang="ja-JP" dirty="0" smtClean="0"/>
+              <a:t>comment</a:t>
+            </a:r>
+            <a:r>
+              <a:rPr kumimoji="1" lang="ja-JP" altLang="en-US" dirty="0" smtClean="0"/>
+              <a:t>は次の表に表示する</a:t>
+            </a:r>
             <a:endParaRPr kumimoji="1" lang="ja-JP" altLang="en-US" dirty="0"/>
           </a:p>
         </p:txBody>
       </p:sp>
       <p:sp>
         <p:nvSpPr>
-          <p:cNvPr id="4" name="スライド番号プレースホルダー 3"/>
-          <p:cNvSpPr>
-            <a:spLocks noGrp="1"/>
-          </p:cNvSpPr>
-          <p:nvPr>
-            <p:ph type="sldNum" sz="quarter" idx="10"/>
+          <p:cNvPr id="4" name="フッター プレースホルダー 3"/>
+          <p:cNvSpPr>
+            <a:spLocks noGrp="1"/>
+          </p:cNvSpPr>
+          <p:nvPr>
+            <p:ph type="ftr" sz="quarter" idx="10"/>
+          </p:nvPr>
+        </p:nvSpPr>
+        <p:spPr/>
+        <p:txBody>
+          <a:bodyPr/>
+          <a:lstStyle/>
+          <a:p>
+            <a:endParaRPr kumimoji="1" lang="ja-JP" altLang="en-US"/>
+          </a:p>
+        </p:txBody>
+      </p:sp>
+      <p:sp>
+        <p:nvSpPr>
+          <p:cNvPr id="5" name="スライド番号プレースホルダー 4"/>
+          <p:cNvSpPr>
+            <a:spLocks noGrp="1"/>
+          </p:cNvSpPr>
+          <p:nvPr>
+            <p:ph type="sldNum" sz="quarter" idx="11"/>
           </p:nvPr>
         </p:nvSpPr>
         <p:spPr/>
@@ -2797,29 +2780,10 @@
           </a:p>
         </p:txBody>
       </p:sp>
-      <p:sp>
-        <p:nvSpPr>
-          <p:cNvPr id="5" name="フッター プレースホルダー 4"/>
-          <p:cNvSpPr>
-            <a:spLocks noGrp="1"/>
-          </p:cNvSpPr>
-          <p:nvPr>
-            <p:ph type="ftr" sz="quarter" idx="11"/>
-          </p:nvPr>
-        </p:nvSpPr>
-        <p:spPr/>
-        <p:txBody>
-          <a:bodyPr/>
-          <a:lstStyle/>
-          <a:p>
-            <a:endParaRPr kumimoji="1" lang="ja-JP" altLang="en-US"/>
-          </a:p>
-        </p:txBody>
-      </p:sp>
     </p:spTree>
     <p:extLst>
       <p:ext uri="{BB962C8B-B14F-4D97-AF65-F5344CB8AC3E}">
-        <p14:creationId xmlns:p14="http://schemas.microsoft.com/office/powerpoint/2010/main" val="2059259142"/>
+        <p14:creationId xmlns:p14="http://schemas.microsoft.com/office/powerpoint/2010/main" val="2659940074"/>
       </p:ext>
     </p:extLst>
   </p:cSld>
@@ -2875,47 +2839,22 @@
           <a:p>
             <a:r>
               <a:rPr kumimoji="1" lang="ja-JP" altLang="en-US" dirty="0" smtClean="0"/>
-              <a:t>仮想プロジェクトデータは，動作確認をするために作成したリポジトリ内でタスクを</a:t>
+              <a:t>仮想プロジェクトデータか</a:t>
+            </a:r>
+            <a:endParaRPr kumimoji="1" lang="en-US" altLang="ja-JP" dirty="0" smtClean="0"/>
+          </a:p>
+          <a:p>
+            <a:r>
+              <a:rPr kumimoji="1" lang="ja-JP" altLang="en-US" dirty="0" smtClean="0"/>
+              <a:t>この数値内容から</a:t>
             </a:r>
             <a:r>
               <a:rPr kumimoji="1" lang="en-US" altLang="ja-JP" dirty="0" smtClean="0"/>
-              <a:t>Issues</a:t>
+              <a:t>EVM</a:t>
             </a:r>
             <a:r>
               <a:rPr kumimoji="1" lang="ja-JP" altLang="en-US" dirty="0" smtClean="0"/>
-              <a:t>によって指示し，その</a:t>
-            </a:r>
-            <a:r>
-              <a:rPr kumimoji="1" lang="en-US" altLang="ja-JP" dirty="0" smtClean="0"/>
-              <a:t>Issues</a:t>
-            </a:r>
-            <a:r>
-              <a:rPr kumimoji="1" lang="ja-JP" altLang="en-US" dirty="0" smtClean="0"/>
-              <a:t>に対応した内容を</a:t>
-            </a:r>
-            <a:r>
-              <a:rPr kumimoji="1" lang="en-US" altLang="ja-JP" dirty="0" smtClean="0"/>
-              <a:t>comment</a:t>
-            </a:r>
-            <a:r>
-              <a:rPr kumimoji="1" lang="ja-JP" altLang="en-US" dirty="0" smtClean="0"/>
-              <a:t>に記述することで進行するプロジェクトのタスクの管理を再現したデータです．仮想プロジェクトで発行された</a:t>
-            </a:r>
-            <a:r>
-              <a:rPr kumimoji="1" lang="en-US" altLang="ja-JP" dirty="0" smtClean="0"/>
-              <a:t>Issues</a:t>
-            </a:r>
-            <a:r>
-              <a:rPr kumimoji="1" lang="ja-JP" altLang="en-US" dirty="0" smtClean="0"/>
-              <a:t>と</a:t>
-            </a:r>
-            <a:r>
-              <a:rPr kumimoji="1" lang="en-US" altLang="ja-JP" dirty="0" smtClean="0"/>
-              <a:t>comment</a:t>
-            </a:r>
-            <a:r>
-              <a:rPr kumimoji="1" lang="ja-JP" altLang="en-US" dirty="0" smtClean="0"/>
-              <a:t>は次の表に表示する</a:t>
+              <a:t>イメージ図を描画すると考えています．</a:t>
             </a:r>
             <a:endParaRPr kumimoji="1" lang="ja-JP" altLang="en-US" dirty="0"/>
           </a:p>
@@ -2923,31 +2862,12 @@
       </p:sp>
       <p:sp>
         <p:nvSpPr>
-          <p:cNvPr id="4" name="フッター プレースホルダー 3"/>
-          <p:cNvSpPr>
-            <a:spLocks noGrp="1"/>
-          </p:cNvSpPr>
-          <p:nvPr>
-            <p:ph type="ftr" sz="quarter" idx="10"/>
-          </p:nvPr>
-        </p:nvSpPr>
-        <p:spPr/>
-        <p:txBody>
-          <a:bodyPr/>
-          <a:lstStyle/>
-          <a:p>
-            <a:endParaRPr kumimoji="1" lang="ja-JP" altLang="en-US"/>
-          </a:p>
-        </p:txBody>
-      </p:sp>
-      <p:sp>
-        <p:nvSpPr>
-          <p:cNvPr id="5" name="スライド番号プレースホルダー 4"/>
-          <p:cNvSpPr>
-            <a:spLocks noGrp="1"/>
-          </p:cNvSpPr>
-          <p:nvPr>
-            <p:ph type="sldNum" sz="quarter" idx="11"/>
+          <p:cNvPr id="4" name="スライド番号プレースホルダー 3"/>
+          <p:cNvSpPr>
+            <a:spLocks noGrp="1"/>
+          </p:cNvSpPr>
+          <p:nvPr>
+            <p:ph type="sldNum" sz="quarter" idx="10"/>
           </p:nvPr>
         </p:nvSpPr>
         <p:spPr/>
@@ -2963,10 +2883,29 @@
           </a:p>
         </p:txBody>
       </p:sp>
+      <p:sp>
+        <p:nvSpPr>
+          <p:cNvPr id="5" name="フッター プレースホルダー 4"/>
+          <p:cNvSpPr>
+            <a:spLocks noGrp="1"/>
+          </p:cNvSpPr>
+          <p:nvPr>
+            <p:ph type="ftr" sz="quarter" idx="11"/>
+          </p:nvPr>
+        </p:nvSpPr>
+        <p:spPr/>
+        <p:txBody>
+          <a:bodyPr/>
+          <a:lstStyle/>
+          <a:p>
+            <a:endParaRPr kumimoji="1" lang="ja-JP" altLang="en-US"/>
+          </a:p>
+        </p:txBody>
+      </p:sp>
     </p:spTree>
     <p:extLst>
       <p:ext uri="{BB962C8B-B14F-4D97-AF65-F5344CB8AC3E}">
-        <p14:creationId xmlns:p14="http://schemas.microsoft.com/office/powerpoint/2010/main" val="2659940074"/>
+        <p14:creationId xmlns:p14="http://schemas.microsoft.com/office/powerpoint/2010/main" val="1714329570"/>
       </p:ext>
     </p:extLst>
   </p:cSld>
@@ -3022,14 +2961,7 @@
           <a:p>
             <a:r>
               <a:rPr kumimoji="1" lang="ja-JP" altLang="en-US" dirty="0" smtClean="0"/>
-              <a:t>仮想プロジェクトデータか</a:t>
-            </a:r>
-            <a:endParaRPr kumimoji="1" lang="en-US" altLang="ja-JP" dirty="0" smtClean="0"/>
-          </a:p>
-          <a:p>
-            <a:r>
-              <a:rPr kumimoji="1" lang="ja-JP" altLang="en-US" dirty="0" smtClean="0"/>
-              <a:t>この数値内容から</a:t>
+              <a:t>この検証では，</a:t>
             </a:r>
             <a:r>
               <a:rPr kumimoji="1" lang="en-US" altLang="ja-JP" dirty="0" smtClean="0"/>
@@ -3037,7 +2969,15 @@
             </a:r>
             <a:r>
               <a:rPr kumimoji="1" lang="ja-JP" altLang="en-US" dirty="0" smtClean="0"/>
-              <a:t>イメージ図を描画すると考えています．</a:t>
+              <a:t>がイメージ図と同じように，描画できているかの動作確認をします．描画されている図を見比べると，同じなので，この</a:t>
+            </a:r>
+            <a:r>
+              <a:rPr kumimoji="1" lang="en-US" altLang="ja-JP" dirty="0" smtClean="0"/>
+              <a:t>EVM</a:t>
+            </a:r>
+            <a:r>
+              <a:rPr kumimoji="1" lang="ja-JP" altLang="en-US" dirty="0" smtClean="0"/>
+              <a:t>作成の検証はできていることがわかります．</a:t>
             </a:r>
             <a:endParaRPr kumimoji="1" lang="ja-JP" altLang="en-US" dirty="0"/>
           </a:p>
@@ -3060,7 +3000,7 @@
           <a:p>
             <a:fld id="{66808EC6-8396-49DB-A400-D3B95AE59215}" type="slidenum">
               <a:rPr kumimoji="1" lang="ja-JP" altLang="en-US" smtClean="0"/>
-              <a:t>18</a:t>
+              <a:t>19</a:t>
             </a:fld>
             <a:endParaRPr kumimoji="1" lang="ja-JP" altLang="en-US"/>
           </a:p>
@@ -3088,7 +3028,7 @@
     </p:spTree>
     <p:extLst>
       <p:ext uri="{BB962C8B-B14F-4D97-AF65-F5344CB8AC3E}">
-        <p14:creationId xmlns:p14="http://schemas.microsoft.com/office/powerpoint/2010/main" val="1714329570"/>
+        <p14:creationId xmlns:p14="http://schemas.microsoft.com/office/powerpoint/2010/main" val="1134509360"/>
       </p:ext>
     </p:extLst>
   </p:cSld>
@@ -3142,6 +3082,23 @@
           <a:bodyPr/>
           <a:lstStyle/>
           <a:p>
+            <a:pPr marL="0" marR="0" indent="0" algn="l" defTabSz="914400" rtl="0" eaLnBrk="1" fontAlgn="auto" latinLnBrk="0" hangingPunct="1">
+              <a:lnSpc>
+                <a:spcPct val="100000"/>
+              </a:lnSpc>
+              <a:spcBef>
+                <a:spcPts val="0"/>
+              </a:spcBef>
+              <a:spcAft>
+                <a:spcPts val="0"/>
+              </a:spcAft>
+              <a:buClrTx/>
+              <a:buSzTx/>
+              <a:buFontTx/>
+              <a:buNone/>
+              <a:tabLst/>
+              <a:defRPr/>
+            </a:pPr>
             <a:r>
               <a:rPr kumimoji="1" lang="ja-JP" altLang="en-US" dirty="0" smtClean="0"/>
               <a:t>この検証では，</a:t>
@@ -3152,7 +3109,15 @@
             </a:r>
             <a:r>
               <a:rPr kumimoji="1" lang="ja-JP" altLang="en-US" dirty="0" smtClean="0"/>
-              <a:t>がイメージ図と同じように，描画できているかの動作確認をします．描画されている図を見比べると，同じなので，この</a:t>
+              <a:t>が</a:t>
+            </a:r>
+            <a:r>
+              <a:rPr kumimoji="1" lang="en-US" altLang="ja-JP" dirty="0" err="1" smtClean="0"/>
+              <a:t>GitHub</a:t>
+            </a:r>
+            <a:r>
+              <a:rPr kumimoji="1" lang="ja-JP" altLang="en-US" dirty="0" smtClean="0"/>
+              <a:t>上に挿入できるのかを検証しています．描画されている図では，</a:t>
             </a:r>
             <a:r>
               <a:rPr kumimoji="1" lang="en-US" altLang="ja-JP" dirty="0" smtClean="0"/>
@@ -3160,8 +3125,10 @@
             </a:r>
             <a:r>
               <a:rPr kumimoji="1" lang="ja-JP" altLang="en-US" dirty="0" smtClean="0"/>
-              <a:t>作成の検証はできていることがわかります．</a:t>
-            </a:r>
+              <a:t>が作成の検証はできていることがわかります．</a:t>
+            </a:r>
+          </a:p>
+          <a:p>
             <a:endParaRPr kumimoji="1" lang="ja-JP" altLang="en-US" dirty="0"/>
           </a:p>
         </p:txBody>
@@ -3211,7 +3178,7 @@
     </p:spTree>
     <p:extLst>
       <p:ext uri="{BB962C8B-B14F-4D97-AF65-F5344CB8AC3E}">
-        <p14:creationId xmlns:p14="http://schemas.microsoft.com/office/powerpoint/2010/main" val="1134509360"/>
+        <p14:creationId xmlns:p14="http://schemas.microsoft.com/office/powerpoint/2010/main" val="2184034240"/>
       </p:ext>
     </p:extLst>
   </p:cSld>
@@ -3544,156 +3511,6 @@
             </a:pPr>
             <a:r>
               <a:rPr kumimoji="1" lang="ja-JP" altLang="en-US" dirty="0" smtClean="0"/>
-              <a:t>この検証では，</a:t>
-            </a:r>
-            <a:r>
-              <a:rPr kumimoji="1" lang="en-US" altLang="ja-JP" dirty="0" smtClean="0"/>
-              <a:t>EVM</a:t>
-            </a:r>
-            <a:r>
-              <a:rPr kumimoji="1" lang="ja-JP" altLang="en-US" dirty="0" smtClean="0"/>
-              <a:t>が</a:t>
-            </a:r>
-            <a:r>
-              <a:rPr kumimoji="1" lang="en-US" altLang="ja-JP" dirty="0" err="1" smtClean="0"/>
-              <a:t>GitHub</a:t>
-            </a:r>
-            <a:r>
-              <a:rPr kumimoji="1" lang="ja-JP" altLang="en-US" dirty="0" smtClean="0"/>
-              <a:t>上に挿入できるのかを検証しています．描画されている図では，</a:t>
-            </a:r>
-            <a:r>
-              <a:rPr kumimoji="1" lang="en-US" altLang="ja-JP" dirty="0" smtClean="0"/>
-              <a:t>EVM</a:t>
-            </a:r>
-            <a:r>
-              <a:rPr kumimoji="1" lang="ja-JP" altLang="en-US" dirty="0" smtClean="0"/>
-              <a:t>が作成の検証はできていることがわかります．</a:t>
-            </a:r>
-          </a:p>
-          <a:p>
-            <a:endParaRPr kumimoji="1" lang="ja-JP" altLang="en-US" dirty="0"/>
-          </a:p>
-        </p:txBody>
-      </p:sp>
-      <p:sp>
-        <p:nvSpPr>
-          <p:cNvPr id="4" name="スライド番号プレースホルダー 3"/>
-          <p:cNvSpPr>
-            <a:spLocks noGrp="1"/>
-          </p:cNvSpPr>
-          <p:nvPr>
-            <p:ph type="sldNum" sz="quarter" idx="10"/>
-          </p:nvPr>
-        </p:nvSpPr>
-        <p:spPr/>
-        <p:txBody>
-          <a:bodyPr/>
-          <a:lstStyle/>
-          <a:p>
-            <a:fld id="{66808EC6-8396-49DB-A400-D3B95AE59215}" type="slidenum">
-              <a:rPr kumimoji="1" lang="ja-JP" altLang="en-US" smtClean="0"/>
-              <a:t>22</a:t>
-            </a:fld>
-            <a:endParaRPr kumimoji="1" lang="ja-JP" altLang="en-US"/>
-          </a:p>
-        </p:txBody>
-      </p:sp>
-      <p:sp>
-        <p:nvSpPr>
-          <p:cNvPr id="5" name="フッター プレースホルダー 4"/>
-          <p:cNvSpPr>
-            <a:spLocks noGrp="1"/>
-          </p:cNvSpPr>
-          <p:nvPr>
-            <p:ph type="ftr" sz="quarter" idx="11"/>
-          </p:nvPr>
-        </p:nvSpPr>
-        <p:spPr/>
-        <p:txBody>
-          <a:bodyPr/>
-          <a:lstStyle/>
-          <a:p>
-            <a:endParaRPr kumimoji="1" lang="ja-JP" altLang="en-US"/>
-          </a:p>
-        </p:txBody>
-      </p:sp>
-    </p:spTree>
-    <p:extLst>
-      <p:ext uri="{BB962C8B-B14F-4D97-AF65-F5344CB8AC3E}">
-        <p14:creationId xmlns:p14="http://schemas.microsoft.com/office/powerpoint/2010/main" val="2184034240"/>
-      </p:ext>
-    </p:extLst>
-  </p:cSld>
-  <p:clrMapOvr>
-    <a:masterClrMapping/>
-  </p:clrMapOvr>
-</p:notes>
-</file>
-
-<file path=ppt/notesSlides/notesSlide22.xml><?xml version="1.0" encoding="utf-8"?>
-<p:notes xmlns:a="http://schemas.openxmlformats.org/drawingml/2006/main" xmlns:r="http://schemas.openxmlformats.org/officeDocument/2006/relationships" xmlns:p="http://schemas.openxmlformats.org/presentationml/2006/main">
-  <p:cSld>
-    <p:spTree>
-      <p:nvGrpSpPr>
-        <p:cNvPr id="1" name=""/>
-        <p:cNvGrpSpPr/>
-        <p:nvPr/>
-      </p:nvGrpSpPr>
-      <p:grpSpPr>
-        <a:xfrm>
-          <a:off x="0" y="0"/>
-          <a:ext cx="0" cy="0"/>
-          <a:chOff x="0" y="0"/>
-          <a:chExt cx="0" cy="0"/>
-        </a:xfrm>
-      </p:grpSpPr>
-      <p:sp>
-        <p:nvSpPr>
-          <p:cNvPr id="2" name="スライド イメージ プレースホルダー 1"/>
-          <p:cNvSpPr>
-            <a:spLocks noGrp="1" noRot="1" noChangeAspect="1"/>
-          </p:cNvSpPr>
-          <p:nvPr>
-            <p:ph type="sldImg"/>
-          </p:nvPr>
-        </p:nvSpPr>
-        <p:spPr/>
-      </p:sp>
-      <p:sp>
-        <p:nvSpPr>
-          <p:cNvPr id="3" name="ノート プレースホルダー 2"/>
-          <p:cNvSpPr>
-            <a:spLocks noGrp="1"/>
-          </p:cNvSpPr>
-          <p:nvPr>
-            <p:ph type="body" idx="1"/>
-          </p:nvPr>
-        </p:nvSpPr>
-        <p:spPr/>
-        <p:txBody>
-          <a:bodyPr/>
-          <a:lstStyle/>
-          <a:p>
-            <a:pPr marL="0" marR="0" indent="0" algn="l" defTabSz="914400" rtl="0" eaLnBrk="1" fontAlgn="auto" latinLnBrk="0" hangingPunct="1">
-              <a:lnSpc>
-                <a:spcPct val="100000"/>
-              </a:lnSpc>
-              <a:spcBef>
-                <a:spcPts val="0"/>
-              </a:spcBef>
-              <a:spcAft>
-                <a:spcPts val="0"/>
-              </a:spcAft>
-              <a:buClrTx/>
-              <a:buSzTx/>
-              <a:buFontTx/>
-              <a:buNone/>
-              <a:tabLst/>
-              <a:defRPr/>
-            </a:pPr>
-            <a:r>
-              <a:rPr kumimoji="1" lang="ja-JP" altLang="en-US" dirty="0" smtClean="0"/>
               <a:t>口答内容</a:t>
             </a:r>
             <a:endParaRPr kumimoji="1" lang="en-US" altLang="ja-JP" dirty="0" smtClean="0"/>
@@ -4388,12 +4205,54 @@
           <a:lstStyle/>
           <a:p>
             <a:r>
+              <a:rPr kumimoji="1" lang="ja-JP" altLang="en-US" dirty="0" smtClean="0"/>
+              <a:t>流れの説明</a:t>
+            </a:r>
+            <a:endParaRPr kumimoji="1" lang="en-US" altLang="ja-JP" dirty="0" smtClean="0"/>
+          </a:p>
+          <a:p>
+            <a:r>
+              <a:rPr kumimoji="1" lang="en-US" altLang="ja-JP" dirty="0" smtClean="0"/>
+              <a:t>1</a:t>
+            </a:r>
+            <a:r>
+              <a:rPr kumimoji="1" lang="ja-JP" altLang="en-US" dirty="0" err="1" smtClean="0"/>
+              <a:t>つの</a:t>
+            </a:r>
+            <a:r>
+              <a:rPr kumimoji="1" lang="ja-JP" altLang="en-US" dirty="0" smtClean="0"/>
+              <a:t>タスク内容は</a:t>
+            </a:r>
+            <a:r>
+              <a:rPr kumimoji="1" lang="en-US" altLang="ja-JP" dirty="0" smtClean="0"/>
+              <a:t>1</a:t>
+            </a:r>
+            <a:r>
+              <a:rPr kumimoji="1" lang="ja-JP" altLang="en-US" dirty="0" err="1" smtClean="0"/>
+              <a:t>つの</a:t>
+            </a:r>
+            <a:r>
               <a:rPr kumimoji="1" lang="en-US" altLang="ja-JP" dirty="0" smtClean="0"/>
               <a:t>Issues</a:t>
             </a:r>
             <a:r>
               <a:rPr kumimoji="1" lang="ja-JP" altLang="en-US" dirty="0" smtClean="0"/>
-              <a:t>と</a:t>
+              <a:t>に記述し，対応している．</a:t>
+            </a:r>
+            <a:endParaRPr kumimoji="1" lang="en-US" altLang="ja-JP" dirty="0" smtClean="0"/>
+          </a:p>
+          <a:p>
+            <a:r>
+              <a:rPr kumimoji="1" lang="ja-JP" altLang="en-US" dirty="0" smtClean="0"/>
+              <a:t>また，</a:t>
+            </a:r>
+            <a:r>
+              <a:rPr kumimoji="1" lang="en-US" altLang="ja-JP" dirty="0" smtClean="0"/>
+              <a:t>Issues</a:t>
+            </a:r>
+            <a:r>
+              <a:rPr kumimoji="1" lang="ja-JP" altLang="en-US" dirty="0" smtClean="0"/>
+              <a:t>に対して</a:t>
             </a:r>
             <a:r>
               <a:rPr kumimoji="1" lang="en-US" altLang="ja-JP" dirty="0" smtClean="0"/>
@@ -4401,9 +4260,39 @@
             </a:r>
             <a:r>
               <a:rPr kumimoji="1" lang="ja-JP" altLang="en-US" dirty="0" smtClean="0"/>
-              <a:t>の説明</a:t>
-            </a:r>
-            <a:endParaRPr kumimoji="1" lang="ja-JP" altLang="en-US" dirty="0"/>
+              <a:t>で対応して返信する．</a:t>
+            </a:r>
+            <a:endParaRPr kumimoji="1" lang="en-US" altLang="ja-JP" dirty="0" smtClean="0"/>
+          </a:p>
+          <a:p>
+            <a:r>
+              <a:rPr kumimoji="1" lang="en-US" altLang="ja-JP" dirty="0" smtClean="0"/>
+              <a:t>Issues</a:t>
+            </a:r>
+            <a:r>
+              <a:rPr kumimoji="1" lang="ja-JP" altLang="en-US" dirty="0" smtClean="0"/>
+              <a:t>と</a:t>
+            </a:r>
+            <a:r>
+              <a:rPr kumimoji="1" lang="en-US" altLang="ja-JP" dirty="0" smtClean="0"/>
+              <a:t>comment</a:t>
+            </a:r>
+            <a:r>
+              <a:rPr kumimoji="1" lang="ja-JP" altLang="en-US" dirty="0" smtClean="0"/>
+              <a:t>の進捗報告の内容で</a:t>
+            </a:r>
+            <a:r>
+              <a:rPr kumimoji="1" lang="en-US" altLang="ja-JP" dirty="0" smtClean="0"/>
+              <a:t>EVM</a:t>
+            </a:r>
+            <a:r>
+              <a:rPr kumimoji="1" lang="ja-JP" altLang="en-US" dirty="0" smtClean="0"/>
+              <a:t>を作成する情報がそろえることができます．</a:t>
+            </a:r>
+            <a:endParaRPr kumimoji="1" lang="en-US" altLang="ja-JP" dirty="0" smtClean="0"/>
+          </a:p>
+          <a:p>
+            <a:endParaRPr kumimoji="1" lang="en-US" altLang="ja-JP" dirty="0" smtClean="0"/>
           </a:p>
         </p:txBody>
       </p:sp>
@@ -4452,7 +4341,7 @@
     </p:spTree>
     <p:extLst>
       <p:ext uri="{BB962C8B-B14F-4D97-AF65-F5344CB8AC3E}">
-        <p14:creationId xmlns:p14="http://schemas.microsoft.com/office/powerpoint/2010/main" val="2740132868"/>
+        <p14:creationId xmlns:p14="http://schemas.microsoft.com/office/powerpoint/2010/main" val="3985261669"/>
       </p:ext>
     </p:extLst>
   </p:cSld>
@@ -4506,125 +4395,179 @@
           <a:bodyPr/>
           <a:lstStyle/>
           <a:p>
+            <a:pPr marL="0" marR="0" indent="0" algn="l" defTabSz="914400" rtl="0" eaLnBrk="1" fontAlgn="auto" latinLnBrk="0" hangingPunct="1">
+              <a:lnSpc>
+                <a:spcPct val="100000"/>
+              </a:lnSpc>
+              <a:spcBef>
+                <a:spcPts val="0"/>
+              </a:spcBef>
+              <a:spcAft>
+                <a:spcPts val="0"/>
+              </a:spcAft>
+              <a:buClrTx/>
+              <a:buSzTx/>
+              <a:buFontTx/>
+              <a:buNone/>
+              <a:tabLst/>
+              <a:defRPr/>
+            </a:pPr>
             <a:r>
               <a:rPr kumimoji="1" lang="ja-JP" altLang="en-US" dirty="0" smtClean="0"/>
-              <a:t>流れの説明</a:t>
+              <a:t>口答内容</a:t>
             </a:r>
             <a:endParaRPr kumimoji="1" lang="en-US" altLang="ja-JP" dirty="0" smtClean="0"/>
           </a:p>
           <a:p>
-            <a:r>
-              <a:rPr kumimoji="1" lang="en-US" altLang="ja-JP" dirty="0" smtClean="0"/>
-              <a:t>1</a:t>
-            </a:r>
-            <a:r>
-              <a:rPr kumimoji="1" lang="ja-JP" altLang="en-US" dirty="0" err="1" smtClean="0"/>
-              <a:t>つの</a:t>
-            </a:r>
-            <a:r>
-              <a:rPr kumimoji="1" lang="ja-JP" altLang="en-US" dirty="0" smtClean="0"/>
-              <a:t>タスク内容は</a:t>
-            </a:r>
-            <a:r>
-              <a:rPr kumimoji="1" lang="en-US" altLang="ja-JP" dirty="0" smtClean="0"/>
-              <a:t>1</a:t>
-            </a:r>
-            <a:r>
-              <a:rPr kumimoji="1" lang="ja-JP" altLang="en-US" dirty="0" err="1" smtClean="0"/>
-              <a:t>つの</a:t>
-            </a:r>
-            <a:r>
-              <a:rPr kumimoji="1" lang="en-US" altLang="ja-JP" dirty="0" smtClean="0"/>
-              <a:t>Issues</a:t>
-            </a:r>
-            <a:r>
-              <a:rPr kumimoji="1" lang="ja-JP" altLang="en-US" dirty="0" smtClean="0"/>
-              <a:t>に記述し，対応している．</a:t>
-            </a:r>
-            <a:endParaRPr kumimoji="1" lang="en-US" altLang="ja-JP" dirty="0" smtClean="0"/>
-          </a:p>
-          <a:p>
-            <a:r>
-              <a:rPr kumimoji="1" lang="ja-JP" altLang="en-US" dirty="0" smtClean="0"/>
-              <a:t>また，</a:t>
-            </a:r>
-            <a:r>
-              <a:rPr kumimoji="1" lang="en-US" altLang="ja-JP" dirty="0" smtClean="0"/>
-              <a:t>Issues</a:t>
-            </a:r>
-            <a:r>
-              <a:rPr kumimoji="1" lang="ja-JP" altLang="en-US" dirty="0" smtClean="0"/>
-              <a:t>に対して</a:t>
-            </a:r>
-            <a:r>
-              <a:rPr kumimoji="1" lang="en-US" altLang="ja-JP" dirty="0" smtClean="0"/>
-              <a:t>comment</a:t>
-            </a:r>
-            <a:r>
-              <a:rPr kumimoji="1" lang="ja-JP" altLang="en-US" dirty="0" smtClean="0"/>
-              <a:t>で対応して返信する．</a:t>
-            </a:r>
-            <a:endParaRPr kumimoji="1" lang="en-US" altLang="ja-JP" dirty="0" smtClean="0"/>
-          </a:p>
-          <a:p>
-            <a:r>
-              <a:rPr kumimoji="1" lang="en-US" altLang="ja-JP" dirty="0" smtClean="0"/>
-              <a:t>Issues</a:t>
-            </a:r>
-            <a:r>
-              <a:rPr kumimoji="1" lang="ja-JP" altLang="en-US" dirty="0" smtClean="0"/>
-              <a:t>と</a:t>
-            </a:r>
-            <a:r>
-              <a:rPr kumimoji="1" lang="en-US" altLang="ja-JP" dirty="0" smtClean="0"/>
-              <a:t>comment</a:t>
-            </a:r>
-            <a:r>
-              <a:rPr kumimoji="1" lang="ja-JP" altLang="en-US" dirty="0" smtClean="0"/>
-              <a:t>の進捗報告の内容で</a:t>
-            </a:r>
-            <a:r>
-              <a:rPr kumimoji="1" lang="en-US" altLang="ja-JP" dirty="0" smtClean="0"/>
+            <a:pPr marL="0" marR="0" indent="0" algn="l" defTabSz="914400" rtl="0" eaLnBrk="1" fontAlgn="auto" latinLnBrk="0" hangingPunct="1">
+              <a:lnSpc>
+                <a:spcPct val="100000"/>
+              </a:lnSpc>
+              <a:spcBef>
+                <a:spcPts val="0"/>
+              </a:spcBef>
+              <a:spcAft>
+                <a:spcPts val="0"/>
+              </a:spcAft>
+              <a:buClrTx/>
+              <a:buSzTx/>
+              <a:buFont typeface="+mj-lt"/>
+              <a:buNone/>
+              <a:tabLst/>
+              <a:defRPr/>
+            </a:pPr>
+            <a:r>
+              <a:rPr kumimoji="1" lang="ja-JP" altLang="en-US" b="0" dirty="0" smtClean="0"/>
+              <a:t>方法はこのようにしました．プロジェクトマネジャーが手法</a:t>
+            </a:r>
+            <a:r>
+              <a:rPr kumimoji="1" lang="ja-JP" altLang="en-US" b="0" u="none" dirty="0" smtClean="0"/>
+              <a:t>①の</a:t>
+            </a:r>
+            <a:r>
+              <a:rPr kumimoji="1" lang="en-US" altLang="ja-JP" b="0" dirty="0" smtClean="0"/>
               <a:t>EVM</a:t>
             </a:r>
             <a:r>
-              <a:rPr kumimoji="1" lang="ja-JP" altLang="en-US" dirty="0" smtClean="0"/>
-              <a:t>を作成する情報がそろえることができます．</a:t>
-            </a:r>
-            <a:endParaRPr kumimoji="1" lang="en-US" altLang="ja-JP" dirty="0" smtClean="0"/>
-          </a:p>
-          <a:p>
-            <a:endParaRPr kumimoji="1" lang="en-US" altLang="ja-JP" dirty="0" smtClean="0"/>
-          </a:p>
-        </p:txBody>
-      </p:sp>
-      <p:sp>
-        <p:nvSpPr>
-          <p:cNvPr id="4" name="フッター プレースホルダー 3"/>
-          <p:cNvSpPr>
-            <a:spLocks noGrp="1"/>
-          </p:cNvSpPr>
-          <p:nvPr>
-            <p:ph type="ftr" sz="quarter" idx="10"/>
-          </p:nvPr>
-        </p:nvSpPr>
-        <p:spPr/>
-        <p:txBody>
-          <a:bodyPr/>
-          <a:lstStyle/>
-          <a:p>
-            <a:endParaRPr kumimoji="1" lang="ja-JP" altLang="en-US"/>
-          </a:p>
-        </p:txBody>
-      </p:sp>
-      <p:sp>
-        <p:nvSpPr>
-          <p:cNvPr id="5" name="スライド番号プレースホルダー 4"/>
-          <p:cNvSpPr>
-            <a:spLocks noGrp="1"/>
-          </p:cNvSpPr>
-          <p:nvPr>
-            <p:ph type="sldNum" sz="quarter" idx="11"/>
+              <a:rPr kumimoji="1" lang="ja-JP" altLang="en-US" b="0" dirty="0" smtClean="0"/>
+              <a:t>のために必要な情報を</a:t>
+            </a:r>
+            <a:r>
+              <a:rPr kumimoji="1" lang="en-US" altLang="ja-JP" b="0" dirty="0" err="1" smtClean="0"/>
+              <a:t>GitHub</a:t>
+            </a:r>
+            <a:r>
+              <a:rPr kumimoji="1" lang="ja-JP" altLang="en-US" b="0" dirty="0" smtClean="0"/>
+              <a:t>内に入力します．そして，手法②はその情報を取り出し，</a:t>
+            </a:r>
+            <a:endParaRPr kumimoji="1" lang="en-US" altLang="ja-JP" b="0" dirty="0" smtClean="0"/>
+          </a:p>
+          <a:p>
+            <a:pPr marL="0" marR="0" indent="0" algn="l" defTabSz="914400" rtl="0" eaLnBrk="1" fontAlgn="auto" latinLnBrk="0" hangingPunct="1">
+              <a:lnSpc>
+                <a:spcPct val="100000"/>
+              </a:lnSpc>
+              <a:spcBef>
+                <a:spcPts val="0"/>
+              </a:spcBef>
+              <a:spcAft>
+                <a:spcPts val="0"/>
+              </a:spcAft>
+              <a:buClrTx/>
+              <a:buSzTx/>
+              <a:buFontTx/>
+              <a:buNone/>
+              <a:tabLst/>
+              <a:defRPr/>
+            </a:pPr>
+            <a:r>
+              <a:rPr kumimoji="1" lang="ja-JP" altLang="en-US" b="0" dirty="0" smtClean="0"/>
+              <a:t>その後，手法③は取り出した情報から</a:t>
+            </a:r>
+            <a:r>
+              <a:rPr kumimoji="1" lang="en-US" altLang="ja-JP" b="0" dirty="0" smtClean="0"/>
+              <a:t>EVM</a:t>
+            </a:r>
+            <a:r>
+              <a:rPr kumimoji="1" lang="ja-JP" altLang="en-US" b="0" dirty="0" err="1" smtClean="0"/>
+              <a:t>を描</a:t>
+            </a:r>
+            <a:r>
+              <a:rPr kumimoji="1" lang="ja-JP" altLang="en-US" b="0" dirty="0" smtClean="0"/>
+              <a:t>画し，手法④の描画した</a:t>
+            </a:r>
+            <a:r>
+              <a:rPr kumimoji="1" lang="en-US" altLang="ja-JP" b="0" dirty="0" smtClean="0"/>
+              <a:t>EVM</a:t>
+            </a:r>
+            <a:r>
+              <a:rPr kumimoji="1" lang="ja-JP" altLang="en-US" b="0" dirty="0" smtClean="0"/>
+              <a:t>を</a:t>
+            </a:r>
+            <a:r>
+              <a:rPr kumimoji="1" lang="en-US" altLang="ja-JP" b="0" dirty="0" err="1" smtClean="0"/>
+              <a:t>GitHub</a:t>
+            </a:r>
+            <a:r>
+              <a:rPr kumimoji="1" lang="ja-JP" altLang="en-US" b="0" dirty="0" smtClean="0"/>
+              <a:t>上に挿入することで目的が達成できると考えます．</a:t>
+            </a:r>
+            <a:endParaRPr kumimoji="1" lang="en-US" altLang="ja-JP" b="0" dirty="0" smtClean="0"/>
+          </a:p>
+          <a:p>
+            <a:pPr marL="0" marR="0" indent="0" algn="l" defTabSz="914400" rtl="0" eaLnBrk="1" fontAlgn="auto" latinLnBrk="0" hangingPunct="1">
+              <a:lnSpc>
+                <a:spcPct val="100000"/>
+              </a:lnSpc>
+              <a:spcBef>
+                <a:spcPts val="0"/>
+              </a:spcBef>
+              <a:spcAft>
+                <a:spcPts val="0"/>
+              </a:spcAft>
+              <a:buClrTx/>
+              <a:buSzTx/>
+              <a:buFontTx/>
+              <a:buNone/>
+              <a:tabLst/>
+              <a:defRPr/>
+            </a:pPr>
+            <a:r>
+              <a:rPr kumimoji="1" lang="ja-JP" altLang="en-US" b="0" dirty="0" smtClean="0"/>
+              <a:t>次に各手法について説明します．</a:t>
+            </a:r>
+            <a:endParaRPr kumimoji="1" lang="en-US" altLang="ja-JP" b="0" dirty="0" smtClean="0"/>
+          </a:p>
+          <a:p>
+            <a:pPr marL="0" marR="0" indent="0" algn="l" defTabSz="914400" rtl="0" eaLnBrk="1" fontAlgn="auto" latinLnBrk="0" hangingPunct="1">
+              <a:lnSpc>
+                <a:spcPct val="100000"/>
+              </a:lnSpc>
+              <a:spcBef>
+                <a:spcPts val="0"/>
+              </a:spcBef>
+              <a:spcAft>
+                <a:spcPts val="0"/>
+              </a:spcAft>
+              <a:buClrTx/>
+              <a:buSzTx/>
+              <a:buFontTx/>
+              <a:buNone/>
+              <a:tabLst/>
+              <a:defRPr/>
+            </a:pPr>
+            <a:endParaRPr kumimoji="1" lang="ja-JP" altLang="en-US" b="1" dirty="0" smtClean="0"/>
+          </a:p>
+        </p:txBody>
+      </p:sp>
+      <p:sp>
+        <p:nvSpPr>
+          <p:cNvPr id="4" name="スライド番号プレースホルダー 3"/>
+          <p:cNvSpPr>
+            <a:spLocks noGrp="1"/>
+          </p:cNvSpPr>
+          <p:nvPr>
+            <p:ph type="sldNum" sz="quarter" idx="10"/>
           </p:nvPr>
         </p:nvSpPr>
         <p:spPr/>
@@ -4640,10 +4583,29 @@
           </a:p>
         </p:txBody>
       </p:sp>
+      <p:sp>
+        <p:nvSpPr>
+          <p:cNvPr id="5" name="フッター プレースホルダー 4"/>
+          <p:cNvSpPr>
+            <a:spLocks noGrp="1"/>
+          </p:cNvSpPr>
+          <p:nvPr>
+            <p:ph type="ftr" sz="quarter" idx="11"/>
+          </p:nvPr>
+        </p:nvSpPr>
+        <p:spPr/>
+        <p:txBody>
+          <a:bodyPr/>
+          <a:lstStyle/>
+          <a:p>
+            <a:endParaRPr kumimoji="1" lang="ja-JP" altLang="en-US"/>
+          </a:p>
+        </p:txBody>
+      </p:sp>
     </p:spTree>
     <p:extLst>
       <p:ext uri="{BB962C8B-B14F-4D97-AF65-F5344CB8AC3E}">
-        <p14:creationId xmlns:p14="http://schemas.microsoft.com/office/powerpoint/2010/main" val="3985261669"/>
+        <p14:creationId xmlns:p14="http://schemas.microsoft.com/office/powerpoint/2010/main" val="3381932917"/>
       </p:ext>
     </p:extLst>
   </p:cSld>
@@ -4697,23 +4659,6 @@
           <a:bodyPr/>
           <a:lstStyle/>
           <a:p>
-            <a:pPr marL="0" marR="0" indent="0" algn="l" defTabSz="914400" rtl="0" eaLnBrk="1" fontAlgn="auto" latinLnBrk="0" hangingPunct="1">
-              <a:lnSpc>
-                <a:spcPct val="100000"/>
-              </a:lnSpc>
-              <a:spcBef>
-                <a:spcPts val="0"/>
-              </a:spcBef>
-              <a:spcAft>
-                <a:spcPts val="0"/>
-              </a:spcAft>
-              <a:buClrTx/>
-              <a:buSzTx/>
-              <a:buFontTx/>
-              <a:buNone/>
-              <a:tabLst/>
-              <a:defRPr/>
-            </a:pPr>
             <a:r>
               <a:rPr kumimoji="1" lang="ja-JP" altLang="en-US" dirty="0" smtClean="0"/>
               <a:t>口答内容</a:t>
@@ -4721,144 +4666,164 @@
             <a:endParaRPr kumimoji="1" lang="en-US" altLang="ja-JP" dirty="0" smtClean="0"/>
           </a:p>
           <a:p>
-            <a:pPr marL="0" marR="0" indent="0" algn="l" defTabSz="914400" rtl="0" eaLnBrk="1" fontAlgn="auto" latinLnBrk="0" hangingPunct="1">
-              <a:lnSpc>
-                <a:spcPct val="100000"/>
-              </a:lnSpc>
-              <a:spcBef>
-                <a:spcPts val="0"/>
-              </a:spcBef>
-              <a:spcAft>
-                <a:spcPts val="0"/>
-              </a:spcAft>
-              <a:buClrTx/>
-              <a:buSzTx/>
-              <a:buFont typeface="+mj-lt"/>
-              <a:buNone/>
-              <a:tabLst/>
-              <a:defRPr/>
-            </a:pPr>
-            <a:r>
-              <a:rPr kumimoji="1" lang="ja-JP" altLang="en-US" b="0" dirty="0" smtClean="0"/>
-              <a:t>方法はこのようにしました．プロジェクトマネジャーが手法</a:t>
-            </a:r>
-            <a:r>
-              <a:rPr kumimoji="1" lang="ja-JP" altLang="en-US" b="0" u="none" dirty="0" smtClean="0"/>
-              <a:t>①の</a:t>
-            </a:r>
-            <a:r>
-              <a:rPr kumimoji="1" lang="en-US" altLang="ja-JP" b="0" dirty="0" smtClean="0"/>
+            <a:r>
+              <a:rPr kumimoji="1" lang="ja-JP" altLang="en-US" dirty="0" smtClean="0"/>
+              <a:t>手法①の</a:t>
+            </a:r>
+            <a:r>
+              <a:rPr kumimoji="1" lang="en-US" altLang="ja-JP" dirty="0" smtClean="0"/>
               <a:t>EVM</a:t>
             </a:r>
             <a:r>
-              <a:rPr kumimoji="1" lang="ja-JP" altLang="en-US" b="0" dirty="0" smtClean="0"/>
+              <a:rPr kumimoji="1" lang="ja-JP" altLang="en-US" dirty="0" smtClean="0"/>
               <a:t>のために必要な情報を</a:t>
             </a:r>
             <a:r>
-              <a:rPr kumimoji="1" lang="en-US" altLang="ja-JP" b="0" dirty="0" err="1" smtClean="0"/>
+              <a:rPr kumimoji="1" lang="en-US" altLang="ja-JP" dirty="0" err="1" smtClean="0"/>
               <a:t>GitHub</a:t>
             </a:r>
             <a:r>
-              <a:rPr kumimoji="1" lang="ja-JP" altLang="en-US" b="0" dirty="0" smtClean="0"/>
-              <a:t>内に入力します．そして，手法②はその情報を取り出し，</a:t>
-            </a:r>
-            <a:endParaRPr kumimoji="1" lang="en-US" altLang="ja-JP" b="0" dirty="0" smtClean="0"/>
-          </a:p>
-          <a:p>
-            <a:pPr marL="0" marR="0" indent="0" algn="l" defTabSz="914400" rtl="0" eaLnBrk="1" fontAlgn="auto" latinLnBrk="0" hangingPunct="1">
-              <a:lnSpc>
-                <a:spcPct val="100000"/>
-              </a:lnSpc>
-              <a:spcBef>
-                <a:spcPts val="0"/>
-              </a:spcBef>
-              <a:spcAft>
-                <a:spcPts val="0"/>
-              </a:spcAft>
-              <a:buClrTx/>
-              <a:buSzTx/>
-              <a:buFontTx/>
-              <a:buNone/>
-              <a:tabLst/>
-              <a:defRPr/>
-            </a:pPr>
-            <a:r>
-              <a:rPr kumimoji="1" lang="ja-JP" altLang="en-US" b="0" dirty="0" smtClean="0"/>
-              <a:t>その後，手法③は取り出した情報から</a:t>
-            </a:r>
-            <a:r>
-              <a:rPr kumimoji="1" lang="en-US" altLang="ja-JP" b="0" dirty="0" smtClean="0"/>
-              <a:t>EVM</a:t>
-            </a:r>
-            <a:r>
-              <a:rPr kumimoji="1" lang="ja-JP" altLang="en-US" b="0" dirty="0" err="1" smtClean="0"/>
-              <a:t>を描</a:t>
-            </a:r>
-            <a:r>
-              <a:rPr kumimoji="1" lang="ja-JP" altLang="en-US" b="0" dirty="0" smtClean="0"/>
-              <a:t>画し，手法④の描画した</a:t>
-            </a:r>
-            <a:r>
-              <a:rPr kumimoji="1" lang="en-US" altLang="ja-JP" b="0" dirty="0" smtClean="0"/>
-              <a:t>EVM</a:t>
-            </a:r>
-            <a:r>
-              <a:rPr kumimoji="1" lang="ja-JP" altLang="en-US" b="0" dirty="0" smtClean="0"/>
-              <a:t>を</a:t>
-            </a:r>
-            <a:r>
-              <a:rPr kumimoji="1" lang="en-US" altLang="ja-JP" b="0" dirty="0" err="1" smtClean="0"/>
+              <a:rPr kumimoji="1" lang="ja-JP" altLang="en-US" dirty="0" smtClean="0"/>
+              <a:t>に入力する方法は，</a:t>
+            </a:r>
+            <a:r>
+              <a:rPr kumimoji="1" lang="en-US" altLang="ja-JP" dirty="0" err="1" smtClean="0"/>
               <a:t>GitHub</a:t>
             </a:r>
             <a:r>
-              <a:rPr kumimoji="1" lang="ja-JP" altLang="en-US" b="0" dirty="0" smtClean="0"/>
-              <a:t>上に挿入することで目的が達成できると考えます．</a:t>
-            </a:r>
-            <a:endParaRPr kumimoji="1" lang="en-US" altLang="ja-JP" b="0" dirty="0" smtClean="0"/>
-          </a:p>
-          <a:p>
-            <a:pPr marL="0" marR="0" indent="0" algn="l" defTabSz="914400" rtl="0" eaLnBrk="1" fontAlgn="auto" latinLnBrk="0" hangingPunct="1">
-              <a:lnSpc>
-                <a:spcPct val="100000"/>
-              </a:lnSpc>
-              <a:spcBef>
-                <a:spcPts val="0"/>
-              </a:spcBef>
-              <a:spcAft>
-                <a:spcPts val="0"/>
-              </a:spcAft>
-              <a:buClrTx/>
-              <a:buSzTx/>
-              <a:buFontTx/>
-              <a:buNone/>
-              <a:tabLst/>
-              <a:defRPr/>
-            </a:pPr>
-            <a:r>
-              <a:rPr kumimoji="1" lang="ja-JP" altLang="en-US" b="0" dirty="0" smtClean="0"/>
-              <a:t>次に各手法について説明します．</a:t>
-            </a:r>
-            <a:endParaRPr kumimoji="1" lang="en-US" altLang="ja-JP" b="0" dirty="0" smtClean="0"/>
-          </a:p>
-          <a:p>
-            <a:pPr marL="0" marR="0" indent="0" algn="l" defTabSz="914400" rtl="0" eaLnBrk="1" fontAlgn="auto" latinLnBrk="0" hangingPunct="1">
-              <a:lnSpc>
-                <a:spcPct val="100000"/>
-              </a:lnSpc>
-              <a:spcBef>
-                <a:spcPts val="0"/>
-              </a:spcBef>
-              <a:spcAft>
-                <a:spcPts val="0"/>
-              </a:spcAft>
-              <a:buClrTx/>
-              <a:buSzTx/>
-              <a:buFontTx/>
-              <a:buNone/>
-              <a:tabLst/>
-              <a:defRPr/>
-            </a:pPr>
-            <a:endParaRPr kumimoji="1" lang="ja-JP" altLang="en-US" b="1" dirty="0" smtClean="0"/>
+              <a:rPr kumimoji="1" lang="ja-JP" altLang="en-US" dirty="0" smtClean="0"/>
+              <a:t>の機能のうち文章を記述できる機能は，</a:t>
+            </a:r>
+            <a:r>
+              <a:rPr kumimoji="1" lang="en-US" altLang="ja-JP" dirty="0" smtClean="0"/>
+              <a:t>Wiki</a:t>
+            </a:r>
+            <a:r>
+              <a:rPr kumimoji="1" lang="ja-JP" altLang="en-US" dirty="0" smtClean="0"/>
+              <a:t>と</a:t>
+            </a:r>
+            <a:r>
+              <a:rPr kumimoji="1" lang="en-US" altLang="ja-JP" dirty="0" smtClean="0"/>
+              <a:t>Issues</a:t>
+            </a:r>
+            <a:r>
+              <a:rPr kumimoji="1" lang="ja-JP" altLang="en-US" dirty="0" smtClean="0"/>
+              <a:t>です．さらに各機能について調査した結果，</a:t>
+            </a:r>
+            <a:r>
+              <a:rPr kumimoji="1" lang="en-US" altLang="ja-JP" dirty="0" smtClean="0"/>
+              <a:t>Issues</a:t>
+            </a:r>
+            <a:r>
+              <a:rPr kumimoji="1" lang="ja-JP" altLang="en-US" dirty="0" smtClean="0"/>
+              <a:t>を使用することに決めました．</a:t>
+            </a:r>
+            <a:endParaRPr kumimoji="1" lang="en-US" altLang="ja-JP" dirty="0" smtClean="0"/>
+          </a:p>
+          <a:p>
+            <a:endParaRPr kumimoji="1" lang="en-US" altLang="ja-JP" dirty="0" smtClean="0"/>
+          </a:p>
+          <a:p>
+            <a:r>
+              <a:rPr kumimoji="1" lang="ja-JP" altLang="en-US" dirty="0" smtClean="0"/>
+              <a:t>時間が足りない場合読む</a:t>
+            </a:r>
+            <a:endParaRPr kumimoji="1" lang="en-US" altLang="ja-JP" dirty="0" smtClean="0"/>
+          </a:p>
+          <a:p>
+            <a:r>
+              <a:rPr kumimoji="1" lang="en-US" altLang="ja-JP" dirty="0" smtClean="0"/>
+              <a:t>Issues</a:t>
+            </a:r>
+            <a:r>
+              <a:rPr kumimoji="1" lang="ja-JP" altLang="en-US" dirty="0" smtClean="0"/>
+              <a:t>には，メールのような機能であり，</a:t>
+            </a:r>
+            <a:r>
+              <a:rPr kumimoji="1" lang="en-US" altLang="ja-JP" dirty="0" smtClean="0"/>
+              <a:t>Issues</a:t>
+            </a:r>
+            <a:r>
+              <a:rPr kumimoji="1" lang="ja-JP" altLang="en-US" dirty="0" smtClean="0"/>
+              <a:t>を発行した状態を</a:t>
+            </a:r>
+            <a:r>
+              <a:rPr kumimoji="1" lang="en-US" altLang="ja-JP" dirty="0" smtClean="0"/>
+              <a:t>open</a:t>
+            </a:r>
+            <a:r>
+              <a:rPr kumimoji="1" lang="ja-JP" altLang="en-US" dirty="0" smtClean="0"/>
+              <a:t>状態，受信された</a:t>
+            </a:r>
+            <a:r>
+              <a:rPr kumimoji="1" lang="en-US" altLang="ja-JP" dirty="0" smtClean="0"/>
+              <a:t>Issues</a:t>
+            </a:r>
+            <a:r>
+              <a:rPr kumimoji="1" lang="ja-JP" altLang="en-US" dirty="0" smtClean="0"/>
+              <a:t>の内容を確認した状態が</a:t>
+            </a:r>
+            <a:r>
+              <a:rPr kumimoji="1" lang="en-US" altLang="ja-JP" dirty="0" smtClean="0"/>
+              <a:t>close</a:t>
+            </a:r>
+            <a:r>
+              <a:rPr kumimoji="1" lang="ja-JP" altLang="en-US" dirty="0" smtClean="0"/>
+              <a:t>状態です．</a:t>
+            </a:r>
+            <a:r>
+              <a:rPr kumimoji="1" lang="en-US" altLang="ja-JP" dirty="0" smtClean="0"/>
+              <a:t>Close</a:t>
+            </a:r>
+            <a:r>
+              <a:rPr kumimoji="1" lang="ja-JP" altLang="en-US" dirty="0" smtClean="0"/>
+              <a:t>状態にすることによって，</a:t>
+            </a:r>
+            <a:r>
+              <a:rPr kumimoji="1" lang="en-US" altLang="ja-JP" dirty="0" err="1" smtClean="0"/>
+              <a:t>Isses</a:t>
+            </a:r>
+            <a:r>
+              <a:rPr kumimoji="1" lang="ja-JP" altLang="en-US" dirty="0" smtClean="0"/>
+              <a:t>を発行した人に</a:t>
+            </a:r>
+            <a:r>
+              <a:rPr kumimoji="1" lang="en-US" altLang="ja-JP" dirty="0" smtClean="0"/>
+              <a:t>closes</a:t>
+            </a:r>
+            <a:r>
+              <a:rPr kumimoji="1" lang="ja-JP" altLang="en-US" dirty="0" smtClean="0"/>
+              <a:t>したことを知らせる機能があります．</a:t>
+            </a:r>
+            <a:r>
+              <a:rPr kumimoji="1" lang="en-US" altLang="ja-JP" dirty="0" smtClean="0"/>
+              <a:t>open</a:t>
+            </a:r>
+            <a:r>
+              <a:rPr kumimoji="1" lang="ja-JP" altLang="en-US" dirty="0" smtClean="0"/>
+              <a:t>と</a:t>
+            </a:r>
+            <a:r>
+              <a:rPr kumimoji="1" lang="en-US" altLang="ja-JP" dirty="0" smtClean="0"/>
+              <a:t>close</a:t>
+            </a:r>
+            <a:r>
+              <a:rPr kumimoji="1" lang="ja-JP" altLang="en-US" dirty="0" smtClean="0"/>
+              <a:t>の</a:t>
+            </a:r>
+            <a:r>
+              <a:rPr kumimoji="1" lang="en-US" altLang="ja-JP" dirty="0" smtClean="0"/>
+              <a:t>2</a:t>
+            </a:r>
+            <a:r>
+              <a:rPr kumimoji="1" lang="ja-JP" altLang="en-US" dirty="0" err="1" smtClean="0"/>
+              <a:t>つの</a:t>
+            </a:r>
+            <a:r>
+              <a:rPr kumimoji="1" lang="ja-JP" altLang="en-US" dirty="0" smtClean="0"/>
+              <a:t>状態は一覧表で表示することができるので，タスク管理をするには最適だと考え，本研究に利用することを決めました．</a:t>
+            </a:r>
+            <a:endParaRPr kumimoji="1" lang="en-US" altLang="ja-JP" dirty="0" smtClean="0"/>
           </a:p>
         </p:txBody>
       </p:sp>
@@ -4907,7 +4872,7 @@
     </p:spTree>
     <p:extLst>
       <p:ext uri="{BB962C8B-B14F-4D97-AF65-F5344CB8AC3E}">
-        <p14:creationId xmlns:p14="http://schemas.microsoft.com/office/powerpoint/2010/main" val="3381932917"/>
+        <p14:creationId xmlns:p14="http://schemas.microsoft.com/office/powerpoint/2010/main" val="2053096159"/>
       </p:ext>
     </p:extLst>
   </p:cSld>
@@ -4970,7 +4935,7 @@
           <a:p>
             <a:r>
               <a:rPr kumimoji="1" lang="ja-JP" altLang="en-US" dirty="0" smtClean="0"/>
-              <a:t>手法①の</a:t>
+              <a:t>次に</a:t>
             </a:r>
             <a:r>
               <a:rPr kumimoji="1" lang="en-US" altLang="ja-JP" dirty="0" smtClean="0"/>
@@ -4978,31 +4943,14 @@
             </a:r>
             <a:r>
               <a:rPr kumimoji="1" lang="ja-JP" altLang="en-US" dirty="0" smtClean="0"/>
-              <a:t>のために必要な情報を</a:t>
-            </a:r>
-            <a:r>
-              <a:rPr kumimoji="1" lang="en-US" altLang="ja-JP" dirty="0" err="1" smtClean="0"/>
-              <a:t>GitHub</a:t>
-            </a:r>
+              <a:t>のために必要な情報の内容について説明します．</a:t>
+            </a:r>
+            <a:endParaRPr kumimoji="1" lang="en-US" altLang="ja-JP" dirty="0" smtClean="0"/>
+          </a:p>
+          <a:p>
             <a:r>
               <a:rPr kumimoji="1" lang="ja-JP" altLang="en-US" dirty="0" smtClean="0"/>
-              <a:t>に入力する方法は，</a:t>
-            </a:r>
-            <a:r>
-              <a:rPr kumimoji="1" lang="en-US" altLang="ja-JP" dirty="0" err="1" smtClean="0"/>
-              <a:t>GitHub</a:t>
-            </a:r>
-            <a:r>
-              <a:rPr kumimoji="1" lang="ja-JP" altLang="en-US" dirty="0" smtClean="0"/>
-              <a:t>の機能のうち文章を記述できる機能は，</a:t>
-            </a:r>
-            <a:r>
-              <a:rPr kumimoji="1" lang="en-US" altLang="ja-JP" dirty="0" smtClean="0"/>
-              <a:t>Wiki</a:t>
-            </a:r>
-            <a:r>
-              <a:rPr kumimoji="1" lang="ja-JP" altLang="en-US" dirty="0" smtClean="0"/>
-              <a:t>と</a:t>
+              <a:t>発行した</a:t>
             </a:r>
             <a:r>
               <a:rPr kumimoji="1" lang="en-US" altLang="ja-JP" dirty="0" smtClean="0"/>
@@ -5010,7 +4958,37 @@
             </a:r>
             <a:r>
               <a:rPr kumimoji="1" lang="ja-JP" altLang="en-US" dirty="0" smtClean="0"/>
-              <a:t>です．さらに各機能について調査した結果，</a:t>
+              <a:t>には，「タスク名」「タスク期限日」「計画予定時間数」「時給金額」「材料費」を記述します．</a:t>
+            </a:r>
+            <a:endParaRPr kumimoji="1" lang="en-US" altLang="ja-JP" dirty="0" smtClean="0"/>
+          </a:p>
+          <a:p>
+            <a:r>
+              <a:rPr kumimoji="1" lang="ja-JP" altLang="en-US" dirty="0" smtClean="0"/>
+              <a:t>この内容は，</a:t>
+            </a:r>
+            <a:r>
+              <a:rPr kumimoji="1" lang="en-US" altLang="ja-JP" dirty="0" smtClean="0"/>
+              <a:t>EVM</a:t>
+            </a:r>
+            <a:r>
+              <a:rPr kumimoji="1" lang="ja-JP" altLang="en-US" dirty="0" smtClean="0"/>
+              <a:t>を作成する計算をするときに必要な項目です．</a:t>
+            </a:r>
+            <a:endParaRPr kumimoji="1" lang="en-US" altLang="ja-JP" dirty="0" smtClean="0"/>
+          </a:p>
+          <a:p>
+            <a:r>
+              <a:rPr kumimoji="1" lang="ja-JP" altLang="en-US" dirty="0" smtClean="0"/>
+              <a:t>次に</a:t>
+            </a:r>
+            <a:r>
+              <a:rPr kumimoji="1" lang="en-US" altLang="ja-JP" dirty="0" smtClean="0"/>
+              <a:t>close</a:t>
+            </a:r>
+            <a:r>
+              <a:rPr kumimoji="1" lang="ja-JP" altLang="en-US" dirty="0" smtClean="0"/>
+              <a:t>状態の</a:t>
             </a:r>
             <a:r>
               <a:rPr kumimoji="1" lang="en-US" altLang="ja-JP" dirty="0" smtClean="0"/>
@@ -5018,113 +4996,19 @@
             </a:r>
             <a:r>
               <a:rPr kumimoji="1" lang="ja-JP" altLang="en-US" dirty="0" smtClean="0"/>
-              <a:t>を使用することに決めました．</a:t>
+              <a:t>の</a:t>
+            </a:r>
+            <a:r>
+              <a:rPr kumimoji="1" lang="en-US" altLang="ja-JP" dirty="0" smtClean="0"/>
+              <a:t>comment</a:t>
+            </a:r>
+            <a:r>
+              <a:rPr kumimoji="1" lang="ja-JP" altLang="en-US" dirty="0" smtClean="0"/>
+              <a:t>の記述方法について説明します．</a:t>
             </a:r>
             <a:endParaRPr kumimoji="1" lang="en-US" altLang="ja-JP" dirty="0" smtClean="0"/>
           </a:p>
           <a:p>
-            <a:endParaRPr kumimoji="1" lang="en-US" altLang="ja-JP" dirty="0" smtClean="0"/>
-          </a:p>
-          <a:p>
-            <a:r>
-              <a:rPr kumimoji="1" lang="ja-JP" altLang="en-US" dirty="0" smtClean="0"/>
-              <a:t>時間が足りない場合読む</a:t>
-            </a:r>
-            <a:endParaRPr kumimoji="1" lang="en-US" altLang="ja-JP" dirty="0" smtClean="0"/>
-          </a:p>
-          <a:p>
-            <a:r>
-              <a:rPr kumimoji="1" lang="en-US" altLang="ja-JP" dirty="0" smtClean="0"/>
-              <a:t>Issues</a:t>
-            </a:r>
-            <a:r>
-              <a:rPr kumimoji="1" lang="ja-JP" altLang="en-US" dirty="0" smtClean="0"/>
-              <a:t>には，メールのような機能であり，</a:t>
-            </a:r>
-            <a:r>
-              <a:rPr kumimoji="1" lang="en-US" altLang="ja-JP" dirty="0" smtClean="0"/>
-              <a:t>Issues</a:t>
-            </a:r>
-            <a:r>
-              <a:rPr kumimoji="1" lang="ja-JP" altLang="en-US" dirty="0" smtClean="0"/>
-              <a:t>を発行した状態を</a:t>
-            </a:r>
-            <a:r>
-              <a:rPr kumimoji="1" lang="en-US" altLang="ja-JP" dirty="0" smtClean="0"/>
-              <a:t>open</a:t>
-            </a:r>
-            <a:r>
-              <a:rPr kumimoji="1" lang="ja-JP" altLang="en-US" dirty="0" smtClean="0"/>
-              <a:t>状態，受信された</a:t>
-            </a:r>
-            <a:r>
-              <a:rPr kumimoji="1" lang="en-US" altLang="ja-JP" dirty="0" smtClean="0"/>
-              <a:t>Issues</a:t>
-            </a:r>
-            <a:r>
-              <a:rPr kumimoji="1" lang="ja-JP" altLang="en-US" dirty="0" smtClean="0"/>
-              <a:t>の内容を確認した状態が</a:t>
-            </a:r>
-            <a:r>
-              <a:rPr kumimoji="1" lang="en-US" altLang="ja-JP" dirty="0" smtClean="0"/>
-              <a:t>close</a:t>
-            </a:r>
-            <a:r>
-              <a:rPr kumimoji="1" lang="ja-JP" altLang="en-US" dirty="0" smtClean="0"/>
-              <a:t>状態です．</a:t>
-            </a:r>
-            <a:r>
-              <a:rPr kumimoji="1" lang="en-US" altLang="ja-JP" dirty="0" smtClean="0"/>
-              <a:t>Close</a:t>
-            </a:r>
-            <a:r>
-              <a:rPr kumimoji="1" lang="ja-JP" altLang="en-US" dirty="0" smtClean="0"/>
-              <a:t>状態にすることによって，</a:t>
-            </a:r>
-            <a:r>
-              <a:rPr kumimoji="1" lang="en-US" altLang="ja-JP" dirty="0" err="1" smtClean="0"/>
-              <a:t>Isses</a:t>
-            </a:r>
-            <a:r>
-              <a:rPr kumimoji="1" lang="ja-JP" altLang="en-US" dirty="0" smtClean="0"/>
-              <a:t>を発行した人に</a:t>
-            </a:r>
-            <a:r>
-              <a:rPr kumimoji="1" lang="en-US" altLang="ja-JP" dirty="0" smtClean="0"/>
-              <a:t>closes</a:t>
-            </a:r>
-            <a:r>
-              <a:rPr kumimoji="1" lang="ja-JP" altLang="en-US" dirty="0" smtClean="0"/>
-              <a:t>したことを知らせる機能があります．</a:t>
-            </a:r>
-            <a:r>
-              <a:rPr kumimoji="1" lang="en-US" altLang="ja-JP" dirty="0" smtClean="0"/>
-              <a:t>open</a:t>
-            </a:r>
-            <a:r>
-              <a:rPr kumimoji="1" lang="ja-JP" altLang="en-US" dirty="0" smtClean="0"/>
-              <a:t>と</a:t>
-            </a:r>
-            <a:r>
-              <a:rPr kumimoji="1" lang="en-US" altLang="ja-JP" dirty="0" smtClean="0"/>
-              <a:t>close</a:t>
-            </a:r>
-            <a:r>
-              <a:rPr kumimoji="1" lang="ja-JP" altLang="en-US" dirty="0" smtClean="0"/>
-              <a:t>の</a:t>
-            </a:r>
-            <a:r>
-              <a:rPr kumimoji="1" lang="en-US" altLang="ja-JP" dirty="0" smtClean="0"/>
-              <a:t>2</a:t>
-            </a:r>
-            <a:r>
-              <a:rPr kumimoji="1" lang="ja-JP" altLang="en-US" dirty="0" err="1" smtClean="0"/>
-              <a:t>つの</a:t>
-            </a:r>
-            <a:r>
-              <a:rPr kumimoji="1" lang="ja-JP" altLang="en-US" dirty="0" smtClean="0"/>
-              <a:t>状態は一覧表で表示することができるので，タスク管理をするには最適だと考え，本研究に利用することを決めました．</a:t>
-            </a:r>
             <a:endParaRPr kumimoji="1" lang="en-US" altLang="ja-JP" dirty="0" smtClean="0"/>
           </a:p>
         </p:txBody>
@@ -5174,7 +5058,7 @@
     </p:spTree>
     <p:extLst>
       <p:ext uri="{BB962C8B-B14F-4D97-AF65-F5344CB8AC3E}">
-        <p14:creationId xmlns:p14="http://schemas.microsoft.com/office/powerpoint/2010/main" val="2053096159"/>
+        <p14:creationId xmlns:p14="http://schemas.microsoft.com/office/powerpoint/2010/main" val="4129710771"/>
       </p:ext>
     </p:extLst>
   </p:cSld>
@@ -5365,7 +5249,7 @@
           <a:p>
             <a:fld id="{8554E089-9B2E-4884-947E-E3DABF36983C}" type="datetime1">
               <a:rPr kumimoji="1" lang="ja-JP" altLang="en-US" smtClean="0"/>
-              <a:t>2014/2/4</a:t>
+              <a:t>2014/2/5</a:t>
             </a:fld>
             <a:endParaRPr kumimoji="1" lang="ja-JP" altLang="en-US"/>
           </a:p>
@@ -5567,7 +5451,7 @@
           <a:p>
             <a:fld id="{DFBAAFED-1370-46BA-919A-489C925E4B35}" type="datetime1">
               <a:rPr kumimoji="1" lang="ja-JP" altLang="en-US" smtClean="0"/>
-              <a:t>2014/2/4</a:t>
+              <a:t>2014/2/5</a:t>
             </a:fld>
             <a:endParaRPr kumimoji="1" lang="ja-JP" altLang="en-US"/>
           </a:p>
@@ -5779,7 +5663,7 @@
           <a:p>
             <a:fld id="{02CCA704-C519-4FCB-B203-66AAA9F30F30}" type="datetime1">
               <a:rPr kumimoji="1" lang="ja-JP" altLang="en-US" smtClean="0"/>
-              <a:t>2014/2/4</a:t>
+              <a:t>2014/2/5</a:t>
             </a:fld>
             <a:endParaRPr kumimoji="1" lang="ja-JP" altLang="en-US"/>
           </a:p>
@@ -5981,7 +5865,7 @@
           <a:p>
             <a:fld id="{ABA6481B-CA87-446D-8EE7-182936BC92F6}" type="datetime1">
               <a:rPr kumimoji="1" lang="ja-JP" altLang="en-US" smtClean="0"/>
-              <a:t>2014/2/4</a:t>
+              <a:t>2014/2/5</a:t>
             </a:fld>
             <a:endParaRPr kumimoji="1" lang="ja-JP" altLang="en-US"/>
           </a:p>
@@ -6227,7 +6111,7 @@
           <a:p>
             <a:fld id="{911A2A5D-B597-4A45-87F5-C3C11D3DEF65}" type="datetime1">
               <a:rPr kumimoji="1" lang="ja-JP" altLang="en-US" smtClean="0"/>
-              <a:t>2014/2/4</a:t>
+              <a:t>2014/2/5</a:t>
             </a:fld>
             <a:endParaRPr kumimoji="1" lang="ja-JP" altLang="en-US"/>
           </a:p>
@@ -6579,7 +6463,7 @@
           <a:p>
             <a:fld id="{8FBFBE85-EA3E-447F-95A6-E074B3940D74}" type="datetime1">
               <a:rPr kumimoji="1" lang="ja-JP" altLang="en-US" smtClean="0"/>
-              <a:t>2014/2/4</a:t>
+              <a:t>2014/2/5</a:t>
             </a:fld>
             <a:endParaRPr kumimoji="1" lang="ja-JP" altLang="en-US"/>
           </a:p>
@@ -7065,7 +6949,7 @@
           <a:p>
             <a:fld id="{6F317B3B-B341-4C58-9DB7-F9EE61A52040}" type="datetime1">
               <a:rPr kumimoji="1" lang="ja-JP" altLang="en-US" smtClean="0"/>
-              <a:t>2014/2/4</a:t>
+              <a:t>2014/2/5</a:t>
             </a:fld>
             <a:endParaRPr kumimoji="1" lang="ja-JP" altLang="en-US"/>
           </a:p>
@@ -7183,7 +7067,7 @@
           <a:p>
             <a:fld id="{3AD47C89-8F0D-4951-98DA-36314A5D0AF6}" type="datetime1">
               <a:rPr kumimoji="1" lang="ja-JP" altLang="en-US" smtClean="0"/>
-              <a:t>2014/2/4</a:t>
+              <a:t>2014/2/5</a:t>
             </a:fld>
             <a:endParaRPr kumimoji="1" lang="ja-JP" altLang="en-US"/>
           </a:p>
@@ -7278,7 +7162,7 @@
           <a:p>
             <a:fld id="{2988C93A-088F-40CC-B927-B9C6C4BE8370}" type="datetime1">
               <a:rPr kumimoji="1" lang="ja-JP" altLang="en-US" smtClean="0"/>
-              <a:t>2014/2/4</a:t>
+              <a:t>2014/2/5</a:t>
             </a:fld>
             <a:endParaRPr kumimoji="1" lang="ja-JP" altLang="en-US"/>
           </a:p>
@@ -7587,7 +7471,7 @@
           <a:p>
             <a:fld id="{A37A7FB0-C3F3-49F5-8288-04BD64D5F554}" type="datetime1">
               <a:rPr kumimoji="1" lang="ja-JP" altLang="en-US" smtClean="0"/>
-              <a:t>2014/2/4</a:t>
+              <a:t>2014/2/5</a:t>
             </a:fld>
             <a:endParaRPr kumimoji="1" lang="ja-JP" altLang="en-US"/>
           </a:p>
@@ -7840,7 +7724,7 @@
           <a:p>
             <a:fld id="{06FD7B4E-742E-4035-9698-7B0753DCA78C}" type="datetime1">
               <a:rPr kumimoji="1" lang="ja-JP" altLang="en-US" smtClean="0"/>
-              <a:t>2014/2/4</a:t>
+              <a:t>2014/2/5</a:t>
             </a:fld>
             <a:endParaRPr kumimoji="1" lang="ja-JP" altLang="en-US"/>
           </a:p>
@@ -8085,7 +7969,7 @@
           <a:p>
             <a:fld id="{CDCD8675-6015-428E-B4FE-78D875F80FD1}" type="datetime1">
               <a:rPr kumimoji="1" lang="ja-JP" altLang="en-US" smtClean="0"/>
-              <a:t>2014/2/4</a:t>
+              <a:t>2014/2/5</a:t>
             </a:fld>
             <a:endParaRPr kumimoji="1" lang="ja-JP" altLang="en-US"/>
           </a:p>
@@ -8661,10 +8545,14 @@
         <p:spPr/>
         <p:txBody>
           <a:bodyPr>
-            <a:normAutofit/>
+            <a:normAutofit fontScale="90000"/>
           </a:bodyPr>
           <a:lstStyle/>
           <a:p>
+            <a:pPr marL="742950" indent="-742950">
+              <a:buFont typeface="+mj-lt"/>
+              <a:buAutoNum type="arabicPeriod" startAt="4"/>
+            </a:pPr>
             <a:r>
               <a:rPr lang="ja-JP" altLang="en-US" sz="4400" dirty="0" smtClean="0"/>
               <a:t>手法</a:t>
@@ -8712,16 +8600,17 @@
             </a:r>
             <a:r>
               <a:rPr lang="ja-JP" altLang="en-US" dirty="0" smtClean="0"/>
+              <a:t>に対応する</a:t>
+            </a:r>
+            <a:r>
+              <a:rPr lang="en-US" altLang="ja-JP" dirty="0" smtClean="0"/>
+              <a:t>comment</a:t>
+            </a:r>
+            <a:r>
+              <a:rPr lang="ja-JP" altLang="en-US" dirty="0" smtClean="0"/>
               <a:t>の記述内容</a:t>
             </a:r>
-            <a:endParaRPr lang="en-US" altLang="ja-JP" sz="3200" dirty="0" smtClean="0"/>
-          </a:p>
-          <a:p>
-            <a:r>
-              <a:rPr lang="ja-JP" altLang="en-US" sz="3200" dirty="0" smtClean="0"/>
-              <a:t>必要情報</a:t>
-            </a:r>
-            <a:endParaRPr lang="en-US" altLang="ja-JP" sz="3200" dirty="0" smtClean="0"/>
+            <a:endParaRPr lang="en-US" altLang="ja-JP" dirty="0"/>
           </a:p>
           <a:p>
             <a:pPr lvl="1">
@@ -8730,240 +8619,6 @@
             </a:pPr>
             <a:r>
               <a:rPr lang="ja-JP" altLang="en-US" sz="2800" dirty="0" smtClean="0"/>
-              <a:t>タスク名</a:t>
-            </a:r>
-            <a:endParaRPr lang="en-US" altLang="ja-JP" sz="2800" dirty="0" smtClean="0"/>
-          </a:p>
-          <a:p>
-            <a:pPr lvl="1">
-              <a:buFont typeface="Wingdings" panose="05000000000000000000" pitchFamily="2" charset="2"/>
-              <a:buChar char="l"/>
-            </a:pPr>
-            <a:r>
-              <a:rPr lang="ja-JP" altLang="en-US" sz="2800" dirty="0" smtClean="0"/>
-              <a:t>タスク期限日</a:t>
-            </a:r>
-            <a:endParaRPr lang="en-US" altLang="ja-JP" sz="2800" dirty="0" smtClean="0"/>
-          </a:p>
-          <a:p>
-            <a:pPr lvl="1">
-              <a:buFont typeface="Wingdings" panose="05000000000000000000" pitchFamily="2" charset="2"/>
-              <a:buChar char="l"/>
-            </a:pPr>
-            <a:r>
-              <a:rPr lang="ja-JP" altLang="en-US" sz="2800" dirty="0" smtClean="0"/>
-              <a:t>計画予定時間数</a:t>
-            </a:r>
-            <a:endParaRPr lang="en-US" altLang="ja-JP" sz="2800" dirty="0" smtClean="0"/>
-          </a:p>
-          <a:p>
-            <a:pPr lvl="1">
-              <a:buFont typeface="Wingdings" panose="05000000000000000000" pitchFamily="2" charset="2"/>
-              <a:buChar char="l"/>
-            </a:pPr>
-            <a:r>
-              <a:rPr lang="ja-JP" altLang="en-US" sz="2800" dirty="0" smtClean="0"/>
-              <a:t>時給金額</a:t>
-            </a:r>
-            <a:endParaRPr lang="en-US" altLang="ja-JP" sz="2800" dirty="0" smtClean="0"/>
-          </a:p>
-          <a:p>
-            <a:pPr lvl="1">
-              <a:buFont typeface="Wingdings" panose="05000000000000000000" pitchFamily="2" charset="2"/>
-              <a:buChar char="l"/>
-            </a:pPr>
-            <a:r>
-              <a:rPr lang="ja-JP" altLang="en-US" sz="2800" dirty="0" smtClean="0"/>
-              <a:t>材料費</a:t>
-            </a:r>
-            <a:endParaRPr lang="en-US" altLang="ja-JP" sz="2800" dirty="0" smtClean="0"/>
-          </a:p>
-        </p:txBody>
-      </p:sp>
-      <p:sp>
-        <p:nvSpPr>
-          <p:cNvPr id="4" name="フッター プレースホルダー 3"/>
-          <p:cNvSpPr>
-            <a:spLocks noGrp="1"/>
-          </p:cNvSpPr>
-          <p:nvPr>
-            <p:ph type="ftr" sz="quarter" idx="11"/>
-          </p:nvPr>
-        </p:nvSpPr>
-        <p:spPr/>
-        <p:txBody>
-          <a:bodyPr/>
-          <a:lstStyle/>
-          <a:p>
-            <a:endParaRPr kumimoji="1" lang="ja-JP" altLang="en-US"/>
-          </a:p>
-        </p:txBody>
-      </p:sp>
-      <p:sp>
-        <p:nvSpPr>
-          <p:cNvPr id="5" name="スライド番号プレースホルダー 4"/>
-          <p:cNvSpPr>
-            <a:spLocks noGrp="1"/>
-          </p:cNvSpPr>
-          <p:nvPr>
-            <p:ph type="sldNum" sz="quarter" idx="12"/>
-          </p:nvPr>
-        </p:nvSpPr>
-        <p:spPr/>
-        <p:txBody>
-          <a:bodyPr/>
-          <a:lstStyle/>
-          <a:p>
-            <a:fld id="{84835224-79A0-4EB9-9992-36178AD955CF}" type="slidenum">
-              <a:rPr kumimoji="1" lang="ja-JP" altLang="en-US" smtClean="0"/>
-              <a:t>10</a:t>
-            </a:fld>
-            <a:endParaRPr kumimoji="1" lang="ja-JP" altLang="en-US"/>
-          </a:p>
-        </p:txBody>
-      </p:sp>
-      <p:pic>
-        <p:nvPicPr>
-          <p:cNvPr id="6" name="図 5"/>
-          <p:cNvPicPr/>
-          <p:nvPr/>
-        </p:nvPicPr>
-        <p:blipFill>
-          <a:blip r:embed="rId3"/>
-          <a:stretch>
-            <a:fillRect/>
-          </a:stretch>
-        </p:blipFill>
-        <p:spPr>
-          <a:xfrm>
-            <a:off x="3851920" y="2132856"/>
-            <a:ext cx="4942292" cy="4032448"/>
-          </a:xfrm>
-          <a:prstGeom prst="rect">
-            <a:avLst/>
-          </a:prstGeom>
-        </p:spPr>
-      </p:pic>
-    </p:spTree>
-    <p:extLst>
-      <p:ext uri="{BB962C8B-B14F-4D97-AF65-F5344CB8AC3E}">
-        <p14:creationId xmlns:p14="http://schemas.microsoft.com/office/powerpoint/2010/main" val="1152344058"/>
-      </p:ext>
-    </p:extLst>
-  </p:cSld>
-  <p:clrMapOvr>
-    <a:masterClrMapping/>
-  </p:clrMapOvr>
-  <p:timing>
-    <p:tnLst>
-      <p:par>
-        <p:cTn id="1" dur="indefinite" restart="never" nodeType="tmRoot"/>
-      </p:par>
-    </p:tnLst>
-  </p:timing>
-</p:sld>
-</file>
-
-<file path=ppt/slides/slide11.xml><?xml version="1.0" encoding="utf-8"?>
-<p:sld xmlns:a="http://schemas.openxmlformats.org/drawingml/2006/main" xmlns:r="http://schemas.openxmlformats.org/officeDocument/2006/relationships" xmlns:p="http://schemas.openxmlformats.org/presentationml/2006/main">
-  <p:cSld>
-    <p:spTree>
-      <p:nvGrpSpPr>
-        <p:cNvPr id="1" name=""/>
-        <p:cNvGrpSpPr/>
-        <p:nvPr/>
-      </p:nvGrpSpPr>
-      <p:grpSpPr>
-        <a:xfrm>
-          <a:off x="0" y="0"/>
-          <a:ext cx="0" cy="0"/>
-          <a:chOff x="0" y="0"/>
-          <a:chExt cx="0" cy="0"/>
-        </a:xfrm>
-      </p:grpSpPr>
-      <p:sp>
-        <p:nvSpPr>
-          <p:cNvPr id="2" name="タイトル 1"/>
-          <p:cNvSpPr>
-            <a:spLocks noGrp="1"/>
-          </p:cNvSpPr>
-          <p:nvPr>
-            <p:ph type="title"/>
-          </p:nvPr>
-        </p:nvSpPr>
-        <p:spPr/>
-        <p:txBody>
-          <a:bodyPr>
-            <a:normAutofit/>
-          </a:bodyPr>
-          <a:lstStyle/>
-          <a:p>
-            <a:r>
-              <a:rPr lang="ja-JP" altLang="en-US" sz="4400" dirty="0" smtClean="0"/>
-              <a:t>手法</a:t>
-            </a:r>
-            <a:r>
-              <a:rPr lang="ja-JP" altLang="en-US" dirty="0"/>
-              <a:t>①</a:t>
-            </a:r>
-            <a:r>
-              <a:rPr lang="en-US" altLang="ja-JP" dirty="0"/>
-              <a:t> EVM</a:t>
-            </a:r>
-            <a:r>
-              <a:rPr lang="ja-JP" altLang="en-US" dirty="0"/>
-              <a:t>のために必要な</a:t>
-            </a:r>
-            <a:r>
-              <a:rPr lang="ja-JP" altLang="en-US" dirty="0" smtClean="0"/>
-              <a:t>情報</a:t>
-            </a:r>
-            <a:endParaRPr kumimoji="1" lang="ja-JP" altLang="en-US" sz="4400" dirty="0"/>
-          </a:p>
-        </p:txBody>
-      </p:sp>
-      <p:sp>
-        <p:nvSpPr>
-          <p:cNvPr id="3" name="コンテンツ プレースホルダー 2"/>
-          <p:cNvSpPr>
-            <a:spLocks noGrp="1"/>
-          </p:cNvSpPr>
-          <p:nvPr>
-            <p:ph idx="1"/>
-          </p:nvPr>
-        </p:nvSpPr>
-        <p:spPr/>
-        <p:txBody>
-          <a:bodyPr>
-            <a:normAutofit/>
-          </a:bodyPr>
-          <a:lstStyle/>
-          <a:p>
-            <a:r>
-              <a:rPr lang="en-US" altLang="ja-JP" dirty="0" smtClean="0"/>
-              <a:t>Issues</a:t>
-            </a:r>
-            <a:r>
-              <a:rPr lang="ja-JP" altLang="en-US" dirty="0" smtClean="0"/>
-              <a:t>に対応する</a:t>
-            </a:r>
-            <a:r>
-              <a:rPr lang="en-US" altLang="ja-JP" dirty="0" smtClean="0"/>
-              <a:t>comment</a:t>
-            </a:r>
-            <a:r>
-              <a:rPr lang="ja-JP" altLang="en-US" dirty="0" smtClean="0"/>
-              <a:t>の記述内容</a:t>
-            </a:r>
-            <a:endParaRPr lang="en-US" altLang="ja-JP" dirty="0"/>
-          </a:p>
-          <a:p>
-            <a:pPr lvl="1">
-              <a:buFont typeface="Wingdings" panose="05000000000000000000" pitchFamily="2" charset="2"/>
-              <a:buChar char="l"/>
-            </a:pPr>
-            <a:r>
-              <a:rPr lang="ja-JP" altLang="en-US" sz="2800" dirty="0" smtClean="0"/>
               <a:t>必要情報</a:t>
             </a:r>
             <a:endParaRPr lang="en-US" altLang="ja-JP" sz="2800" dirty="0" smtClean="0"/>
@@ -9071,7 +8726,7 @@
           <a:p>
             <a:fld id="{84835224-79A0-4EB9-9992-36178AD955CF}" type="slidenum">
               <a:rPr kumimoji="1" lang="ja-JP" altLang="en-US" smtClean="0"/>
-              <a:t>11</a:t>
+              <a:t>10</a:t>
             </a:fld>
             <a:endParaRPr kumimoji="1" lang="ja-JP" altLang="en-US"/>
           </a:p>
@@ -9119,6 +8774,165 @@
 </p:sld>
 </file>
 
+<file path=ppt/slides/slide11.xml><?xml version="1.0" encoding="utf-8"?>
+<p:sld xmlns:a="http://schemas.openxmlformats.org/drawingml/2006/main" xmlns:r="http://schemas.openxmlformats.org/officeDocument/2006/relationships" xmlns:p="http://schemas.openxmlformats.org/presentationml/2006/main">
+  <p:cSld>
+    <p:spTree>
+      <p:nvGrpSpPr>
+        <p:cNvPr id="1" name=""/>
+        <p:cNvGrpSpPr/>
+        <p:nvPr/>
+      </p:nvGrpSpPr>
+      <p:grpSpPr>
+        <a:xfrm>
+          <a:off x="0" y="0"/>
+          <a:ext cx="0" cy="0"/>
+          <a:chOff x="0" y="0"/>
+          <a:chExt cx="0" cy="0"/>
+        </a:xfrm>
+      </p:grpSpPr>
+      <p:sp>
+        <p:nvSpPr>
+          <p:cNvPr id="2" name="タイトル 1"/>
+          <p:cNvSpPr>
+            <a:spLocks noGrp="1"/>
+          </p:cNvSpPr>
+          <p:nvPr>
+            <p:ph type="title"/>
+          </p:nvPr>
+        </p:nvSpPr>
+        <p:spPr/>
+        <p:txBody>
+          <a:bodyPr/>
+          <a:lstStyle/>
+          <a:p>
+            <a:pPr marL="742950" indent="-742950">
+              <a:buFont typeface="+mj-lt"/>
+              <a:buAutoNum type="arabicPeriod" startAt="4"/>
+            </a:pPr>
+            <a:r>
+              <a:rPr lang="ja-JP" altLang="en-US" dirty="0"/>
+              <a:t>手法② 取り出す手法</a:t>
+            </a:r>
+            <a:endParaRPr kumimoji="1" lang="ja-JP" altLang="en-US" dirty="0"/>
+          </a:p>
+        </p:txBody>
+      </p:sp>
+      <p:sp>
+        <p:nvSpPr>
+          <p:cNvPr id="3" name="コンテンツ プレースホルダー 2"/>
+          <p:cNvSpPr>
+            <a:spLocks noGrp="1"/>
+          </p:cNvSpPr>
+          <p:nvPr>
+            <p:ph idx="1"/>
+          </p:nvPr>
+        </p:nvSpPr>
+        <p:spPr/>
+        <p:txBody>
+          <a:bodyPr/>
+          <a:lstStyle/>
+          <a:p>
+            <a:pPr>
+              <a:buFont typeface="Wingdings" pitchFamily="2" charset="2"/>
+              <a:buChar char="l"/>
+            </a:pPr>
+            <a:r>
+              <a:rPr lang="en-US" altLang="ja-JP" dirty="0" err="1" smtClean="0"/>
+              <a:t>GitHub</a:t>
+            </a:r>
+            <a:r>
+              <a:rPr lang="en-US" altLang="ja-JP" dirty="0" smtClean="0"/>
+              <a:t> </a:t>
+            </a:r>
+            <a:r>
+              <a:rPr kumimoji="1" lang="en-US" altLang="ja-JP" dirty="0" smtClean="0"/>
+              <a:t>API</a:t>
+            </a:r>
+          </a:p>
+          <a:p>
+            <a:pPr marL="661988" lvl="1" indent="-342900">
+              <a:buFont typeface="Wingdings" pitchFamily="2" charset="2"/>
+              <a:buChar char="u"/>
+            </a:pPr>
+            <a:r>
+              <a:rPr kumimoji="1" lang="en-US" altLang="ja-JP" sz="3200" dirty="0" err="1" smtClean="0"/>
+              <a:t>GitHub</a:t>
+            </a:r>
+            <a:r>
+              <a:rPr kumimoji="1" lang="ja-JP" altLang="en-US" sz="3200" dirty="0" smtClean="0"/>
+              <a:t>をプログラムから操作するときに</a:t>
+            </a:r>
+            <a:r>
+              <a:rPr lang="ja-JP" altLang="en-US" sz="3200" dirty="0" smtClean="0"/>
+              <a:t>必要な，利用するインターフェース</a:t>
+            </a:r>
+            <a:endParaRPr kumimoji="1" lang="en-US" altLang="ja-JP" sz="3200" dirty="0" smtClean="0"/>
+          </a:p>
+        </p:txBody>
+      </p:sp>
+      <p:sp>
+        <p:nvSpPr>
+          <p:cNvPr id="4" name="フッター プレースホルダー 3"/>
+          <p:cNvSpPr>
+            <a:spLocks noGrp="1"/>
+          </p:cNvSpPr>
+          <p:nvPr>
+            <p:ph type="ftr" sz="quarter" idx="11"/>
+          </p:nvPr>
+        </p:nvSpPr>
+        <p:spPr/>
+        <p:txBody>
+          <a:bodyPr/>
+          <a:lstStyle/>
+          <a:p>
+            <a:endParaRPr kumimoji="1" lang="ja-JP" altLang="en-US"/>
+          </a:p>
+        </p:txBody>
+      </p:sp>
+      <p:sp>
+        <p:nvSpPr>
+          <p:cNvPr id="5" name="スライド番号プレースホルダー 4"/>
+          <p:cNvSpPr>
+            <a:spLocks noGrp="1"/>
+          </p:cNvSpPr>
+          <p:nvPr>
+            <p:ph type="sldNum" sz="quarter" idx="12"/>
+          </p:nvPr>
+        </p:nvSpPr>
+        <p:spPr/>
+        <p:txBody>
+          <a:bodyPr/>
+          <a:lstStyle/>
+          <a:p>
+            <a:fld id="{84835224-79A0-4EB9-9992-36178AD955CF}" type="slidenum">
+              <a:rPr kumimoji="1" lang="ja-JP" altLang="en-US" smtClean="0"/>
+              <a:t>11</a:t>
+            </a:fld>
+            <a:endParaRPr kumimoji="1" lang="ja-JP" altLang="en-US"/>
+          </a:p>
+        </p:txBody>
+      </p:sp>
+    </p:spTree>
+    <p:extLst>
+      <p:ext uri="{BB962C8B-B14F-4D97-AF65-F5344CB8AC3E}">
+        <p14:creationId xmlns:p14="http://schemas.microsoft.com/office/powerpoint/2010/main" val="1352462814"/>
+      </p:ext>
+    </p:extLst>
+  </p:cSld>
+  <p:clrMapOvr>
+    <a:masterClrMapping/>
+  </p:clrMapOvr>
+  <p:timing>
+    <p:tnLst>
+      <p:par>
+        <p:cTn id="1" dur="indefinite" restart="never" nodeType="tmRoot"/>
+      </p:par>
+    </p:tnLst>
+  </p:timing>
+</p:sld>
+</file>
+
 <file path=ppt/slides/slide12.xml><?xml version="1.0" encoding="utf-8"?>
 <p:sld xmlns:a="http://schemas.openxmlformats.org/drawingml/2006/main" xmlns:r="http://schemas.openxmlformats.org/officeDocument/2006/relationships" xmlns:p="http://schemas.openxmlformats.org/presentationml/2006/main">
   <p:cSld>
@@ -9148,14 +8962,32 @@
         </p:nvSpPr>
         <p:spPr/>
         <p:txBody>
-          <a:bodyPr/>
-          <a:lstStyle/>
-          <a:p>
+          <a:bodyPr>
+            <a:normAutofit/>
+          </a:bodyPr>
+          <a:lstStyle/>
+          <a:p>
+            <a:pPr marL="742950" indent="-742950">
+              <a:buFont typeface="+mj-lt"/>
+              <a:buAutoNum type="arabicPeriod" startAt="4"/>
+            </a:pPr>
+            <a:r>
+              <a:rPr lang="ja-JP" altLang="en-US" sz="4400" dirty="0" smtClean="0"/>
+              <a:t>手法</a:t>
+            </a:r>
             <a:r>
               <a:rPr lang="ja-JP" altLang="en-US" dirty="0"/>
-              <a:t>手法② 取り出す手法</a:t>
-            </a:r>
-            <a:endParaRPr kumimoji="1" lang="ja-JP" altLang="en-US" dirty="0"/>
+              <a:t>②</a:t>
+            </a:r>
+            <a:r>
+              <a:rPr lang="ja-JP" altLang="en-US" sz="4400" dirty="0" smtClean="0"/>
+              <a:t> </a:t>
+            </a:r>
+            <a:r>
+              <a:rPr lang="ja-JP" altLang="en-US" dirty="0" smtClean="0"/>
+              <a:t>取り出す手法</a:t>
+            </a:r>
+            <a:endParaRPr kumimoji="1" lang="ja-JP" altLang="en-US" sz="4400" dirty="0"/>
           </a:p>
         </p:txBody>
       </p:sp>
@@ -9171,44 +9003,138 @@
         </p:nvSpPr>
         <p:spPr/>
         <p:txBody>
-          <a:bodyPr/>
-          <a:lstStyle/>
-          <a:p>
-            <a:pPr>
-              <a:buFont typeface="Wingdings" pitchFamily="2" charset="2"/>
+          <a:bodyPr>
+            <a:normAutofit/>
+          </a:bodyPr>
+          <a:lstStyle/>
+          <a:p>
+            <a:r>
+              <a:rPr lang="ja-JP" altLang="en-US" sz="3200" dirty="0" smtClean="0"/>
+              <a:t>使用する</a:t>
+            </a:r>
+            <a:r>
+              <a:rPr lang="en-US" altLang="ja-JP" sz="3200" dirty="0" smtClean="0"/>
+              <a:t>API</a:t>
+            </a:r>
+          </a:p>
+          <a:p>
+            <a:pPr lvl="1">
+              <a:buFont typeface="Wingdings" panose="05000000000000000000" pitchFamily="2" charset="2"/>
               <a:buChar char="l"/>
             </a:pPr>
             <a:r>
-              <a:rPr lang="en-US" altLang="ja-JP" dirty="0" err="1" smtClean="0"/>
-              <a:t>GitHub</a:t>
+              <a:rPr lang="en-US" altLang="ja-JP" dirty="0"/>
+              <a:t>/repos/{</a:t>
+            </a:r>
+            <a:r>
+              <a:rPr lang="en-US" altLang="ja-JP" dirty="0" err="1"/>
+              <a:t>userName</a:t>
+            </a:r>
+            <a:r>
+              <a:rPr lang="en-US" altLang="ja-JP" dirty="0"/>
+              <a:t>}/{</a:t>
+            </a:r>
+            <a:r>
+              <a:rPr lang="en-US" altLang="ja-JP" dirty="0" err="1"/>
+              <a:t>repoName</a:t>
             </a:r>
             <a:r>
               <a:rPr lang="en-US" altLang="ja-JP" dirty="0" smtClean="0"/>
-              <a:t> </a:t>
-            </a:r>
-            <a:r>
-              <a:rPr kumimoji="1" lang="en-US" altLang="ja-JP" dirty="0" smtClean="0"/>
-              <a:t>API</a:t>
-            </a:r>
-          </a:p>
-          <a:p>
-            <a:pPr marL="661988" lvl="1" indent="-342900">
-              <a:buFont typeface="Wingdings" pitchFamily="2" charset="2"/>
+              <a:t>}/issues</a:t>
+            </a:r>
+          </a:p>
+          <a:p>
+            <a:pPr lvl="2">
+              <a:buFont typeface="Wingdings" panose="05000000000000000000" pitchFamily="2" charset="2"/>
               <a:buChar char="u"/>
             </a:pPr>
             <a:r>
-              <a:rPr kumimoji="1" lang="en-US" altLang="ja-JP" sz="3200" dirty="0" err="1" smtClean="0"/>
-              <a:t>GitHub</a:t>
-            </a:r>
-            <a:r>
-              <a:rPr kumimoji="1" lang="ja-JP" altLang="en-US" sz="3200" dirty="0" smtClean="0"/>
-              <a:t>をプログラムから操作するときに</a:t>
-            </a:r>
-            <a:r>
-              <a:rPr lang="ja-JP" altLang="en-US" sz="3200" dirty="0" smtClean="0"/>
-              <a:t>必要な，利用するインターフェース</a:t>
-            </a:r>
-            <a:endParaRPr kumimoji="1" lang="en-US" altLang="ja-JP" sz="3200" dirty="0" smtClean="0"/>
+              <a:rPr lang="ja-JP" altLang="en-US" dirty="0"/>
+              <a:t>リポジトリの</a:t>
+            </a:r>
+            <a:r>
+              <a:rPr lang="en-US" altLang="ja-JP" dirty="0" smtClean="0"/>
+              <a:t>Issues</a:t>
+            </a:r>
+            <a:r>
+              <a:rPr lang="ja-JP" altLang="en-US" dirty="0" smtClean="0"/>
+              <a:t>の一覧</a:t>
+            </a:r>
+            <a:r>
+              <a:rPr lang="ja-JP" altLang="en-US" dirty="0"/>
+              <a:t>を表</a:t>
+            </a:r>
+            <a:r>
+              <a:rPr lang="ja-JP" altLang="en-US" dirty="0" smtClean="0"/>
+              <a:t>示する</a:t>
+            </a:r>
+            <a:endParaRPr lang="en-US" altLang="ja-JP" dirty="0" smtClean="0"/>
+          </a:p>
+          <a:p>
+            <a:pPr marL="0" indent="-125730">
+              <a:buNone/>
+            </a:pPr>
+            <a:endParaRPr lang="en-US" altLang="ja-JP" sz="2800" dirty="0" smtClean="0"/>
+          </a:p>
+          <a:p>
+            <a:pPr lvl="1">
+              <a:buFont typeface="Wingdings" panose="05000000000000000000" pitchFamily="2" charset="2"/>
+              <a:buChar char="l"/>
+            </a:pPr>
+            <a:r>
+              <a:rPr lang="en-US" altLang="ja-JP" dirty="0"/>
+              <a:t>/repos/{</a:t>
+            </a:r>
+            <a:r>
+              <a:rPr lang="en-US" altLang="ja-JP" dirty="0" err="1"/>
+              <a:t>userName</a:t>
+            </a:r>
+            <a:r>
+              <a:rPr lang="en-US" altLang="ja-JP" dirty="0"/>
+              <a:t>}/{</a:t>
+            </a:r>
+            <a:r>
+              <a:rPr lang="en-US" altLang="ja-JP" dirty="0" err="1"/>
+              <a:t>repoName</a:t>
+            </a:r>
+            <a:r>
+              <a:rPr lang="en-US" altLang="ja-JP" dirty="0"/>
+              <a:t>}/issues/{id}/</a:t>
+            </a:r>
+            <a:r>
+              <a:rPr lang="en-US" altLang="ja-JP" dirty="0" smtClean="0"/>
+              <a:t>comments</a:t>
+            </a:r>
+          </a:p>
+          <a:p>
+            <a:pPr lvl="2">
+              <a:buFont typeface="Wingdings" panose="05000000000000000000" pitchFamily="2" charset="2"/>
+              <a:buChar char="u"/>
+            </a:pPr>
+            <a:r>
+              <a:rPr lang="ja-JP" altLang="en-US" dirty="0"/>
+              <a:t>リポジトリの</a:t>
+            </a:r>
+            <a:r>
+              <a:rPr lang="en-US" altLang="ja-JP" dirty="0" smtClean="0"/>
+              <a:t>Issues</a:t>
+            </a:r>
+            <a:r>
+              <a:rPr lang="ja-JP" altLang="en-US" dirty="0" smtClean="0"/>
+              <a:t>の</a:t>
+            </a:r>
+            <a:r>
+              <a:rPr lang="ja-JP" altLang="en-US" dirty="0"/>
+              <a:t>返信コメントを表示</a:t>
+            </a:r>
+            <a:r>
+              <a:rPr lang="ja-JP" altLang="en-US" dirty="0" smtClean="0"/>
+              <a:t>する</a:t>
+            </a:r>
+            <a:endParaRPr lang="en-US" altLang="ja-JP" dirty="0" smtClean="0"/>
+          </a:p>
+          <a:p>
+            <a:endParaRPr kumimoji="1" lang="ja-JP" altLang="en-US" dirty="0"/>
           </a:p>
         </p:txBody>
       </p:sp>
@@ -9257,7 +9183,7 @@
     </p:spTree>
     <p:extLst>
       <p:ext uri="{BB962C8B-B14F-4D97-AF65-F5344CB8AC3E}">
-        <p14:creationId xmlns:p14="http://schemas.microsoft.com/office/powerpoint/2010/main" val="1352462814"/>
+        <p14:creationId xmlns:p14="http://schemas.microsoft.com/office/powerpoint/2010/main" val="1921486685"/>
       </p:ext>
     </p:extLst>
   </p:cSld>
@@ -9308,276 +9234,21 @@
           </a:bodyPr>
           <a:lstStyle/>
           <a:p>
+            <a:pPr marL="742950" indent="-742950">
+              <a:buFont typeface="+mj-lt"/>
+              <a:buAutoNum type="arabicPeriod" startAt="4"/>
+            </a:pPr>
             <a:r>
               <a:rPr lang="ja-JP" altLang="en-US" sz="4400" dirty="0" smtClean="0"/>
               <a:t>手法</a:t>
             </a:r>
             <a:r>
               <a:rPr lang="ja-JP" altLang="en-US" dirty="0"/>
-              <a:t>②</a:t>
-            </a:r>
-            <a:r>
-              <a:rPr lang="ja-JP" altLang="en-US" sz="4400" dirty="0" smtClean="0"/>
+              <a:t>③</a:t>
+            </a:r>
+            <a:r>
+              <a:rPr lang="en-US" altLang="ja-JP" sz="4400" dirty="0" smtClean="0"/>
               <a:t> </a:t>
-            </a:r>
-            <a:r>
-              <a:rPr lang="ja-JP" altLang="en-US" dirty="0" smtClean="0"/>
-              <a:t>取り出す手法</a:t>
-            </a:r>
-            <a:endParaRPr kumimoji="1" lang="ja-JP" altLang="en-US" sz="4400" dirty="0"/>
-          </a:p>
-        </p:txBody>
-      </p:sp>
-      <p:sp>
-        <p:nvSpPr>
-          <p:cNvPr id="3" name="コンテンツ プレースホルダー 2"/>
-          <p:cNvSpPr>
-            <a:spLocks noGrp="1"/>
-          </p:cNvSpPr>
-          <p:nvPr>
-            <p:ph idx="1"/>
-          </p:nvPr>
-        </p:nvSpPr>
-        <p:spPr/>
-        <p:txBody>
-          <a:bodyPr>
-            <a:normAutofit/>
-          </a:bodyPr>
-          <a:lstStyle/>
-          <a:p>
-            <a:r>
-              <a:rPr lang="ja-JP" altLang="en-US" sz="3200" dirty="0" smtClean="0"/>
-              <a:t>使用する</a:t>
-            </a:r>
-            <a:r>
-              <a:rPr lang="en-US" altLang="ja-JP" sz="3200" dirty="0" smtClean="0"/>
-              <a:t>API</a:t>
-            </a:r>
-          </a:p>
-          <a:p>
-            <a:pPr lvl="1">
-              <a:buFont typeface="Wingdings" panose="05000000000000000000" pitchFamily="2" charset="2"/>
-              <a:buChar char="l"/>
-            </a:pPr>
-            <a:r>
-              <a:rPr lang="en-US" altLang="ja-JP" dirty="0"/>
-              <a:t>/repos/{</a:t>
-            </a:r>
-            <a:r>
-              <a:rPr lang="en-US" altLang="ja-JP" dirty="0" err="1"/>
-              <a:t>userName</a:t>
-            </a:r>
-            <a:r>
-              <a:rPr lang="en-US" altLang="ja-JP" dirty="0"/>
-              <a:t>}/{</a:t>
-            </a:r>
-            <a:r>
-              <a:rPr lang="en-US" altLang="ja-JP" dirty="0" err="1"/>
-              <a:t>repoName</a:t>
-            </a:r>
-            <a:r>
-              <a:rPr lang="en-US" altLang="ja-JP" dirty="0" smtClean="0"/>
-              <a:t>}/issues</a:t>
-            </a:r>
-          </a:p>
-          <a:p>
-            <a:pPr lvl="2">
-              <a:buFont typeface="Wingdings" panose="05000000000000000000" pitchFamily="2" charset="2"/>
-              <a:buChar char="u"/>
-            </a:pPr>
-            <a:r>
-              <a:rPr lang="ja-JP" altLang="en-US" dirty="0"/>
-              <a:t>リポジトリの</a:t>
-            </a:r>
-            <a:r>
-              <a:rPr lang="en-US" altLang="ja-JP" dirty="0" smtClean="0"/>
-              <a:t>Issues</a:t>
-            </a:r>
-            <a:r>
-              <a:rPr lang="ja-JP" altLang="en-US" dirty="0" smtClean="0"/>
-              <a:t>の一覧</a:t>
-            </a:r>
-            <a:r>
-              <a:rPr lang="ja-JP" altLang="en-US" dirty="0"/>
-              <a:t>を表</a:t>
-            </a:r>
-            <a:r>
-              <a:rPr lang="ja-JP" altLang="en-US" dirty="0" smtClean="0"/>
-              <a:t>示する</a:t>
-            </a:r>
-            <a:endParaRPr lang="en-US" altLang="ja-JP" dirty="0" smtClean="0"/>
-          </a:p>
-          <a:p>
-            <a:pPr marL="0" indent="-125730">
-              <a:buNone/>
-            </a:pPr>
-            <a:endParaRPr lang="en-US" altLang="ja-JP" sz="2800" dirty="0" smtClean="0"/>
-          </a:p>
-          <a:p>
-            <a:pPr lvl="1">
-              <a:buFont typeface="Wingdings" panose="05000000000000000000" pitchFamily="2" charset="2"/>
-              <a:buChar char="l"/>
-            </a:pPr>
-            <a:r>
-              <a:rPr lang="en-US" altLang="ja-JP" dirty="0"/>
-              <a:t>/repos/{</a:t>
-            </a:r>
-            <a:r>
-              <a:rPr lang="en-US" altLang="ja-JP" dirty="0" err="1"/>
-              <a:t>userName</a:t>
-            </a:r>
-            <a:r>
-              <a:rPr lang="en-US" altLang="ja-JP" dirty="0"/>
-              <a:t>}/{</a:t>
-            </a:r>
-            <a:r>
-              <a:rPr lang="en-US" altLang="ja-JP" dirty="0" err="1"/>
-              <a:t>repoName</a:t>
-            </a:r>
-            <a:r>
-              <a:rPr lang="en-US" altLang="ja-JP" dirty="0"/>
-              <a:t>}/issues/{id}/</a:t>
-            </a:r>
-            <a:r>
-              <a:rPr lang="en-US" altLang="ja-JP" dirty="0" smtClean="0"/>
-              <a:t>comments</a:t>
-            </a:r>
-          </a:p>
-          <a:p>
-            <a:pPr lvl="2">
-              <a:buFont typeface="Wingdings" panose="05000000000000000000" pitchFamily="2" charset="2"/>
-              <a:buChar char="u"/>
-            </a:pPr>
-            <a:r>
-              <a:rPr lang="ja-JP" altLang="en-US" dirty="0"/>
-              <a:t>リポジトリの</a:t>
-            </a:r>
-            <a:r>
-              <a:rPr lang="en-US" altLang="ja-JP" dirty="0" smtClean="0"/>
-              <a:t>Issues</a:t>
-            </a:r>
-            <a:r>
-              <a:rPr lang="ja-JP" altLang="en-US" dirty="0" smtClean="0"/>
-              <a:t>の</a:t>
-            </a:r>
-            <a:r>
-              <a:rPr lang="ja-JP" altLang="en-US" dirty="0"/>
-              <a:t>返信コメントを表示</a:t>
-            </a:r>
-            <a:r>
-              <a:rPr lang="ja-JP" altLang="en-US" dirty="0" smtClean="0"/>
-              <a:t>する</a:t>
-            </a:r>
-            <a:endParaRPr lang="en-US" altLang="ja-JP" dirty="0" smtClean="0"/>
-          </a:p>
-          <a:p>
-            <a:endParaRPr kumimoji="1" lang="ja-JP" altLang="en-US" dirty="0"/>
-          </a:p>
-        </p:txBody>
-      </p:sp>
-      <p:sp>
-        <p:nvSpPr>
-          <p:cNvPr id="4" name="フッター プレースホルダー 3"/>
-          <p:cNvSpPr>
-            <a:spLocks noGrp="1"/>
-          </p:cNvSpPr>
-          <p:nvPr>
-            <p:ph type="ftr" sz="quarter" idx="11"/>
-          </p:nvPr>
-        </p:nvSpPr>
-        <p:spPr/>
-        <p:txBody>
-          <a:bodyPr/>
-          <a:lstStyle/>
-          <a:p>
-            <a:endParaRPr kumimoji="1" lang="ja-JP" altLang="en-US"/>
-          </a:p>
-        </p:txBody>
-      </p:sp>
-      <p:sp>
-        <p:nvSpPr>
-          <p:cNvPr id="5" name="スライド番号プレースホルダー 4"/>
-          <p:cNvSpPr>
-            <a:spLocks noGrp="1"/>
-          </p:cNvSpPr>
-          <p:nvPr>
-            <p:ph type="sldNum" sz="quarter" idx="12"/>
-          </p:nvPr>
-        </p:nvSpPr>
-        <p:spPr/>
-        <p:txBody>
-          <a:bodyPr/>
-          <a:lstStyle/>
-          <a:p>
-            <a:fld id="{84835224-79A0-4EB9-9992-36178AD955CF}" type="slidenum">
-              <a:rPr kumimoji="1" lang="ja-JP" altLang="en-US" smtClean="0"/>
-              <a:t>13</a:t>
-            </a:fld>
-            <a:endParaRPr kumimoji="1" lang="ja-JP" altLang="en-US"/>
-          </a:p>
-        </p:txBody>
-      </p:sp>
-    </p:spTree>
-    <p:extLst>
-      <p:ext uri="{BB962C8B-B14F-4D97-AF65-F5344CB8AC3E}">
-        <p14:creationId xmlns:p14="http://schemas.microsoft.com/office/powerpoint/2010/main" val="1921486685"/>
-      </p:ext>
-    </p:extLst>
-  </p:cSld>
-  <p:clrMapOvr>
-    <a:masterClrMapping/>
-  </p:clrMapOvr>
-  <p:timing>
-    <p:tnLst>
-      <p:par>
-        <p:cTn id="1" dur="indefinite" restart="never" nodeType="tmRoot"/>
-      </p:par>
-    </p:tnLst>
-  </p:timing>
-</p:sld>
-</file>
-
-<file path=ppt/slides/slide14.xml><?xml version="1.0" encoding="utf-8"?>
-<p:sld xmlns:a="http://schemas.openxmlformats.org/drawingml/2006/main" xmlns:r="http://schemas.openxmlformats.org/officeDocument/2006/relationships" xmlns:p="http://schemas.openxmlformats.org/presentationml/2006/main">
-  <p:cSld>
-    <p:spTree>
-      <p:nvGrpSpPr>
-        <p:cNvPr id="1" name=""/>
-        <p:cNvGrpSpPr/>
-        <p:nvPr/>
-      </p:nvGrpSpPr>
-      <p:grpSpPr>
-        <a:xfrm>
-          <a:off x="0" y="0"/>
-          <a:ext cx="0" cy="0"/>
-          <a:chOff x="0" y="0"/>
-          <a:chExt cx="0" cy="0"/>
-        </a:xfrm>
-      </p:grpSpPr>
-      <p:sp>
-        <p:nvSpPr>
-          <p:cNvPr id="2" name="タイトル 1"/>
-          <p:cNvSpPr>
-            <a:spLocks noGrp="1"/>
-          </p:cNvSpPr>
-          <p:nvPr>
-            <p:ph type="title"/>
-          </p:nvPr>
-        </p:nvSpPr>
-        <p:spPr/>
-        <p:txBody>
-          <a:bodyPr>
-            <a:normAutofit/>
-          </a:bodyPr>
-          <a:lstStyle/>
-          <a:p>
-            <a:r>
-              <a:rPr lang="ja-JP" altLang="en-US" sz="4400" dirty="0" smtClean="0"/>
-              <a:t>手法</a:t>
-            </a:r>
-            <a:r>
-              <a:rPr lang="en-US" altLang="ja-JP" sz="4400" dirty="0" smtClean="0"/>
-              <a:t>3 </a:t>
             </a:r>
             <a:r>
               <a:rPr lang="ja-JP" altLang="en-US" sz="4400" dirty="0" smtClean="0"/>
@@ -9744,7 +9415,7 @@
           <a:p>
             <a:fld id="{84835224-79A0-4EB9-9992-36178AD955CF}" type="slidenum">
               <a:rPr kumimoji="1" lang="ja-JP" altLang="en-US" smtClean="0"/>
-              <a:t>14</a:t>
+              <a:t>13</a:t>
             </a:fld>
             <a:endParaRPr kumimoji="1" lang="ja-JP" altLang="en-US"/>
           </a:p>
@@ -9803,6 +9474,227 @@
 </p:sld>
 </file>
 
+<file path=ppt/slides/slide14.xml><?xml version="1.0" encoding="utf-8"?>
+<p:sld xmlns:a="http://schemas.openxmlformats.org/drawingml/2006/main" xmlns:r="http://schemas.openxmlformats.org/officeDocument/2006/relationships" xmlns:p="http://schemas.openxmlformats.org/presentationml/2006/main">
+  <p:cSld>
+    <p:spTree>
+      <p:nvGrpSpPr>
+        <p:cNvPr id="1" name=""/>
+        <p:cNvGrpSpPr/>
+        <p:nvPr/>
+      </p:nvGrpSpPr>
+      <p:grpSpPr>
+        <a:xfrm>
+          <a:off x="0" y="0"/>
+          <a:ext cx="0" cy="0"/>
+          <a:chOff x="0" y="0"/>
+          <a:chExt cx="0" cy="0"/>
+        </a:xfrm>
+      </p:grpSpPr>
+      <p:sp>
+        <p:nvSpPr>
+          <p:cNvPr id="2" name="タイトル 1"/>
+          <p:cNvSpPr>
+            <a:spLocks noGrp="1"/>
+          </p:cNvSpPr>
+          <p:nvPr>
+            <p:ph type="title"/>
+          </p:nvPr>
+        </p:nvSpPr>
+        <p:spPr/>
+        <p:txBody>
+          <a:bodyPr>
+            <a:normAutofit/>
+          </a:bodyPr>
+          <a:lstStyle/>
+          <a:p>
+            <a:pPr marL="742950" indent="-742950">
+              <a:buFont typeface="+mj-lt"/>
+              <a:buAutoNum type="arabicPeriod" startAt="4"/>
+            </a:pPr>
+            <a:r>
+              <a:rPr kumimoji="1" lang="ja-JP" altLang="en-US" sz="4400" dirty="0" smtClean="0"/>
+              <a:t>手法</a:t>
+            </a:r>
+            <a:r>
+              <a:rPr lang="ja-JP" altLang="en-US" dirty="0"/>
+              <a:t>④</a:t>
+            </a:r>
+            <a:r>
+              <a:rPr kumimoji="1" lang="en-US" altLang="ja-JP" sz="4400" dirty="0" smtClean="0"/>
+              <a:t> </a:t>
+            </a:r>
+            <a:r>
+              <a:rPr kumimoji="1" lang="ja-JP" altLang="en-US" sz="4400" dirty="0" smtClean="0"/>
+              <a:t>うめこむ手法</a:t>
+            </a:r>
+            <a:endParaRPr kumimoji="1" lang="ja-JP" altLang="en-US" sz="4400" dirty="0"/>
+          </a:p>
+        </p:txBody>
+      </p:sp>
+      <p:sp>
+        <p:nvSpPr>
+          <p:cNvPr id="3" name="コンテンツ プレースホルダー 2"/>
+          <p:cNvSpPr>
+            <a:spLocks noGrp="1"/>
+          </p:cNvSpPr>
+          <p:nvPr>
+            <p:ph idx="1"/>
+          </p:nvPr>
+        </p:nvSpPr>
+        <p:spPr>
+          <a:xfrm>
+            <a:off x="467544" y="1412776"/>
+            <a:ext cx="8352928" cy="4876800"/>
+          </a:xfrm>
+        </p:spPr>
+        <p:txBody>
+          <a:bodyPr>
+            <a:normAutofit/>
+          </a:bodyPr>
+          <a:lstStyle/>
+          <a:p>
+            <a:pPr latinLnBrk="1"/>
+            <a:r>
+              <a:rPr lang="ja-JP" altLang="en-US" sz="3600" dirty="0" smtClean="0"/>
+              <a:t>ブックマークレット</a:t>
+            </a:r>
+            <a:endParaRPr lang="en-US" altLang="ja-JP" sz="3600" dirty="0" smtClean="0"/>
+          </a:p>
+          <a:p>
+            <a:pPr marL="803275" lvl="1" indent="-361950" latinLnBrk="1">
+              <a:buFont typeface="Wingdings" panose="05000000000000000000" pitchFamily="2" charset="2"/>
+              <a:buChar char="l"/>
+            </a:pPr>
+            <a:r>
+              <a:rPr lang="ja-JP" altLang="en-US" sz="3600" dirty="0"/>
+              <a:t>通常のブックマークに</a:t>
+            </a:r>
+            <a:r>
+              <a:rPr lang="en-US" altLang="ja-JP" sz="3600" dirty="0"/>
+              <a:t>JavaScript</a:t>
+            </a:r>
+            <a:r>
+              <a:rPr lang="ja-JP" altLang="en-US" sz="3600" dirty="0"/>
+              <a:t>による特定の動作を仕組んだもの</a:t>
+            </a:r>
+            <a:endParaRPr lang="en-US" altLang="ja-JP" sz="3600" dirty="0" smtClean="0"/>
+          </a:p>
+          <a:p>
+            <a:pPr marL="804863" lvl="1" indent="-363538" latinLnBrk="1">
+              <a:buFont typeface="Wingdings" panose="05000000000000000000" pitchFamily="2" charset="2"/>
+              <a:buChar char="l"/>
+            </a:pPr>
+            <a:r>
+              <a:rPr lang="ja-JP" altLang="ja-JP" sz="3600" dirty="0"/>
+              <a:t>ブラウザのブックマークボタンを押すこと</a:t>
+            </a:r>
+            <a:r>
+              <a:rPr lang="ja-JP" altLang="ja-JP" sz="3600" dirty="0" smtClean="0"/>
+              <a:t>で</a:t>
+            </a:r>
+            <a:r>
+              <a:rPr lang="ja-JP" altLang="en-US" sz="3600" dirty="0" smtClean="0"/>
+              <a:t>，</a:t>
+            </a:r>
+            <a:r>
+              <a:rPr lang="ja-JP" altLang="ja-JP" sz="3600" dirty="0" smtClean="0"/>
+              <a:t>ブックマークレット</a:t>
+            </a:r>
+            <a:r>
+              <a:rPr lang="ja-JP" altLang="ja-JP" sz="3600" dirty="0"/>
+              <a:t>を起動することが</a:t>
+            </a:r>
+            <a:r>
+              <a:rPr lang="ja-JP" altLang="ja-JP" sz="3600" dirty="0" smtClean="0"/>
+              <a:t>できる</a:t>
+            </a:r>
+            <a:endParaRPr lang="en-US" altLang="ja-JP" sz="3600" dirty="0" smtClean="0"/>
+          </a:p>
+          <a:p>
+            <a:pPr marL="0" indent="0" latinLnBrk="1">
+              <a:buNone/>
+            </a:pPr>
+            <a:endParaRPr lang="en-US" altLang="ja-JP" dirty="0"/>
+          </a:p>
+          <a:p>
+            <a:pPr marL="0" indent="0" latinLnBrk="1">
+              <a:buNone/>
+            </a:pPr>
+            <a:endParaRPr lang="en-US" altLang="ja-JP" dirty="0" smtClean="0"/>
+          </a:p>
+          <a:p>
+            <a:pPr latinLnBrk="1"/>
+            <a:endParaRPr lang="en-US" altLang="ja-JP" sz="3200" dirty="0"/>
+          </a:p>
+          <a:p>
+            <a:pPr latinLnBrk="1"/>
+            <a:endParaRPr kumimoji="1" lang="ja-JP" altLang="en-US" sz="3200" dirty="0"/>
+          </a:p>
+        </p:txBody>
+      </p:sp>
+      <p:sp>
+        <p:nvSpPr>
+          <p:cNvPr id="5" name="フッター プレースホルダー 4"/>
+          <p:cNvSpPr>
+            <a:spLocks noGrp="1"/>
+          </p:cNvSpPr>
+          <p:nvPr>
+            <p:ph type="ftr" sz="quarter" idx="11"/>
+          </p:nvPr>
+        </p:nvSpPr>
+        <p:spPr/>
+        <p:txBody>
+          <a:bodyPr/>
+          <a:lstStyle/>
+          <a:p>
+            <a:endParaRPr kumimoji="1" lang="ja-JP" altLang="en-US"/>
+          </a:p>
+        </p:txBody>
+      </p:sp>
+      <p:sp>
+        <p:nvSpPr>
+          <p:cNvPr id="6" name="スライド番号プレースホルダー 5"/>
+          <p:cNvSpPr>
+            <a:spLocks noGrp="1"/>
+          </p:cNvSpPr>
+          <p:nvPr>
+            <p:ph type="sldNum" sz="quarter" idx="12"/>
+          </p:nvPr>
+        </p:nvSpPr>
+        <p:spPr/>
+        <p:txBody>
+          <a:bodyPr/>
+          <a:lstStyle/>
+          <a:p>
+            <a:fld id="{84835224-79A0-4EB9-9992-36178AD955CF}" type="slidenum">
+              <a:rPr kumimoji="1" lang="ja-JP" altLang="en-US" smtClean="0"/>
+              <a:t>14</a:t>
+            </a:fld>
+            <a:endParaRPr kumimoji="1" lang="ja-JP" altLang="en-US"/>
+          </a:p>
+        </p:txBody>
+      </p:sp>
+    </p:spTree>
+    <p:extLst>
+      <p:ext uri="{BB962C8B-B14F-4D97-AF65-F5344CB8AC3E}">
+        <p14:creationId xmlns:p14="http://schemas.microsoft.com/office/powerpoint/2010/main" val="3568139456"/>
+      </p:ext>
+    </p:extLst>
+  </p:cSld>
+  <p:clrMapOvr>
+    <a:masterClrMapping/>
+  </p:clrMapOvr>
+  <p:timing>
+    <p:tnLst>
+      <p:par>
+        <p:cTn id="1" dur="indefinite" restart="never" nodeType="tmRoot"/>
+      </p:par>
+    </p:tnLst>
+  </p:timing>
+</p:sld>
+</file>
+
 <file path=ppt/slides/slide15.xml><?xml version="1.0" encoding="utf-8"?>
 <p:sld xmlns:a="http://schemas.openxmlformats.org/drawingml/2006/main" xmlns:r="http://schemas.openxmlformats.org/officeDocument/2006/relationships" xmlns:p="http://schemas.openxmlformats.org/presentationml/2006/main">
   <p:cSld>
@@ -9837,17 +9729,17 @@
           </a:bodyPr>
           <a:lstStyle/>
           <a:p>
-            <a:r>
-              <a:rPr kumimoji="1" lang="ja-JP" altLang="en-US" sz="4400" dirty="0" smtClean="0"/>
-              <a:t>手法</a:t>
-            </a:r>
-            <a:r>
-              <a:rPr kumimoji="1" lang="en-US" altLang="ja-JP" sz="4400" dirty="0" smtClean="0"/>
-              <a:t>4 </a:t>
-            </a:r>
-            <a:r>
-              <a:rPr kumimoji="1" lang="ja-JP" altLang="en-US" sz="4400" dirty="0" smtClean="0"/>
-              <a:t>うめこむ手法</a:t>
+            <a:pPr marL="742950" indent="-742950">
+              <a:buFont typeface="+mj-lt"/>
+              <a:buAutoNum type="arabicPeriod" startAt="5"/>
+            </a:pPr>
+            <a:r>
+              <a:rPr lang="ja-JP" altLang="en-US" dirty="0" smtClean="0"/>
+              <a:t>動作</a:t>
+            </a:r>
+            <a:r>
+              <a:rPr lang="ja-JP" altLang="en-US" dirty="0"/>
+              <a:t>確認</a:t>
             </a:r>
             <a:endParaRPr kumimoji="1" lang="ja-JP" altLang="en-US" sz="4400" dirty="0"/>
           </a:p>
@@ -9863,100 +9755,23 @@
             <p:ph idx="1"/>
           </p:nvPr>
         </p:nvSpPr>
-        <p:spPr>
-          <a:xfrm>
-            <a:off x="467544" y="1412776"/>
-            <a:ext cx="8352928" cy="4876800"/>
-          </a:xfrm>
-        </p:spPr>
+        <p:spPr/>
         <p:txBody>
           <a:bodyPr>
             <a:normAutofit/>
           </a:bodyPr>
           <a:lstStyle/>
           <a:p>
-            <a:pPr latinLnBrk="1"/>
-            <a:r>
-              <a:rPr lang="ja-JP" altLang="en-US" sz="3600" dirty="0" smtClean="0"/>
-              <a:t>ブックマークレット</a:t>
-            </a:r>
-            <a:endParaRPr lang="en-US" altLang="ja-JP" sz="3600" dirty="0" smtClean="0"/>
-          </a:p>
-          <a:p>
-            <a:pPr lvl="1" latinLnBrk="1">
-              <a:buFont typeface="Wingdings" pitchFamily="2" charset="2"/>
-              <a:buChar char="l"/>
-            </a:pPr>
-            <a:r>
-              <a:rPr lang="ja-JP" altLang="en-US" dirty="0"/>
-              <a:t>通常のブックマークに</a:t>
-            </a:r>
-            <a:r>
-              <a:rPr lang="en-US" altLang="ja-JP" dirty="0"/>
-              <a:t>JavaScript</a:t>
-            </a:r>
-            <a:r>
-              <a:rPr lang="ja-JP" altLang="en-US" dirty="0"/>
-              <a:t>による特定の動作を仕組んだもの</a:t>
-            </a:r>
-            <a:endParaRPr lang="en-US" altLang="ja-JP" dirty="0" smtClean="0"/>
-          </a:p>
-          <a:p>
-            <a:pPr marL="971550" lvl="1" indent="-457200" latinLnBrk="1">
-              <a:buFont typeface="Wingdings" pitchFamily="2" charset="2"/>
-              <a:buChar char="l"/>
-            </a:pPr>
-            <a:r>
-              <a:rPr lang="ja-JP" altLang="ja-JP" dirty="0"/>
-              <a:t>ブラウザのブックマークボタンを押すこと</a:t>
-            </a:r>
-            <a:r>
-              <a:rPr lang="ja-JP" altLang="ja-JP" dirty="0" smtClean="0"/>
-              <a:t>で</a:t>
-            </a:r>
-            <a:r>
-              <a:rPr lang="ja-JP" altLang="en-US" dirty="0" smtClean="0"/>
-              <a:t>，</a:t>
-            </a:r>
-            <a:r>
-              <a:rPr lang="ja-JP" altLang="ja-JP" dirty="0" smtClean="0"/>
-              <a:t>ブックマークレット</a:t>
-            </a:r>
-            <a:r>
-              <a:rPr lang="ja-JP" altLang="ja-JP" dirty="0"/>
-              <a:t>を起動することが</a:t>
-            </a:r>
-            <a:r>
-              <a:rPr lang="ja-JP" altLang="ja-JP" dirty="0" smtClean="0"/>
-              <a:t>できる</a:t>
-            </a:r>
-            <a:endParaRPr lang="en-US" altLang="ja-JP" dirty="0" smtClean="0"/>
-          </a:p>
-          <a:p>
-            <a:pPr marL="0" indent="0" latinLnBrk="1">
+            <a:pPr marL="57150" indent="0">
               <a:buNone/>
             </a:pPr>
-            <a:endParaRPr lang="en-US" altLang="ja-JP" dirty="0"/>
-          </a:p>
-          <a:p>
-            <a:pPr marL="0" indent="0" latinLnBrk="1">
-              <a:buNone/>
-            </a:pPr>
-            <a:endParaRPr lang="en-US" altLang="ja-JP" dirty="0" smtClean="0"/>
-          </a:p>
-          <a:p>
-            <a:pPr latinLnBrk="1"/>
-            <a:endParaRPr lang="en-US" altLang="ja-JP" sz="3200" dirty="0"/>
-          </a:p>
-          <a:p>
-            <a:pPr latinLnBrk="1"/>
             <a:endParaRPr kumimoji="1" lang="ja-JP" altLang="en-US" sz="3200" dirty="0"/>
           </a:p>
         </p:txBody>
       </p:sp>
       <p:sp>
         <p:nvSpPr>
-          <p:cNvPr id="5" name="フッター プレースホルダー 4"/>
+          <p:cNvPr id="4" name="フッター プレースホルダー 3"/>
           <p:cNvSpPr>
             <a:spLocks noGrp="1"/>
           </p:cNvSpPr>
@@ -9975,7 +9790,7 @@
       </p:sp>
       <p:sp>
         <p:nvSpPr>
-          <p:cNvPr id="6" name="スライド番号プレースホルダー 5"/>
+          <p:cNvPr id="5" name="スライド番号プレースホルダー 4"/>
           <p:cNvSpPr>
             <a:spLocks noGrp="1"/>
           </p:cNvSpPr>
@@ -9996,10 +9811,637 @@
           </a:p>
         </p:txBody>
       </p:sp>
+      <p:sp>
+        <p:nvSpPr>
+          <p:cNvPr id="6" name="正方形/長方形 5"/>
+          <p:cNvSpPr/>
+          <p:nvPr/>
+        </p:nvSpPr>
+        <p:spPr>
+          <a:xfrm>
+            <a:off x="539552" y="1710172"/>
+            <a:ext cx="1800200" cy="648072"/>
+          </a:xfrm>
+          <a:prstGeom prst="rect">
+            <a:avLst/>
+          </a:prstGeom>
+        </p:spPr>
+        <p:style>
+          <a:lnRef idx="2">
+            <a:schemeClr val="accent1">
+              <a:shade val="50000"/>
+            </a:schemeClr>
+          </a:lnRef>
+          <a:fillRef idx="1">
+            <a:schemeClr val="accent1"/>
+          </a:fillRef>
+          <a:effectRef idx="0">
+            <a:schemeClr val="accent1"/>
+          </a:effectRef>
+          <a:fontRef idx="minor">
+            <a:schemeClr val="lt1"/>
+          </a:fontRef>
+        </p:style>
+        <p:txBody>
+          <a:bodyPr rtlCol="0" anchor="ctr"/>
+          <a:lstStyle/>
+          <a:p>
+            <a:pPr algn="ctr"/>
+            <a:r>
+              <a:rPr lang="ja-JP" altLang="en-US" b="1" dirty="0" smtClean="0"/>
+              <a:t>仮想</a:t>
+            </a:r>
+            <a:r>
+              <a:rPr lang="ja-JP" altLang="en-US" b="1" dirty="0"/>
+              <a:t>プロジェクト</a:t>
+            </a:r>
+            <a:r>
+              <a:rPr kumimoji="1" lang="ja-JP" altLang="en-US" b="1" dirty="0" smtClean="0"/>
+              <a:t>データ</a:t>
+            </a:r>
+            <a:endParaRPr kumimoji="1" lang="ja-JP" altLang="en-US" b="1" dirty="0"/>
+          </a:p>
+        </p:txBody>
+      </p:sp>
+      <p:sp>
+        <p:nvSpPr>
+          <p:cNvPr id="7" name="フローチャート : 磁気ディスク 6"/>
+          <p:cNvSpPr/>
+          <p:nvPr/>
+        </p:nvSpPr>
+        <p:spPr>
+          <a:xfrm>
+            <a:off x="6372200" y="1714110"/>
+            <a:ext cx="2016224" cy="792088"/>
+          </a:xfrm>
+          <a:prstGeom prst="flowChartMagneticDisk">
+            <a:avLst/>
+          </a:prstGeom>
+        </p:spPr>
+        <p:style>
+          <a:lnRef idx="2">
+            <a:schemeClr val="accent1">
+              <a:shade val="50000"/>
+            </a:schemeClr>
+          </a:lnRef>
+          <a:fillRef idx="1">
+            <a:schemeClr val="accent1"/>
+          </a:fillRef>
+          <a:effectRef idx="0">
+            <a:schemeClr val="accent1"/>
+          </a:effectRef>
+          <a:fontRef idx="minor">
+            <a:schemeClr val="lt1"/>
+          </a:fontRef>
+        </p:style>
+        <p:txBody>
+          <a:bodyPr rtlCol="0" anchor="ctr"/>
+          <a:lstStyle/>
+          <a:p>
+            <a:pPr algn="ctr"/>
+            <a:r>
+              <a:rPr lang="en-US" altLang="ja-JP" b="1" dirty="0" smtClean="0"/>
+              <a:t>Issues</a:t>
+            </a:r>
+            <a:endParaRPr kumimoji="1" lang="ja-JP" altLang="en-US" b="1" dirty="0"/>
+          </a:p>
+        </p:txBody>
+      </p:sp>
+      <p:sp>
+        <p:nvSpPr>
+          <p:cNvPr id="8" name="右矢印 7"/>
+          <p:cNvSpPr/>
+          <p:nvPr/>
+        </p:nvSpPr>
+        <p:spPr>
+          <a:xfrm>
+            <a:off x="2411760" y="1916832"/>
+            <a:ext cx="3960440" cy="441412"/>
+          </a:xfrm>
+          <a:prstGeom prst="rightArrow">
+            <a:avLst/>
+          </a:prstGeom>
+        </p:spPr>
+        <p:style>
+          <a:lnRef idx="2">
+            <a:schemeClr val="accent1">
+              <a:shade val="50000"/>
+            </a:schemeClr>
+          </a:lnRef>
+          <a:fillRef idx="1">
+            <a:schemeClr val="accent1"/>
+          </a:fillRef>
+          <a:effectRef idx="0">
+            <a:schemeClr val="accent1"/>
+          </a:effectRef>
+          <a:fontRef idx="minor">
+            <a:schemeClr val="lt1"/>
+          </a:fontRef>
+        </p:style>
+        <p:txBody>
+          <a:bodyPr rtlCol="0" anchor="ctr"/>
+          <a:lstStyle/>
+          <a:p>
+            <a:pPr algn="ctr"/>
+            <a:endParaRPr kumimoji="1" lang="ja-JP" altLang="en-US"/>
+          </a:p>
+        </p:txBody>
+      </p:sp>
+      <p:sp>
+        <p:nvSpPr>
+          <p:cNvPr id="9" name="四角形吹き出し 8"/>
+          <p:cNvSpPr/>
+          <p:nvPr/>
+        </p:nvSpPr>
+        <p:spPr>
+          <a:xfrm>
+            <a:off x="2411760" y="2502260"/>
+            <a:ext cx="3240360" cy="494692"/>
+          </a:xfrm>
+          <a:prstGeom prst="wedgeRectCallout">
+            <a:avLst>
+              <a:gd name="adj1" fmla="val 44676"/>
+              <a:gd name="adj2" fmla="val -101772"/>
+            </a:avLst>
+          </a:prstGeom>
+          <a:solidFill>
+            <a:srgbClr val="00B050"/>
+          </a:solidFill>
+        </p:spPr>
+        <p:style>
+          <a:lnRef idx="2">
+            <a:schemeClr val="accent1">
+              <a:shade val="50000"/>
+            </a:schemeClr>
+          </a:lnRef>
+          <a:fillRef idx="1">
+            <a:schemeClr val="accent1"/>
+          </a:fillRef>
+          <a:effectRef idx="0">
+            <a:schemeClr val="accent1"/>
+          </a:effectRef>
+          <a:fontRef idx="minor">
+            <a:schemeClr val="lt1"/>
+          </a:fontRef>
+        </p:style>
+        <p:txBody>
+          <a:bodyPr rtlCol="0" anchor="ctr"/>
+          <a:lstStyle/>
+          <a:p>
+            <a:pPr algn="ctr"/>
+            <a:r>
+              <a:rPr lang="ja-JP" altLang="en-US" b="1" dirty="0" smtClean="0"/>
+              <a:t>仮想</a:t>
+            </a:r>
+            <a:r>
+              <a:rPr lang="ja-JP" altLang="en-US" b="1" dirty="0"/>
+              <a:t>プロジェクト</a:t>
+            </a:r>
+            <a:r>
+              <a:rPr kumimoji="1" lang="ja-JP" altLang="en-US" b="1" dirty="0" smtClean="0"/>
+              <a:t>データを登録</a:t>
+            </a:r>
+            <a:endParaRPr kumimoji="1" lang="ja-JP" altLang="en-US" b="1" dirty="0"/>
+          </a:p>
+        </p:txBody>
+      </p:sp>
+      <p:sp>
+        <p:nvSpPr>
+          <p:cNvPr id="10" name="正方形/長方形 9"/>
+          <p:cNvSpPr/>
+          <p:nvPr/>
+        </p:nvSpPr>
+        <p:spPr>
+          <a:xfrm>
+            <a:off x="5940152" y="5121188"/>
+            <a:ext cx="1830784" cy="648072"/>
+          </a:xfrm>
+          <a:prstGeom prst="rect">
+            <a:avLst/>
+          </a:prstGeom>
+        </p:spPr>
+        <p:style>
+          <a:lnRef idx="2">
+            <a:schemeClr val="accent1">
+              <a:shade val="50000"/>
+            </a:schemeClr>
+          </a:lnRef>
+          <a:fillRef idx="1">
+            <a:schemeClr val="accent1"/>
+          </a:fillRef>
+          <a:effectRef idx="0">
+            <a:schemeClr val="accent1"/>
+          </a:effectRef>
+          <a:fontRef idx="minor">
+            <a:schemeClr val="lt1"/>
+          </a:fontRef>
+        </p:style>
+        <p:txBody>
+          <a:bodyPr rtlCol="0" anchor="ctr"/>
+          <a:lstStyle/>
+          <a:p>
+            <a:pPr algn="ctr"/>
+            <a:r>
+              <a:rPr kumimoji="1" lang="ja-JP" altLang="en-US" b="1" dirty="0" smtClean="0"/>
+              <a:t>取り出したデータ</a:t>
+            </a:r>
+            <a:endParaRPr kumimoji="1" lang="ja-JP" altLang="en-US" b="1" dirty="0"/>
+          </a:p>
+        </p:txBody>
+      </p:sp>
+      <p:sp>
+        <p:nvSpPr>
+          <p:cNvPr id="11" name="下矢印 10"/>
+          <p:cNvSpPr/>
+          <p:nvPr/>
+        </p:nvSpPr>
+        <p:spPr>
+          <a:xfrm>
+            <a:off x="6660232" y="2563056"/>
+            <a:ext cx="576064" cy="2450120"/>
+          </a:xfrm>
+          <a:prstGeom prst="downArrow">
+            <a:avLst/>
+          </a:prstGeom>
+        </p:spPr>
+        <p:style>
+          <a:lnRef idx="2">
+            <a:schemeClr val="accent1">
+              <a:shade val="50000"/>
+            </a:schemeClr>
+          </a:lnRef>
+          <a:fillRef idx="1">
+            <a:schemeClr val="accent1"/>
+          </a:fillRef>
+          <a:effectRef idx="0">
+            <a:schemeClr val="accent1"/>
+          </a:effectRef>
+          <a:fontRef idx="minor">
+            <a:schemeClr val="lt1"/>
+          </a:fontRef>
+        </p:style>
+        <p:txBody>
+          <a:bodyPr rtlCol="0" anchor="ctr"/>
+          <a:lstStyle/>
+          <a:p>
+            <a:pPr algn="ctr"/>
+            <a:endParaRPr kumimoji="1" lang="ja-JP" altLang="en-US"/>
+          </a:p>
+        </p:txBody>
+      </p:sp>
+      <p:sp>
+        <p:nvSpPr>
+          <p:cNvPr id="12" name="四角形吹き出し 11"/>
+          <p:cNvSpPr/>
+          <p:nvPr/>
+        </p:nvSpPr>
+        <p:spPr>
+          <a:xfrm>
+            <a:off x="7236296" y="2749606"/>
+            <a:ext cx="1368152" cy="823410"/>
+          </a:xfrm>
+          <a:prstGeom prst="wedgeRectCallout">
+            <a:avLst>
+              <a:gd name="adj1" fmla="val -53323"/>
+              <a:gd name="adj2" fmla="val 82551"/>
+            </a:avLst>
+          </a:prstGeom>
+          <a:solidFill>
+            <a:srgbClr val="00B050"/>
+          </a:solidFill>
+        </p:spPr>
+        <p:style>
+          <a:lnRef idx="2">
+            <a:schemeClr val="accent1">
+              <a:shade val="50000"/>
+            </a:schemeClr>
+          </a:lnRef>
+          <a:fillRef idx="1">
+            <a:schemeClr val="accent1"/>
+          </a:fillRef>
+          <a:effectRef idx="0">
+            <a:schemeClr val="accent1"/>
+          </a:effectRef>
+          <a:fontRef idx="minor">
+            <a:schemeClr val="lt1"/>
+          </a:fontRef>
+        </p:style>
+        <p:txBody>
+          <a:bodyPr rtlCol="0" anchor="ctr"/>
+          <a:lstStyle/>
+          <a:p>
+            <a:pPr algn="ctr"/>
+            <a:r>
+              <a:rPr kumimoji="1" lang="en-US" altLang="ja-JP" b="1" dirty="0" err="1" smtClean="0"/>
+              <a:t>GitHub</a:t>
+            </a:r>
+            <a:r>
+              <a:rPr kumimoji="1" lang="en-US" altLang="ja-JP" b="1" dirty="0" smtClean="0"/>
+              <a:t> API</a:t>
+            </a:r>
+            <a:r>
+              <a:rPr kumimoji="1" lang="ja-JP" altLang="en-US" b="1" dirty="0" smtClean="0"/>
+              <a:t>の動作確認</a:t>
+            </a:r>
+            <a:endParaRPr kumimoji="1" lang="ja-JP" altLang="en-US" b="1" dirty="0"/>
+          </a:p>
+        </p:txBody>
+      </p:sp>
+      <p:sp>
+        <p:nvSpPr>
+          <p:cNvPr id="13" name="左矢印 12"/>
+          <p:cNvSpPr/>
+          <p:nvPr/>
+        </p:nvSpPr>
+        <p:spPr>
+          <a:xfrm>
+            <a:off x="2555776" y="5121188"/>
+            <a:ext cx="3275880" cy="432048"/>
+          </a:xfrm>
+          <a:prstGeom prst="leftArrow">
+            <a:avLst/>
+          </a:prstGeom>
+        </p:spPr>
+        <p:style>
+          <a:lnRef idx="2">
+            <a:schemeClr val="accent1">
+              <a:shade val="50000"/>
+            </a:schemeClr>
+          </a:lnRef>
+          <a:fillRef idx="1">
+            <a:schemeClr val="accent1"/>
+          </a:fillRef>
+          <a:effectRef idx="0">
+            <a:schemeClr val="accent1"/>
+          </a:effectRef>
+          <a:fontRef idx="minor">
+            <a:schemeClr val="lt1"/>
+          </a:fontRef>
+        </p:style>
+        <p:txBody>
+          <a:bodyPr rtlCol="0" anchor="ctr"/>
+          <a:lstStyle/>
+          <a:p>
+            <a:pPr algn="ctr"/>
+            <a:endParaRPr kumimoji="1" lang="ja-JP" altLang="en-US"/>
+          </a:p>
+        </p:txBody>
+      </p:sp>
+      <p:sp>
+        <p:nvSpPr>
+          <p:cNvPr id="14" name="四角形吹き出し 13"/>
+          <p:cNvSpPr/>
+          <p:nvPr/>
+        </p:nvSpPr>
+        <p:spPr>
+          <a:xfrm>
+            <a:off x="4193716" y="4077072"/>
+            <a:ext cx="2339776" cy="720080"/>
+          </a:xfrm>
+          <a:prstGeom prst="wedgeRectCallout">
+            <a:avLst>
+              <a:gd name="adj1" fmla="val -14862"/>
+              <a:gd name="adj2" fmla="val 104829"/>
+            </a:avLst>
+          </a:prstGeom>
+          <a:solidFill>
+            <a:srgbClr val="00B050"/>
+          </a:solidFill>
+        </p:spPr>
+        <p:style>
+          <a:lnRef idx="2">
+            <a:schemeClr val="accent1">
+              <a:shade val="50000"/>
+            </a:schemeClr>
+          </a:lnRef>
+          <a:fillRef idx="1">
+            <a:schemeClr val="accent1"/>
+          </a:fillRef>
+          <a:effectRef idx="0">
+            <a:schemeClr val="accent1"/>
+          </a:effectRef>
+          <a:fontRef idx="minor">
+            <a:schemeClr val="lt1"/>
+          </a:fontRef>
+        </p:style>
+        <p:txBody>
+          <a:bodyPr rtlCol="0" anchor="ctr"/>
+          <a:lstStyle/>
+          <a:p>
+            <a:pPr algn="ctr"/>
+            <a:r>
+              <a:rPr kumimoji="1" lang="en-US" altLang="ja-JP" b="1" dirty="0" smtClean="0"/>
+              <a:t>EVM</a:t>
+            </a:r>
+            <a:r>
+              <a:rPr kumimoji="1" lang="ja-JP" altLang="en-US" b="1" dirty="0" smtClean="0"/>
+              <a:t>作成の動作確認</a:t>
+            </a:r>
+            <a:endParaRPr kumimoji="1" lang="ja-JP" altLang="en-US" b="1" dirty="0"/>
+          </a:p>
+        </p:txBody>
+      </p:sp>
+      <p:sp>
+        <p:nvSpPr>
+          <p:cNvPr id="15" name="フローチャート : 磁気ディスク 14"/>
+          <p:cNvSpPr/>
+          <p:nvPr/>
+        </p:nvSpPr>
+        <p:spPr>
+          <a:xfrm>
+            <a:off x="432024" y="2864036"/>
+            <a:ext cx="1872208" cy="864096"/>
+          </a:xfrm>
+          <a:prstGeom prst="flowChartMagneticDisk">
+            <a:avLst/>
+          </a:prstGeom>
+        </p:spPr>
+        <p:style>
+          <a:lnRef idx="2">
+            <a:schemeClr val="accent1">
+              <a:shade val="50000"/>
+            </a:schemeClr>
+          </a:lnRef>
+          <a:fillRef idx="1">
+            <a:schemeClr val="accent1"/>
+          </a:fillRef>
+          <a:effectRef idx="0">
+            <a:schemeClr val="accent1"/>
+          </a:effectRef>
+          <a:fontRef idx="minor">
+            <a:schemeClr val="lt1"/>
+          </a:fontRef>
+        </p:style>
+        <p:txBody>
+          <a:bodyPr rtlCol="0" anchor="ctr"/>
+          <a:lstStyle/>
+          <a:p>
+            <a:pPr algn="ctr"/>
+            <a:r>
+              <a:rPr kumimoji="1" lang="en-US" altLang="ja-JP" b="1" dirty="0" err="1" smtClean="0"/>
+              <a:t>GitHub</a:t>
+            </a:r>
+            <a:r>
+              <a:rPr kumimoji="1" lang="ja-JP" altLang="en-US" b="1" dirty="0" smtClean="0"/>
+              <a:t>画面</a:t>
+            </a:r>
+            <a:endParaRPr kumimoji="1" lang="ja-JP" altLang="en-US" b="1" dirty="0"/>
+          </a:p>
+        </p:txBody>
+      </p:sp>
+      <p:sp>
+        <p:nvSpPr>
+          <p:cNvPr id="16" name="正方形/長方形 15"/>
+          <p:cNvSpPr/>
+          <p:nvPr/>
+        </p:nvSpPr>
+        <p:spPr>
+          <a:xfrm>
+            <a:off x="539552" y="5121188"/>
+            <a:ext cx="1872208" cy="756084"/>
+          </a:xfrm>
+          <a:prstGeom prst="rect">
+            <a:avLst/>
+          </a:prstGeom>
+        </p:spPr>
+        <p:style>
+          <a:lnRef idx="2">
+            <a:schemeClr val="accent1">
+              <a:shade val="50000"/>
+            </a:schemeClr>
+          </a:lnRef>
+          <a:fillRef idx="1">
+            <a:schemeClr val="accent1"/>
+          </a:fillRef>
+          <a:effectRef idx="0">
+            <a:schemeClr val="accent1"/>
+          </a:effectRef>
+          <a:fontRef idx="minor">
+            <a:schemeClr val="lt1"/>
+          </a:fontRef>
+        </p:style>
+        <p:txBody>
+          <a:bodyPr rtlCol="0" anchor="ctr"/>
+          <a:lstStyle/>
+          <a:p>
+            <a:pPr algn="ctr"/>
+            <a:r>
+              <a:rPr kumimoji="1" lang="ja-JP" altLang="en-US" b="1" dirty="0" smtClean="0"/>
+              <a:t>作成したグラフ</a:t>
+            </a:r>
+            <a:endParaRPr kumimoji="1" lang="ja-JP" altLang="en-US" b="1" dirty="0"/>
+          </a:p>
+        </p:txBody>
+      </p:sp>
+      <p:sp>
+        <p:nvSpPr>
+          <p:cNvPr id="17" name="上矢印 16"/>
+          <p:cNvSpPr/>
+          <p:nvPr/>
+        </p:nvSpPr>
+        <p:spPr>
+          <a:xfrm>
+            <a:off x="773336" y="3824582"/>
+            <a:ext cx="396528" cy="1225060"/>
+          </a:xfrm>
+          <a:prstGeom prst="upArrow">
+            <a:avLst/>
+          </a:prstGeom>
+        </p:spPr>
+        <p:style>
+          <a:lnRef idx="2">
+            <a:schemeClr val="accent1">
+              <a:shade val="50000"/>
+            </a:schemeClr>
+          </a:lnRef>
+          <a:fillRef idx="1">
+            <a:schemeClr val="accent1"/>
+          </a:fillRef>
+          <a:effectRef idx="0">
+            <a:schemeClr val="accent1"/>
+          </a:effectRef>
+          <a:fontRef idx="minor">
+            <a:schemeClr val="lt1"/>
+          </a:fontRef>
+        </p:style>
+        <p:txBody>
+          <a:bodyPr rtlCol="0" anchor="ctr"/>
+          <a:lstStyle/>
+          <a:p>
+            <a:pPr algn="ctr"/>
+            <a:endParaRPr kumimoji="1" lang="ja-JP" altLang="en-US"/>
+          </a:p>
+        </p:txBody>
+      </p:sp>
+      <p:sp>
+        <p:nvSpPr>
+          <p:cNvPr id="18" name="四角形吹き出し 17"/>
+          <p:cNvSpPr/>
+          <p:nvPr/>
+        </p:nvSpPr>
+        <p:spPr>
+          <a:xfrm>
+            <a:off x="1368128" y="4077072"/>
+            <a:ext cx="2267768" cy="720080"/>
+          </a:xfrm>
+          <a:prstGeom prst="wedgeRectCallout">
+            <a:avLst>
+              <a:gd name="adj1" fmla="val -59930"/>
+              <a:gd name="adj2" fmla="val -23921"/>
+            </a:avLst>
+          </a:prstGeom>
+          <a:solidFill>
+            <a:srgbClr val="00B050"/>
+          </a:solidFill>
+        </p:spPr>
+        <p:style>
+          <a:lnRef idx="2">
+            <a:schemeClr val="accent1">
+              <a:shade val="50000"/>
+            </a:schemeClr>
+          </a:lnRef>
+          <a:fillRef idx="1">
+            <a:schemeClr val="accent1"/>
+          </a:fillRef>
+          <a:effectRef idx="0">
+            <a:schemeClr val="accent1"/>
+          </a:effectRef>
+          <a:fontRef idx="minor">
+            <a:schemeClr val="lt1"/>
+          </a:fontRef>
+        </p:style>
+        <p:txBody>
+          <a:bodyPr rtlCol="0" anchor="ctr"/>
+          <a:lstStyle/>
+          <a:p>
+            <a:pPr algn="ctr"/>
+            <a:r>
+              <a:rPr kumimoji="1" lang="en-US" altLang="ja-JP" b="1" dirty="0" err="1" smtClean="0"/>
+              <a:t>GitHub</a:t>
+            </a:r>
+            <a:r>
+              <a:rPr kumimoji="1" lang="ja-JP" altLang="en-US" b="1" dirty="0" smtClean="0"/>
+              <a:t>上に</a:t>
+            </a:r>
+            <a:r>
+              <a:rPr kumimoji="1" lang="en-US" altLang="ja-JP" b="1" dirty="0" smtClean="0"/>
+              <a:t>EVM</a:t>
+            </a:r>
+          </a:p>
+          <a:p>
+            <a:pPr algn="ctr"/>
+            <a:r>
+              <a:rPr lang="ja-JP" altLang="en-US" b="1" dirty="0" smtClean="0"/>
+              <a:t>表示する動作確認</a:t>
+            </a:r>
+            <a:endParaRPr kumimoji="1" lang="ja-JP" altLang="en-US" b="1" dirty="0"/>
+          </a:p>
+        </p:txBody>
+      </p:sp>
     </p:spTree>
     <p:extLst>
       <p:ext uri="{BB962C8B-B14F-4D97-AF65-F5344CB8AC3E}">
-        <p14:creationId xmlns:p14="http://schemas.microsoft.com/office/powerpoint/2010/main" val="3568139456"/>
+        <p14:creationId xmlns:p14="http://schemas.microsoft.com/office/powerpoint/2010/main" val="1754099888"/>
       </p:ext>
     </p:extLst>
   </p:cSld>
@@ -10043,46 +10485,111 @@
             <p:ph type="title"/>
           </p:nvPr>
         </p:nvSpPr>
-        <p:spPr/>
+        <p:spPr>
+          <a:xfrm>
+            <a:off x="179512" y="274638"/>
+            <a:ext cx="8856984" cy="1143000"/>
+          </a:xfrm>
+        </p:spPr>
         <p:txBody>
           <a:bodyPr>
-            <a:normAutofit/>
+            <a:normAutofit fontScale="90000"/>
           </a:bodyPr>
           <a:lstStyle/>
           <a:p>
             <a:r>
+              <a:rPr kumimoji="1" lang="ja-JP" altLang="en-US" dirty="0" smtClean="0"/>
+              <a:t>動作確認用の仮想プロジェクトデータ</a:t>
+            </a:r>
+            <a:endParaRPr kumimoji="1" lang="ja-JP" altLang="en-US" dirty="0"/>
+          </a:p>
+        </p:txBody>
+      </p:sp>
+      <p:sp>
+        <p:nvSpPr>
+          <p:cNvPr id="3" name="コンテンツ プレースホルダー 2"/>
+          <p:cNvSpPr>
+            <a:spLocks noGrp="1"/>
+          </p:cNvSpPr>
+          <p:nvPr>
+            <p:ph idx="1"/>
+          </p:nvPr>
+        </p:nvSpPr>
+        <p:spPr/>
+        <p:txBody>
+          <a:bodyPr/>
+          <a:lstStyle/>
+          <a:p>
+            <a:r>
+              <a:rPr lang="ja-JP" altLang="en-US" dirty="0"/>
+              <a:t>動作確認をするために作成した</a:t>
+            </a:r>
+            <a:r>
               <a:rPr lang="ja-JP" altLang="en-US" dirty="0" smtClean="0"/>
-              <a:t>動作</a:t>
+              <a:t>リポジトリ</a:t>
+            </a:r>
+            <a:endParaRPr lang="en-US" altLang="ja-JP" dirty="0" smtClean="0"/>
+          </a:p>
+          <a:p>
+            <a:r>
+              <a:rPr lang="ja-JP" altLang="en-US" dirty="0" smtClean="0"/>
+              <a:t>タスク</a:t>
             </a:r>
             <a:r>
               <a:rPr lang="ja-JP" altLang="en-US" dirty="0"/>
-              <a:t>確認</a:t>
-            </a:r>
-            <a:endParaRPr kumimoji="1" lang="ja-JP" altLang="en-US" sz="4400" dirty="0"/>
-          </a:p>
-        </p:txBody>
-      </p:sp>
-      <p:sp>
-        <p:nvSpPr>
-          <p:cNvPr id="3" name="コンテンツ プレースホルダー 2"/>
-          <p:cNvSpPr>
-            <a:spLocks noGrp="1"/>
-          </p:cNvSpPr>
-          <p:nvPr>
-            <p:ph idx="1"/>
-          </p:nvPr>
-        </p:nvSpPr>
-        <p:spPr/>
-        <p:txBody>
-          <a:bodyPr>
-            <a:normAutofit/>
-          </a:bodyPr>
-          <a:lstStyle/>
-          <a:p>
-            <a:pPr marL="57150" indent="0">
-              <a:buNone/>
-            </a:pPr>
-            <a:endParaRPr kumimoji="1" lang="ja-JP" altLang="en-US" sz="3200" dirty="0"/>
+              <a:t>を</a:t>
+            </a:r>
+            <a:r>
+              <a:rPr lang="en-US" altLang="ja-JP" dirty="0"/>
+              <a:t>Issues</a:t>
+            </a:r>
+            <a:r>
+              <a:rPr lang="ja-JP" altLang="en-US" dirty="0"/>
+              <a:t>によって</a:t>
+            </a:r>
+            <a:r>
+              <a:rPr lang="ja-JP" altLang="en-US" dirty="0" smtClean="0"/>
+              <a:t>指示</a:t>
+            </a:r>
+            <a:endParaRPr lang="en-US" altLang="ja-JP" dirty="0" smtClean="0"/>
+          </a:p>
+          <a:p>
+            <a:r>
+              <a:rPr lang="ja-JP" altLang="en-US" dirty="0" smtClean="0"/>
+              <a:t>その</a:t>
+            </a:r>
+            <a:r>
+              <a:rPr lang="en-US" altLang="ja-JP" dirty="0"/>
+              <a:t>Issues</a:t>
+            </a:r>
+            <a:r>
+              <a:rPr lang="ja-JP" altLang="en-US" dirty="0"/>
+              <a:t>に対応した内容を</a:t>
+            </a:r>
+            <a:r>
+              <a:rPr lang="en-US" altLang="ja-JP" dirty="0"/>
+              <a:t>comment</a:t>
+            </a:r>
+            <a:r>
+              <a:rPr lang="ja-JP" altLang="en-US" dirty="0"/>
+              <a:t>に記述</a:t>
+            </a:r>
+            <a:r>
+              <a:rPr lang="ja-JP" altLang="en-US" dirty="0" smtClean="0"/>
+              <a:t>する</a:t>
+            </a:r>
+            <a:endParaRPr lang="en-US" altLang="ja-JP" dirty="0" smtClean="0"/>
+          </a:p>
+          <a:p>
+            <a:r>
+              <a:rPr lang="ja-JP" altLang="en-US" dirty="0" smtClean="0"/>
+              <a:t>進行</a:t>
+            </a:r>
+            <a:r>
+              <a:rPr lang="ja-JP" altLang="en-US" dirty="0"/>
+              <a:t>するプロジェクトのタスクの管理を再現したデータ</a:t>
+            </a:r>
+            <a:endParaRPr kumimoji="1" lang="ja-JP" altLang="en-US" dirty="0"/>
           </a:p>
         </p:txBody>
       </p:sp>
@@ -10128,637 +10635,10 @@
           </a:p>
         </p:txBody>
       </p:sp>
-      <p:sp>
-        <p:nvSpPr>
-          <p:cNvPr id="6" name="正方形/長方形 5"/>
-          <p:cNvSpPr/>
-          <p:nvPr/>
-        </p:nvSpPr>
-        <p:spPr>
-          <a:xfrm>
-            <a:off x="539552" y="1710172"/>
-            <a:ext cx="1800200" cy="648072"/>
-          </a:xfrm>
-          <a:prstGeom prst="rect">
-            <a:avLst/>
-          </a:prstGeom>
-        </p:spPr>
-        <p:style>
-          <a:lnRef idx="2">
-            <a:schemeClr val="accent1">
-              <a:shade val="50000"/>
-            </a:schemeClr>
-          </a:lnRef>
-          <a:fillRef idx="1">
-            <a:schemeClr val="accent1"/>
-          </a:fillRef>
-          <a:effectRef idx="0">
-            <a:schemeClr val="accent1"/>
-          </a:effectRef>
-          <a:fontRef idx="minor">
-            <a:schemeClr val="lt1"/>
-          </a:fontRef>
-        </p:style>
-        <p:txBody>
-          <a:bodyPr rtlCol="0" anchor="ctr"/>
-          <a:lstStyle/>
-          <a:p>
-            <a:pPr algn="ctr"/>
-            <a:r>
-              <a:rPr lang="ja-JP" altLang="en-US" b="1" dirty="0" smtClean="0"/>
-              <a:t>仮想</a:t>
-            </a:r>
-            <a:r>
-              <a:rPr lang="ja-JP" altLang="en-US" b="1" dirty="0"/>
-              <a:t>プロジェクト</a:t>
-            </a:r>
-            <a:r>
-              <a:rPr kumimoji="1" lang="ja-JP" altLang="en-US" b="1" dirty="0" smtClean="0"/>
-              <a:t>データ</a:t>
-            </a:r>
-            <a:endParaRPr kumimoji="1" lang="ja-JP" altLang="en-US" b="1" dirty="0"/>
-          </a:p>
-        </p:txBody>
-      </p:sp>
-      <p:sp>
-        <p:nvSpPr>
-          <p:cNvPr id="7" name="フローチャート : 磁気ディスク 6"/>
-          <p:cNvSpPr/>
-          <p:nvPr/>
-        </p:nvSpPr>
-        <p:spPr>
-          <a:xfrm>
-            <a:off x="6372200" y="1714110"/>
-            <a:ext cx="2016224" cy="792088"/>
-          </a:xfrm>
-          <a:prstGeom prst="flowChartMagneticDisk">
-            <a:avLst/>
-          </a:prstGeom>
-        </p:spPr>
-        <p:style>
-          <a:lnRef idx="2">
-            <a:schemeClr val="accent1">
-              <a:shade val="50000"/>
-            </a:schemeClr>
-          </a:lnRef>
-          <a:fillRef idx="1">
-            <a:schemeClr val="accent1"/>
-          </a:fillRef>
-          <a:effectRef idx="0">
-            <a:schemeClr val="accent1"/>
-          </a:effectRef>
-          <a:fontRef idx="minor">
-            <a:schemeClr val="lt1"/>
-          </a:fontRef>
-        </p:style>
-        <p:txBody>
-          <a:bodyPr rtlCol="0" anchor="ctr"/>
-          <a:lstStyle/>
-          <a:p>
-            <a:pPr algn="ctr"/>
-            <a:r>
-              <a:rPr lang="en-US" altLang="ja-JP" b="1" dirty="0" smtClean="0"/>
-              <a:t>Issues</a:t>
-            </a:r>
-            <a:endParaRPr kumimoji="1" lang="ja-JP" altLang="en-US" b="1" dirty="0"/>
-          </a:p>
-        </p:txBody>
-      </p:sp>
-      <p:sp>
-        <p:nvSpPr>
-          <p:cNvPr id="8" name="右矢印 7"/>
-          <p:cNvSpPr/>
-          <p:nvPr/>
-        </p:nvSpPr>
-        <p:spPr>
-          <a:xfrm>
-            <a:off x="2411760" y="1916832"/>
-            <a:ext cx="3960440" cy="441412"/>
-          </a:xfrm>
-          <a:prstGeom prst="rightArrow">
-            <a:avLst/>
-          </a:prstGeom>
-        </p:spPr>
-        <p:style>
-          <a:lnRef idx="2">
-            <a:schemeClr val="accent1">
-              <a:shade val="50000"/>
-            </a:schemeClr>
-          </a:lnRef>
-          <a:fillRef idx="1">
-            <a:schemeClr val="accent1"/>
-          </a:fillRef>
-          <a:effectRef idx="0">
-            <a:schemeClr val="accent1"/>
-          </a:effectRef>
-          <a:fontRef idx="minor">
-            <a:schemeClr val="lt1"/>
-          </a:fontRef>
-        </p:style>
-        <p:txBody>
-          <a:bodyPr rtlCol="0" anchor="ctr"/>
-          <a:lstStyle/>
-          <a:p>
-            <a:pPr algn="ctr"/>
-            <a:endParaRPr kumimoji="1" lang="ja-JP" altLang="en-US"/>
-          </a:p>
-        </p:txBody>
-      </p:sp>
-      <p:sp>
-        <p:nvSpPr>
-          <p:cNvPr id="9" name="四角形吹き出し 8"/>
-          <p:cNvSpPr/>
-          <p:nvPr/>
-        </p:nvSpPr>
-        <p:spPr>
-          <a:xfrm>
-            <a:off x="2411760" y="2502260"/>
-            <a:ext cx="3240360" cy="494692"/>
-          </a:xfrm>
-          <a:prstGeom prst="wedgeRectCallout">
-            <a:avLst>
-              <a:gd name="adj1" fmla="val 44676"/>
-              <a:gd name="adj2" fmla="val -101772"/>
-            </a:avLst>
-          </a:prstGeom>
-          <a:solidFill>
-            <a:srgbClr val="00B050"/>
-          </a:solidFill>
-        </p:spPr>
-        <p:style>
-          <a:lnRef idx="2">
-            <a:schemeClr val="accent1">
-              <a:shade val="50000"/>
-            </a:schemeClr>
-          </a:lnRef>
-          <a:fillRef idx="1">
-            <a:schemeClr val="accent1"/>
-          </a:fillRef>
-          <a:effectRef idx="0">
-            <a:schemeClr val="accent1"/>
-          </a:effectRef>
-          <a:fontRef idx="minor">
-            <a:schemeClr val="lt1"/>
-          </a:fontRef>
-        </p:style>
-        <p:txBody>
-          <a:bodyPr rtlCol="0" anchor="ctr"/>
-          <a:lstStyle/>
-          <a:p>
-            <a:pPr algn="ctr"/>
-            <a:r>
-              <a:rPr lang="ja-JP" altLang="en-US" b="1" dirty="0" smtClean="0"/>
-              <a:t>仮想</a:t>
-            </a:r>
-            <a:r>
-              <a:rPr lang="ja-JP" altLang="en-US" b="1" dirty="0"/>
-              <a:t>プロジェクト</a:t>
-            </a:r>
-            <a:r>
-              <a:rPr kumimoji="1" lang="ja-JP" altLang="en-US" b="1" dirty="0" smtClean="0"/>
-              <a:t>データを登録</a:t>
-            </a:r>
-            <a:endParaRPr kumimoji="1" lang="ja-JP" altLang="en-US" b="1" dirty="0"/>
-          </a:p>
-        </p:txBody>
-      </p:sp>
-      <p:sp>
-        <p:nvSpPr>
-          <p:cNvPr id="10" name="正方形/長方形 9"/>
-          <p:cNvSpPr/>
-          <p:nvPr/>
-        </p:nvSpPr>
-        <p:spPr>
-          <a:xfrm>
-            <a:off x="5940152" y="5121188"/>
-            <a:ext cx="1830784" cy="648072"/>
-          </a:xfrm>
-          <a:prstGeom prst="rect">
-            <a:avLst/>
-          </a:prstGeom>
-        </p:spPr>
-        <p:style>
-          <a:lnRef idx="2">
-            <a:schemeClr val="accent1">
-              <a:shade val="50000"/>
-            </a:schemeClr>
-          </a:lnRef>
-          <a:fillRef idx="1">
-            <a:schemeClr val="accent1"/>
-          </a:fillRef>
-          <a:effectRef idx="0">
-            <a:schemeClr val="accent1"/>
-          </a:effectRef>
-          <a:fontRef idx="minor">
-            <a:schemeClr val="lt1"/>
-          </a:fontRef>
-        </p:style>
-        <p:txBody>
-          <a:bodyPr rtlCol="0" anchor="ctr"/>
-          <a:lstStyle/>
-          <a:p>
-            <a:pPr algn="ctr"/>
-            <a:r>
-              <a:rPr kumimoji="1" lang="ja-JP" altLang="en-US" b="1" dirty="0" smtClean="0"/>
-              <a:t>取り出したデータ</a:t>
-            </a:r>
-            <a:endParaRPr kumimoji="1" lang="ja-JP" altLang="en-US" b="1" dirty="0"/>
-          </a:p>
-        </p:txBody>
-      </p:sp>
-      <p:sp>
-        <p:nvSpPr>
-          <p:cNvPr id="11" name="下矢印 10"/>
-          <p:cNvSpPr/>
-          <p:nvPr/>
-        </p:nvSpPr>
-        <p:spPr>
-          <a:xfrm>
-            <a:off x="6660232" y="2563056"/>
-            <a:ext cx="576064" cy="2450120"/>
-          </a:xfrm>
-          <a:prstGeom prst="downArrow">
-            <a:avLst/>
-          </a:prstGeom>
-        </p:spPr>
-        <p:style>
-          <a:lnRef idx="2">
-            <a:schemeClr val="accent1">
-              <a:shade val="50000"/>
-            </a:schemeClr>
-          </a:lnRef>
-          <a:fillRef idx="1">
-            <a:schemeClr val="accent1"/>
-          </a:fillRef>
-          <a:effectRef idx="0">
-            <a:schemeClr val="accent1"/>
-          </a:effectRef>
-          <a:fontRef idx="minor">
-            <a:schemeClr val="lt1"/>
-          </a:fontRef>
-        </p:style>
-        <p:txBody>
-          <a:bodyPr rtlCol="0" anchor="ctr"/>
-          <a:lstStyle/>
-          <a:p>
-            <a:pPr algn="ctr"/>
-            <a:endParaRPr kumimoji="1" lang="ja-JP" altLang="en-US"/>
-          </a:p>
-        </p:txBody>
-      </p:sp>
-      <p:sp>
-        <p:nvSpPr>
-          <p:cNvPr id="12" name="四角形吹き出し 11"/>
-          <p:cNvSpPr/>
-          <p:nvPr/>
-        </p:nvSpPr>
-        <p:spPr>
-          <a:xfrm>
-            <a:off x="7236296" y="2749606"/>
-            <a:ext cx="1368152" cy="823410"/>
-          </a:xfrm>
-          <a:prstGeom prst="wedgeRectCallout">
-            <a:avLst>
-              <a:gd name="adj1" fmla="val -53323"/>
-              <a:gd name="adj2" fmla="val 82551"/>
-            </a:avLst>
-          </a:prstGeom>
-          <a:solidFill>
-            <a:srgbClr val="00B050"/>
-          </a:solidFill>
-        </p:spPr>
-        <p:style>
-          <a:lnRef idx="2">
-            <a:schemeClr val="accent1">
-              <a:shade val="50000"/>
-            </a:schemeClr>
-          </a:lnRef>
-          <a:fillRef idx="1">
-            <a:schemeClr val="accent1"/>
-          </a:fillRef>
-          <a:effectRef idx="0">
-            <a:schemeClr val="accent1"/>
-          </a:effectRef>
-          <a:fontRef idx="minor">
-            <a:schemeClr val="lt1"/>
-          </a:fontRef>
-        </p:style>
-        <p:txBody>
-          <a:bodyPr rtlCol="0" anchor="ctr"/>
-          <a:lstStyle/>
-          <a:p>
-            <a:pPr algn="ctr"/>
-            <a:r>
-              <a:rPr kumimoji="1" lang="en-US" altLang="ja-JP" b="1" dirty="0" err="1" smtClean="0"/>
-              <a:t>GitHub</a:t>
-            </a:r>
-            <a:r>
-              <a:rPr kumimoji="1" lang="en-US" altLang="ja-JP" b="1" dirty="0" smtClean="0"/>
-              <a:t> API</a:t>
-            </a:r>
-            <a:r>
-              <a:rPr kumimoji="1" lang="ja-JP" altLang="en-US" b="1" dirty="0" smtClean="0"/>
-              <a:t>の動作確認</a:t>
-            </a:r>
-            <a:endParaRPr kumimoji="1" lang="ja-JP" altLang="en-US" b="1" dirty="0"/>
-          </a:p>
-        </p:txBody>
-      </p:sp>
-      <p:sp>
-        <p:nvSpPr>
-          <p:cNvPr id="13" name="左矢印 12"/>
-          <p:cNvSpPr/>
-          <p:nvPr/>
-        </p:nvSpPr>
-        <p:spPr>
-          <a:xfrm>
-            <a:off x="2555776" y="5121188"/>
-            <a:ext cx="3275880" cy="432048"/>
-          </a:xfrm>
-          <a:prstGeom prst="leftArrow">
-            <a:avLst/>
-          </a:prstGeom>
-        </p:spPr>
-        <p:style>
-          <a:lnRef idx="2">
-            <a:schemeClr val="accent1">
-              <a:shade val="50000"/>
-            </a:schemeClr>
-          </a:lnRef>
-          <a:fillRef idx="1">
-            <a:schemeClr val="accent1"/>
-          </a:fillRef>
-          <a:effectRef idx="0">
-            <a:schemeClr val="accent1"/>
-          </a:effectRef>
-          <a:fontRef idx="minor">
-            <a:schemeClr val="lt1"/>
-          </a:fontRef>
-        </p:style>
-        <p:txBody>
-          <a:bodyPr rtlCol="0" anchor="ctr"/>
-          <a:lstStyle/>
-          <a:p>
-            <a:pPr algn="ctr"/>
-            <a:endParaRPr kumimoji="1" lang="ja-JP" altLang="en-US"/>
-          </a:p>
-        </p:txBody>
-      </p:sp>
-      <p:sp>
-        <p:nvSpPr>
-          <p:cNvPr id="14" name="四角形吹き出し 13"/>
-          <p:cNvSpPr/>
-          <p:nvPr/>
-        </p:nvSpPr>
-        <p:spPr>
-          <a:xfrm>
-            <a:off x="4193716" y="4077072"/>
-            <a:ext cx="2339776" cy="720080"/>
-          </a:xfrm>
-          <a:prstGeom prst="wedgeRectCallout">
-            <a:avLst>
-              <a:gd name="adj1" fmla="val -14862"/>
-              <a:gd name="adj2" fmla="val 104829"/>
-            </a:avLst>
-          </a:prstGeom>
-          <a:solidFill>
-            <a:srgbClr val="00B050"/>
-          </a:solidFill>
-        </p:spPr>
-        <p:style>
-          <a:lnRef idx="2">
-            <a:schemeClr val="accent1">
-              <a:shade val="50000"/>
-            </a:schemeClr>
-          </a:lnRef>
-          <a:fillRef idx="1">
-            <a:schemeClr val="accent1"/>
-          </a:fillRef>
-          <a:effectRef idx="0">
-            <a:schemeClr val="accent1"/>
-          </a:effectRef>
-          <a:fontRef idx="minor">
-            <a:schemeClr val="lt1"/>
-          </a:fontRef>
-        </p:style>
-        <p:txBody>
-          <a:bodyPr rtlCol="0" anchor="ctr"/>
-          <a:lstStyle/>
-          <a:p>
-            <a:pPr algn="ctr"/>
-            <a:r>
-              <a:rPr kumimoji="1" lang="en-US" altLang="ja-JP" b="1" dirty="0" smtClean="0"/>
-              <a:t>EVM</a:t>
-            </a:r>
-            <a:r>
-              <a:rPr kumimoji="1" lang="ja-JP" altLang="en-US" b="1" dirty="0" smtClean="0"/>
-              <a:t>作成の動作確認</a:t>
-            </a:r>
-            <a:endParaRPr kumimoji="1" lang="ja-JP" altLang="en-US" b="1" dirty="0"/>
-          </a:p>
-        </p:txBody>
-      </p:sp>
-      <p:sp>
-        <p:nvSpPr>
-          <p:cNvPr id="15" name="フローチャート : 磁気ディスク 14"/>
-          <p:cNvSpPr/>
-          <p:nvPr/>
-        </p:nvSpPr>
-        <p:spPr>
-          <a:xfrm>
-            <a:off x="432024" y="2864036"/>
-            <a:ext cx="1872208" cy="864096"/>
-          </a:xfrm>
-          <a:prstGeom prst="flowChartMagneticDisk">
-            <a:avLst/>
-          </a:prstGeom>
-        </p:spPr>
-        <p:style>
-          <a:lnRef idx="2">
-            <a:schemeClr val="accent1">
-              <a:shade val="50000"/>
-            </a:schemeClr>
-          </a:lnRef>
-          <a:fillRef idx="1">
-            <a:schemeClr val="accent1"/>
-          </a:fillRef>
-          <a:effectRef idx="0">
-            <a:schemeClr val="accent1"/>
-          </a:effectRef>
-          <a:fontRef idx="minor">
-            <a:schemeClr val="lt1"/>
-          </a:fontRef>
-        </p:style>
-        <p:txBody>
-          <a:bodyPr rtlCol="0" anchor="ctr"/>
-          <a:lstStyle/>
-          <a:p>
-            <a:pPr algn="ctr"/>
-            <a:r>
-              <a:rPr kumimoji="1" lang="en-US" altLang="ja-JP" b="1" dirty="0" err="1" smtClean="0"/>
-              <a:t>GitHub</a:t>
-            </a:r>
-            <a:r>
-              <a:rPr kumimoji="1" lang="ja-JP" altLang="en-US" b="1" dirty="0" smtClean="0"/>
-              <a:t>画面</a:t>
-            </a:r>
-            <a:endParaRPr kumimoji="1" lang="ja-JP" altLang="en-US" b="1" dirty="0"/>
-          </a:p>
-        </p:txBody>
-      </p:sp>
-      <p:sp>
-        <p:nvSpPr>
-          <p:cNvPr id="16" name="正方形/長方形 15"/>
-          <p:cNvSpPr/>
-          <p:nvPr/>
-        </p:nvSpPr>
-        <p:spPr>
-          <a:xfrm>
-            <a:off x="539552" y="5121188"/>
-            <a:ext cx="1872208" cy="756084"/>
-          </a:xfrm>
-          <a:prstGeom prst="rect">
-            <a:avLst/>
-          </a:prstGeom>
-        </p:spPr>
-        <p:style>
-          <a:lnRef idx="2">
-            <a:schemeClr val="accent1">
-              <a:shade val="50000"/>
-            </a:schemeClr>
-          </a:lnRef>
-          <a:fillRef idx="1">
-            <a:schemeClr val="accent1"/>
-          </a:fillRef>
-          <a:effectRef idx="0">
-            <a:schemeClr val="accent1"/>
-          </a:effectRef>
-          <a:fontRef idx="minor">
-            <a:schemeClr val="lt1"/>
-          </a:fontRef>
-        </p:style>
-        <p:txBody>
-          <a:bodyPr rtlCol="0" anchor="ctr"/>
-          <a:lstStyle/>
-          <a:p>
-            <a:pPr algn="ctr"/>
-            <a:r>
-              <a:rPr kumimoji="1" lang="ja-JP" altLang="en-US" b="1" dirty="0" smtClean="0"/>
-              <a:t>作成したグラフ</a:t>
-            </a:r>
-            <a:endParaRPr kumimoji="1" lang="ja-JP" altLang="en-US" b="1" dirty="0"/>
-          </a:p>
-        </p:txBody>
-      </p:sp>
-      <p:sp>
-        <p:nvSpPr>
-          <p:cNvPr id="17" name="上矢印 16"/>
-          <p:cNvSpPr/>
-          <p:nvPr/>
-        </p:nvSpPr>
-        <p:spPr>
-          <a:xfrm>
-            <a:off x="773336" y="3824582"/>
-            <a:ext cx="396528" cy="1225060"/>
-          </a:xfrm>
-          <a:prstGeom prst="upArrow">
-            <a:avLst/>
-          </a:prstGeom>
-        </p:spPr>
-        <p:style>
-          <a:lnRef idx="2">
-            <a:schemeClr val="accent1">
-              <a:shade val="50000"/>
-            </a:schemeClr>
-          </a:lnRef>
-          <a:fillRef idx="1">
-            <a:schemeClr val="accent1"/>
-          </a:fillRef>
-          <a:effectRef idx="0">
-            <a:schemeClr val="accent1"/>
-          </a:effectRef>
-          <a:fontRef idx="minor">
-            <a:schemeClr val="lt1"/>
-          </a:fontRef>
-        </p:style>
-        <p:txBody>
-          <a:bodyPr rtlCol="0" anchor="ctr"/>
-          <a:lstStyle/>
-          <a:p>
-            <a:pPr algn="ctr"/>
-            <a:endParaRPr kumimoji="1" lang="ja-JP" altLang="en-US"/>
-          </a:p>
-        </p:txBody>
-      </p:sp>
-      <p:sp>
-        <p:nvSpPr>
-          <p:cNvPr id="18" name="四角形吹き出し 17"/>
-          <p:cNvSpPr/>
-          <p:nvPr/>
-        </p:nvSpPr>
-        <p:spPr>
-          <a:xfrm>
-            <a:off x="1368128" y="4077072"/>
-            <a:ext cx="2267768" cy="720080"/>
-          </a:xfrm>
-          <a:prstGeom prst="wedgeRectCallout">
-            <a:avLst>
-              <a:gd name="adj1" fmla="val -59930"/>
-              <a:gd name="adj2" fmla="val -23921"/>
-            </a:avLst>
-          </a:prstGeom>
-          <a:solidFill>
-            <a:srgbClr val="00B050"/>
-          </a:solidFill>
-        </p:spPr>
-        <p:style>
-          <a:lnRef idx="2">
-            <a:schemeClr val="accent1">
-              <a:shade val="50000"/>
-            </a:schemeClr>
-          </a:lnRef>
-          <a:fillRef idx="1">
-            <a:schemeClr val="accent1"/>
-          </a:fillRef>
-          <a:effectRef idx="0">
-            <a:schemeClr val="accent1"/>
-          </a:effectRef>
-          <a:fontRef idx="minor">
-            <a:schemeClr val="lt1"/>
-          </a:fontRef>
-        </p:style>
-        <p:txBody>
-          <a:bodyPr rtlCol="0" anchor="ctr"/>
-          <a:lstStyle/>
-          <a:p>
-            <a:pPr algn="ctr"/>
-            <a:r>
-              <a:rPr kumimoji="1" lang="en-US" altLang="ja-JP" b="1" dirty="0" err="1" smtClean="0"/>
-              <a:t>GitHub</a:t>
-            </a:r>
-            <a:r>
-              <a:rPr kumimoji="1" lang="ja-JP" altLang="en-US" b="1" dirty="0" smtClean="0"/>
-              <a:t>上に</a:t>
-            </a:r>
-            <a:r>
-              <a:rPr kumimoji="1" lang="en-US" altLang="ja-JP" b="1" dirty="0" smtClean="0"/>
-              <a:t>EVM</a:t>
-            </a:r>
-          </a:p>
-          <a:p>
-            <a:pPr algn="ctr"/>
-            <a:r>
-              <a:rPr lang="ja-JP" altLang="en-US" b="1" dirty="0" smtClean="0"/>
-              <a:t>表示する動作確認</a:t>
-            </a:r>
-            <a:endParaRPr kumimoji="1" lang="ja-JP" altLang="en-US" b="1" dirty="0"/>
-          </a:p>
-        </p:txBody>
-      </p:sp>
     </p:spTree>
     <p:extLst>
       <p:ext uri="{BB962C8B-B14F-4D97-AF65-F5344CB8AC3E}">
-        <p14:creationId xmlns:p14="http://schemas.microsoft.com/office/powerpoint/2010/main" val="1754099888"/>
+        <p14:creationId xmlns:p14="http://schemas.microsoft.com/office/powerpoint/2010/main" val="1446679108"/>
       </p:ext>
     </p:extLst>
   </p:cSld>
@@ -10802,7 +10682,12 @@
             <p:ph type="title"/>
           </p:nvPr>
         </p:nvSpPr>
-        <p:spPr/>
+        <p:spPr>
+          <a:xfrm>
+            <a:off x="107504" y="274638"/>
+            <a:ext cx="8856984" cy="1143000"/>
+          </a:xfrm>
+        </p:spPr>
         <p:txBody>
           <a:bodyPr>
             <a:normAutofit fontScale="90000"/>
@@ -10810,21 +10695,102 @@
           <a:lstStyle/>
           <a:p>
             <a:r>
+              <a:rPr kumimoji="1" lang="ja-JP" altLang="en-US" sz="4400" dirty="0" smtClean="0"/>
+              <a:t>動作確認用の仮想プロジェクトデータ</a:t>
+            </a:r>
+            <a:endParaRPr kumimoji="1" lang="ja-JP" altLang="en-US" sz="4400" dirty="0"/>
+          </a:p>
+        </p:txBody>
+      </p:sp>
+      <p:sp>
+        <p:nvSpPr>
+          <p:cNvPr id="3" name="コンテンツ プレースホルダー 2"/>
+          <p:cNvSpPr>
+            <a:spLocks noGrp="1"/>
+          </p:cNvSpPr>
+          <p:nvPr>
+            <p:ph idx="1"/>
+          </p:nvPr>
+        </p:nvSpPr>
+        <p:spPr/>
+        <p:txBody>
+          <a:bodyPr>
+            <a:normAutofit fontScale="92500" lnSpcReduction="20000"/>
+          </a:bodyPr>
+          <a:lstStyle/>
+          <a:p>
+            <a:r>
+              <a:rPr kumimoji="1" lang="en-US" altLang="ja-JP" dirty="0" smtClean="0"/>
+              <a:t>Issues</a:t>
+            </a:r>
+            <a:r>
               <a:rPr kumimoji="1" lang="ja-JP" altLang="en-US" dirty="0" smtClean="0"/>
-              <a:t>動作確認用の仮想プロジェクトデータ</a:t>
-            </a:r>
-            <a:endParaRPr kumimoji="1" lang="ja-JP" altLang="en-US" dirty="0"/>
-          </a:p>
-        </p:txBody>
-      </p:sp>
-      <p:sp>
-        <p:nvSpPr>
-          <p:cNvPr id="3" name="コンテンツ プレースホルダー 2"/>
-          <p:cNvSpPr>
-            <a:spLocks noGrp="1"/>
-          </p:cNvSpPr>
-          <p:nvPr>
-            <p:ph idx="1"/>
+              <a:t>データ</a:t>
+            </a:r>
+            <a:endParaRPr kumimoji="1" lang="en-US" altLang="ja-JP" dirty="0" smtClean="0"/>
+          </a:p>
+          <a:p>
+            <a:pPr marL="0" indent="0">
+              <a:buNone/>
+            </a:pPr>
+            <a:endParaRPr lang="en-US" altLang="ja-JP" dirty="0"/>
+          </a:p>
+          <a:p>
+            <a:endParaRPr kumimoji="1" lang="en-US" altLang="ja-JP" dirty="0" smtClean="0"/>
+          </a:p>
+          <a:p>
+            <a:endParaRPr lang="en-US" altLang="ja-JP" dirty="0"/>
+          </a:p>
+          <a:p>
+            <a:r>
+              <a:rPr lang="en-US" altLang="ja-JP" dirty="0" smtClean="0"/>
+              <a:t>EVM</a:t>
+            </a:r>
+            <a:r>
+              <a:rPr lang="ja-JP" altLang="en-US" dirty="0" smtClean="0"/>
+              <a:t>数値データ</a:t>
+            </a:r>
+            <a:endParaRPr lang="en-US" altLang="ja-JP" dirty="0" smtClean="0"/>
+          </a:p>
+          <a:p>
+            <a:pPr marL="0" indent="0">
+              <a:buNone/>
+            </a:pPr>
+            <a:endParaRPr kumimoji="1" lang="en-US" altLang="ja-JP" dirty="0"/>
+          </a:p>
+          <a:p>
+            <a:endParaRPr lang="en-US" altLang="ja-JP" dirty="0" smtClean="0"/>
+          </a:p>
+          <a:p>
+            <a:endParaRPr lang="en-US" altLang="ja-JP" dirty="0"/>
+          </a:p>
+          <a:p>
+            <a:r>
+              <a:rPr kumimoji="1" lang="en-US" altLang="ja-JP" dirty="0" smtClean="0"/>
+              <a:t>EVM</a:t>
+            </a:r>
+            <a:r>
+              <a:rPr kumimoji="1" lang="ja-JP" altLang="en-US" dirty="0" smtClean="0"/>
+              <a:t>イメージ図</a:t>
+            </a:r>
+            <a:endParaRPr kumimoji="1" lang="en-US" altLang="ja-JP" dirty="0" smtClean="0"/>
+          </a:p>
+          <a:p>
+            <a:pPr marL="0" indent="0">
+              <a:buNone/>
+            </a:pPr>
+            <a:endParaRPr kumimoji="1" lang="en-US" altLang="ja-JP" dirty="0"/>
+          </a:p>
+        </p:txBody>
+      </p:sp>
+      <p:sp>
+        <p:nvSpPr>
+          <p:cNvPr id="7" name="フッター プレースホルダー 6"/>
+          <p:cNvSpPr>
+            <a:spLocks noGrp="1"/>
+          </p:cNvSpPr>
+          <p:nvPr>
+            <p:ph type="ftr" sz="quarter" idx="11"/>
           </p:nvPr>
         </p:nvSpPr>
         <p:spPr/>
@@ -10832,101 +10798,13 @@
           <a:bodyPr/>
           <a:lstStyle/>
           <a:p>
-            <a:r>
-              <a:rPr lang="ja-JP" altLang="en-US" dirty="0"/>
-              <a:t>動作確認をするために作成した</a:t>
-            </a:r>
-            <a:r>
-              <a:rPr lang="ja-JP" altLang="en-US" dirty="0" smtClean="0"/>
-              <a:t>リポジトリ</a:t>
-            </a:r>
-            <a:endParaRPr lang="en-US" altLang="ja-JP" dirty="0" smtClean="0"/>
-          </a:p>
-          <a:p>
-            <a:r>
-              <a:rPr lang="ja-JP" altLang="en-US" dirty="0" smtClean="0"/>
-              <a:t>タスク</a:t>
-            </a:r>
-            <a:r>
-              <a:rPr lang="ja-JP" altLang="en-US" dirty="0"/>
-              <a:t>を</a:t>
-            </a:r>
-            <a:r>
-              <a:rPr lang="en-US" altLang="ja-JP" dirty="0"/>
-              <a:t>Issues</a:t>
-            </a:r>
-            <a:r>
-              <a:rPr lang="ja-JP" altLang="en-US" dirty="0"/>
-              <a:t>によって</a:t>
-            </a:r>
-            <a:r>
-              <a:rPr lang="ja-JP" altLang="en-US" dirty="0" smtClean="0"/>
-              <a:t>指示</a:t>
-            </a:r>
-            <a:endParaRPr lang="en-US" altLang="ja-JP" dirty="0" smtClean="0"/>
-          </a:p>
-          <a:p>
-            <a:r>
-              <a:rPr lang="ja-JP" altLang="en-US" dirty="0" smtClean="0"/>
-              <a:t>その</a:t>
-            </a:r>
-            <a:r>
-              <a:rPr lang="en-US" altLang="ja-JP" dirty="0"/>
-              <a:t>Issues</a:t>
-            </a:r>
-            <a:r>
-              <a:rPr lang="ja-JP" altLang="en-US" dirty="0"/>
-              <a:t>に対応した内容を</a:t>
-            </a:r>
-            <a:r>
-              <a:rPr lang="en-US" altLang="ja-JP" dirty="0"/>
-              <a:t>comment</a:t>
-            </a:r>
-            <a:r>
-              <a:rPr lang="ja-JP" altLang="en-US" dirty="0"/>
-              <a:t>に記述</a:t>
-            </a:r>
-            <a:r>
-              <a:rPr lang="ja-JP" altLang="en-US" dirty="0" smtClean="0"/>
-              <a:t>する</a:t>
-            </a:r>
-            <a:endParaRPr lang="en-US" altLang="ja-JP" dirty="0" smtClean="0"/>
-          </a:p>
-          <a:p>
-            <a:r>
-              <a:rPr lang="ja-JP" altLang="en-US" dirty="0" smtClean="0"/>
-              <a:t>進行</a:t>
-            </a:r>
-            <a:r>
-              <a:rPr lang="ja-JP" altLang="en-US" dirty="0"/>
-              <a:t>するプロジェクトのタスクの管理を再現したデータ</a:t>
-            </a:r>
-            <a:endParaRPr kumimoji="1" lang="ja-JP" altLang="en-US" dirty="0"/>
-          </a:p>
-        </p:txBody>
-      </p:sp>
-      <p:sp>
-        <p:nvSpPr>
-          <p:cNvPr id="4" name="フッター プレースホルダー 3"/>
-          <p:cNvSpPr>
-            <a:spLocks noGrp="1"/>
-          </p:cNvSpPr>
-          <p:nvPr>
-            <p:ph type="ftr" sz="quarter" idx="11"/>
-          </p:nvPr>
-        </p:nvSpPr>
-        <p:spPr/>
-        <p:txBody>
-          <a:bodyPr/>
-          <a:lstStyle/>
-          <a:p>
             <a:endParaRPr kumimoji="1" lang="ja-JP" altLang="en-US"/>
           </a:p>
         </p:txBody>
       </p:sp>
       <p:sp>
         <p:nvSpPr>
-          <p:cNvPr id="5" name="スライド番号プレースホルダー 4"/>
+          <p:cNvPr id="8" name="スライド番号プレースホルダー 7"/>
           <p:cNvSpPr>
             <a:spLocks noGrp="1"/>
           </p:cNvSpPr>
@@ -10943,185 +10821,7 @@
               <a:rPr kumimoji="1" lang="ja-JP" altLang="en-US" smtClean="0"/>
               <a:t>17</a:t>
             </a:fld>
-            <a:endParaRPr kumimoji="1" lang="ja-JP" altLang="en-US"/>
-          </a:p>
-        </p:txBody>
-      </p:sp>
-    </p:spTree>
-    <p:extLst>
-      <p:ext uri="{BB962C8B-B14F-4D97-AF65-F5344CB8AC3E}">
-        <p14:creationId xmlns:p14="http://schemas.microsoft.com/office/powerpoint/2010/main" val="1446679108"/>
-      </p:ext>
-    </p:extLst>
-  </p:cSld>
-  <p:clrMapOvr>
-    <a:masterClrMapping/>
-  </p:clrMapOvr>
-</p:sld>
-</file>
-
-<file path=ppt/slides/slide18.xml><?xml version="1.0" encoding="utf-8"?>
-<p:sld xmlns:a="http://schemas.openxmlformats.org/drawingml/2006/main" xmlns:r="http://schemas.openxmlformats.org/officeDocument/2006/relationships" xmlns:p="http://schemas.openxmlformats.org/presentationml/2006/main">
-  <p:cSld>
-    <p:spTree>
-      <p:nvGrpSpPr>
-        <p:cNvPr id="1" name=""/>
-        <p:cNvGrpSpPr/>
-        <p:nvPr/>
-      </p:nvGrpSpPr>
-      <p:grpSpPr>
-        <a:xfrm>
-          <a:off x="0" y="0"/>
-          <a:ext cx="0" cy="0"/>
-          <a:chOff x="0" y="0"/>
-          <a:chExt cx="0" cy="0"/>
-        </a:xfrm>
-      </p:grpSpPr>
-      <p:sp>
-        <p:nvSpPr>
-          <p:cNvPr id="2" name="タイトル 1"/>
-          <p:cNvSpPr>
-            <a:spLocks noGrp="1"/>
-          </p:cNvSpPr>
-          <p:nvPr>
-            <p:ph type="title"/>
-          </p:nvPr>
-        </p:nvSpPr>
-        <p:spPr/>
-        <p:txBody>
-          <a:bodyPr>
-            <a:normAutofit fontScale="90000"/>
-          </a:bodyPr>
-          <a:lstStyle/>
-          <a:p>
-            <a:r>
-              <a:rPr kumimoji="1" lang="ja-JP" altLang="en-US" sz="4400" dirty="0" smtClean="0"/>
-              <a:t>動作確認用の仮想プロジェクトデータ</a:t>
-            </a:r>
-            <a:endParaRPr kumimoji="1" lang="ja-JP" altLang="en-US" sz="4400" dirty="0"/>
-          </a:p>
-        </p:txBody>
-      </p:sp>
-      <p:sp>
-        <p:nvSpPr>
-          <p:cNvPr id="3" name="コンテンツ プレースホルダー 2"/>
-          <p:cNvSpPr>
-            <a:spLocks noGrp="1"/>
-          </p:cNvSpPr>
-          <p:nvPr>
-            <p:ph idx="1"/>
-          </p:nvPr>
-        </p:nvSpPr>
-        <p:spPr/>
-        <p:txBody>
-          <a:bodyPr>
-            <a:normAutofit fontScale="92500" lnSpcReduction="20000"/>
-          </a:bodyPr>
-          <a:lstStyle/>
-          <a:p>
-            <a:r>
-              <a:rPr kumimoji="1" lang="en-US" altLang="ja-JP" dirty="0" smtClean="0"/>
-              <a:t>Issues</a:t>
-            </a:r>
-            <a:r>
-              <a:rPr kumimoji="1" lang="ja-JP" altLang="en-US" dirty="0" smtClean="0"/>
-              <a:t>データ</a:t>
-            </a:r>
-            <a:endParaRPr kumimoji="1" lang="en-US" altLang="ja-JP" dirty="0" smtClean="0"/>
-          </a:p>
-          <a:p>
-            <a:pPr marL="0" indent="0">
-              <a:buNone/>
-            </a:pPr>
-            <a:endParaRPr lang="en-US" altLang="ja-JP" dirty="0"/>
-          </a:p>
-          <a:p>
-            <a:endParaRPr kumimoji="1" lang="en-US" altLang="ja-JP" dirty="0" smtClean="0"/>
-          </a:p>
-          <a:p>
-            <a:endParaRPr lang="en-US" altLang="ja-JP" dirty="0"/>
-          </a:p>
-          <a:p>
-            <a:r>
-              <a:rPr lang="en-US" altLang="ja-JP" dirty="0" smtClean="0"/>
-              <a:t>EVM</a:t>
-            </a:r>
-            <a:r>
-              <a:rPr lang="ja-JP" altLang="en-US" dirty="0" smtClean="0"/>
-              <a:t>数値データ</a:t>
-            </a:r>
-            <a:endParaRPr lang="en-US" altLang="ja-JP" dirty="0" smtClean="0"/>
-          </a:p>
-          <a:p>
-            <a:pPr marL="0" indent="0">
-              <a:buNone/>
-            </a:pPr>
-            <a:endParaRPr kumimoji="1" lang="en-US" altLang="ja-JP" dirty="0"/>
-          </a:p>
-          <a:p>
-            <a:endParaRPr lang="en-US" altLang="ja-JP" dirty="0" smtClean="0"/>
-          </a:p>
-          <a:p>
-            <a:endParaRPr lang="en-US" altLang="ja-JP" dirty="0"/>
-          </a:p>
-          <a:p>
-            <a:r>
-              <a:rPr kumimoji="1" lang="en-US" altLang="ja-JP" dirty="0" smtClean="0"/>
-              <a:t>EVM</a:t>
-            </a:r>
-            <a:r>
-              <a:rPr kumimoji="1" lang="ja-JP" altLang="en-US" dirty="0" smtClean="0"/>
-              <a:t>イメージ図</a:t>
-            </a:r>
-            <a:endParaRPr kumimoji="1" lang="en-US" altLang="ja-JP" dirty="0" smtClean="0"/>
-          </a:p>
-          <a:p>
-            <a:pPr marL="0" indent="0">
-              <a:buNone/>
-            </a:pPr>
-            <a:endParaRPr kumimoji="1" lang="en-US" altLang="ja-JP" dirty="0"/>
-          </a:p>
-        </p:txBody>
-      </p:sp>
-      <p:sp>
-        <p:nvSpPr>
-          <p:cNvPr id="7" name="フッター プレースホルダー 6"/>
-          <p:cNvSpPr>
-            <a:spLocks noGrp="1"/>
-          </p:cNvSpPr>
-          <p:nvPr>
-            <p:ph type="ftr" sz="quarter" idx="11"/>
-          </p:nvPr>
-        </p:nvSpPr>
-        <p:spPr/>
-        <p:txBody>
-          <a:bodyPr/>
-          <a:lstStyle/>
-          <a:p>
-            <a:endParaRPr kumimoji="1" lang="ja-JP" altLang="en-US"/>
-          </a:p>
-        </p:txBody>
-      </p:sp>
-      <p:sp>
-        <p:nvSpPr>
-          <p:cNvPr id="8" name="スライド番号プレースホルダー 7"/>
-          <p:cNvSpPr>
-            <a:spLocks noGrp="1"/>
-          </p:cNvSpPr>
-          <p:nvPr>
-            <p:ph type="sldNum" sz="quarter" idx="12"/>
-          </p:nvPr>
-        </p:nvSpPr>
-        <p:spPr/>
-        <p:txBody>
-          <a:bodyPr/>
-          <a:lstStyle/>
-          <a:p>
-            <a:fld id="{84835224-79A0-4EB9-9992-36178AD955CF}" type="slidenum">
-              <a:rPr kumimoji="1" lang="ja-JP" altLang="en-US" smtClean="0"/>
-              <a:t>18</a:t>
-            </a:fld>
-            <a:endParaRPr kumimoji="1" lang="ja-JP" altLang="en-US"/>
+            <a:endParaRPr kumimoji="1" lang="ja-JP" altLang="en-US" dirty="0"/>
           </a:p>
         </p:txBody>
       </p:sp>
@@ -11134,14 +10834,14 @@
           <p:nvPr>
             <p:extLst>
               <p:ext uri="{D42A27DB-BD31-4B8C-83A1-F6EECF244321}">
-                <p14:modId xmlns:p14="http://schemas.microsoft.com/office/powerpoint/2010/main" val="3964184970"/>
+                <p14:modId xmlns:p14="http://schemas.microsoft.com/office/powerpoint/2010/main" val="3728586978"/>
               </p:ext>
             </p:extLst>
           </p:nvPr>
         </p:nvGraphicFramePr>
         <p:xfrm>
           <a:off x="467544" y="1988840"/>
-          <a:ext cx="8208912" cy="731520"/>
+          <a:ext cx="8208912" cy="1368152"/>
         </p:xfrm>
         <a:graphic>
           <a:graphicData uri="http://schemas.openxmlformats.org/drawingml/2006/table">
@@ -11158,7 +10858,7 @@
                 <a:gridCol w="1231273"/>
                 <a:gridCol w="928967"/>
               </a:tblGrid>
-              <a:tr h="110872">
+              <a:tr h="342038">
                 <a:tc>
                   <a:txBody>
                     <a:bodyPr/>
@@ -11372,7 +11072,7 @@
                   <a:tcPr marL="68580" marR="68580" marT="0" marB="0"/>
                 </a:tc>
               </a:tr>
-              <a:tr h="0">
+              <a:tr h="342038">
                 <a:tc>
                   <a:txBody>
                     <a:bodyPr/>
@@ -11640,7 +11340,7 @@
                   <a:tcPr marL="68580" marR="68580" marT="0" marB="0"/>
                 </a:tc>
               </a:tr>
-              <a:tr h="0">
+              <a:tr h="342038">
                 <a:tc>
                   <a:txBody>
                     <a:bodyPr/>
@@ -11908,7 +11608,7 @@
                   <a:tcPr marL="68580" marR="68580" marT="0" marB="0"/>
                 </a:tc>
               </a:tr>
-              <a:tr h="0">
+              <a:tr h="342038">
                 <a:tc>
                   <a:txBody>
                     <a:bodyPr/>
@@ -12008,18 +11708,18 @@
                         </a:spcAft>
                       </a:pPr>
                       <a:r>
-                        <a:rPr lang="en-US" sz="1200" kern="100">
+                        <a:rPr lang="en-US" sz="1200" kern="100" dirty="0">
                           <a:effectLst/>
                         </a:rPr>
                         <a:t>6</a:t>
                       </a:r>
                       <a:r>
-                        <a:rPr lang="ja-JP" sz="1200" kern="100">
+                        <a:rPr lang="ja-JP" sz="1200" kern="100" dirty="0">
                           <a:effectLst/>
                         </a:rPr>
                         <a:t>時間</a:t>
                       </a:r>
-                      <a:endParaRPr lang="ja-JP" sz="1200" kern="100">
+                      <a:endParaRPr lang="ja-JP" sz="1200" kern="100" dirty="0">
                         <a:effectLst/>
                         <a:latin typeface="Century"/>
                         <a:ea typeface="ＭＳ 明朝"/>
@@ -12040,24 +11740,24 @@
                         </a:spcAft>
                       </a:pPr>
                       <a:r>
-                        <a:rPr lang="en-US" sz="1200" kern="100">
+                        <a:rPr lang="en-US" sz="1200" kern="100" dirty="0">
                           <a:effectLst/>
                         </a:rPr>
                         <a:t>23</a:t>
                       </a:r>
                       <a:r>
-                        <a:rPr lang="ja-JP" sz="1200" kern="100">
+                        <a:rPr lang="ja-JP" sz="1200" kern="100" dirty="0">
                           <a:effectLst/>
                         </a:rPr>
                         <a:t>：</a:t>
                       </a:r>
                       <a:r>
-                        <a:rPr lang="en-US" sz="1200" kern="100">
+                        <a:rPr lang="en-US" sz="1200" kern="100" dirty="0">
                           <a:effectLst/>
                         </a:rPr>
                         <a:t>12</a:t>
                       </a:r>
-                      <a:endParaRPr lang="ja-JP" sz="1200" kern="100">
+                      <a:endParaRPr lang="ja-JP" sz="1200" kern="100" dirty="0">
                         <a:effectLst/>
                         <a:latin typeface="Century"/>
                         <a:ea typeface="ＭＳ 明朝"/>
@@ -12189,14 +11889,14 @@
           <p:nvPr>
             <p:extLst>
               <p:ext uri="{D42A27DB-BD31-4B8C-83A1-F6EECF244321}">
-                <p14:modId xmlns:p14="http://schemas.microsoft.com/office/powerpoint/2010/main" val="1526878633"/>
+                <p14:modId xmlns:p14="http://schemas.microsoft.com/office/powerpoint/2010/main" val="1093044492"/>
               </p:ext>
             </p:extLst>
           </p:nvPr>
         </p:nvGraphicFramePr>
         <p:xfrm>
           <a:off x="467544" y="3861048"/>
-          <a:ext cx="8208912" cy="1120140"/>
+          <a:ext cx="8208912" cy="1296144"/>
         </p:xfrm>
         <a:graphic>
           <a:graphicData uri="http://schemas.openxmlformats.org/drawingml/2006/table">
@@ -12211,7 +11911,7 @@
                 <a:gridCol w="1645548"/>
                 <a:gridCol w="1645548"/>
               </a:tblGrid>
-              <a:tr h="0">
+              <a:tr h="324036">
                 <a:tc>
                   <a:txBody>
                     <a:bodyPr/>
@@ -12223,18 +11923,18 @@
                         </a:spcAft>
                       </a:pPr>
                       <a:r>
-                        <a:rPr lang="en-US" sz="1050" kern="100" dirty="0">
+                        <a:rPr lang="en-US" sz="1600" kern="100" dirty="0">
                           <a:effectLst/>
                         </a:rPr>
                         <a:t>Issue</a:t>
                       </a:r>
                       <a:r>
-                        <a:rPr lang="ja-JP" sz="1050" kern="100" dirty="0">
+                        <a:rPr lang="ja-JP" sz="1600" kern="100" dirty="0">
                           <a:effectLst/>
                         </a:rPr>
                         <a:t>名</a:t>
                       </a:r>
-                      <a:endParaRPr lang="ja-JP" sz="1050" kern="100" dirty="0">
+                      <a:endParaRPr lang="ja-JP" sz="1600" kern="100" dirty="0">
                         <a:effectLst/>
                         <a:latin typeface="Century"/>
                         <a:ea typeface="ＭＳ 明朝"/>
@@ -12255,12 +11955,12 @@
                         </a:spcAft>
                       </a:pPr>
                       <a:r>
-                        <a:rPr lang="ja-JP" sz="1050" kern="100">
+                        <a:rPr lang="ja-JP" sz="1600" kern="100" dirty="0">
                           <a:effectLst/>
                         </a:rPr>
                         <a:t>期限</a:t>
                       </a:r>
-                      <a:endParaRPr lang="ja-JP" sz="1050" kern="100">
+                      <a:endParaRPr lang="ja-JP" sz="1600" kern="100" dirty="0">
                         <a:effectLst/>
                         <a:latin typeface="Century"/>
                         <a:ea typeface="ＭＳ 明朝"/>
@@ -12281,18 +11981,18 @@
                         </a:spcAft>
                       </a:pPr>
                       <a:r>
-                        <a:rPr lang="ja-JP" sz="1050" kern="100">
+                        <a:rPr lang="ja-JP" sz="1600" kern="100">
                           <a:effectLst/>
                         </a:rPr>
                         <a:t>累計</a:t>
                       </a:r>
                       <a:r>
-                        <a:rPr lang="en-US" sz="1050" kern="100">
+                        <a:rPr lang="en-US" sz="1600" kern="100">
                           <a:effectLst/>
                         </a:rPr>
                         <a:t>PV</a:t>
                       </a:r>
-                      <a:endParaRPr lang="ja-JP" sz="1050" kern="100">
+                      <a:endParaRPr lang="ja-JP" sz="1600" kern="100">
                         <a:effectLst/>
                         <a:latin typeface="Century"/>
                         <a:ea typeface="ＭＳ 明朝"/>
@@ -12313,18 +12013,18 @@
                         </a:spcAft>
                       </a:pPr>
                       <a:r>
-                        <a:rPr lang="ja-JP" sz="1050" kern="100">
+                        <a:rPr lang="ja-JP" sz="1600" kern="100">
                           <a:effectLst/>
                         </a:rPr>
                         <a:t>累計</a:t>
                       </a:r>
                       <a:r>
-                        <a:rPr lang="en-US" sz="1050" kern="100">
+                        <a:rPr lang="en-US" sz="1600" kern="100">
                           <a:effectLst/>
                         </a:rPr>
                         <a:t>AC</a:t>
                       </a:r>
-                      <a:endParaRPr lang="ja-JP" sz="1050" kern="100">
+                      <a:endParaRPr lang="ja-JP" sz="1600" kern="100">
                         <a:effectLst/>
                         <a:latin typeface="Century"/>
                         <a:ea typeface="ＭＳ 明朝"/>
@@ -12345,18 +12045,18 @@
                         </a:spcAft>
                       </a:pPr>
                       <a:r>
-                        <a:rPr lang="ja-JP" sz="1050" kern="100">
+                        <a:rPr lang="ja-JP" sz="1600" kern="100">
                           <a:effectLst/>
                         </a:rPr>
                         <a:t>累計</a:t>
                       </a:r>
                       <a:r>
-                        <a:rPr lang="en-US" sz="1050" kern="100">
+                        <a:rPr lang="en-US" sz="1600" kern="100">
                           <a:effectLst/>
                         </a:rPr>
                         <a:t>EV</a:t>
                       </a:r>
-                      <a:endParaRPr lang="ja-JP" sz="1050" kern="100">
+                      <a:endParaRPr lang="ja-JP" sz="1600" kern="100">
                         <a:effectLst/>
                         <a:latin typeface="Century"/>
                         <a:ea typeface="ＭＳ 明朝"/>
@@ -12367,7 +12067,7 @@
                   <a:tcPr marL="68580" marR="68580" marT="0" marB="0"/>
                 </a:tc>
               </a:tr>
-              <a:tr h="0">
+              <a:tr h="324036">
                 <a:tc>
                   <a:txBody>
                     <a:bodyPr/>
@@ -12379,31 +12079,18 @@
                         </a:spcAft>
                       </a:pPr>
                       <a:r>
-                        <a:rPr lang="ja-JP" sz="1050" kern="100" dirty="0">
+                        <a:rPr lang="ja-JP" sz="1600" kern="100" dirty="0" smtClean="0">
                           <a:effectLst/>
                         </a:rPr>
-                        <a:t>マニュアル</a:t>
-                      </a:r>
-                    </a:p>
-                    <a:p>
-                      <a:pPr algn="just">
-                        <a:spcAft>
-                          <a:spcPts val="0"/>
-                        </a:spcAft>
-                      </a:pPr>
-                      <a:r>
-                        <a:rPr lang="ja-JP" sz="1050" kern="100" dirty="0">
-                          <a:effectLst/>
-                        </a:rPr>
-                        <a:t>作成</a:t>
+                        <a:t>マニュアル作成</a:t>
                       </a:r>
                       <a:r>
-                        <a:rPr lang="en-US" sz="1050" kern="100" dirty="0">
+                        <a:rPr lang="en-US" sz="1600" kern="100" dirty="0">
                           <a:effectLst/>
                         </a:rPr>
                         <a:t>1</a:t>
                       </a:r>
-                      <a:endParaRPr lang="ja-JP" sz="1050" kern="100" dirty="0">
+                      <a:endParaRPr lang="ja-JP" sz="1600" kern="100" dirty="0">
                         <a:effectLst/>
                         <a:latin typeface="Century"/>
                         <a:ea typeface="ＭＳ 明朝"/>
@@ -12424,49 +12111,42 @@
                         </a:spcAft>
                       </a:pPr>
                       <a:r>
-                        <a:rPr lang="en-US" sz="1050" kern="100">
+                        <a:rPr lang="en-US" sz="1600" kern="100" dirty="0" smtClean="0">
                           <a:effectLst/>
                         </a:rPr>
                         <a:t>2014</a:t>
                       </a:r>
                       <a:r>
-                        <a:rPr lang="ja-JP" sz="1050" kern="100">
+                        <a:rPr lang="ja-JP" sz="1600" kern="100" dirty="0" smtClean="0">
                           <a:effectLst/>
                         </a:rPr>
                         <a:t>年</a:t>
                       </a:r>
-                    </a:p>
-                    <a:p>
-                      <a:pPr algn="just">
-                        <a:spcAft>
-                          <a:spcPts val="0"/>
-                        </a:spcAft>
-                      </a:pPr>
                       <a:r>
-                        <a:rPr lang="en-US" sz="1050" kern="100">
+                        <a:rPr lang="en-US" sz="1600" kern="100" dirty="0" smtClean="0">
                           <a:effectLst/>
                         </a:rPr>
                         <a:t>1</a:t>
                       </a:r>
                       <a:r>
-                        <a:rPr lang="ja-JP" sz="1050" kern="100">
+                        <a:rPr lang="ja-JP" sz="1600" kern="100" dirty="0">
                           <a:effectLst/>
                         </a:rPr>
                         <a:t>月</a:t>
                       </a:r>
                       <a:r>
-                        <a:rPr lang="en-US" sz="1050" kern="100">
+                        <a:rPr lang="en-US" sz="1600" kern="100" dirty="0">
                           <a:effectLst/>
                         </a:rPr>
                         <a:t>10</a:t>
                       </a:r>
                       <a:r>
-                        <a:rPr lang="ja-JP" sz="1050" kern="100">
+                        <a:rPr lang="ja-JP" sz="1600" kern="100" dirty="0">
                           <a:effectLst/>
                         </a:rPr>
                         <a:t>日</a:t>
                       </a:r>
-                      <a:endParaRPr lang="ja-JP" sz="1050" kern="100">
+                      <a:endParaRPr lang="ja-JP" sz="1600" kern="100" dirty="0">
                         <a:effectLst/>
                         <a:latin typeface="Century"/>
                         <a:ea typeface="ＭＳ 明朝"/>
@@ -12487,18 +12167,18 @@
                         </a:spcAft>
                       </a:pPr>
                       <a:r>
-                        <a:rPr lang="en-US" sz="1050" kern="100">
+                        <a:rPr lang="en-US" sz="1600" kern="100" dirty="0">
                           <a:effectLst/>
                         </a:rPr>
                         <a:t>8000</a:t>
                       </a:r>
                       <a:r>
-                        <a:rPr lang="ja-JP" sz="1050" kern="100">
+                        <a:rPr lang="ja-JP" sz="1600" kern="100" dirty="0">
                           <a:effectLst/>
                         </a:rPr>
                         <a:t>円</a:t>
                       </a:r>
-                      <a:endParaRPr lang="ja-JP" sz="1050" kern="100">
+                      <a:endParaRPr lang="ja-JP" sz="1600" kern="100" dirty="0">
                         <a:effectLst/>
                         <a:latin typeface="Century"/>
                         <a:ea typeface="ＭＳ 明朝"/>
@@ -12519,18 +12199,18 @@
                         </a:spcAft>
                       </a:pPr>
                       <a:r>
-                        <a:rPr lang="en-US" sz="1050" kern="100">
+                        <a:rPr lang="en-US" sz="1600" kern="100">
                           <a:effectLst/>
                         </a:rPr>
                         <a:t>8200</a:t>
                       </a:r>
                       <a:r>
-                        <a:rPr lang="ja-JP" sz="1050" kern="100">
+                        <a:rPr lang="ja-JP" sz="1600" kern="100">
                           <a:effectLst/>
                         </a:rPr>
                         <a:t>円</a:t>
                       </a:r>
-                      <a:endParaRPr lang="ja-JP" sz="1050" kern="100">
+                      <a:endParaRPr lang="ja-JP" sz="1600" kern="100">
                         <a:effectLst/>
                         <a:latin typeface="Century"/>
                         <a:ea typeface="ＭＳ 明朝"/>
@@ -12551,18 +12231,18 @@
                         </a:spcAft>
                       </a:pPr>
                       <a:r>
-                        <a:rPr lang="en-US" sz="1050" kern="100">
+                        <a:rPr lang="en-US" sz="1600" kern="100">
                           <a:effectLst/>
                         </a:rPr>
                         <a:t>6000</a:t>
                       </a:r>
                       <a:r>
-                        <a:rPr lang="ja-JP" sz="1050" kern="100">
+                        <a:rPr lang="ja-JP" sz="1600" kern="100">
                           <a:effectLst/>
                         </a:rPr>
                         <a:t>円</a:t>
                       </a:r>
-                      <a:endParaRPr lang="ja-JP" sz="1050" kern="100">
+                      <a:endParaRPr lang="ja-JP" sz="1600" kern="100">
                         <a:effectLst/>
                         <a:latin typeface="Century"/>
                         <a:ea typeface="ＭＳ 明朝"/>
@@ -12573,7 +12253,7 @@
                   <a:tcPr marL="68580" marR="68580" marT="0" marB="0"/>
                 </a:tc>
               </a:tr>
-              <a:tr h="0">
+              <a:tr h="324036">
                 <a:tc>
                   <a:txBody>
                     <a:bodyPr/>
@@ -12585,31 +12265,18 @@
                         </a:spcAft>
                       </a:pPr>
                       <a:r>
-                        <a:rPr lang="ja-JP" sz="1050" kern="100">
+                        <a:rPr lang="ja-JP" sz="1600" kern="100" dirty="0" smtClean="0">
                           <a:effectLst/>
                         </a:rPr>
-                        <a:t>マニュアル</a:t>
-                      </a:r>
-                    </a:p>
-                    <a:p>
-                      <a:pPr algn="just">
-                        <a:spcAft>
-                          <a:spcPts val="0"/>
-                        </a:spcAft>
-                      </a:pPr>
-                      <a:r>
-                        <a:rPr lang="ja-JP" sz="1050" kern="100">
-                          <a:effectLst/>
-                        </a:rPr>
-                        <a:t>作成</a:t>
+                        <a:t>マニュアル作成</a:t>
                       </a:r>
                       <a:r>
-                        <a:rPr lang="en-US" sz="1050" kern="100">
+                        <a:rPr lang="en-US" sz="1600" kern="100" dirty="0">
                           <a:effectLst/>
                         </a:rPr>
                         <a:t>2</a:t>
                       </a:r>
-                      <a:endParaRPr lang="ja-JP" sz="1050" kern="100">
+                      <a:endParaRPr lang="ja-JP" sz="1600" kern="100" dirty="0">
                         <a:effectLst/>
                         <a:latin typeface="Century"/>
                         <a:ea typeface="ＭＳ 明朝"/>
@@ -12630,49 +12297,42 @@
                         </a:spcAft>
                       </a:pPr>
                       <a:r>
-                        <a:rPr lang="en-US" sz="1050" kern="100">
+                        <a:rPr lang="en-US" sz="1600" kern="100" dirty="0" smtClean="0">
                           <a:effectLst/>
                         </a:rPr>
                         <a:t>2014</a:t>
                       </a:r>
                       <a:r>
-                        <a:rPr lang="ja-JP" sz="1050" kern="100">
+                        <a:rPr lang="ja-JP" sz="1600" kern="100" dirty="0" smtClean="0">
                           <a:effectLst/>
                         </a:rPr>
                         <a:t>年</a:t>
                       </a:r>
-                    </a:p>
-                    <a:p>
-                      <a:pPr algn="just">
-                        <a:spcAft>
-                          <a:spcPts val="0"/>
-                        </a:spcAft>
-                      </a:pPr>
                       <a:r>
-                        <a:rPr lang="en-US" sz="1050" kern="100">
+                        <a:rPr lang="en-US" sz="1600" kern="100" dirty="0" smtClean="0">
                           <a:effectLst/>
                         </a:rPr>
                         <a:t>1</a:t>
                       </a:r>
                       <a:r>
-                        <a:rPr lang="ja-JP" sz="1050" kern="100">
+                        <a:rPr lang="ja-JP" sz="1600" kern="100" dirty="0">
                           <a:effectLst/>
                         </a:rPr>
                         <a:t>月</a:t>
                       </a:r>
                       <a:r>
-                        <a:rPr lang="en-US" sz="1050" kern="100">
+                        <a:rPr lang="en-US" sz="1600" kern="100" dirty="0">
                           <a:effectLst/>
                         </a:rPr>
                         <a:t>11</a:t>
                       </a:r>
                       <a:r>
-                        <a:rPr lang="ja-JP" sz="1050" kern="100">
+                        <a:rPr lang="ja-JP" sz="1600" kern="100" dirty="0">
                           <a:effectLst/>
                         </a:rPr>
                         <a:t>日</a:t>
                       </a:r>
-                      <a:endParaRPr lang="ja-JP" sz="1050" kern="100">
+                      <a:endParaRPr lang="ja-JP" sz="1600" kern="100" dirty="0">
                         <a:effectLst/>
                         <a:latin typeface="Century"/>
                         <a:ea typeface="ＭＳ 明朝"/>
@@ -12693,18 +12353,18 @@
                         </a:spcAft>
                       </a:pPr>
                       <a:r>
-                        <a:rPr lang="en-US" sz="1050" kern="100">
+                        <a:rPr lang="en-US" sz="1600" kern="100" dirty="0">
                           <a:effectLst/>
                         </a:rPr>
                         <a:t>14000</a:t>
                       </a:r>
                       <a:r>
-                        <a:rPr lang="ja-JP" sz="1050" kern="100">
+                        <a:rPr lang="ja-JP" sz="1600" kern="100" dirty="0">
                           <a:effectLst/>
                         </a:rPr>
                         <a:t>円</a:t>
                       </a:r>
-                      <a:endParaRPr lang="ja-JP" sz="1050" kern="100">
+                      <a:endParaRPr lang="ja-JP" sz="1600" kern="100" dirty="0">
                         <a:effectLst/>
                         <a:latin typeface="Century"/>
                         <a:ea typeface="ＭＳ 明朝"/>
@@ -12725,18 +12385,18 @@
                         </a:spcAft>
                       </a:pPr>
                       <a:r>
-                        <a:rPr lang="en-US" sz="1050" kern="100">
+                        <a:rPr lang="en-US" sz="1600" kern="100" dirty="0">
                           <a:effectLst/>
                         </a:rPr>
                         <a:t>14500</a:t>
                       </a:r>
                       <a:r>
-                        <a:rPr lang="ja-JP" sz="1050" kern="100">
+                        <a:rPr lang="ja-JP" sz="1600" kern="100" dirty="0">
                           <a:effectLst/>
                         </a:rPr>
                         <a:t>円</a:t>
                       </a:r>
-                      <a:endParaRPr lang="ja-JP" sz="1050" kern="100">
+                      <a:endParaRPr lang="ja-JP" sz="1600" kern="100" dirty="0">
                         <a:effectLst/>
                         <a:latin typeface="Century"/>
                         <a:ea typeface="ＭＳ 明朝"/>
@@ -12757,18 +12417,18 @@
                         </a:spcAft>
                       </a:pPr>
                       <a:r>
-                        <a:rPr lang="en-US" sz="1050" kern="100">
+                        <a:rPr lang="en-US" sz="1600" kern="100" dirty="0">
                           <a:effectLst/>
                         </a:rPr>
                         <a:t>14000</a:t>
                       </a:r>
                       <a:r>
-                        <a:rPr lang="ja-JP" sz="1050" kern="100">
+                        <a:rPr lang="ja-JP" sz="1600" kern="100" dirty="0">
                           <a:effectLst/>
                         </a:rPr>
                         <a:t>円</a:t>
                       </a:r>
-                      <a:endParaRPr lang="ja-JP" sz="1050" kern="100">
+                      <a:endParaRPr lang="ja-JP" sz="1600" kern="100" dirty="0">
                         <a:effectLst/>
                         <a:latin typeface="Century"/>
                         <a:ea typeface="ＭＳ 明朝"/>
@@ -12779,7 +12439,7 @@
                   <a:tcPr marL="68580" marR="68580" marT="0" marB="0"/>
                 </a:tc>
               </a:tr>
-              <a:tr h="0">
+              <a:tr h="324036">
                 <a:tc>
                   <a:txBody>
                     <a:bodyPr/>
@@ -12791,31 +12451,18 @@
                         </a:spcAft>
                       </a:pPr>
                       <a:r>
-                        <a:rPr lang="ja-JP" sz="1050" kern="100">
+                        <a:rPr lang="ja-JP" sz="1600" kern="100" dirty="0" smtClean="0">
                           <a:effectLst/>
                         </a:rPr>
-                        <a:t>マニュアル</a:t>
-                      </a:r>
-                    </a:p>
-                    <a:p>
-                      <a:pPr algn="just">
-                        <a:spcAft>
-                          <a:spcPts val="0"/>
-                        </a:spcAft>
-                      </a:pPr>
-                      <a:r>
-                        <a:rPr lang="ja-JP" sz="1050" kern="100">
-                          <a:effectLst/>
-                        </a:rPr>
-                        <a:t>作成</a:t>
+                        <a:t>マニュアル作成</a:t>
                       </a:r>
                       <a:r>
-                        <a:rPr lang="en-US" sz="1050" kern="100">
+                        <a:rPr lang="en-US" sz="1600" kern="100" dirty="0">
                           <a:effectLst/>
                         </a:rPr>
                         <a:t>3</a:t>
                       </a:r>
-                      <a:endParaRPr lang="ja-JP" sz="1050" kern="100">
+                      <a:endParaRPr lang="ja-JP" sz="1600" kern="100" dirty="0">
                         <a:effectLst/>
                         <a:latin typeface="Century"/>
                         <a:ea typeface="ＭＳ 明朝"/>
@@ -12836,49 +12483,42 @@
                         </a:spcAft>
                       </a:pPr>
                       <a:r>
-                        <a:rPr lang="en-US" sz="1050" kern="100">
+                        <a:rPr lang="en-US" sz="1600" kern="100" dirty="0" smtClean="0">
                           <a:effectLst/>
                         </a:rPr>
                         <a:t>2014</a:t>
                       </a:r>
                       <a:r>
-                        <a:rPr lang="ja-JP" sz="1050" kern="100">
+                        <a:rPr lang="ja-JP" sz="1600" kern="100" dirty="0" smtClean="0">
                           <a:effectLst/>
                         </a:rPr>
                         <a:t>年</a:t>
                       </a:r>
-                    </a:p>
-                    <a:p>
-                      <a:pPr algn="just">
-                        <a:spcAft>
-                          <a:spcPts val="0"/>
-                        </a:spcAft>
-                      </a:pPr>
                       <a:r>
-                        <a:rPr lang="en-US" sz="1050" kern="100">
+                        <a:rPr lang="en-US" sz="1600" kern="100" dirty="0" smtClean="0">
                           <a:effectLst/>
                         </a:rPr>
                         <a:t>1</a:t>
                       </a:r>
                       <a:r>
-                        <a:rPr lang="ja-JP" sz="1050" kern="100">
+                        <a:rPr lang="ja-JP" sz="1600" kern="100" dirty="0">
                           <a:effectLst/>
                         </a:rPr>
                         <a:t>月</a:t>
                       </a:r>
                       <a:r>
-                        <a:rPr lang="en-US" sz="1050" kern="100">
+                        <a:rPr lang="en-US" sz="1600" kern="100" dirty="0">
                           <a:effectLst/>
                         </a:rPr>
                         <a:t>12</a:t>
                       </a:r>
                       <a:r>
-                        <a:rPr lang="ja-JP" sz="1050" kern="100">
+                        <a:rPr lang="ja-JP" sz="1600" kern="100" dirty="0">
                           <a:effectLst/>
                         </a:rPr>
                         <a:t>日</a:t>
                       </a:r>
-                      <a:endParaRPr lang="ja-JP" sz="1050" kern="100">
+                      <a:endParaRPr lang="ja-JP" sz="1600" kern="100" dirty="0">
                         <a:effectLst/>
                         <a:latin typeface="Century"/>
                         <a:ea typeface="ＭＳ 明朝"/>
@@ -12899,18 +12539,18 @@
                         </a:spcAft>
                       </a:pPr>
                       <a:r>
-                        <a:rPr lang="en-US" sz="1050" kern="100">
+                        <a:rPr lang="en-US" sz="1600" kern="100">
                           <a:effectLst/>
                         </a:rPr>
                         <a:t>20000</a:t>
                       </a:r>
                       <a:r>
-                        <a:rPr lang="ja-JP" sz="1050" kern="100">
+                        <a:rPr lang="ja-JP" sz="1600" kern="100">
                           <a:effectLst/>
                         </a:rPr>
                         <a:t>円</a:t>
                       </a:r>
-                      <a:endParaRPr lang="ja-JP" sz="1050" kern="100">
+                      <a:endParaRPr lang="ja-JP" sz="1600" kern="100">
                         <a:effectLst/>
                         <a:latin typeface="Century"/>
                         <a:ea typeface="ＭＳ 明朝"/>
@@ -12931,18 +12571,18 @@
                         </a:spcAft>
                       </a:pPr>
                       <a:r>
-                        <a:rPr lang="en-US" sz="1050" kern="100">
+                        <a:rPr lang="en-US" sz="1600" kern="100" dirty="0">
                           <a:effectLst/>
                         </a:rPr>
                         <a:t>20700</a:t>
                       </a:r>
                       <a:r>
-                        <a:rPr lang="ja-JP" sz="1050" kern="100">
+                        <a:rPr lang="ja-JP" sz="1600" kern="100" dirty="0">
                           <a:effectLst/>
                         </a:rPr>
                         <a:t>円</a:t>
                       </a:r>
-                      <a:endParaRPr lang="ja-JP" sz="1050" kern="100">
+                      <a:endParaRPr lang="ja-JP" sz="1600" kern="100" dirty="0">
                         <a:effectLst/>
                         <a:latin typeface="Century"/>
                         <a:ea typeface="ＭＳ 明朝"/>
@@ -12963,18 +12603,18 @@
                         </a:spcAft>
                       </a:pPr>
                       <a:r>
-                        <a:rPr lang="en-US" sz="1050" kern="100" dirty="0">
+                        <a:rPr lang="en-US" sz="1600" kern="100" dirty="0">
                           <a:effectLst/>
                         </a:rPr>
                         <a:t>20000</a:t>
                       </a:r>
                       <a:r>
-                        <a:rPr lang="ja-JP" sz="1050" kern="100" dirty="0">
+                        <a:rPr lang="ja-JP" sz="1600" kern="100" dirty="0">
                           <a:effectLst/>
                         </a:rPr>
                         <a:t>円</a:t>
                       </a:r>
-                      <a:endParaRPr lang="ja-JP" sz="1050" kern="100" dirty="0">
+                      <a:endParaRPr lang="ja-JP" sz="1600" kern="100" dirty="0">
                         <a:effectLst/>
                         <a:latin typeface="Century"/>
                         <a:ea typeface="ＭＳ 明朝"/>
@@ -13015,6 +12655,202 @@
     <p:extLst>
       <p:ext uri="{BB962C8B-B14F-4D97-AF65-F5344CB8AC3E}">
         <p14:creationId xmlns:p14="http://schemas.microsoft.com/office/powerpoint/2010/main" val="1041236644"/>
+      </p:ext>
+    </p:extLst>
+  </p:cSld>
+  <p:clrMapOvr>
+    <a:masterClrMapping/>
+  </p:clrMapOvr>
+  <p:timing>
+    <p:tnLst>
+      <p:par>
+        <p:cTn id="1" dur="indefinite" restart="never" nodeType="tmRoot"/>
+      </p:par>
+    </p:tnLst>
+  </p:timing>
+</p:sld>
+</file>
+
+<file path=ppt/slides/slide18.xml><?xml version="1.0" encoding="utf-8"?>
+<p:sld xmlns:a="http://schemas.openxmlformats.org/drawingml/2006/main" xmlns:r="http://schemas.openxmlformats.org/officeDocument/2006/relationships" xmlns:p="http://schemas.openxmlformats.org/presentationml/2006/main">
+  <p:cSld>
+    <p:spTree>
+      <p:nvGrpSpPr>
+        <p:cNvPr id="1" name=""/>
+        <p:cNvGrpSpPr/>
+        <p:nvPr/>
+      </p:nvGrpSpPr>
+      <p:grpSpPr>
+        <a:xfrm>
+          <a:off x="0" y="0"/>
+          <a:ext cx="0" cy="0"/>
+          <a:chOff x="0" y="0"/>
+          <a:chExt cx="0" cy="0"/>
+        </a:xfrm>
+      </p:grpSpPr>
+      <p:sp>
+        <p:nvSpPr>
+          <p:cNvPr id="2" name="タイトル 1"/>
+          <p:cNvSpPr>
+            <a:spLocks noGrp="1"/>
+          </p:cNvSpPr>
+          <p:nvPr>
+            <p:ph type="title"/>
+          </p:nvPr>
+        </p:nvSpPr>
+        <p:spPr/>
+        <p:txBody>
+          <a:bodyPr/>
+          <a:lstStyle/>
+          <a:p>
+            <a:r>
+              <a:rPr kumimoji="1" lang="en-US" altLang="ja-JP" dirty="0" err="1" smtClean="0"/>
+              <a:t>GitHub</a:t>
+            </a:r>
+            <a:r>
+              <a:rPr kumimoji="1" lang="en-US" altLang="ja-JP" dirty="0" smtClean="0"/>
+              <a:t> API</a:t>
+            </a:r>
+            <a:r>
+              <a:rPr kumimoji="1" lang="ja-JP" altLang="en-US" dirty="0" smtClean="0"/>
+              <a:t>の動作確認</a:t>
+            </a:r>
+            <a:endParaRPr kumimoji="1" lang="ja-JP" altLang="en-US" dirty="0"/>
+          </a:p>
+        </p:txBody>
+      </p:sp>
+      <p:sp>
+        <p:nvSpPr>
+          <p:cNvPr id="3" name="コンテンツ プレースホルダー 2"/>
+          <p:cNvSpPr>
+            <a:spLocks noGrp="1"/>
+          </p:cNvSpPr>
+          <p:nvPr>
+            <p:ph idx="1"/>
+          </p:nvPr>
+        </p:nvSpPr>
+        <p:spPr/>
+        <p:txBody>
+          <a:bodyPr/>
+          <a:lstStyle/>
+          <a:p>
+            <a:r>
+              <a:rPr lang="en-US" altLang="ja-JP" dirty="0" err="1" smtClean="0"/>
+              <a:t>GitHub</a:t>
+            </a:r>
+            <a:r>
+              <a:rPr lang="en-US" altLang="ja-JP" dirty="0" smtClean="0"/>
+              <a:t> API</a:t>
+            </a:r>
+            <a:r>
+              <a:rPr lang="ja-JP" altLang="en-US" dirty="0" smtClean="0"/>
+              <a:t>によって仮想プロジェクトの</a:t>
+            </a:r>
+            <a:r>
+              <a:rPr lang="en-US" altLang="ja-JP" dirty="0" smtClean="0"/>
+              <a:t>Issues</a:t>
+            </a:r>
+            <a:r>
+              <a:rPr lang="ja-JP" altLang="en-US" dirty="0" smtClean="0"/>
+              <a:t>と</a:t>
+            </a:r>
+            <a:r>
+              <a:rPr lang="en-US" altLang="ja-JP" dirty="0" smtClean="0"/>
+              <a:t>comment</a:t>
+            </a:r>
+            <a:r>
+              <a:rPr lang="ja-JP" altLang="en-US" dirty="0" smtClean="0"/>
+              <a:t>内容を取り出すことができるか確認した</a:t>
+            </a:r>
+            <a:endParaRPr lang="en-US" altLang="ja-JP" dirty="0" smtClean="0"/>
+          </a:p>
+          <a:p>
+            <a:r>
+              <a:rPr kumimoji="1" lang="ja-JP" altLang="en-US" dirty="0" smtClean="0"/>
+              <a:t>確認した結果，</a:t>
+            </a:r>
+            <a:r>
+              <a:rPr kumimoji="1" lang="en-US" altLang="ja-JP" dirty="0" smtClean="0"/>
+              <a:t>EVM</a:t>
+            </a:r>
+            <a:r>
+              <a:rPr lang="ja-JP" altLang="en-US" dirty="0"/>
+              <a:t>のため</a:t>
+            </a:r>
+            <a:r>
+              <a:rPr lang="ja-JP" altLang="en-US" dirty="0" smtClean="0"/>
+              <a:t>の情報</a:t>
+            </a:r>
+            <a:r>
+              <a:rPr kumimoji="1" lang="ja-JP" altLang="en-US" dirty="0" smtClean="0"/>
+              <a:t>を正常</a:t>
+            </a:r>
+            <a:r>
+              <a:rPr kumimoji="1" lang="ja-JP" altLang="en-US" dirty="0" smtClean="0"/>
+              <a:t>に</a:t>
+            </a:r>
+            <a:r>
+              <a:rPr lang="ja-JP" altLang="en-US" dirty="0"/>
+              <a:t>取り出す</a:t>
+            </a:r>
+            <a:r>
+              <a:rPr kumimoji="1" lang="ja-JP" altLang="en-US" dirty="0" smtClean="0"/>
+              <a:t>こと</a:t>
+            </a:r>
+            <a:r>
+              <a:rPr kumimoji="1" lang="ja-JP" altLang="en-US" dirty="0" smtClean="0"/>
+              <a:t>ができる</a:t>
+            </a:r>
+            <a:endParaRPr kumimoji="1" lang="ja-JP" altLang="en-US" dirty="0"/>
+          </a:p>
+        </p:txBody>
+      </p:sp>
+      <p:sp>
+        <p:nvSpPr>
+          <p:cNvPr id="4" name="フッター プレースホルダー 3"/>
+          <p:cNvSpPr>
+            <a:spLocks noGrp="1"/>
+          </p:cNvSpPr>
+          <p:nvPr>
+            <p:ph type="ftr" sz="quarter" idx="11"/>
+          </p:nvPr>
+        </p:nvSpPr>
+        <p:spPr/>
+        <p:txBody>
+          <a:bodyPr/>
+          <a:lstStyle/>
+          <a:p>
+            <a:endParaRPr kumimoji="1" lang="ja-JP" altLang="en-US"/>
+          </a:p>
+        </p:txBody>
+      </p:sp>
+      <p:sp>
+        <p:nvSpPr>
+          <p:cNvPr id="5" name="スライド番号プレースホルダー 4"/>
+          <p:cNvSpPr>
+            <a:spLocks noGrp="1"/>
+          </p:cNvSpPr>
+          <p:nvPr>
+            <p:ph type="sldNum" sz="quarter" idx="12"/>
+          </p:nvPr>
+        </p:nvSpPr>
+        <p:spPr/>
+        <p:txBody>
+          <a:bodyPr/>
+          <a:lstStyle/>
+          <a:p>
+            <a:fld id="{84835224-79A0-4EB9-9992-36178AD955CF}" type="slidenum">
+              <a:rPr kumimoji="1" lang="ja-JP" altLang="en-US" smtClean="0"/>
+              <a:t>18</a:t>
+            </a:fld>
+            <a:endParaRPr kumimoji="1" lang="ja-JP" altLang="en-US"/>
+          </a:p>
+        </p:txBody>
+      </p:sp>
+    </p:spTree>
+    <p:extLst>
+      <p:ext uri="{BB962C8B-B14F-4D97-AF65-F5344CB8AC3E}">
+        <p14:creationId xmlns:p14="http://schemas.microsoft.com/office/powerpoint/2010/main" val="3531357962"/>
       </p:ext>
     </p:extLst>
   </p:cSld>
@@ -13060,196 +12896,30 @@
         </p:nvSpPr>
         <p:spPr/>
         <p:txBody>
-          <a:bodyPr/>
-          <a:lstStyle/>
-          <a:p>
-            <a:r>
-              <a:rPr kumimoji="1" lang="en-US" altLang="ja-JP" dirty="0" err="1" smtClean="0"/>
-              <a:t>GitHub</a:t>
-            </a:r>
-            <a:r>
-              <a:rPr kumimoji="1" lang="en-US" altLang="ja-JP" dirty="0" smtClean="0"/>
-              <a:t> API</a:t>
-            </a:r>
-            <a:r>
-              <a:rPr kumimoji="1" lang="ja-JP" altLang="en-US" dirty="0" smtClean="0"/>
-              <a:t>の動作確認</a:t>
-            </a:r>
-            <a:endParaRPr kumimoji="1" lang="ja-JP" altLang="en-US" dirty="0"/>
-          </a:p>
-        </p:txBody>
-      </p:sp>
-      <p:sp>
-        <p:nvSpPr>
-          <p:cNvPr id="3" name="コンテンツ プレースホルダー 2"/>
-          <p:cNvSpPr>
-            <a:spLocks noGrp="1"/>
-          </p:cNvSpPr>
-          <p:nvPr>
-            <p:ph idx="1"/>
-          </p:nvPr>
-        </p:nvSpPr>
-        <p:spPr/>
-        <p:txBody>
-          <a:bodyPr/>
-          <a:lstStyle/>
-          <a:p>
-            <a:r>
-              <a:rPr lang="en-US" altLang="ja-JP" dirty="0" err="1" smtClean="0"/>
-              <a:t>GitHub</a:t>
-            </a:r>
-            <a:r>
-              <a:rPr lang="en-US" altLang="ja-JP" dirty="0" smtClean="0"/>
-              <a:t> API</a:t>
-            </a:r>
-            <a:r>
-              <a:rPr lang="ja-JP" altLang="en-US" dirty="0" smtClean="0"/>
-              <a:t>によって仮想プロジェクトの</a:t>
-            </a:r>
-            <a:r>
-              <a:rPr lang="en-US" altLang="ja-JP" dirty="0" smtClean="0"/>
-              <a:t>Issues</a:t>
-            </a:r>
-            <a:r>
-              <a:rPr lang="ja-JP" altLang="en-US" dirty="0" smtClean="0"/>
-              <a:t>と</a:t>
-            </a:r>
-            <a:r>
-              <a:rPr lang="en-US" altLang="ja-JP" dirty="0" smtClean="0"/>
-              <a:t>comment</a:t>
-            </a:r>
-            <a:r>
-              <a:rPr lang="ja-JP" altLang="en-US" dirty="0" smtClean="0"/>
-              <a:t>内容を取り出すことができるか確認した</a:t>
-            </a:r>
-            <a:endParaRPr lang="en-US" altLang="ja-JP" dirty="0" smtClean="0"/>
-          </a:p>
-          <a:p>
-            <a:r>
-              <a:rPr kumimoji="1" lang="ja-JP" altLang="en-US" dirty="0" smtClean="0"/>
-              <a:t>確認した結果，</a:t>
-            </a:r>
-            <a:r>
-              <a:rPr kumimoji="1" lang="en-US" altLang="ja-JP" dirty="0" smtClean="0"/>
-              <a:t>EVM</a:t>
-            </a:r>
-            <a:r>
-              <a:rPr lang="ja-JP" altLang="en-US" dirty="0"/>
-              <a:t>のため</a:t>
-            </a:r>
-            <a:r>
-              <a:rPr lang="ja-JP" altLang="en-US" dirty="0" smtClean="0"/>
-              <a:t>の情報</a:t>
-            </a:r>
-            <a:r>
-              <a:rPr kumimoji="1" lang="ja-JP" altLang="en-US" dirty="0" smtClean="0"/>
-              <a:t>を正常にとりだすことができた</a:t>
-            </a:r>
-            <a:endParaRPr kumimoji="1" lang="ja-JP" altLang="en-US" dirty="0"/>
-          </a:p>
-        </p:txBody>
-      </p:sp>
-      <p:sp>
-        <p:nvSpPr>
-          <p:cNvPr id="4" name="フッター プレースホルダー 3"/>
-          <p:cNvSpPr>
-            <a:spLocks noGrp="1"/>
-          </p:cNvSpPr>
-          <p:nvPr>
-            <p:ph type="ftr" sz="quarter" idx="11"/>
-          </p:nvPr>
-        </p:nvSpPr>
-        <p:spPr/>
-        <p:txBody>
-          <a:bodyPr/>
-          <a:lstStyle/>
-          <a:p>
-            <a:endParaRPr kumimoji="1" lang="ja-JP" altLang="en-US"/>
-          </a:p>
-        </p:txBody>
-      </p:sp>
-      <p:sp>
-        <p:nvSpPr>
-          <p:cNvPr id="5" name="スライド番号プレースホルダー 4"/>
-          <p:cNvSpPr>
-            <a:spLocks noGrp="1"/>
-          </p:cNvSpPr>
-          <p:nvPr>
-            <p:ph type="sldNum" sz="quarter" idx="12"/>
-          </p:nvPr>
-        </p:nvSpPr>
-        <p:spPr/>
-        <p:txBody>
-          <a:bodyPr/>
-          <a:lstStyle/>
-          <a:p>
-            <a:fld id="{84835224-79A0-4EB9-9992-36178AD955CF}" type="slidenum">
-              <a:rPr kumimoji="1" lang="ja-JP" altLang="en-US" smtClean="0"/>
-              <a:t>19</a:t>
-            </a:fld>
-            <a:endParaRPr kumimoji="1" lang="ja-JP" altLang="en-US"/>
-          </a:p>
-        </p:txBody>
-      </p:sp>
-    </p:spTree>
-    <p:extLst>
-      <p:ext uri="{BB962C8B-B14F-4D97-AF65-F5344CB8AC3E}">
-        <p14:creationId xmlns:p14="http://schemas.microsoft.com/office/powerpoint/2010/main" val="3531357962"/>
-      </p:ext>
-    </p:extLst>
-  </p:cSld>
-  <p:clrMapOvr>
-    <a:masterClrMapping/>
-  </p:clrMapOvr>
-</p:sld>
-</file>
-
-<file path=ppt/slides/slide2.xml><?xml version="1.0" encoding="utf-8"?>
-<p:sld xmlns:a="http://schemas.openxmlformats.org/drawingml/2006/main" xmlns:r="http://schemas.openxmlformats.org/officeDocument/2006/relationships" xmlns:p="http://schemas.openxmlformats.org/presentationml/2006/main">
-  <p:cSld>
-    <p:spTree>
-      <p:nvGrpSpPr>
-        <p:cNvPr id="1" name=""/>
-        <p:cNvGrpSpPr/>
-        <p:nvPr/>
-      </p:nvGrpSpPr>
-      <p:grpSpPr>
-        <a:xfrm>
-          <a:off x="0" y="0"/>
-          <a:ext cx="0" cy="0"/>
-          <a:chOff x="0" y="0"/>
-          <a:chExt cx="0" cy="0"/>
-        </a:xfrm>
-      </p:grpSpPr>
-      <p:sp>
-        <p:nvSpPr>
-          <p:cNvPr id="2" name="タイトル 1"/>
-          <p:cNvSpPr>
-            <a:spLocks noGrp="1"/>
-          </p:cNvSpPr>
-          <p:nvPr>
-            <p:ph type="title"/>
-          </p:nvPr>
-        </p:nvSpPr>
-        <p:spPr/>
-        <p:txBody>
           <a:bodyPr>
             <a:normAutofit/>
           </a:bodyPr>
           <a:lstStyle/>
           <a:p>
-            <a:pPr algn="just"/>
-            <a:r>
-              <a:rPr kumimoji="1" lang="ja-JP" altLang="en-US" sz="4400" dirty="0" smtClean="0"/>
-              <a:t>目次</a:t>
-            </a:r>
-            <a:endParaRPr kumimoji="1" lang="ja-JP" altLang="en-US" sz="4400" dirty="0"/>
-          </a:p>
-        </p:txBody>
-      </p:sp>
-      <p:sp>
-        <p:nvSpPr>
-          <p:cNvPr id="3" name="コンテンツ プレースホルダー 2"/>
+            <a:r>
+              <a:rPr lang="en-US" altLang="ja-JP" dirty="0"/>
+              <a:t>EVM</a:t>
+            </a:r>
+            <a:r>
+              <a:rPr lang="ja-JP" altLang="en-US" dirty="0"/>
+              <a:t>作成</a:t>
+            </a:r>
+            <a:r>
+              <a:rPr lang="ja-JP" altLang="en-US" dirty="0" smtClean="0"/>
+              <a:t>の動作確認</a:t>
+            </a:r>
+            <a:endParaRPr kumimoji="1" lang="ja-JP" altLang="en-US" dirty="0"/>
+          </a:p>
+        </p:txBody>
+      </p:sp>
+      <p:sp>
+        <p:nvSpPr>
+          <p:cNvPr id="5" name="コンテンツ プレースホルダー 4"/>
           <p:cNvSpPr>
             <a:spLocks noGrp="1"/>
           </p:cNvSpPr>
@@ -13259,75 +12929,44 @@
         </p:nvSpPr>
         <p:spPr/>
         <p:txBody>
-          <a:bodyPr>
-            <a:normAutofit/>
-          </a:bodyPr>
-          <a:lstStyle/>
-          <a:p>
-            <a:pPr marL="514350" indent="-514350">
-              <a:buFont typeface="+mj-lt"/>
-              <a:buAutoNum type="arabicPeriod"/>
+          <a:bodyPr/>
+          <a:lstStyle/>
+          <a:p>
+            <a:r>
+              <a:rPr kumimoji="1" lang="en-US" altLang="ja-JP" dirty="0" smtClean="0"/>
+              <a:t>EVM</a:t>
+            </a:r>
+            <a:r>
+              <a:rPr kumimoji="1" lang="ja-JP" altLang="en-US" dirty="0" smtClean="0"/>
+              <a:t>イメージ図</a:t>
+            </a:r>
+            <a:endParaRPr kumimoji="1" lang="en-US" altLang="ja-JP" dirty="0" smtClean="0"/>
+          </a:p>
+          <a:p>
+            <a:endParaRPr lang="en-US" altLang="ja-JP" dirty="0"/>
+          </a:p>
+          <a:p>
+            <a:endParaRPr kumimoji="1" lang="en-US" altLang="ja-JP" dirty="0" smtClean="0"/>
+          </a:p>
+          <a:p>
+            <a:pPr marL="0" indent="0">
+              <a:buNone/>
             </a:pPr>
-            <a:r>
-              <a:rPr kumimoji="1" lang="ja-JP" altLang="en-US" sz="3200" dirty="0" smtClean="0"/>
-              <a:t>背景</a:t>
-            </a:r>
-            <a:endParaRPr kumimoji="1" lang="en-US" altLang="ja-JP" sz="3200" dirty="0" smtClean="0"/>
-          </a:p>
-          <a:p>
-            <a:pPr marL="514350" indent="-514350">
-              <a:buFont typeface="+mj-lt"/>
-              <a:buAutoNum type="arabicPeriod"/>
-            </a:pPr>
-            <a:r>
-              <a:rPr kumimoji="1" lang="ja-JP" altLang="en-US" sz="3200" dirty="0" smtClean="0"/>
-              <a:t>目的</a:t>
-            </a:r>
-            <a:endParaRPr lang="en-US" altLang="ja-JP" sz="3200" dirty="0" smtClean="0"/>
-          </a:p>
-          <a:p>
-            <a:pPr marL="514350" indent="-514350">
-              <a:buFont typeface="+mj-lt"/>
-              <a:buAutoNum type="arabicPeriod"/>
-            </a:pPr>
-            <a:r>
-              <a:rPr lang="ja-JP" altLang="en-US" dirty="0" smtClean="0"/>
-              <a:t>運用方法</a:t>
-            </a:r>
-            <a:endParaRPr lang="en-US" altLang="ja-JP" dirty="0" smtClean="0"/>
-          </a:p>
-          <a:p>
-            <a:pPr marL="514350" indent="-514350">
-              <a:buFont typeface="+mj-lt"/>
-              <a:buAutoNum type="arabicPeriod"/>
-            </a:pPr>
-            <a:r>
-              <a:rPr lang="ja-JP" altLang="en-US" sz="3200" dirty="0" smtClean="0"/>
-              <a:t>手法</a:t>
-            </a:r>
-            <a:endParaRPr lang="en-US" altLang="ja-JP" sz="3200" dirty="0" smtClean="0"/>
-          </a:p>
-          <a:p>
-            <a:pPr marL="514350" indent="-514350">
-              <a:buFont typeface="+mj-lt"/>
-              <a:buAutoNum type="arabicPeriod"/>
-            </a:pPr>
-            <a:r>
-              <a:rPr lang="ja-JP" altLang="en-US" dirty="0" smtClean="0"/>
-              <a:t>動作確認</a:t>
-            </a:r>
-            <a:endParaRPr lang="en-US" altLang="ja-JP" sz="3200" dirty="0" smtClean="0"/>
-          </a:p>
-          <a:p>
-            <a:pPr marL="514350" indent="-514350">
-              <a:buFont typeface="+mj-lt"/>
-              <a:buAutoNum type="arabicPeriod"/>
-            </a:pPr>
-            <a:r>
-              <a:rPr lang="ja-JP" altLang="en-US" dirty="0"/>
-              <a:t>まとめ</a:t>
-            </a:r>
-            <a:endParaRPr lang="en-US" altLang="ja-JP" sz="3200" dirty="0" smtClean="0"/>
+            <a:endParaRPr lang="en-US" altLang="ja-JP" dirty="0"/>
+          </a:p>
+          <a:p>
+            <a:r>
+              <a:rPr kumimoji="1" lang="en-US" altLang="ja-JP" dirty="0" smtClean="0"/>
+              <a:t>Google Chart API</a:t>
+            </a:r>
+            <a:r>
+              <a:rPr kumimoji="1" lang="ja-JP" altLang="en-US" dirty="0" smtClean="0"/>
+              <a:t>によって描画した</a:t>
+            </a:r>
+            <a:r>
+              <a:rPr kumimoji="1" lang="en-US" altLang="ja-JP" dirty="0" smtClean="0"/>
+              <a:t>EVM</a:t>
+            </a:r>
           </a:p>
           <a:p>
             <a:pPr marL="0" indent="0">
@@ -13339,7 +12978,7 @@
       </p:sp>
       <p:sp>
         <p:nvSpPr>
-          <p:cNvPr id="4" name="フッター プレースホルダー 3"/>
+          <p:cNvPr id="8" name="フッター プレースホルダー 7"/>
           <p:cNvSpPr>
             <a:spLocks noGrp="1"/>
           </p:cNvSpPr>
@@ -13358,7 +12997,7 @@
       </p:sp>
       <p:sp>
         <p:nvSpPr>
-          <p:cNvPr id="5" name="スライド番号プレースホルダー 4"/>
+          <p:cNvPr id="9" name="スライド番号プレースホルダー 8"/>
           <p:cNvSpPr>
             <a:spLocks noGrp="1"/>
           </p:cNvSpPr>
@@ -13373,178 +13012,7 @@
           <a:p>
             <a:fld id="{84835224-79A0-4EB9-9992-36178AD955CF}" type="slidenum">
               <a:rPr kumimoji="1" lang="ja-JP" altLang="en-US" smtClean="0"/>
-              <a:t>2</a:t>
-            </a:fld>
-            <a:endParaRPr kumimoji="1" lang="ja-JP" altLang="en-US"/>
-          </a:p>
-        </p:txBody>
-      </p:sp>
-    </p:spTree>
-    <p:extLst>
-      <p:ext uri="{BB962C8B-B14F-4D97-AF65-F5344CB8AC3E}">
-        <p14:creationId xmlns:p14="http://schemas.microsoft.com/office/powerpoint/2010/main" val="3186101249"/>
-      </p:ext>
-    </p:extLst>
-  </p:cSld>
-  <p:clrMapOvr>
-    <a:masterClrMapping/>
-  </p:clrMapOvr>
-  <p:timing>
-    <p:tnLst>
-      <p:par>
-        <p:cTn id="1" dur="indefinite" restart="never" nodeType="tmRoot"/>
-      </p:par>
-    </p:tnLst>
-  </p:timing>
-</p:sld>
-</file>
-
-<file path=ppt/slides/slide20.xml><?xml version="1.0" encoding="utf-8"?>
-<p:sld xmlns:a="http://schemas.openxmlformats.org/drawingml/2006/main" xmlns:r="http://schemas.openxmlformats.org/officeDocument/2006/relationships" xmlns:p="http://schemas.openxmlformats.org/presentationml/2006/main">
-  <p:cSld>
-    <p:spTree>
-      <p:nvGrpSpPr>
-        <p:cNvPr id="1" name=""/>
-        <p:cNvGrpSpPr/>
-        <p:nvPr/>
-      </p:nvGrpSpPr>
-      <p:grpSpPr>
-        <a:xfrm>
-          <a:off x="0" y="0"/>
-          <a:ext cx="0" cy="0"/>
-          <a:chOff x="0" y="0"/>
-          <a:chExt cx="0" cy="0"/>
-        </a:xfrm>
-      </p:grpSpPr>
-      <p:sp>
-        <p:nvSpPr>
-          <p:cNvPr id="2" name="タイトル 1"/>
-          <p:cNvSpPr>
-            <a:spLocks noGrp="1"/>
-          </p:cNvSpPr>
-          <p:nvPr>
-            <p:ph type="title"/>
-          </p:nvPr>
-        </p:nvSpPr>
-        <p:spPr/>
-        <p:txBody>
-          <a:bodyPr>
-            <a:normAutofit/>
-          </a:bodyPr>
-          <a:lstStyle/>
-          <a:p>
-            <a:r>
-              <a:rPr lang="en-US" altLang="ja-JP" dirty="0"/>
-              <a:t>EVM</a:t>
-            </a:r>
-            <a:r>
-              <a:rPr lang="ja-JP" altLang="en-US" dirty="0"/>
-              <a:t>作成</a:t>
-            </a:r>
-            <a:r>
-              <a:rPr lang="ja-JP" altLang="en-US" dirty="0" smtClean="0"/>
-              <a:t>の動作確認</a:t>
-            </a:r>
-            <a:endParaRPr kumimoji="1" lang="ja-JP" altLang="en-US" dirty="0"/>
-          </a:p>
-        </p:txBody>
-      </p:sp>
-      <p:sp>
-        <p:nvSpPr>
-          <p:cNvPr id="5" name="コンテンツ プレースホルダー 4"/>
-          <p:cNvSpPr>
-            <a:spLocks noGrp="1"/>
-          </p:cNvSpPr>
-          <p:nvPr>
-            <p:ph idx="1"/>
-          </p:nvPr>
-        </p:nvSpPr>
-        <p:spPr/>
-        <p:txBody>
-          <a:bodyPr/>
-          <a:lstStyle/>
-          <a:p>
-            <a:r>
-              <a:rPr kumimoji="1" lang="en-US" altLang="ja-JP" dirty="0" smtClean="0"/>
-              <a:t>EVM</a:t>
-            </a:r>
-            <a:r>
-              <a:rPr kumimoji="1" lang="ja-JP" altLang="en-US" dirty="0" smtClean="0"/>
-              <a:t>イメージ図</a:t>
-            </a:r>
-            <a:endParaRPr kumimoji="1" lang="en-US" altLang="ja-JP" dirty="0" smtClean="0"/>
-          </a:p>
-          <a:p>
-            <a:endParaRPr lang="en-US" altLang="ja-JP" dirty="0"/>
-          </a:p>
-          <a:p>
-            <a:endParaRPr kumimoji="1" lang="en-US" altLang="ja-JP" dirty="0" smtClean="0"/>
-          </a:p>
-          <a:p>
-            <a:pPr marL="0" indent="0">
-              <a:buNone/>
-            </a:pPr>
-            <a:endParaRPr lang="en-US" altLang="ja-JP" dirty="0"/>
-          </a:p>
-          <a:p>
-            <a:r>
-              <a:rPr kumimoji="1" lang="en-US" altLang="ja-JP" dirty="0" smtClean="0"/>
-              <a:t>Google Chart API</a:t>
-            </a:r>
-            <a:r>
-              <a:rPr kumimoji="1" lang="ja-JP" altLang="en-US" dirty="0" smtClean="0"/>
-              <a:t>によって描画した</a:t>
-            </a:r>
-            <a:r>
-              <a:rPr kumimoji="1" lang="en-US" altLang="ja-JP" dirty="0" smtClean="0"/>
-              <a:t>EVM</a:t>
-            </a:r>
-          </a:p>
-          <a:p>
-            <a:pPr marL="0" indent="0">
-              <a:buNone/>
-            </a:pPr>
-            <a:endParaRPr kumimoji="1" lang="ja-JP" altLang="en-US" dirty="0"/>
-          </a:p>
-        </p:txBody>
-      </p:sp>
-      <p:sp>
-        <p:nvSpPr>
-          <p:cNvPr id="8" name="フッター プレースホルダー 7"/>
-          <p:cNvSpPr>
-            <a:spLocks noGrp="1"/>
-          </p:cNvSpPr>
-          <p:nvPr>
-            <p:ph type="ftr" sz="quarter" idx="11"/>
-          </p:nvPr>
-        </p:nvSpPr>
-        <p:spPr/>
-        <p:txBody>
-          <a:bodyPr/>
-          <a:lstStyle/>
-          <a:p>
-            <a:endParaRPr kumimoji="1" lang="ja-JP" altLang="en-US"/>
-          </a:p>
-        </p:txBody>
-      </p:sp>
-      <p:sp>
-        <p:nvSpPr>
-          <p:cNvPr id="9" name="スライド番号プレースホルダー 8"/>
-          <p:cNvSpPr>
-            <a:spLocks noGrp="1"/>
-          </p:cNvSpPr>
-          <p:nvPr>
-            <p:ph type="sldNum" sz="quarter" idx="12"/>
-          </p:nvPr>
-        </p:nvSpPr>
-        <p:spPr/>
-        <p:txBody>
-          <a:bodyPr/>
-          <a:lstStyle/>
-          <a:p>
-            <a:fld id="{84835224-79A0-4EB9-9992-36178AD955CF}" type="slidenum">
-              <a:rPr kumimoji="1" lang="ja-JP" altLang="en-US" smtClean="0"/>
-              <a:t>20</a:t>
+              <a:t>19</a:t>
             </a:fld>
             <a:endParaRPr kumimoji="1" lang="ja-JP" altLang="en-US"/>
           </a:p>
@@ -13625,7 +13093,7 @@
 </p:sld>
 </file>
 
-<file path=ppt/slides/slide21.xml><?xml version="1.0" encoding="utf-8"?>
+<file path=ppt/slides/slide2.xml><?xml version="1.0" encoding="utf-8"?>
 <p:sld xmlns:a="http://schemas.openxmlformats.org/drawingml/2006/main" xmlns:r="http://schemas.openxmlformats.org/officeDocument/2006/relationships" xmlns:p="http://schemas.openxmlformats.org/presentationml/2006/main">
   <p:cSld>
     <p:spTree>
@@ -13659,74 +13127,96 @@
           </a:bodyPr>
           <a:lstStyle/>
           <a:p>
-            <a:r>
-              <a:rPr lang="en-US" altLang="ja-JP" dirty="0" err="1" smtClean="0"/>
-              <a:t>GitHub</a:t>
-            </a:r>
+            <a:pPr algn="just"/>
+            <a:r>
+              <a:rPr kumimoji="1" lang="ja-JP" altLang="en-US" sz="4400" dirty="0" smtClean="0"/>
+              <a:t>目次</a:t>
+            </a:r>
+            <a:endParaRPr kumimoji="1" lang="ja-JP" altLang="en-US" sz="4400" dirty="0"/>
+          </a:p>
+        </p:txBody>
+      </p:sp>
+      <p:sp>
+        <p:nvSpPr>
+          <p:cNvPr id="3" name="コンテンツ プレースホルダー 2"/>
+          <p:cNvSpPr>
+            <a:spLocks noGrp="1"/>
+          </p:cNvSpPr>
+          <p:nvPr>
+            <p:ph idx="1"/>
+          </p:nvPr>
+        </p:nvSpPr>
+        <p:spPr/>
+        <p:txBody>
+          <a:bodyPr>
+            <a:normAutofit/>
+          </a:bodyPr>
+          <a:lstStyle/>
+          <a:p>
+            <a:pPr marL="514350" indent="-514350">
+              <a:buFont typeface="+mj-lt"/>
+              <a:buAutoNum type="arabicPeriod"/>
+            </a:pPr>
+            <a:r>
+              <a:rPr kumimoji="1" lang="ja-JP" altLang="en-US" sz="3200" dirty="0" smtClean="0"/>
+              <a:t>背景</a:t>
+            </a:r>
+            <a:endParaRPr kumimoji="1" lang="en-US" altLang="ja-JP" sz="3200" dirty="0" smtClean="0"/>
+          </a:p>
+          <a:p>
+            <a:pPr marL="514350" indent="-514350">
+              <a:buFont typeface="+mj-lt"/>
+              <a:buAutoNum type="arabicPeriod"/>
+            </a:pPr>
+            <a:r>
+              <a:rPr kumimoji="1" lang="ja-JP" altLang="en-US" sz="3200" dirty="0" smtClean="0"/>
+              <a:t>目的</a:t>
+            </a:r>
+            <a:endParaRPr lang="en-US" altLang="ja-JP" sz="3200" dirty="0" smtClean="0"/>
+          </a:p>
+          <a:p>
+            <a:pPr marL="514350" indent="-514350">
+              <a:buFont typeface="+mj-lt"/>
+              <a:buAutoNum type="arabicPeriod"/>
+            </a:pPr>
             <a:r>
               <a:rPr lang="ja-JP" altLang="en-US" dirty="0" smtClean="0"/>
-              <a:t>上</a:t>
-            </a:r>
+              <a:t>システムの運用方法</a:t>
+            </a:r>
+            <a:endParaRPr lang="en-US" altLang="ja-JP" dirty="0" smtClean="0"/>
+          </a:p>
+          <a:p>
+            <a:pPr marL="514350" indent="-514350">
+              <a:buFont typeface="+mj-lt"/>
+              <a:buAutoNum type="arabicPeriod"/>
+            </a:pPr>
+            <a:r>
+              <a:rPr lang="ja-JP" altLang="en-US" sz="3200" dirty="0" smtClean="0"/>
+              <a:t>手法</a:t>
+            </a:r>
+            <a:endParaRPr lang="en-US" altLang="ja-JP" sz="3200" dirty="0" smtClean="0"/>
+          </a:p>
+          <a:p>
+            <a:pPr marL="514350" indent="-514350">
+              <a:buFont typeface="+mj-lt"/>
+              <a:buAutoNum type="arabicPeriod"/>
+            </a:pPr>
+            <a:r>
+              <a:rPr lang="ja-JP" altLang="en-US" dirty="0" smtClean="0"/>
+              <a:t>動作確認</a:t>
+            </a:r>
+            <a:endParaRPr lang="en-US" altLang="ja-JP" sz="3200" dirty="0" smtClean="0"/>
+          </a:p>
+          <a:p>
+            <a:pPr marL="514350" indent="-514350">
+              <a:buFont typeface="+mj-lt"/>
+              <a:buAutoNum type="arabicPeriod"/>
+            </a:pPr>
             <a:r>
               <a:rPr lang="ja-JP" altLang="en-US" dirty="0"/>
-              <a:t>での</a:t>
-            </a:r>
-            <a:r>
-              <a:rPr lang="en-US" altLang="ja-JP" dirty="0" smtClean="0"/>
-              <a:t>EVM</a:t>
-            </a:r>
-            <a:r>
-              <a:rPr lang="ja-JP" altLang="en-US" dirty="0"/>
-              <a:t>表示の</a:t>
-            </a:r>
-            <a:r>
-              <a:rPr lang="ja-JP" altLang="en-US" dirty="0" smtClean="0"/>
-              <a:t>検証</a:t>
-            </a:r>
-            <a:endParaRPr kumimoji="1" lang="ja-JP" altLang="en-US" dirty="0"/>
-          </a:p>
-        </p:txBody>
-      </p:sp>
-      <p:sp>
-        <p:nvSpPr>
-          <p:cNvPr id="3" name="コンテンツ プレースホルダー 2"/>
-          <p:cNvSpPr>
-            <a:spLocks noGrp="1"/>
-          </p:cNvSpPr>
-          <p:nvPr>
-            <p:ph idx="1"/>
-          </p:nvPr>
-        </p:nvSpPr>
-        <p:spPr/>
-        <p:txBody>
-          <a:bodyPr/>
-          <a:lstStyle/>
-          <a:p>
-            <a:r>
-              <a:rPr kumimoji="1" lang="en-US" altLang="ja-JP" dirty="0" err="1" smtClean="0"/>
-              <a:t>GitHub</a:t>
-            </a:r>
-            <a:r>
-              <a:rPr kumimoji="1" lang="ja-JP" altLang="en-US" dirty="0" smtClean="0"/>
-              <a:t>上に</a:t>
-            </a:r>
-            <a:r>
-              <a:rPr kumimoji="1" lang="en-US" altLang="ja-JP" dirty="0" smtClean="0"/>
-              <a:t>EVM</a:t>
-            </a:r>
-            <a:r>
-              <a:rPr kumimoji="1" lang="ja-JP" altLang="en-US" dirty="0" smtClean="0"/>
-              <a:t>表示す</a:t>
-            </a:r>
-            <a:r>
-              <a:rPr lang="ja-JP" altLang="en-US" dirty="0"/>
-              <a:t>る</a:t>
-            </a:r>
-            <a:r>
-              <a:rPr kumimoji="1" lang="ja-JP" altLang="en-US" dirty="0" smtClean="0"/>
-              <a:t>前の状態</a:t>
-            </a:r>
-            <a:endParaRPr kumimoji="1" lang="en-US" altLang="ja-JP" dirty="0" smtClean="0"/>
+              <a:t>まとめ</a:t>
+            </a:r>
+            <a:endParaRPr lang="en-US" altLang="ja-JP" sz="3200" dirty="0" smtClean="0"/>
           </a:p>
           <a:p>
             <a:pPr marL="0" indent="0">
@@ -13772,7 +13262,184 @@
           <a:p>
             <a:fld id="{84835224-79A0-4EB9-9992-36178AD955CF}" type="slidenum">
               <a:rPr kumimoji="1" lang="ja-JP" altLang="en-US" smtClean="0"/>
-              <a:t>21</a:t>
+              <a:t>2</a:t>
+            </a:fld>
+            <a:endParaRPr kumimoji="1" lang="ja-JP" altLang="en-US"/>
+          </a:p>
+        </p:txBody>
+      </p:sp>
+    </p:spTree>
+    <p:extLst>
+      <p:ext uri="{BB962C8B-B14F-4D97-AF65-F5344CB8AC3E}">
+        <p14:creationId xmlns:p14="http://schemas.microsoft.com/office/powerpoint/2010/main" val="3186101249"/>
+      </p:ext>
+    </p:extLst>
+  </p:cSld>
+  <p:clrMapOvr>
+    <a:masterClrMapping/>
+  </p:clrMapOvr>
+  <p:timing>
+    <p:tnLst>
+      <p:par>
+        <p:cTn id="1" dur="indefinite" restart="never" nodeType="tmRoot"/>
+      </p:par>
+    </p:tnLst>
+  </p:timing>
+</p:sld>
+</file>
+
+<file path=ppt/slides/slide20.xml><?xml version="1.0" encoding="utf-8"?>
+<p:sld xmlns:a="http://schemas.openxmlformats.org/drawingml/2006/main" xmlns:r="http://schemas.openxmlformats.org/officeDocument/2006/relationships" xmlns:p="http://schemas.openxmlformats.org/presentationml/2006/main">
+  <p:cSld>
+    <p:spTree>
+      <p:nvGrpSpPr>
+        <p:cNvPr id="1" name=""/>
+        <p:cNvGrpSpPr/>
+        <p:nvPr/>
+      </p:nvGrpSpPr>
+      <p:grpSpPr>
+        <a:xfrm>
+          <a:off x="0" y="0"/>
+          <a:ext cx="0" cy="0"/>
+          <a:chOff x="0" y="0"/>
+          <a:chExt cx="0" cy="0"/>
+        </a:xfrm>
+      </p:grpSpPr>
+      <p:sp>
+        <p:nvSpPr>
+          <p:cNvPr id="2" name="タイトル 1"/>
+          <p:cNvSpPr>
+            <a:spLocks noGrp="1"/>
+          </p:cNvSpPr>
+          <p:nvPr>
+            <p:ph type="title"/>
+          </p:nvPr>
+        </p:nvSpPr>
+        <p:spPr/>
+        <p:txBody>
+          <a:bodyPr>
+            <a:noAutofit/>
+          </a:bodyPr>
+          <a:lstStyle/>
+          <a:p>
+            <a:r>
+              <a:rPr lang="en-US" altLang="ja-JP" sz="4000" dirty="0" err="1" smtClean="0"/>
+              <a:t>GitHub</a:t>
+            </a:r>
+            <a:r>
+              <a:rPr lang="ja-JP" altLang="en-US" sz="4000" dirty="0" smtClean="0"/>
+              <a:t>上</a:t>
+            </a:r>
+            <a:r>
+              <a:rPr lang="ja-JP" altLang="en-US" sz="4000" dirty="0"/>
+              <a:t>での</a:t>
+            </a:r>
+            <a:r>
+              <a:rPr lang="en-US" altLang="ja-JP" sz="4000" dirty="0" smtClean="0"/>
+              <a:t>EVM</a:t>
+            </a:r>
+            <a:r>
+              <a:rPr lang="ja-JP" altLang="en-US" sz="4000" dirty="0"/>
+              <a:t>表示</a:t>
+            </a:r>
+            <a:r>
+              <a:rPr lang="ja-JP" altLang="en-US" sz="4000" dirty="0" smtClean="0"/>
+              <a:t>の</a:t>
+            </a:r>
+            <a:r>
+              <a:rPr lang="ja-JP" altLang="en-US" sz="4000" dirty="0"/>
+              <a:t>動作確認</a:t>
+            </a:r>
+            <a:endParaRPr kumimoji="1" lang="ja-JP" altLang="en-US" sz="4000" dirty="0"/>
+          </a:p>
+        </p:txBody>
+      </p:sp>
+      <p:sp>
+        <p:nvSpPr>
+          <p:cNvPr id="3" name="コンテンツ プレースホルダー 2"/>
+          <p:cNvSpPr>
+            <a:spLocks noGrp="1"/>
+          </p:cNvSpPr>
+          <p:nvPr>
+            <p:ph idx="1"/>
+          </p:nvPr>
+        </p:nvSpPr>
+        <p:spPr/>
+        <p:txBody>
+          <a:bodyPr/>
+          <a:lstStyle/>
+          <a:p>
+            <a:r>
+              <a:rPr kumimoji="1" lang="en-US" altLang="ja-JP" dirty="0" err="1" smtClean="0"/>
+              <a:t>GitHub</a:t>
+            </a:r>
+            <a:r>
+              <a:rPr kumimoji="1" lang="ja-JP" altLang="en-US" dirty="0" smtClean="0"/>
+              <a:t>上に</a:t>
+            </a:r>
+            <a:r>
+              <a:rPr kumimoji="1" lang="en-US" altLang="ja-JP" dirty="0" smtClean="0"/>
+              <a:t>EVM</a:t>
+            </a:r>
+            <a:r>
+              <a:rPr kumimoji="1" lang="ja-JP" altLang="en-US" dirty="0" smtClean="0"/>
+              <a:t>表示す</a:t>
+            </a:r>
+            <a:r>
+              <a:rPr lang="ja-JP" altLang="en-US" dirty="0"/>
+              <a:t>る</a:t>
+            </a:r>
+            <a:r>
+              <a:rPr kumimoji="1" lang="ja-JP" altLang="en-US" dirty="0" smtClean="0"/>
+              <a:t>前の状態</a:t>
+            </a:r>
+            <a:endParaRPr kumimoji="1" lang="en-US" altLang="ja-JP" dirty="0" smtClean="0"/>
+          </a:p>
+          <a:p>
+            <a:pPr marL="0" indent="0">
+              <a:buNone/>
+            </a:pPr>
+            <a:endParaRPr kumimoji="1" lang="ja-JP" altLang="en-US" dirty="0"/>
+          </a:p>
+        </p:txBody>
+      </p:sp>
+      <p:sp>
+        <p:nvSpPr>
+          <p:cNvPr id="4" name="フッター プレースホルダー 3"/>
+          <p:cNvSpPr>
+            <a:spLocks noGrp="1"/>
+          </p:cNvSpPr>
+          <p:nvPr>
+            <p:ph type="ftr" sz="quarter" idx="11"/>
+          </p:nvPr>
+        </p:nvSpPr>
+        <p:spPr/>
+        <p:txBody>
+          <a:bodyPr/>
+          <a:lstStyle/>
+          <a:p>
+            <a:endParaRPr kumimoji="1" lang="ja-JP" altLang="en-US"/>
+          </a:p>
+        </p:txBody>
+      </p:sp>
+      <p:sp>
+        <p:nvSpPr>
+          <p:cNvPr id="5" name="スライド番号プレースホルダー 4"/>
+          <p:cNvSpPr>
+            <a:spLocks noGrp="1"/>
+          </p:cNvSpPr>
+          <p:nvPr>
+            <p:ph type="sldNum" sz="quarter" idx="12"/>
+          </p:nvPr>
+        </p:nvSpPr>
+        <p:spPr/>
+        <p:txBody>
+          <a:bodyPr/>
+          <a:lstStyle/>
+          <a:p>
+            <a:fld id="{84835224-79A0-4EB9-9992-36178AD955CF}" type="slidenum">
+              <a:rPr kumimoji="1" lang="ja-JP" altLang="en-US" smtClean="0"/>
+              <a:t>20</a:t>
             </a:fld>
             <a:endParaRPr kumimoji="1" lang="ja-JP" altLang="en-US"/>
           </a:p>
@@ -13862,7 +13529,7 @@
 </p:sld>
 </file>
 
-<file path=ppt/slides/slide22.xml><?xml version="1.0" encoding="utf-8"?>
+<file path=ppt/slides/slide21.xml><?xml version="1.0" encoding="utf-8"?>
 <p:sld xmlns:a="http://schemas.openxmlformats.org/drawingml/2006/main" xmlns:r="http://schemas.openxmlformats.org/officeDocument/2006/relationships" xmlns:p="http://schemas.openxmlformats.org/presentationml/2006/main">
   <p:cSld>
     <p:spTree>
@@ -13892,7 +13559,7 @@
         <p:spPr/>
         <p:txBody>
           <a:bodyPr>
-            <a:normAutofit/>
+            <a:normAutofit fontScale="90000"/>
           </a:bodyPr>
           <a:lstStyle/>
           <a:p>
@@ -13914,11 +13581,11 @@
             </a:r>
             <a:r>
               <a:rPr lang="ja-JP" altLang="en-US" dirty="0"/>
-              <a:t>表示の</a:t>
+              <a:t>表示</a:t>
             </a:r>
             <a:r>
               <a:rPr lang="ja-JP" altLang="en-US" dirty="0" smtClean="0"/>
-              <a:t>検証</a:t>
+              <a:t>の動作確認</a:t>
             </a:r>
             <a:endParaRPr kumimoji="1" lang="ja-JP" altLang="en-US" dirty="0"/>
           </a:p>
@@ -14007,7 +13674,7 @@
           <a:p>
             <a:fld id="{84835224-79A0-4EB9-9992-36178AD955CF}" type="slidenum">
               <a:rPr kumimoji="1" lang="ja-JP" altLang="en-US" smtClean="0"/>
-              <a:t>22</a:t>
+              <a:t>21</a:t>
             </a:fld>
             <a:endParaRPr kumimoji="1" lang="ja-JP" altLang="en-US"/>
           </a:p>
@@ -14055,6 +13722,175 @@
 </p:sld>
 </file>
 
+<file path=ppt/slides/slide22.xml><?xml version="1.0" encoding="utf-8"?>
+<p:sld xmlns:a="http://schemas.openxmlformats.org/drawingml/2006/main" xmlns:r="http://schemas.openxmlformats.org/officeDocument/2006/relationships" xmlns:p="http://schemas.openxmlformats.org/presentationml/2006/main">
+  <p:cSld>
+    <p:spTree>
+      <p:nvGrpSpPr>
+        <p:cNvPr id="1" name=""/>
+        <p:cNvGrpSpPr/>
+        <p:nvPr/>
+      </p:nvGrpSpPr>
+      <p:grpSpPr>
+        <a:xfrm>
+          <a:off x="0" y="0"/>
+          <a:ext cx="0" cy="0"/>
+          <a:chOff x="0" y="0"/>
+          <a:chExt cx="0" cy="0"/>
+        </a:xfrm>
+      </p:grpSpPr>
+      <p:sp>
+        <p:nvSpPr>
+          <p:cNvPr id="2" name="タイトル 1"/>
+          <p:cNvSpPr>
+            <a:spLocks noGrp="1"/>
+          </p:cNvSpPr>
+          <p:nvPr>
+            <p:ph type="title"/>
+          </p:nvPr>
+        </p:nvSpPr>
+        <p:spPr/>
+        <p:txBody>
+          <a:bodyPr/>
+          <a:lstStyle/>
+          <a:p>
+            <a:r>
+              <a:rPr kumimoji="1" lang="ja-JP" altLang="en-US" dirty="0" smtClean="0"/>
+              <a:t>動作確認の結果</a:t>
+            </a:r>
+            <a:endParaRPr kumimoji="1" lang="ja-JP" altLang="en-US" dirty="0"/>
+          </a:p>
+        </p:txBody>
+      </p:sp>
+      <p:sp>
+        <p:nvSpPr>
+          <p:cNvPr id="3" name="コンテンツ プレースホルダー 2"/>
+          <p:cNvSpPr>
+            <a:spLocks noGrp="1"/>
+          </p:cNvSpPr>
+          <p:nvPr>
+            <p:ph idx="1"/>
+          </p:nvPr>
+        </p:nvSpPr>
+        <p:spPr/>
+        <p:txBody>
+          <a:bodyPr/>
+          <a:lstStyle/>
+          <a:p>
+            <a:r>
+              <a:rPr kumimoji="1" lang="ja-JP" altLang="en-US" dirty="0" smtClean="0"/>
+              <a:t>システムで使用するそれぞれの</a:t>
+            </a:r>
+            <a:r>
+              <a:rPr lang="ja-JP" altLang="en-US" dirty="0"/>
+              <a:t>動作</a:t>
+            </a:r>
+            <a:r>
+              <a:rPr kumimoji="1" lang="ja-JP" altLang="en-US" dirty="0" smtClean="0"/>
+              <a:t>は，正常に稼働したことが確認できた</a:t>
+            </a:r>
+            <a:endParaRPr kumimoji="1" lang="en-US" altLang="ja-JP" dirty="0" smtClean="0"/>
+          </a:p>
+          <a:p>
+            <a:r>
+              <a:rPr lang="ja-JP" altLang="en-US" dirty="0"/>
+              <a:t>この</a:t>
+            </a:r>
+            <a:r>
+              <a:rPr lang="ja-JP" altLang="en-US" dirty="0" smtClean="0"/>
+              <a:t>結果からシステムに不具合がないと判断でき，</a:t>
+            </a:r>
+            <a:r>
+              <a:rPr lang="en-US" altLang="ja-JP" dirty="0" err="1" smtClean="0"/>
+              <a:t>GitHub</a:t>
+            </a:r>
+            <a:r>
+              <a:rPr lang="ja-JP" altLang="en-US" dirty="0" smtClean="0"/>
+              <a:t>の</a:t>
+            </a:r>
+            <a:r>
+              <a:rPr lang="en-US" altLang="ja-JP" dirty="0" smtClean="0"/>
+              <a:t>Issues</a:t>
+            </a:r>
+            <a:r>
+              <a:rPr lang="ja-JP" altLang="en-US" dirty="0" smtClean="0"/>
+              <a:t>から必要な情報を取り出し，</a:t>
+            </a:r>
+            <a:r>
+              <a:rPr lang="en-US" altLang="ja-JP" dirty="0" err="1" smtClean="0"/>
+              <a:t>GitHub</a:t>
+            </a:r>
+            <a:r>
+              <a:rPr lang="ja-JP" altLang="en-US" dirty="0" smtClean="0"/>
+              <a:t>上に</a:t>
+            </a:r>
+            <a:r>
+              <a:rPr lang="en-US" altLang="ja-JP" dirty="0" smtClean="0"/>
+              <a:t>EVM</a:t>
+            </a:r>
+            <a:r>
+              <a:rPr lang="ja-JP" altLang="en-US" dirty="0" smtClean="0"/>
+              <a:t>を表示することが可能である</a:t>
+            </a:r>
+            <a:endParaRPr kumimoji="1" lang="ja-JP" altLang="en-US" dirty="0"/>
+          </a:p>
+        </p:txBody>
+      </p:sp>
+      <p:sp>
+        <p:nvSpPr>
+          <p:cNvPr id="4" name="フッター プレースホルダー 3"/>
+          <p:cNvSpPr>
+            <a:spLocks noGrp="1"/>
+          </p:cNvSpPr>
+          <p:nvPr>
+            <p:ph type="ftr" sz="quarter" idx="11"/>
+          </p:nvPr>
+        </p:nvSpPr>
+        <p:spPr/>
+        <p:txBody>
+          <a:bodyPr/>
+          <a:lstStyle/>
+          <a:p>
+            <a:endParaRPr kumimoji="1" lang="ja-JP" altLang="en-US"/>
+          </a:p>
+        </p:txBody>
+      </p:sp>
+      <p:sp>
+        <p:nvSpPr>
+          <p:cNvPr id="5" name="スライド番号プレースホルダー 4"/>
+          <p:cNvSpPr>
+            <a:spLocks noGrp="1"/>
+          </p:cNvSpPr>
+          <p:nvPr>
+            <p:ph type="sldNum" sz="quarter" idx="12"/>
+          </p:nvPr>
+        </p:nvSpPr>
+        <p:spPr/>
+        <p:txBody>
+          <a:bodyPr/>
+          <a:lstStyle/>
+          <a:p>
+            <a:fld id="{84835224-79A0-4EB9-9992-36178AD955CF}" type="slidenum">
+              <a:rPr kumimoji="1" lang="ja-JP" altLang="en-US" smtClean="0"/>
+              <a:t>22</a:t>
+            </a:fld>
+            <a:endParaRPr kumimoji="1" lang="ja-JP" altLang="en-US"/>
+          </a:p>
+        </p:txBody>
+      </p:sp>
+    </p:spTree>
+    <p:extLst>
+      <p:ext uri="{BB962C8B-B14F-4D97-AF65-F5344CB8AC3E}">
+        <p14:creationId xmlns:p14="http://schemas.microsoft.com/office/powerpoint/2010/main" val="3970692919"/>
+      </p:ext>
+    </p:extLst>
+  </p:cSld>
+  <p:clrMapOvr>
+    <a:masterClrMapping/>
+  </p:clrMapOvr>
+</p:sld>
+</file>
+
 <file path=ppt/slides/slide23.xml><?xml version="1.0" encoding="utf-8"?>
 <p:sld xmlns:a="http://schemas.openxmlformats.org/drawingml/2006/main" xmlns:r="http://schemas.openxmlformats.org/officeDocument/2006/relationships" xmlns:p="http://schemas.openxmlformats.org/presentationml/2006/main">
   <p:cSld>
@@ -14087,6 +13923,10 @@
           <a:bodyPr/>
           <a:lstStyle/>
           <a:p>
+            <a:pPr marL="742950" indent="-742950">
+              <a:buFont typeface="+mj-lt"/>
+              <a:buAutoNum type="arabicPeriod" startAt="6"/>
+            </a:pPr>
             <a:r>
               <a:rPr lang="ja-JP" altLang="en-US" dirty="0"/>
               <a:t>まとめ</a:t>
@@ -14107,33 +13947,68 @@
         </p:nvSpPr>
         <p:spPr/>
         <p:txBody>
-          <a:bodyPr/>
-          <a:lstStyle/>
-          <a:p>
+          <a:bodyPr>
+            <a:normAutofit fontScale="92500" lnSpcReduction="10000"/>
+          </a:bodyPr>
+          <a:lstStyle/>
+          <a:p>
+            <a:r>
+              <a:rPr lang="en-US" altLang="ja-JP" dirty="0" err="1" smtClean="0"/>
+              <a:t>GitHub</a:t>
+            </a:r>
+            <a:r>
+              <a:rPr lang="ja-JP" altLang="en-US" dirty="0" smtClean="0"/>
+              <a:t>は標準では</a:t>
+            </a:r>
             <a:r>
               <a:rPr lang="en-US" altLang="ja-JP" dirty="0" smtClean="0"/>
               <a:t>EVM</a:t>
             </a:r>
             <a:r>
               <a:rPr lang="ja-JP" altLang="en-US" dirty="0" smtClean="0"/>
-              <a:t>に必要な情報を</a:t>
-            </a:r>
+              <a:t>を描くことはできない</a:t>
+            </a:r>
+            <a:endParaRPr lang="en-US" altLang="ja-JP" dirty="0" smtClean="0"/>
+          </a:p>
+          <a:p>
             <a:r>
               <a:rPr lang="en-US" altLang="ja-JP" dirty="0" err="1" smtClean="0"/>
               <a:t>GitHub</a:t>
             </a:r>
             <a:r>
               <a:rPr lang="ja-JP" altLang="en-US" dirty="0" smtClean="0"/>
-              <a:t>の</a:t>
-            </a:r>
+              <a:t>で</a:t>
+            </a:r>
+            <a:r>
+              <a:rPr lang="en-US" altLang="ja-JP" dirty="0" smtClean="0"/>
+              <a:t>EVM</a:t>
+            </a:r>
+            <a:r>
+              <a:rPr lang="ja-JP" altLang="en-US" dirty="0" smtClean="0"/>
+              <a:t>を描けるようにしたい</a:t>
+            </a:r>
+            <a:endParaRPr lang="en-US" altLang="ja-JP" dirty="0" smtClean="0"/>
+          </a:p>
+          <a:p>
             <a:r>
               <a:rPr lang="en-US" altLang="ja-JP" dirty="0" smtClean="0"/>
               <a:t>Issues</a:t>
             </a:r>
             <a:r>
               <a:rPr lang="ja-JP" altLang="en-US" dirty="0" smtClean="0"/>
-              <a:t>に記述し，</a:t>
-            </a:r>
+              <a:t>と</a:t>
+            </a:r>
+            <a:r>
+              <a:rPr lang="en-US" altLang="ja-JP" dirty="0" smtClean="0"/>
+              <a:t>comment</a:t>
+            </a:r>
+            <a:r>
+              <a:rPr lang="ja-JP" altLang="en-US" dirty="0" smtClean="0"/>
+              <a:t>の使い方を決める</a:t>
+            </a:r>
+            <a:endParaRPr lang="en-US" altLang="ja-JP" dirty="0" smtClean="0"/>
+          </a:p>
+          <a:p>
             <a:r>
               <a:rPr lang="en-US" altLang="ja-JP" dirty="0" err="1" smtClean="0"/>
               <a:t>GitHub</a:t>
@@ -14144,61 +14019,49 @@
             </a:r>
             <a:r>
               <a:rPr lang="ja-JP" altLang="en-US" dirty="0" smtClean="0"/>
-              <a:t>で</a:t>
-            </a:r>
-            <a:r>
-              <a:rPr lang="en-US" altLang="ja-JP" dirty="0" smtClean="0"/>
-              <a:t>Issues</a:t>
-            </a:r>
-            <a:r>
-              <a:rPr lang="ja-JP" altLang="en-US" dirty="0" smtClean="0"/>
-              <a:t>の内容を取り出し，</a:t>
-            </a:r>
+              <a:t>で取り出せるようにする</a:t>
+            </a:r>
+            <a:endParaRPr lang="en-US" altLang="ja-JP" dirty="0" smtClean="0"/>
+          </a:p>
+          <a:p>
             <a:r>
               <a:rPr lang="en-US" altLang="ja-JP" dirty="0" smtClean="0"/>
               <a:t>Google Chart API</a:t>
             </a:r>
             <a:r>
               <a:rPr lang="ja-JP" altLang="en-US" dirty="0" smtClean="0"/>
-              <a:t>によってグラフを描画できた</a:t>
+              <a:t>でグラフを描けるようにする</a:t>
             </a:r>
             <a:endParaRPr lang="en-US" altLang="ja-JP" dirty="0" smtClean="0"/>
           </a:p>
           <a:p>
             <a:r>
               <a:rPr lang="ja-JP" altLang="en-US" dirty="0" smtClean="0"/>
-              <a:t>描画したグラフをブックマークレットによって</a:t>
-            </a:r>
-            <a:r>
-              <a:rPr lang="en-US" altLang="ja-JP" dirty="0" err="1" smtClean="0"/>
+              <a:t>ブックマークレットでグラフをうめこむようにする</a:t>
+            </a:r>
+            <a:endParaRPr lang="en-US" altLang="ja-JP" dirty="0" smtClean="0"/>
+          </a:p>
+          <a:p>
+            <a:r>
+              <a:rPr kumimoji="1" lang="ja-JP" altLang="en-US" dirty="0" smtClean="0"/>
+              <a:t>このようにすれば</a:t>
+            </a:r>
+            <a:r>
+              <a:rPr kumimoji="1" lang="en-US" altLang="ja-JP" dirty="0" err="1" smtClean="0"/>
               <a:t>GitHub</a:t>
             </a:r>
             <a:r>
-              <a:rPr lang="ja-JP" altLang="en-US" dirty="0" smtClean="0"/>
+              <a:rPr kumimoji="1" lang="ja-JP" altLang="en-US" dirty="0" smtClean="0"/>
               <a:t>上に</a:t>
             </a:r>
             <a:r>
-              <a:rPr lang="en-US" altLang="ja-JP" dirty="0" smtClean="0"/>
+              <a:rPr kumimoji="1" lang="en-US" altLang="ja-JP" dirty="0" smtClean="0"/>
               <a:t>EVM</a:t>
             </a:r>
             <a:r>
-              <a:rPr lang="ja-JP" altLang="en-US" dirty="0" err="1"/>
-              <a:t>を描</a:t>
-            </a:r>
-            <a:r>
-              <a:rPr lang="ja-JP" altLang="en-US" dirty="0"/>
-              <a:t>画する</a:t>
-            </a:r>
-            <a:r>
-              <a:rPr lang="ja-JP" altLang="en-US" dirty="0" smtClean="0"/>
-              <a:t>ことが可能だと考えられる</a:t>
-            </a:r>
-            <a:endParaRPr lang="en-US" altLang="ja-JP" dirty="0" smtClean="0"/>
-          </a:p>
-          <a:p>
-            <a:pPr marL="0" indent="0">
-              <a:buNone/>
-            </a:pPr>
+              <a:rPr kumimoji="1" lang="ja-JP" altLang="en-US" dirty="0" smtClean="0"/>
+              <a:t>を描くことができると考え，システムを構築し，動かし，正常に動作できることが確認できた</a:t>
+            </a:r>
             <a:endParaRPr kumimoji="1" lang="en-US" altLang="ja-JP" dirty="0" smtClean="0"/>
           </a:p>
           <a:p>
@@ -14268,6 +14131,144 @@
       </p:par>
     </p:tnLst>
   </p:timing>
+</p:sld>
+</file>
+
+<file path=ppt/slides/slide24.xml><?xml version="1.0" encoding="utf-8"?>
+<p:sld xmlns:a="http://schemas.openxmlformats.org/drawingml/2006/main" xmlns:r="http://schemas.openxmlformats.org/officeDocument/2006/relationships" xmlns:p="http://schemas.openxmlformats.org/presentationml/2006/main">
+  <p:cSld>
+    <p:spTree>
+      <p:nvGrpSpPr>
+        <p:cNvPr id="1" name=""/>
+        <p:cNvGrpSpPr/>
+        <p:nvPr/>
+      </p:nvGrpSpPr>
+      <p:grpSpPr>
+        <a:xfrm>
+          <a:off x="0" y="0"/>
+          <a:ext cx="0" cy="0"/>
+          <a:chOff x="0" y="0"/>
+          <a:chExt cx="0" cy="0"/>
+        </a:xfrm>
+      </p:grpSpPr>
+      <p:sp>
+        <p:nvSpPr>
+          <p:cNvPr id="2" name="タイトル 1"/>
+          <p:cNvSpPr>
+            <a:spLocks noGrp="1"/>
+          </p:cNvSpPr>
+          <p:nvPr>
+            <p:ph type="title"/>
+          </p:nvPr>
+        </p:nvSpPr>
+        <p:spPr/>
+        <p:txBody>
+          <a:bodyPr/>
+          <a:lstStyle/>
+          <a:p>
+            <a:pPr marL="742950" indent="-742950">
+              <a:buFont typeface="+mj-lt"/>
+              <a:buAutoNum type="arabicPeriod" startAt="6"/>
+            </a:pPr>
+            <a:r>
+              <a:rPr kumimoji="1" lang="ja-JP" altLang="en-US" dirty="0" smtClean="0"/>
+              <a:t>まとめ</a:t>
+            </a:r>
+            <a:endParaRPr kumimoji="1" lang="ja-JP" altLang="en-US" dirty="0"/>
+          </a:p>
+        </p:txBody>
+      </p:sp>
+      <p:sp>
+        <p:nvSpPr>
+          <p:cNvPr id="3" name="コンテンツ プレースホルダー 2"/>
+          <p:cNvSpPr>
+            <a:spLocks noGrp="1"/>
+          </p:cNvSpPr>
+          <p:nvPr>
+            <p:ph idx="1"/>
+          </p:nvPr>
+        </p:nvSpPr>
+        <p:spPr/>
+        <p:txBody>
+          <a:bodyPr/>
+          <a:lstStyle/>
+          <a:p>
+            <a:r>
+              <a:rPr kumimoji="1" lang="ja-JP" altLang="en-US" dirty="0" smtClean="0"/>
+              <a:t>このシステムによってソフトウェア開発の現場でよく使用される</a:t>
+            </a:r>
+            <a:r>
+              <a:rPr kumimoji="1" lang="en-US" altLang="ja-JP" dirty="0" err="1" smtClean="0"/>
+              <a:t>GitHub</a:t>
+            </a:r>
+            <a:r>
+              <a:rPr kumimoji="1" lang="ja-JP" altLang="en-US" dirty="0" smtClean="0"/>
+              <a:t>に</a:t>
+            </a:r>
+            <a:r>
+              <a:rPr kumimoji="1" lang="en-US" altLang="ja-JP" dirty="0" smtClean="0"/>
+              <a:t>PMBOK</a:t>
+            </a:r>
+            <a:r>
+              <a:rPr kumimoji="1" lang="ja-JP" altLang="en-US" dirty="0" smtClean="0"/>
+              <a:t>で言われているようなプロジェクトマネジメントのツールを導入することができるようになりました</a:t>
+            </a:r>
+            <a:endParaRPr kumimoji="1" lang="ja-JP" altLang="en-US" dirty="0"/>
+          </a:p>
+        </p:txBody>
+      </p:sp>
+      <p:sp>
+        <p:nvSpPr>
+          <p:cNvPr id="4" name="フッター プレースホルダー 3"/>
+          <p:cNvSpPr>
+            <a:spLocks noGrp="1"/>
+          </p:cNvSpPr>
+          <p:nvPr>
+            <p:ph type="ftr" sz="quarter" idx="11"/>
+          </p:nvPr>
+        </p:nvSpPr>
+        <p:spPr/>
+        <p:txBody>
+          <a:bodyPr/>
+          <a:lstStyle/>
+          <a:p>
+            <a:endParaRPr kumimoji="1" lang="ja-JP" altLang="en-US"/>
+          </a:p>
+        </p:txBody>
+      </p:sp>
+      <p:sp>
+        <p:nvSpPr>
+          <p:cNvPr id="5" name="スライド番号プレースホルダー 4"/>
+          <p:cNvSpPr>
+            <a:spLocks noGrp="1"/>
+          </p:cNvSpPr>
+          <p:nvPr>
+            <p:ph type="sldNum" sz="quarter" idx="12"/>
+          </p:nvPr>
+        </p:nvSpPr>
+        <p:spPr/>
+        <p:txBody>
+          <a:bodyPr/>
+          <a:lstStyle/>
+          <a:p>
+            <a:fld id="{84835224-79A0-4EB9-9992-36178AD955CF}" type="slidenum">
+              <a:rPr kumimoji="1" lang="ja-JP" altLang="en-US" smtClean="0"/>
+              <a:t>24</a:t>
+            </a:fld>
+            <a:endParaRPr kumimoji="1" lang="ja-JP" altLang="en-US"/>
+          </a:p>
+        </p:txBody>
+      </p:sp>
+    </p:spTree>
+    <p:extLst>
+      <p:ext uri="{BB962C8B-B14F-4D97-AF65-F5344CB8AC3E}">
+        <p14:creationId xmlns:p14="http://schemas.microsoft.com/office/powerpoint/2010/main" val="978408090"/>
+      </p:ext>
+    </p:extLst>
+  </p:cSld>
+  <p:clrMapOvr>
+    <a:masterClrMapping/>
+  </p:clrMapOvr>
 </p:sld>
 </file>
 
@@ -14613,23 +14614,35 @@
               <a:t>PMBOK</a:t>
             </a:r>
             <a:r>
+              <a:rPr lang="ja-JP" altLang="en-US" sz="3200" dirty="0" smtClean="0"/>
+              <a:t>に記述されている</a:t>
+            </a:r>
+            <a:r>
+              <a:rPr lang="ja-JP" altLang="en-US" dirty="0" smtClean="0"/>
+              <a:t>ツール</a:t>
+            </a:r>
+            <a:r>
+              <a:rPr lang="ja-JP" altLang="en-US" dirty="0" smtClean="0"/>
+              <a:t>は可能か調査した</a:t>
+            </a:r>
+            <a:endParaRPr lang="en-US" altLang="ja-JP" dirty="0" smtClean="0"/>
+          </a:p>
+          <a:p>
+            <a:r>
+              <a:rPr lang="en-US" altLang="ja-JP" dirty="0"/>
+              <a:t>PMBOK</a:t>
+            </a:r>
+            <a:r>
+              <a:rPr lang="ja-JP" altLang="en-US" dirty="0" smtClean="0"/>
+              <a:t>で記述されて</a:t>
+            </a:r>
+            <a:r>
               <a:rPr lang="ja-JP" altLang="en-US" dirty="0"/>
-              <a:t>の</a:t>
+              <a:t>いるツールで</a:t>
             </a:r>
             <a:r>
               <a:rPr lang="ja-JP" altLang="en-US" dirty="0" smtClean="0"/>
-              <a:t>方法は可能か調査した</a:t>
-            </a:r>
-            <a:endParaRPr lang="en-US" altLang="ja-JP" dirty="0" smtClean="0"/>
-          </a:p>
-          <a:p>
-            <a:r>
-              <a:rPr lang="en-US" altLang="ja-JP" dirty="0" smtClean="0"/>
-              <a:t>PMBOK</a:t>
-            </a:r>
-            <a:r>
-              <a:rPr lang="ja-JP" altLang="en-US" dirty="0" smtClean="0"/>
-              <a:t>の方法で重要な</a:t>
+              <a:t>重要な</a:t>
             </a:r>
             <a:r>
               <a:rPr lang="en-US" altLang="ja-JP" sz="3200" dirty="0" smtClean="0"/>
@@ -14792,47 +14805,50 @@
           <a:bodyPr/>
           <a:lstStyle/>
           <a:p>
+            <a:pPr marL="0" indent="0">
+              <a:buNone/>
+            </a:pPr>
+            <a:r>
+              <a:rPr lang="en-US" altLang="ja-JP" dirty="0" smtClean="0"/>
+              <a:t>PMBOK</a:t>
+            </a:r>
+            <a:r>
+              <a:rPr lang="ja-JP" altLang="en-US" dirty="0" smtClean="0"/>
+              <a:t>に記述されているツール</a:t>
+            </a:r>
+            <a:r>
+              <a:rPr lang="ja-JP" altLang="en-US" dirty="0" smtClean="0"/>
+              <a:t>の中でも重要な</a:t>
+            </a:r>
+            <a:r>
+              <a:rPr lang="en-US" altLang="ja-JP" dirty="0" smtClean="0"/>
+              <a:t>EVM</a:t>
+            </a:r>
+            <a:r>
+              <a:rPr lang="ja-JP" altLang="en-US" dirty="0" smtClean="0"/>
+              <a:t>を</a:t>
+            </a:r>
             <a:r>
               <a:rPr lang="en-US" altLang="ja-JP" dirty="0" err="1" smtClean="0"/>
               <a:t>GitHub</a:t>
             </a:r>
             <a:r>
               <a:rPr lang="ja-JP" altLang="en-US" dirty="0" smtClean="0"/>
-              <a:t>を利用して</a:t>
-            </a:r>
-            <a:r>
-              <a:rPr lang="en-US" altLang="ja-JP" dirty="0" smtClean="0"/>
-              <a:t>EVM</a:t>
-            </a:r>
-            <a:r>
-              <a:rPr lang="ja-JP" altLang="en-US" dirty="0" smtClean="0"/>
-              <a:t>を描けるようにすること</a:t>
+              <a:t>の機能を利用して作成し，</a:t>
             </a:r>
             <a:endParaRPr lang="en-US" altLang="ja-JP" dirty="0" smtClean="0"/>
           </a:p>
           <a:p>
-            <a:endParaRPr lang="en-US" altLang="ja-JP" dirty="0"/>
-          </a:p>
-          <a:p>
-            <a:r>
-              <a:rPr lang="ja-JP" altLang="en-US" dirty="0" smtClean="0"/>
-              <a:t>描いた</a:t>
-            </a:r>
-            <a:r>
-              <a:rPr lang="en-US" altLang="ja-JP" dirty="0" smtClean="0"/>
-              <a:t>EVM</a:t>
-            </a:r>
-            <a:r>
-              <a:rPr lang="ja-JP" altLang="en-US" dirty="0" smtClean="0"/>
-              <a:t>を</a:t>
-            </a:r>
+            <a:pPr marL="0" indent="0">
+              <a:buNone/>
+            </a:pPr>
             <a:r>
               <a:rPr lang="en-US" altLang="ja-JP" dirty="0" err="1" smtClean="0"/>
               <a:t>GitHub</a:t>
             </a:r>
             <a:r>
               <a:rPr lang="ja-JP" altLang="en-US" dirty="0" smtClean="0"/>
-              <a:t>上で表示すること</a:t>
+              <a:t>上に表示するシステムの開発</a:t>
             </a:r>
             <a:endParaRPr lang="en-US" altLang="ja-JP" dirty="0"/>
           </a:p>
@@ -14932,215 +14948,13 @@
           <a:bodyPr/>
           <a:lstStyle/>
           <a:p>
+            <a:pPr marL="742950" indent="-742950">
+              <a:buFont typeface="+mj-lt"/>
+              <a:buAutoNum type="arabicPeriod" startAt="3"/>
+            </a:pPr>
             <a:r>
               <a:rPr kumimoji="1" lang="ja-JP" altLang="en-US" dirty="0" smtClean="0"/>
-              <a:t>運用方法</a:t>
-            </a:r>
-            <a:endParaRPr kumimoji="1" lang="ja-JP" altLang="en-US" dirty="0"/>
-          </a:p>
-        </p:txBody>
-      </p:sp>
-      <p:sp>
-        <p:nvSpPr>
-          <p:cNvPr id="3" name="コンテンツ プレースホルダー 2"/>
-          <p:cNvSpPr>
-            <a:spLocks noGrp="1"/>
-          </p:cNvSpPr>
-          <p:nvPr>
-            <p:ph idx="1"/>
-          </p:nvPr>
-        </p:nvSpPr>
-        <p:spPr/>
-        <p:txBody>
-          <a:bodyPr/>
-          <a:lstStyle/>
-          <a:p>
-            <a:pPr marL="514350" indent="-514350">
-              <a:buFont typeface="+mj-ea"/>
-              <a:buAutoNum type="circleNumDbPlain"/>
-            </a:pPr>
-            <a:r>
-              <a:rPr lang="en-US" altLang="ja-JP" dirty="0"/>
-              <a:t>PM</a:t>
-            </a:r>
-            <a:r>
-              <a:rPr lang="ja-JP" altLang="en-US" dirty="0"/>
-              <a:t>は必要なタスク分だけ</a:t>
-            </a:r>
-            <a:r>
-              <a:rPr lang="en-US" altLang="ja-JP" dirty="0"/>
-              <a:t>Issues</a:t>
-            </a:r>
-            <a:r>
-              <a:rPr lang="ja-JP" altLang="en-US" dirty="0"/>
-              <a:t>を発行する</a:t>
-            </a:r>
-            <a:endParaRPr lang="en-US" altLang="ja-JP" dirty="0"/>
-          </a:p>
-          <a:p>
-            <a:pPr marL="514350" indent="-514350">
-              <a:buFont typeface="+mj-lt"/>
-              <a:buAutoNum type="circleNumDbPlain"/>
-            </a:pPr>
-            <a:r>
-              <a:rPr lang="ja-JP" altLang="en-US" dirty="0"/>
-              <a:t>その</a:t>
-            </a:r>
-            <a:r>
-              <a:rPr lang="en-US" altLang="ja-JP" dirty="0"/>
-              <a:t>Issues</a:t>
-            </a:r>
-            <a:r>
-              <a:rPr lang="ja-JP" altLang="en-US" dirty="0"/>
-              <a:t>には，手法</a:t>
-            </a:r>
-            <a:r>
-              <a:rPr lang="ja-JP" altLang="en-US" dirty="0" smtClean="0"/>
-              <a:t>①の</a:t>
-            </a:r>
-            <a:r>
-              <a:rPr lang="en-US" altLang="ja-JP" dirty="0" smtClean="0"/>
-              <a:t>EVM</a:t>
-            </a:r>
-            <a:r>
-              <a:rPr lang="ja-JP" altLang="en-US" dirty="0" smtClean="0"/>
-              <a:t>のために必要な情報を記述する</a:t>
-            </a:r>
-            <a:endParaRPr lang="en-US" altLang="ja-JP" dirty="0"/>
-          </a:p>
-          <a:p>
-            <a:pPr marL="514350" indent="-514350">
-              <a:buFont typeface="+mj-lt"/>
-              <a:buAutoNum type="circleNumDbPlain"/>
-            </a:pPr>
-            <a:r>
-              <a:rPr lang="en-US" altLang="ja-JP" dirty="0"/>
-              <a:t>PM</a:t>
-            </a:r>
-            <a:r>
-              <a:rPr lang="ja-JP" altLang="en-US" dirty="0"/>
-              <a:t>あるいは，メンバーはそのタスクの</a:t>
-            </a:r>
-            <a:r>
-              <a:rPr lang="en-US" altLang="ja-JP" dirty="0"/>
-              <a:t>Issues</a:t>
-            </a:r>
-            <a:r>
-              <a:rPr lang="ja-JP" altLang="en-US" dirty="0" smtClean="0"/>
-              <a:t>に対応した進捗</a:t>
-            </a:r>
-            <a:r>
-              <a:rPr lang="ja-JP" altLang="en-US" dirty="0"/>
-              <a:t>報告を</a:t>
-            </a:r>
-            <a:r>
-              <a:rPr lang="en-US" altLang="ja-JP" dirty="0"/>
-              <a:t>comment</a:t>
-            </a:r>
-            <a:r>
-              <a:rPr lang="ja-JP" altLang="en-US" dirty="0"/>
-              <a:t>として返信する</a:t>
-            </a:r>
-            <a:endParaRPr lang="en-US" altLang="ja-JP" dirty="0"/>
-          </a:p>
-          <a:p>
-            <a:pPr marL="0" indent="0">
-              <a:buNone/>
-            </a:pPr>
-            <a:endParaRPr kumimoji="1" lang="ja-JP" altLang="en-US" dirty="0"/>
-          </a:p>
-        </p:txBody>
-      </p:sp>
-      <p:sp>
-        <p:nvSpPr>
-          <p:cNvPr id="4" name="フッター プレースホルダー 3"/>
-          <p:cNvSpPr>
-            <a:spLocks noGrp="1"/>
-          </p:cNvSpPr>
-          <p:nvPr>
-            <p:ph type="ftr" sz="quarter" idx="11"/>
-          </p:nvPr>
-        </p:nvSpPr>
-        <p:spPr/>
-        <p:txBody>
-          <a:bodyPr/>
-          <a:lstStyle/>
-          <a:p>
-            <a:endParaRPr kumimoji="1" lang="ja-JP" altLang="en-US"/>
-          </a:p>
-        </p:txBody>
-      </p:sp>
-      <p:sp>
-        <p:nvSpPr>
-          <p:cNvPr id="5" name="スライド番号プレースホルダー 4"/>
-          <p:cNvSpPr>
-            <a:spLocks noGrp="1"/>
-          </p:cNvSpPr>
-          <p:nvPr>
-            <p:ph type="sldNum" sz="quarter" idx="12"/>
-          </p:nvPr>
-        </p:nvSpPr>
-        <p:spPr/>
-        <p:txBody>
-          <a:bodyPr/>
-          <a:lstStyle/>
-          <a:p>
-            <a:fld id="{84835224-79A0-4EB9-9992-36178AD955CF}" type="slidenum">
-              <a:rPr kumimoji="1" lang="ja-JP" altLang="en-US" smtClean="0"/>
-              <a:t>6</a:t>
-            </a:fld>
-            <a:endParaRPr kumimoji="1" lang="ja-JP" altLang="en-US"/>
-          </a:p>
-        </p:txBody>
-      </p:sp>
-    </p:spTree>
-    <p:extLst>
-      <p:ext uri="{BB962C8B-B14F-4D97-AF65-F5344CB8AC3E}">
-        <p14:creationId xmlns:p14="http://schemas.microsoft.com/office/powerpoint/2010/main" val="500885535"/>
-      </p:ext>
-    </p:extLst>
-  </p:cSld>
-  <p:clrMapOvr>
-    <a:masterClrMapping/>
-  </p:clrMapOvr>
-</p:sld>
-</file>
-
-<file path=ppt/slides/slide7.xml><?xml version="1.0" encoding="utf-8"?>
-<p:sld xmlns:a="http://schemas.openxmlformats.org/drawingml/2006/main" xmlns:r="http://schemas.openxmlformats.org/officeDocument/2006/relationships" xmlns:p="http://schemas.openxmlformats.org/presentationml/2006/main">
-  <p:cSld>
-    <p:spTree>
-      <p:nvGrpSpPr>
-        <p:cNvPr id="1" name=""/>
-        <p:cNvGrpSpPr/>
-        <p:nvPr/>
-      </p:nvGrpSpPr>
-      <p:grpSpPr>
-        <a:xfrm>
-          <a:off x="0" y="0"/>
-          <a:ext cx="0" cy="0"/>
-          <a:chOff x="0" y="0"/>
-          <a:chExt cx="0" cy="0"/>
-        </a:xfrm>
-      </p:grpSpPr>
-      <p:sp>
-        <p:nvSpPr>
-          <p:cNvPr id="2" name="タイトル 1"/>
-          <p:cNvSpPr>
-            <a:spLocks noGrp="1"/>
-          </p:cNvSpPr>
-          <p:nvPr>
-            <p:ph type="title"/>
-          </p:nvPr>
-        </p:nvSpPr>
-        <p:spPr/>
-        <p:txBody>
-          <a:bodyPr/>
-          <a:lstStyle/>
-          <a:p>
-            <a:r>
-              <a:rPr kumimoji="1" lang="ja-JP" altLang="en-US" dirty="0" smtClean="0"/>
-              <a:t>運用</a:t>
+              <a:t>システムの運用</a:t>
             </a:r>
             <a:r>
               <a:rPr lang="ja-JP" altLang="en-US" dirty="0"/>
@@ -15213,7 +15027,7 @@
           <a:p>
             <a:fld id="{84835224-79A0-4EB9-9992-36178AD955CF}" type="slidenum">
               <a:rPr kumimoji="1" lang="ja-JP" altLang="en-US" smtClean="0"/>
-              <a:t>7</a:t>
+              <a:t>6</a:t>
             </a:fld>
             <a:endParaRPr kumimoji="1" lang="ja-JP" altLang="en-US"/>
           </a:p>
@@ -16213,10 +16027,17 @@
   <p:clrMapOvr>
     <a:masterClrMapping/>
   </p:clrMapOvr>
+  <p:timing>
+    <p:tnLst>
+      <p:par>
+        <p:cTn id="1" dur="indefinite" restart="never" nodeType="tmRoot"/>
+      </p:par>
+    </p:tnLst>
+  </p:timing>
 </p:sld>
 </file>
 
-<file path=ppt/slides/slide8.xml><?xml version="1.0" encoding="utf-8"?>
+<file path=ppt/slides/slide7.xml><?xml version="1.0" encoding="utf-8"?>
 <p:sld xmlns:a="http://schemas.openxmlformats.org/drawingml/2006/main" xmlns:r="http://schemas.openxmlformats.org/officeDocument/2006/relationships" xmlns:p="http://schemas.openxmlformats.org/presentationml/2006/main">
   <p:cSld>
     <p:spTree>
@@ -16250,6 +16071,10 @@
           </a:bodyPr>
           <a:lstStyle/>
           <a:p>
+            <a:pPr marL="742950" indent="-742950">
+              <a:buFont typeface="+mj-lt"/>
+              <a:buAutoNum type="arabicPeriod" startAt="4"/>
+            </a:pPr>
             <a:r>
               <a:rPr lang="ja-JP" altLang="en-US" dirty="0"/>
               <a:t>手法</a:t>
@@ -16327,7 +16152,7 @@
           <a:p>
             <a:fld id="{84835224-79A0-4EB9-9992-36178AD955CF}" type="slidenum">
               <a:rPr kumimoji="1" lang="ja-JP" altLang="en-US" smtClean="0"/>
-              <a:t>8</a:t>
+              <a:t>7</a:t>
             </a:fld>
             <a:endParaRPr kumimoji="1" lang="ja-JP" altLang="en-US"/>
           </a:p>
@@ -16997,6 +16822,235 @@
 </p:sld>
 </file>
 
+<file path=ppt/slides/slide8.xml><?xml version="1.0" encoding="utf-8"?>
+<p:sld xmlns:a="http://schemas.openxmlformats.org/drawingml/2006/main" xmlns:r="http://schemas.openxmlformats.org/officeDocument/2006/relationships" xmlns:p="http://schemas.openxmlformats.org/presentationml/2006/main">
+  <p:cSld>
+    <p:spTree>
+      <p:nvGrpSpPr>
+        <p:cNvPr id="1" name=""/>
+        <p:cNvGrpSpPr/>
+        <p:nvPr/>
+      </p:nvGrpSpPr>
+      <p:grpSpPr>
+        <a:xfrm>
+          <a:off x="0" y="0"/>
+          <a:ext cx="0" cy="0"/>
+          <a:chOff x="0" y="0"/>
+          <a:chExt cx="0" cy="0"/>
+        </a:xfrm>
+      </p:grpSpPr>
+      <p:sp>
+        <p:nvSpPr>
+          <p:cNvPr id="2" name="タイトル 1"/>
+          <p:cNvSpPr>
+            <a:spLocks noGrp="1"/>
+          </p:cNvSpPr>
+          <p:nvPr>
+            <p:ph type="title"/>
+          </p:nvPr>
+        </p:nvSpPr>
+        <p:spPr/>
+        <p:txBody>
+          <a:bodyPr>
+            <a:normAutofit fontScale="90000"/>
+          </a:bodyPr>
+          <a:lstStyle/>
+          <a:p>
+            <a:pPr marL="742950" indent="-742950">
+              <a:buFont typeface="+mj-lt"/>
+              <a:buAutoNum type="arabicPeriod" startAt="4"/>
+            </a:pPr>
+            <a:r>
+              <a:rPr lang="ja-JP" altLang="en-US" sz="4400" dirty="0" smtClean="0"/>
+              <a:t>手法</a:t>
+            </a:r>
+            <a:r>
+              <a:rPr lang="ja-JP" altLang="en-US" dirty="0" smtClean="0"/>
+              <a:t>① </a:t>
+            </a:r>
+            <a:r>
+              <a:rPr lang="en-US" altLang="ja-JP" dirty="0" smtClean="0"/>
+              <a:t>EVM</a:t>
+            </a:r>
+            <a:r>
+              <a:rPr lang="ja-JP" altLang="en-US" dirty="0" smtClean="0"/>
+              <a:t>のために必要な情報</a:t>
+            </a:r>
+            <a:endParaRPr kumimoji="1" lang="ja-JP" altLang="en-US" sz="4400" dirty="0"/>
+          </a:p>
+        </p:txBody>
+      </p:sp>
+      <p:sp>
+        <p:nvSpPr>
+          <p:cNvPr id="3" name="コンテンツ プレースホルダー 2"/>
+          <p:cNvSpPr>
+            <a:spLocks noGrp="1"/>
+          </p:cNvSpPr>
+          <p:nvPr>
+            <p:ph idx="1"/>
+          </p:nvPr>
+        </p:nvSpPr>
+        <p:spPr>
+          <a:xfrm>
+            <a:off x="467544" y="1340768"/>
+            <a:ext cx="8229600" cy="4876800"/>
+          </a:xfrm>
+        </p:spPr>
+        <p:txBody>
+          <a:bodyPr/>
+          <a:lstStyle/>
+          <a:p>
+            <a:r>
+              <a:rPr kumimoji="1" lang="ja-JP" altLang="en-US" sz="3200" dirty="0" smtClean="0"/>
+              <a:t>どこに記述するか</a:t>
+            </a:r>
+            <a:endParaRPr kumimoji="1" lang="en-US" altLang="ja-JP" sz="3200" dirty="0" smtClean="0"/>
+          </a:p>
+          <a:p>
+            <a:pPr lvl="1">
+              <a:buFont typeface="Wingdings" panose="05000000000000000000" pitchFamily="2" charset="2"/>
+              <a:buChar char="l"/>
+            </a:pPr>
+            <a:r>
+              <a:rPr kumimoji="1" lang="en-US" altLang="ja-JP" sz="2800" dirty="0" err="1" smtClean="0"/>
+              <a:t>GitHub</a:t>
+            </a:r>
+            <a:r>
+              <a:rPr kumimoji="1" lang="ja-JP" altLang="en-US" sz="2800" dirty="0" smtClean="0"/>
+              <a:t>内での記述できる機能</a:t>
+            </a:r>
+            <a:endParaRPr kumimoji="1" lang="en-US" altLang="ja-JP" sz="2800" dirty="0" smtClean="0"/>
+          </a:p>
+          <a:p>
+            <a:pPr lvl="2">
+              <a:buFont typeface="Wingdings" panose="05000000000000000000" pitchFamily="2" charset="2"/>
+              <a:buChar char="u"/>
+            </a:pPr>
+            <a:r>
+              <a:rPr kumimoji="1" lang="en-US" altLang="ja-JP" sz="2400" dirty="0" smtClean="0"/>
+              <a:t>wiki</a:t>
+            </a:r>
+            <a:r>
+              <a:rPr lang="ja-JP" altLang="en-US" dirty="0" err="1"/>
+              <a:t>，</a:t>
+            </a:r>
+            <a:r>
+              <a:rPr kumimoji="1" lang="en-US" altLang="ja-JP" sz="2400" dirty="0" smtClean="0"/>
+              <a:t>Issues</a:t>
+            </a:r>
+          </a:p>
+          <a:p>
+            <a:r>
+              <a:rPr kumimoji="1" lang="en-US" altLang="ja-JP" sz="3200" dirty="0" smtClean="0"/>
+              <a:t>Issues</a:t>
+            </a:r>
+            <a:r>
+              <a:rPr kumimoji="1" lang="ja-JP" altLang="en-US" sz="3200" dirty="0" smtClean="0"/>
+              <a:t>にした理由</a:t>
+            </a:r>
+            <a:endParaRPr kumimoji="1" lang="en-US" altLang="ja-JP" sz="3200" dirty="0" smtClean="0"/>
+          </a:p>
+          <a:p>
+            <a:pPr lvl="1">
+              <a:buFont typeface="Wingdings" panose="05000000000000000000" pitchFamily="2" charset="2"/>
+              <a:buChar char="l"/>
+            </a:pPr>
+            <a:r>
+              <a:rPr lang="en-US" altLang="ja-JP" sz="2800" dirty="0" smtClean="0"/>
+              <a:t>Issues</a:t>
+            </a:r>
+            <a:r>
+              <a:rPr lang="ja-JP" altLang="en-US" dirty="0"/>
+              <a:t>は</a:t>
+            </a:r>
+            <a:r>
+              <a:rPr lang="ja-JP" altLang="en-US" sz="2800" dirty="0" smtClean="0"/>
+              <a:t>タスク管理ができる</a:t>
+            </a:r>
+            <a:endParaRPr kumimoji="1" lang="en-US" altLang="ja-JP" sz="3200" dirty="0" smtClean="0"/>
+          </a:p>
+          <a:p>
+            <a:pPr marL="0" indent="0">
+              <a:buNone/>
+            </a:pPr>
+            <a:endParaRPr kumimoji="1" lang="en-US" altLang="ja-JP" sz="3200" dirty="0" smtClean="0"/>
+          </a:p>
+          <a:p>
+            <a:endParaRPr kumimoji="1" lang="en-US" altLang="ja-JP" sz="3200" dirty="0" smtClean="0"/>
+          </a:p>
+          <a:p>
+            <a:pPr marL="0" indent="0">
+              <a:buNone/>
+            </a:pPr>
+            <a:endParaRPr kumimoji="1" lang="en-US" altLang="ja-JP" dirty="0" smtClean="0"/>
+          </a:p>
+          <a:p>
+            <a:endParaRPr kumimoji="1" lang="ja-JP" altLang="en-US" dirty="0"/>
+          </a:p>
+        </p:txBody>
+      </p:sp>
+      <p:sp>
+        <p:nvSpPr>
+          <p:cNvPr id="7" name="フッター プレースホルダー 6"/>
+          <p:cNvSpPr>
+            <a:spLocks noGrp="1"/>
+          </p:cNvSpPr>
+          <p:nvPr>
+            <p:ph type="ftr" sz="quarter" idx="11"/>
+          </p:nvPr>
+        </p:nvSpPr>
+        <p:spPr/>
+        <p:txBody>
+          <a:bodyPr/>
+          <a:lstStyle/>
+          <a:p>
+            <a:endParaRPr kumimoji="1" lang="ja-JP" altLang="en-US"/>
+          </a:p>
+        </p:txBody>
+      </p:sp>
+      <p:sp>
+        <p:nvSpPr>
+          <p:cNvPr id="8" name="スライド番号プレースホルダー 7"/>
+          <p:cNvSpPr>
+            <a:spLocks noGrp="1"/>
+          </p:cNvSpPr>
+          <p:nvPr>
+            <p:ph type="sldNum" sz="quarter" idx="12"/>
+          </p:nvPr>
+        </p:nvSpPr>
+        <p:spPr/>
+        <p:txBody>
+          <a:bodyPr/>
+          <a:lstStyle/>
+          <a:p>
+            <a:fld id="{84835224-79A0-4EB9-9992-36178AD955CF}" type="slidenum">
+              <a:rPr kumimoji="1" lang="ja-JP" altLang="en-US" smtClean="0"/>
+              <a:t>8</a:t>
+            </a:fld>
+            <a:endParaRPr kumimoji="1" lang="ja-JP" altLang="en-US"/>
+          </a:p>
+        </p:txBody>
+      </p:sp>
+    </p:spTree>
+    <p:extLst>
+      <p:ext uri="{BB962C8B-B14F-4D97-AF65-F5344CB8AC3E}">
+        <p14:creationId xmlns:p14="http://schemas.microsoft.com/office/powerpoint/2010/main" val="3395982696"/>
+      </p:ext>
+    </p:extLst>
+  </p:cSld>
+  <p:clrMapOvr>
+    <a:masterClrMapping/>
+  </p:clrMapOvr>
+  <p:timing>
+    <p:tnLst>
+      <p:par>
+        <p:cTn id="1" dur="indefinite" restart="never" nodeType="tmRoot"/>
+      </p:par>
+    </p:tnLst>
+  </p:timing>
+</p:sld>
+</file>
+
 <file path=ppt/slides/slide9.xml><?xml version="1.0" encoding="utf-8"?>
 <p:sld xmlns:a="http://schemas.openxmlformats.org/drawingml/2006/main" xmlns:r="http://schemas.openxmlformats.org/officeDocument/2006/relationships" xmlns:p="http://schemas.openxmlformats.org/presentationml/2006/main">
   <p:cSld>
@@ -17027,55 +17081,71 @@
         <p:spPr/>
         <p:txBody>
           <a:bodyPr>
+            <a:normAutofit fontScale="90000"/>
+          </a:bodyPr>
+          <a:lstStyle/>
+          <a:p>
+            <a:pPr marL="742950" indent="-742950">
+              <a:buFont typeface="+mj-lt"/>
+              <a:buAutoNum type="arabicPeriod" startAt="4"/>
+            </a:pPr>
+            <a:r>
+              <a:rPr lang="ja-JP" altLang="en-US" sz="4400" dirty="0" smtClean="0"/>
+              <a:t>手法</a:t>
+            </a:r>
+            <a:r>
+              <a:rPr lang="ja-JP" altLang="en-US" dirty="0"/>
+              <a:t>①</a:t>
+            </a:r>
+            <a:r>
+              <a:rPr lang="en-US" altLang="ja-JP" dirty="0"/>
+              <a:t> EVM</a:t>
+            </a:r>
+            <a:r>
+              <a:rPr lang="ja-JP" altLang="en-US" dirty="0"/>
+              <a:t>のために必要な</a:t>
+            </a:r>
+            <a:r>
+              <a:rPr lang="ja-JP" altLang="en-US" dirty="0" smtClean="0"/>
+              <a:t>情報</a:t>
+            </a:r>
+            <a:endParaRPr kumimoji="1" lang="ja-JP" altLang="en-US" sz="4400" dirty="0"/>
+          </a:p>
+        </p:txBody>
+      </p:sp>
+      <p:sp>
+        <p:nvSpPr>
+          <p:cNvPr id="3" name="コンテンツ プレースホルダー 2"/>
+          <p:cNvSpPr>
+            <a:spLocks noGrp="1"/>
+          </p:cNvSpPr>
+          <p:nvPr>
+            <p:ph idx="1"/>
+          </p:nvPr>
+        </p:nvSpPr>
+        <p:spPr/>
+        <p:txBody>
+          <a:bodyPr>
             <a:normAutofit/>
           </a:bodyPr>
           <a:lstStyle/>
           <a:p>
             <a:r>
-              <a:rPr lang="ja-JP" altLang="en-US" sz="4400" dirty="0" smtClean="0"/>
-              <a:t>手法</a:t>
+              <a:rPr lang="en-US" altLang="ja-JP" dirty="0" smtClean="0"/>
+              <a:t>Issues</a:t>
             </a:r>
             <a:r>
               <a:rPr lang="ja-JP" altLang="en-US" dirty="0" smtClean="0"/>
-              <a:t>① </a:t>
-            </a:r>
-            <a:r>
-              <a:rPr lang="en-US" altLang="ja-JP" dirty="0" smtClean="0"/>
-              <a:t>EVM</a:t>
-            </a:r>
-            <a:r>
-              <a:rPr lang="ja-JP" altLang="en-US" dirty="0" smtClean="0"/>
-              <a:t>のために必要な情報</a:t>
-            </a:r>
-            <a:endParaRPr kumimoji="1" lang="ja-JP" altLang="en-US" sz="4400" dirty="0"/>
-          </a:p>
-        </p:txBody>
-      </p:sp>
-      <p:sp>
-        <p:nvSpPr>
-          <p:cNvPr id="3" name="コンテンツ プレースホルダー 2"/>
-          <p:cNvSpPr>
-            <a:spLocks noGrp="1"/>
-          </p:cNvSpPr>
-          <p:nvPr>
-            <p:ph idx="1"/>
-          </p:nvPr>
-        </p:nvSpPr>
-        <p:spPr>
-          <a:xfrm>
-            <a:off x="467544" y="1340768"/>
-            <a:ext cx="8229600" cy="4876800"/>
-          </a:xfrm>
-        </p:spPr>
-        <p:txBody>
-          <a:bodyPr/>
-          <a:lstStyle/>
-          <a:p>
-            <a:r>
-              <a:rPr kumimoji="1" lang="ja-JP" altLang="en-US" sz="3200" dirty="0" smtClean="0"/>
-              <a:t>どこに記述するか</a:t>
-            </a:r>
-            <a:endParaRPr kumimoji="1" lang="en-US" altLang="ja-JP" sz="3200" dirty="0" smtClean="0"/>
+              <a:t>の記述内容</a:t>
+            </a:r>
+            <a:endParaRPr lang="en-US" altLang="ja-JP" sz="3200" dirty="0" smtClean="0"/>
+          </a:p>
+          <a:p>
+            <a:r>
+              <a:rPr lang="ja-JP" altLang="en-US" sz="3200" dirty="0" smtClean="0"/>
+              <a:t>必要情報</a:t>
+            </a:r>
+            <a:endParaRPr lang="en-US" altLang="ja-JP" sz="3200" dirty="0" smtClean="0"/>
           </a:p>
           <a:p>
             <a:pPr lvl="1">
@@ -17083,43 +17153,10 @@
               <a:buChar char="l"/>
             </a:pPr>
             <a:r>
-              <a:rPr kumimoji="1" lang="en-US" altLang="ja-JP" sz="2800" dirty="0" err="1" smtClean="0"/>
-              <a:t>GitHub</a:t>
-            </a:r>
-            <a:r>
-              <a:rPr kumimoji="1" lang="ja-JP" altLang="en-US" sz="2800" dirty="0" smtClean="0"/>
-              <a:t>内での記述できる機能</a:t>
-            </a:r>
-            <a:endParaRPr kumimoji="1" lang="en-US" altLang="ja-JP" sz="2800" dirty="0" smtClean="0"/>
-          </a:p>
-          <a:p>
-            <a:pPr lvl="2">
-              <a:buFont typeface="Wingdings" panose="05000000000000000000" pitchFamily="2" charset="2"/>
-              <a:buChar char="u"/>
-            </a:pPr>
-            <a:r>
-              <a:rPr kumimoji="1" lang="en-US" altLang="ja-JP" sz="2400" dirty="0" smtClean="0"/>
-              <a:t>wiki</a:t>
-            </a:r>
-            <a:r>
-              <a:rPr lang="ja-JP" altLang="en-US" dirty="0" err="1"/>
-              <a:t>，</a:t>
-            </a:r>
-            <a:r>
-              <a:rPr kumimoji="1" lang="en-US" altLang="ja-JP" sz="2400" dirty="0" smtClean="0"/>
-              <a:t>Issues</a:t>
-            </a:r>
-          </a:p>
-          <a:p>
-            <a:r>
-              <a:rPr kumimoji="1" lang="en-US" altLang="ja-JP" sz="3200" dirty="0" smtClean="0"/>
-              <a:t>Issues</a:t>
-            </a:r>
-            <a:r>
-              <a:rPr kumimoji="1" lang="ja-JP" altLang="en-US" sz="3200" dirty="0" smtClean="0"/>
-              <a:t>にした理由</a:t>
-            </a:r>
-            <a:endParaRPr kumimoji="1" lang="en-US" altLang="ja-JP" sz="3200" dirty="0" smtClean="0"/>
+              <a:rPr lang="ja-JP" altLang="en-US" sz="2800" dirty="0" smtClean="0"/>
+              <a:t>タスク名</a:t>
+            </a:r>
+            <a:endParaRPr lang="en-US" altLang="ja-JP" sz="2800" dirty="0" smtClean="0"/>
           </a:p>
           <a:p>
             <a:pPr lvl="1">
@@ -17127,42 +17164,49 @@
               <a:buChar char="l"/>
             </a:pPr>
             <a:r>
-              <a:rPr lang="en-US" altLang="ja-JP" sz="2800" dirty="0" smtClean="0"/>
-              <a:t>Issues</a:t>
-            </a:r>
-            <a:r>
-              <a:rPr lang="ja-JP" altLang="en-US" dirty="0"/>
-              <a:t>は</a:t>
-            </a:r>
-            <a:r>
               <a:rPr lang="ja-JP" altLang="en-US" sz="2800" dirty="0" smtClean="0"/>
-              <a:t>タスク管理ができる</a:t>
-            </a:r>
-            <a:endParaRPr kumimoji="1" lang="en-US" altLang="ja-JP" sz="3200" dirty="0" smtClean="0"/>
-          </a:p>
-          <a:p>
-            <a:pPr marL="0" indent="0">
-              <a:buNone/>
+              <a:t>タスク期限日</a:t>
+            </a:r>
+            <a:endParaRPr lang="en-US" altLang="ja-JP" sz="2800" dirty="0" smtClean="0"/>
+          </a:p>
+          <a:p>
+            <a:pPr lvl="1">
+              <a:buFont typeface="Wingdings" panose="05000000000000000000" pitchFamily="2" charset="2"/>
+              <a:buChar char="l"/>
             </a:pPr>
-            <a:endParaRPr kumimoji="1" lang="en-US" altLang="ja-JP" sz="3200" dirty="0" smtClean="0"/>
-          </a:p>
-          <a:p>
-            <a:endParaRPr kumimoji="1" lang="en-US" altLang="ja-JP" sz="3200" dirty="0" smtClean="0"/>
-          </a:p>
-          <a:p>
-            <a:pPr marL="0" indent="0">
-              <a:buNone/>
+            <a:r>
+              <a:rPr lang="ja-JP" altLang="en-US" sz="2800" dirty="0" smtClean="0"/>
+              <a:t>計画予定時間数</a:t>
+            </a:r>
+            <a:endParaRPr lang="en-US" altLang="ja-JP" sz="2800" dirty="0" smtClean="0"/>
+          </a:p>
+          <a:p>
+            <a:pPr lvl="1">
+              <a:buFont typeface="Wingdings" panose="05000000000000000000" pitchFamily="2" charset="2"/>
+              <a:buChar char="l"/>
             </a:pPr>
-            <a:endParaRPr kumimoji="1" lang="en-US" altLang="ja-JP" dirty="0" smtClean="0"/>
-          </a:p>
-          <a:p>
-            <a:endParaRPr kumimoji="1" lang="ja-JP" altLang="en-US" dirty="0"/>
-          </a:p>
-        </p:txBody>
-      </p:sp>
-      <p:sp>
-        <p:nvSpPr>
-          <p:cNvPr id="7" name="フッター プレースホルダー 6"/>
+            <a:r>
+              <a:rPr lang="ja-JP" altLang="en-US" sz="2800" dirty="0" smtClean="0"/>
+              <a:t>時給金額</a:t>
+            </a:r>
+            <a:endParaRPr lang="en-US" altLang="ja-JP" sz="2800" dirty="0" smtClean="0"/>
+          </a:p>
+          <a:p>
+            <a:pPr lvl="1">
+              <a:buFont typeface="Wingdings" panose="05000000000000000000" pitchFamily="2" charset="2"/>
+              <a:buChar char="l"/>
+            </a:pPr>
+            <a:r>
+              <a:rPr lang="ja-JP" altLang="en-US" sz="2800" dirty="0" smtClean="0"/>
+              <a:t>材料費</a:t>
+            </a:r>
+            <a:endParaRPr lang="en-US" altLang="ja-JP" sz="2800" dirty="0" smtClean="0"/>
+          </a:p>
+        </p:txBody>
+      </p:sp>
+      <p:sp>
+        <p:nvSpPr>
+          <p:cNvPr id="4" name="フッター プレースホルダー 3"/>
           <p:cNvSpPr>
             <a:spLocks noGrp="1"/>
           </p:cNvSpPr>
@@ -17181,7 +17225,7 @@
       </p:sp>
       <p:sp>
         <p:nvSpPr>
-          <p:cNvPr id="8" name="スライド番号プレースホルダー 7"/>
+          <p:cNvPr id="5" name="スライド番号プレースホルダー 4"/>
           <p:cNvSpPr>
             <a:spLocks noGrp="1"/>
           </p:cNvSpPr>
@@ -17202,10 +17246,32 @@
           </a:p>
         </p:txBody>
       </p:sp>
+      <p:pic>
+        <p:nvPicPr>
+          <p:cNvPr id="6" name="図 5"/>
+          <p:cNvPicPr/>
+          <p:nvPr/>
+        </p:nvPicPr>
+        <p:blipFill>
+          <a:blip r:embed="rId3"/>
+          <a:stretch>
+            <a:fillRect/>
+          </a:stretch>
+        </p:blipFill>
+        <p:spPr>
+          <a:xfrm>
+            <a:off x="3851920" y="2132856"/>
+            <a:ext cx="4942292" cy="4032448"/>
+          </a:xfrm>
+          <a:prstGeom prst="rect">
+            <a:avLst/>
+          </a:prstGeom>
+        </p:spPr>
+      </p:pic>
     </p:spTree>
     <p:extLst>
       <p:ext uri="{BB962C8B-B14F-4D97-AF65-F5344CB8AC3E}">
-        <p14:creationId xmlns:p14="http://schemas.microsoft.com/office/powerpoint/2010/main" val="3395982696"/>
+        <p14:creationId xmlns:p14="http://schemas.microsoft.com/office/powerpoint/2010/main" val="1152344058"/>
       </p:ext>
     </p:extLst>
   </p:cSld>

--- a/卒業論文/2012/工藤亮/卒論発表（工藤）.pptx
+++ b/卒業論文/2012/工藤亮/卒論発表（工藤）.pptx
@@ -5,10 +5,10 @@
     <p:sldMasterId id="2147483768" r:id="rId1"/>
   </p:sldMasterIdLst>
   <p:notesMasterIdLst>
-    <p:notesMasterId r:id="rId26"/>
+    <p:notesMasterId r:id="rId25"/>
   </p:notesMasterIdLst>
   <p:handoutMasterIdLst>
-    <p:handoutMasterId r:id="rId27"/>
+    <p:handoutMasterId r:id="rId26"/>
   </p:handoutMasterIdLst>
   <p:sldIdLst>
     <p:sldId id="256" r:id="rId2"/>
@@ -26,15 +26,14 @@
     <p:sldId id="273" r:id="rId14"/>
     <p:sldId id="274" r:id="rId15"/>
     <p:sldId id="263" r:id="rId16"/>
-    <p:sldId id="295" r:id="rId17"/>
-    <p:sldId id="276" r:id="rId18"/>
-    <p:sldId id="294" r:id="rId19"/>
-    <p:sldId id="268" r:id="rId20"/>
-    <p:sldId id="269" r:id="rId21"/>
-    <p:sldId id="282" r:id="rId22"/>
-    <p:sldId id="296" r:id="rId23"/>
-    <p:sldId id="264" r:id="rId24"/>
-    <p:sldId id="297" r:id="rId25"/>
+    <p:sldId id="276" r:id="rId17"/>
+    <p:sldId id="294" r:id="rId18"/>
+    <p:sldId id="268" r:id="rId19"/>
+    <p:sldId id="269" r:id="rId20"/>
+    <p:sldId id="282" r:id="rId21"/>
+    <p:sldId id="296" r:id="rId22"/>
+    <p:sldId id="264" r:id="rId23"/>
+    <p:sldId id="297" r:id="rId24"/>
   </p:sldIdLst>
   <p:sldSz cx="9144000" cy="6858000" type="screen4x3"/>
   <p:notesSz cx="6858000" cy="9144000"/>
@@ -322,11 +321,11 @@
         </c:dLbls>
         <c:marker val="1"/>
         <c:smooth val="0"/>
-        <c:axId val="129442944"/>
-        <c:axId val="129444480"/>
+        <c:axId val="47162880"/>
+        <c:axId val="47164416"/>
       </c:lineChart>
       <c:dateAx>
-        <c:axId val="129442944"/>
+        <c:axId val="47162880"/>
         <c:scaling>
           <c:orientation val="minMax"/>
         </c:scaling>
@@ -336,14 +335,14 @@
         <c:majorTickMark val="out"/>
         <c:minorTickMark val="none"/>
         <c:tickLblPos val="nextTo"/>
-        <c:crossAx val="129444480"/>
+        <c:crossAx val="47164416"/>
         <c:crosses val="autoZero"/>
         <c:auto val="1"/>
         <c:lblOffset val="100"/>
         <c:baseTimeUnit val="days"/>
       </c:dateAx>
       <c:valAx>
-        <c:axId val="129444480"/>
+        <c:axId val="47164416"/>
         <c:scaling>
           <c:orientation val="minMax"/>
         </c:scaling>
@@ -354,7 +353,7 @@
         <c:majorTickMark val="out"/>
         <c:minorTickMark val="none"/>
         <c:tickLblPos val="nextTo"/>
-        <c:crossAx val="129442944"/>
+        <c:crossAx val="47162880"/>
         <c:crosses val="autoZero"/>
         <c:crossBetween val="between"/>
       </c:valAx>
@@ -560,11 +559,11 @@
         </c:dLbls>
         <c:marker val="1"/>
         <c:smooth val="0"/>
-        <c:axId val="129750912"/>
-        <c:axId val="129752448"/>
+        <c:axId val="80615296"/>
+        <c:axId val="80616832"/>
       </c:lineChart>
       <c:dateAx>
-        <c:axId val="129750912"/>
+        <c:axId val="80615296"/>
         <c:scaling>
           <c:orientation val="minMax"/>
         </c:scaling>
@@ -574,14 +573,14 @@
         <c:majorTickMark val="out"/>
         <c:minorTickMark val="none"/>
         <c:tickLblPos val="nextTo"/>
-        <c:crossAx val="129752448"/>
+        <c:crossAx val="80616832"/>
         <c:crosses val="autoZero"/>
         <c:auto val="1"/>
         <c:lblOffset val="100"/>
         <c:baseTimeUnit val="days"/>
       </c:dateAx>
       <c:valAx>
-        <c:axId val="129752448"/>
+        <c:axId val="80616832"/>
         <c:scaling>
           <c:orientation val="minMax"/>
         </c:scaling>
@@ -592,7 +591,7 @@
         <c:majorTickMark val="out"/>
         <c:minorTickMark val="none"/>
         <c:tickLblPos val="nextTo"/>
-        <c:crossAx val="129750912"/>
+        <c:crossAx val="80615296"/>
         <c:crosses val="autoZero"/>
         <c:crossBetween val="between"/>
       </c:valAx>
@@ -2692,47 +2691,22 @@
           <a:p>
             <a:r>
               <a:rPr kumimoji="1" lang="ja-JP" altLang="en-US" dirty="0" smtClean="0"/>
-              <a:t>仮想プロジェクトデータは，動作確認をするために作成したリポジトリ内でタスクを</a:t>
+              <a:t>仮想プロジェクトデータか</a:t>
+            </a:r>
+            <a:endParaRPr kumimoji="1" lang="en-US" altLang="ja-JP" dirty="0" smtClean="0"/>
+          </a:p>
+          <a:p>
+            <a:r>
+              <a:rPr kumimoji="1" lang="ja-JP" altLang="en-US" dirty="0" smtClean="0"/>
+              <a:t>この数値内容から</a:t>
             </a:r>
             <a:r>
               <a:rPr kumimoji="1" lang="en-US" altLang="ja-JP" dirty="0" smtClean="0"/>
-              <a:t>Issues</a:t>
+              <a:t>EVM</a:t>
             </a:r>
             <a:r>
               <a:rPr kumimoji="1" lang="ja-JP" altLang="en-US" dirty="0" smtClean="0"/>
-              <a:t>によって指示し，その</a:t>
-            </a:r>
-            <a:r>
-              <a:rPr kumimoji="1" lang="en-US" altLang="ja-JP" dirty="0" smtClean="0"/>
-              <a:t>Issues</a:t>
-            </a:r>
-            <a:r>
-              <a:rPr kumimoji="1" lang="ja-JP" altLang="en-US" dirty="0" smtClean="0"/>
-              <a:t>に対応した内容を</a:t>
-            </a:r>
-            <a:r>
-              <a:rPr kumimoji="1" lang="en-US" altLang="ja-JP" dirty="0" smtClean="0"/>
-              <a:t>comment</a:t>
-            </a:r>
-            <a:r>
-              <a:rPr kumimoji="1" lang="ja-JP" altLang="en-US" dirty="0" smtClean="0"/>
-              <a:t>に記述することで進行するプロジェクトのタスクの管理を再現したデータです．仮想プロジェクトで発行された</a:t>
-            </a:r>
-            <a:r>
-              <a:rPr kumimoji="1" lang="en-US" altLang="ja-JP" dirty="0" smtClean="0"/>
-              <a:t>Issues</a:t>
-            </a:r>
-            <a:r>
-              <a:rPr kumimoji="1" lang="ja-JP" altLang="en-US" dirty="0" smtClean="0"/>
-              <a:t>と</a:t>
-            </a:r>
-            <a:r>
-              <a:rPr kumimoji="1" lang="en-US" altLang="ja-JP" dirty="0" smtClean="0"/>
-              <a:t>comment</a:t>
-            </a:r>
-            <a:r>
-              <a:rPr kumimoji="1" lang="ja-JP" altLang="en-US" dirty="0" smtClean="0"/>
-              <a:t>は次の表に表示する</a:t>
+              <a:t>イメージ図を描画すると考えています．</a:t>
             </a:r>
             <a:endParaRPr kumimoji="1" lang="ja-JP" altLang="en-US" dirty="0"/>
           </a:p>
@@ -2740,31 +2714,12 @@
       </p:sp>
       <p:sp>
         <p:nvSpPr>
-          <p:cNvPr id="4" name="フッター プレースホルダー 3"/>
-          <p:cNvSpPr>
-            <a:spLocks noGrp="1"/>
-          </p:cNvSpPr>
-          <p:nvPr>
-            <p:ph type="ftr" sz="quarter" idx="10"/>
-          </p:nvPr>
-        </p:nvSpPr>
-        <p:spPr/>
-        <p:txBody>
-          <a:bodyPr/>
-          <a:lstStyle/>
-          <a:p>
-            <a:endParaRPr kumimoji="1" lang="ja-JP" altLang="en-US"/>
-          </a:p>
-        </p:txBody>
-      </p:sp>
-      <p:sp>
-        <p:nvSpPr>
-          <p:cNvPr id="5" name="スライド番号プレースホルダー 4"/>
-          <p:cNvSpPr>
-            <a:spLocks noGrp="1"/>
-          </p:cNvSpPr>
-          <p:nvPr>
-            <p:ph type="sldNum" sz="quarter" idx="11"/>
+          <p:cNvPr id="4" name="スライド番号プレースホルダー 3"/>
+          <p:cNvSpPr>
+            <a:spLocks noGrp="1"/>
+          </p:cNvSpPr>
+          <p:nvPr>
+            <p:ph type="sldNum" sz="quarter" idx="10"/>
           </p:nvPr>
         </p:nvSpPr>
         <p:spPr/>
@@ -2780,10 +2735,29 @@
           </a:p>
         </p:txBody>
       </p:sp>
+      <p:sp>
+        <p:nvSpPr>
+          <p:cNvPr id="5" name="フッター プレースホルダー 4"/>
+          <p:cNvSpPr>
+            <a:spLocks noGrp="1"/>
+          </p:cNvSpPr>
+          <p:nvPr>
+            <p:ph type="ftr" sz="quarter" idx="11"/>
+          </p:nvPr>
+        </p:nvSpPr>
+        <p:spPr/>
+        <p:txBody>
+          <a:bodyPr/>
+          <a:lstStyle/>
+          <a:p>
+            <a:endParaRPr kumimoji="1" lang="ja-JP" altLang="en-US"/>
+          </a:p>
+        </p:txBody>
+      </p:sp>
     </p:spTree>
     <p:extLst>
       <p:ext uri="{BB962C8B-B14F-4D97-AF65-F5344CB8AC3E}">
-        <p14:creationId xmlns:p14="http://schemas.microsoft.com/office/powerpoint/2010/main" val="2659940074"/>
+        <p14:creationId xmlns:p14="http://schemas.microsoft.com/office/powerpoint/2010/main" val="1714329570"/>
       </p:ext>
     </p:extLst>
   </p:cSld>
@@ -2839,14 +2813,7 @@
           <a:p>
             <a:r>
               <a:rPr kumimoji="1" lang="ja-JP" altLang="en-US" dirty="0" smtClean="0"/>
-              <a:t>仮想プロジェクトデータか</a:t>
-            </a:r>
-            <a:endParaRPr kumimoji="1" lang="en-US" altLang="ja-JP" dirty="0" smtClean="0"/>
-          </a:p>
-          <a:p>
-            <a:r>
-              <a:rPr kumimoji="1" lang="ja-JP" altLang="en-US" dirty="0" smtClean="0"/>
-              <a:t>この数値内容から</a:t>
+              <a:t>この検証では，</a:t>
             </a:r>
             <a:r>
               <a:rPr kumimoji="1" lang="en-US" altLang="ja-JP" dirty="0" smtClean="0"/>
@@ -2854,7 +2821,15 @@
             </a:r>
             <a:r>
               <a:rPr kumimoji="1" lang="ja-JP" altLang="en-US" dirty="0" smtClean="0"/>
-              <a:t>イメージ図を描画すると考えています．</a:t>
+              <a:t>がイメージ図と同じように，描画できているかの動作確認をします．描画されている図を見比べると，同じなので，この</a:t>
+            </a:r>
+            <a:r>
+              <a:rPr kumimoji="1" lang="en-US" altLang="ja-JP" dirty="0" smtClean="0"/>
+              <a:t>EVM</a:t>
+            </a:r>
+            <a:r>
+              <a:rPr kumimoji="1" lang="ja-JP" altLang="en-US" dirty="0" smtClean="0"/>
+              <a:t>作成の検証はできていることがわかります．</a:t>
             </a:r>
             <a:endParaRPr kumimoji="1" lang="ja-JP" altLang="en-US" dirty="0"/>
           </a:p>
@@ -2877,7 +2852,7 @@
           <a:p>
             <a:fld id="{66808EC6-8396-49DB-A400-D3B95AE59215}" type="slidenum">
               <a:rPr kumimoji="1" lang="ja-JP" altLang="en-US" smtClean="0"/>
-              <a:t>17</a:t>
+              <a:t>18</a:t>
             </a:fld>
             <a:endParaRPr kumimoji="1" lang="ja-JP" altLang="en-US"/>
           </a:p>
@@ -2905,7 +2880,7 @@
     </p:spTree>
     <p:extLst>
       <p:ext uri="{BB962C8B-B14F-4D97-AF65-F5344CB8AC3E}">
-        <p14:creationId xmlns:p14="http://schemas.microsoft.com/office/powerpoint/2010/main" val="1714329570"/>
+        <p14:creationId xmlns:p14="http://schemas.microsoft.com/office/powerpoint/2010/main" val="1134509360"/>
       </p:ext>
     </p:extLst>
   </p:cSld>
@@ -2959,6 +2934,23 @@
           <a:bodyPr/>
           <a:lstStyle/>
           <a:p>
+            <a:pPr marL="0" marR="0" indent="0" algn="l" defTabSz="914400" rtl="0" eaLnBrk="1" fontAlgn="auto" latinLnBrk="0" hangingPunct="1">
+              <a:lnSpc>
+                <a:spcPct val="100000"/>
+              </a:lnSpc>
+              <a:spcBef>
+                <a:spcPts val="0"/>
+              </a:spcBef>
+              <a:spcAft>
+                <a:spcPts val="0"/>
+              </a:spcAft>
+              <a:buClrTx/>
+              <a:buSzTx/>
+              <a:buFontTx/>
+              <a:buNone/>
+              <a:tabLst/>
+              <a:defRPr/>
+            </a:pPr>
             <a:r>
               <a:rPr kumimoji="1" lang="ja-JP" altLang="en-US" dirty="0" smtClean="0"/>
               <a:t>この検証では，</a:t>
@@ -2969,7 +2961,15 @@
             </a:r>
             <a:r>
               <a:rPr kumimoji="1" lang="ja-JP" altLang="en-US" dirty="0" smtClean="0"/>
-              <a:t>がイメージ図と同じように，描画できているかの動作確認をします．描画されている図を見比べると，同じなので，この</a:t>
+              <a:t>が</a:t>
+            </a:r>
+            <a:r>
+              <a:rPr kumimoji="1" lang="en-US" altLang="ja-JP" dirty="0" err="1" smtClean="0"/>
+              <a:t>GitHub</a:t>
+            </a:r>
+            <a:r>
+              <a:rPr kumimoji="1" lang="ja-JP" altLang="en-US" dirty="0" smtClean="0"/>
+              <a:t>上に挿入できるのかを検証しています．描画されている図では，</a:t>
             </a:r>
             <a:r>
               <a:rPr kumimoji="1" lang="en-US" altLang="ja-JP" dirty="0" smtClean="0"/>
@@ -2977,8 +2977,10 @@
             </a:r>
             <a:r>
               <a:rPr kumimoji="1" lang="ja-JP" altLang="en-US" dirty="0" smtClean="0"/>
-              <a:t>作成の検証はできていることがわかります．</a:t>
-            </a:r>
+              <a:t>が作成の検証はできていることがわかります．</a:t>
+            </a:r>
+          </a:p>
+          <a:p>
             <a:endParaRPr kumimoji="1" lang="ja-JP" altLang="en-US" dirty="0"/>
           </a:p>
         </p:txBody>
@@ -3028,7 +3030,7 @@
     </p:spTree>
     <p:extLst>
       <p:ext uri="{BB962C8B-B14F-4D97-AF65-F5344CB8AC3E}">
-        <p14:creationId xmlns:p14="http://schemas.microsoft.com/office/powerpoint/2010/main" val="1134509360"/>
+        <p14:creationId xmlns:p14="http://schemas.microsoft.com/office/powerpoint/2010/main" val="2184034240"/>
       </p:ext>
     </p:extLst>
   </p:cSld>
@@ -3361,7 +3363,22 @@
             </a:pPr>
             <a:r>
               <a:rPr kumimoji="1" lang="ja-JP" altLang="en-US" dirty="0" smtClean="0"/>
-              <a:t>この検証では，</a:t>
+              <a:t>口答内容</a:t>
+            </a:r>
+            <a:endParaRPr kumimoji="1" lang="en-US" altLang="ja-JP" dirty="0" smtClean="0"/>
+          </a:p>
+          <a:p>
+            <a:r>
+              <a:rPr kumimoji="1" lang="ja-JP" altLang="en-US" dirty="0" smtClean="0"/>
+              <a:t>ソフトウェア開発においてよく利用されているサービス</a:t>
+            </a:r>
+            <a:r>
+              <a:rPr kumimoji="1" lang="en-US" altLang="ja-JP" dirty="0" err="1" smtClean="0"/>
+              <a:t>GitHub</a:t>
+            </a:r>
+            <a:r>
+              <a:rPr kumimoji="1" lang="ja-JP" altLang="en-US" dirty="0" smtClean="0"/>
+              <a:t>上で，プロジェクトマネジメントのための重要なツールである</a:t>
             </a:r>
             <a:r>
               <a:rPr kumimoji="1" lang="en-US" altLang="ja-JP" dirty="0" smtClean="0"/>
@@ -3369,7 +3386,14 @@
             </a:r>
             <a:r>
               <a:rPr kumimoji="1" lang="ja-JP" altLang="en-US" dirty="0" smtClean="0"/>
-              <a:t>が</a:t>
+              <a:t>を利用可能にするシステムを開発した．</a:t>
+            </a:r>
+            <a:endParaRPr kumimoji="1" lang="en-US" altLang="ja-JP" dirty="0" smtClean="0"/>
+          </a:p>
+          <a:p>
+            <a:r>
+              <a:rPr kumimoji="1" lang="ja-JP" altLang="en-US" dirty="0" smtClean="0"/>
+              <a:t>本システムは，</a:t>
             </a:r>
             <a:r>
               <a:rPr kumimoji="1" lang="en-US" altLang="ja-JP" dirty="0" err="1" smtClean="0"/>
@@ -3377,18 +3401,46 @@
             </a:r>
             <a:r>
               <a:rPr kumimoji="1" lang="ja-JP" altLang="en-US" dirty="0" smtClean="0"/>
-              <a:t>上に挿入できるのかを検証しています．描画されている図では，</a:t>
+              <a:t>でタスクを管理するのに用いられる</a:t>
             </a:r>
             <a:r>
               <a:rPr kumimoji="1" lang="en-US" altLang="ja-JP" dirty="0" smtClean="0"/>
-              <a:t>EVM</a:t>
+              <a:t>Issues</a:t>
             </a:r>
             <a:r>
               <a:rPr kumimoji="1" lang="ja-JP" altLang="en-US" dirty="0" smtClean="0"/>
-              <a:t>が作成の検証はできていることがわかります．</a:t>
-            </a:r>
-          </a:p>
-          <a:p>
+              <a:t>というしくみを利用している．</a:t>
+            </a:r>
+            <a:endParaRPr kumimoji="1" lang="en-US" altLang="ja-JP" dirty="0" smtClean="0"/>
+          </a:p>
+          <a:p>
+            <a:r>
+              <a:rPr kumimoji="1" lang="en-US" altLang="ja-JP" dirty="0" smtClean="0"/>
+              <a:t>Issues</a:t>
+            </a:r>
+            <a:r>
+              <a:rPr kumimoji="1" lang="ja-JP" altLang="en-US" dirty="0" err="1" smtClean="0"/>
+              <a:t>での</a:t>
+            </a:r>
+            <a:r>
+              <a:rPr kumimoji="1" lang="ja-JP" altLang="en-US" dirty="0" smtClean="0"/>
+              <a:t>タスクの記述方法を統一するだけで利用可能であることが，本システムの大きな利点だと考えられる．</a:t>
+            </a:r>
+            <a:endParaRPr kumimoji="1" lang="en-US" altLang="ja-JP" dirty="0" smtClean="0"/>
+          </a:p>
+          <a:p>
+            <a:r>
+              <a:rPr kumimoji="1" lang="ja-JP" altLang="en-US" dirty="0" smtClean="0"/>
+              <a:t>本システムによって，</a:t>
+            </a:r>
+            <a:r>
+              <a:rPr kumimoji="1" lang="en-US" altLang="ja-JP" dirty="0" err="1" smtClean="0"/>
+              <a:t>GitHub</a:t>
+            </a:r>
+            <a:r>
+              <a:rPr kumimoji="1" lang="ja-JP" altLang="en-US" dirty="0" smtClean="0"/>
+              <a:t>上でのソフトウェア開発において，標準的なプロジェクトマネジメント手法を導入しやすくなることが期待されると考えられる．</a:t>
+            </a:r>
             <a:endParaRPr kumimoji="1" lang="ja-JP" altLang="en-US" dirty="0"/>
           </a:p>
         </p:txBody>
@@ -3410,207 +3462,7 @@
           <a:p>
             <a:fld id="{66808EC6-8396-49DB-A400-D3B95AE59215}" type="slidenum">
               <a:rPr kumimoji="1" lang="ja-JP" altLang="en-US" smtClean="0"/>
-              <a:t>21</a:t>
-            </a:fld>
-            <a:endParaRPr kumimoji="1" lang="ja-JP" altLang="en-US"/>
-          </a:p>
-        </p:txBody>
-      </p:sp>
-      <p:sp>
-        <p:nvSpPr>
-          <p:cNvPr id="5" name="フッター プレースホルダー 4"/>
-          <p:cNvSpPr>
-            <a:spLocks noGrp="1"/>
-          </p:cNvSpPr>
-          <p:nvPr>
-            <p:ph type="ftr" sz="quarter" idx="11"/>
-          </p:nvPr>
-        </p:nvSpPr>
-        <p:spPr/>
-        <p:txBody>
-          <a:bodyPr/>
-          <a:lstStyle/>
-          <a:p>
-            <a:endParaRPr kumimoji="1" lang="ja-JP" altLang="en-US"/>
-          </a:p>
-        </p:txBody>
-      </p:sp>
-    </p:spTree>
-    <p:extLst>
-      <p:ext uri="{BB962C8B-B14F-4D97-AF65-F5344CB8AC3E}">
-        <p14:creationId xmlns:p14="http://schemas.microsoft.com/office/powerpoint/2010/main" val="2184034240"/>
-      </p:ext>
-    </p:extLst>
-  </p:cSld>
-  <p:clrMapOvr>
-    <a:masterClrMapping/>
-  </p:clrMapOvr>
-</p:notes>
-</file>
-
-<file path=ppt/notesSlides/notesSlide21.xml><?xml version="1.0" encoding="utf-8"?>
-<p:notes xmlns:a="http://schemas.openxmlformats.org/drawingml/2006/main" xmlns:r="http://schemas.openxmlformats.org/officeDocument/2006/relationships" xmlns:p="http://schemas.openxmlformats.org/presentationml/2006/main">
-  <p:cSld>
-    <p:spTree>
-      <p:nvGrpSpPr>
-        <p:cNvPr id="1" name=""/>
-        <p:cNvGrpSpPr/>
-        <p:nvPr/>
-      </p:nvGrpSpPr>
-      <p:grpSpPr>
-        <a:xfrm>
-          <a:off x="0" y="0"/>
-          <a:ext cx="0" cy="0"/>
-          <a:chOff x="0" y="0"/>
-          <a:chExt cx="0" cy="0"/>
-        </a:xfrm>
-      </p:grpSpPr>
-      <p:sp>
-        <p:nvSpPr>
-          <p:cNvPr id="2" name="スライド イメージ プレースホルダー 1"/>
-          <p:cNvSpPr>
-            <a:spLocks noGrp="1" noRot="1" noChangeAspect="1"/>
-          </p:cNvSpPr>
-          <p:nvPr>
-            <p:ph type="sldImg"/>
-          </p:nvPr>
-        </p:nvSpPr>
-        <p:spPr/>
-      </p:sp>
-      <p:sp>
-        <p:nvSpPr>
-          <p:cNvPr id="3" name="ノート プレースホルダー 2"/>
-          <p:cNvSpPr>
-            <a:spLocks noGrp="1"/>
-          </p:cNvSpPr>
-          <p:nvPr>
-            <p:ph type="body" idx="1"/>
-          </p:nvPr>
-        </p:nvSpPr>
-        <p:spPr/>
-        <p:txBody>
-          <a:bodyPr/>
-          <a:lstStyle/>
-          <a:p>
-            <a:pPr marL="0" marR="0" indent="0" algn="l" defTabSz="914400" rtl="0" eaLnBrk="1" fontAlgn="auto" latinLnBrk="0" hangingPunct="1">
-              <a:lnSpc>
-                <a:spcPct val="100000"/>
-              </a:lnSpc>
-              <a:spcBef>
-                <a:spcPts val="0"/>
-              </a:spcBef>
-              <a:spcAft>
-                <a:spcPts val="0"/>
-              </a:spcAft>
-              <a:buClrTx/>
-              <a:buSzTx/>
-              <a:buFontTx/>
-              <a:buNone/>
-              <a:tabLst/>
-              <a:defRPr/>
-            </a:pPr>
-            <a:r>
-              <a:rPr kumimoji="1" lang="ja-JP" altLang="en-US" dirty="0" smtClean="0"/>
-              <a:t>口答内容</a:t>
-            </a:r>
-            <a:endParaRPr kumimoji="1" lang="en-US" altLang="ja-JP" dirty="0" smtClean="0"/>
-          </a:p>
-          <a:p>
-            <a:r>
-              <a:rPr kumimoji="1" lang="ja-JP" altLang="en-US" dirty="0" smtClean="0"/>
-              <a:t>ソフトウェア開発においてよく利用されているサービス</a:t>
-            </a:r>
-            <a:r>
-              <a:rPr kumimoji="1" lang="en-US" altLang="ja-JP" dirty="0" err="1" smtClean="0"/>
-              <a:t>GitHub</a:t>
-            </a:r>
-            <a:r>
-              <a:rPr kumimoji="1" lang="ja-JP" altLang="en-US" dirty="0" smtClean="0"/>
-              <a:t>上で，プロジェクトマネジメントのための重要なツールである</a:t>
-            </a:r>
-            <a:r>
-              <a:rPr kumimoji="1" lang="en-US" altLang="ja-JP" dirty="0" smtClean="0"/>
-              <a:t>EVM</a:t>
-            </a:r>
-            <a:r>
-              <a:rPr kumimoji="1" lang="ja-JP" altLang="en-US" dirty="0" smtClean="0"/>
-              <a:t>を利用可能にするシステムを開発した．</a:t>
-            </a:r>
-            <a:endParaRPr kumimoji="1" lang="en-US" altLang="ja-JP" dirty="0" smtClean="0"/>
-          </a:p>
-          <a:p>
-            <a:r>
-              <a:rPr kumimoji="1" lang="ja-JP" altLang="en-US" dirty="0" smtClean="0"/>
-              <a:t>本システムは，</a:t>
-            </a:r>
-            <a:r>
-              <a:rPr kumimoji="1" lang="en-US" altLang="ja-JP" dirty="0" err="1" smtClean="0"/>
-              <a:t>GitHub</a:t>
-            </a:r>
-            <a:r>
-              <a:rPr kumimoji="1" lang="ja-JP" altLang="en-US" dirty="0" smtClean="0"/>
-              <a:t>でタスクを管理するのに用いられる</a:t>
-            </a:r>
-            <a:r>
-              <a:rPr kumimoji="1" lang="en-US" altLang="ja-JP" dirty="0" smtClean="0"/>
-              <a:t>Issues</a:t>
-            </a:r>
-            <a:r>
-              <a:rPr kumimoji="1" lang="ja-JP" altLang="en-US" dirty="0" smtClean="0"/>
-              <a:t>というしくみを利用している．</a:t>
-            </a:r>
-            <a:endParaRPr kumimoji="1" lang="en-US" altLang="ja-JP" dirty="0" smtClean="0"/>
-          </a:p>
-          <a:p>
-            <a:r>
-              <a:rPr kumimoji="1" lang="en-US" altLang="ja-JP" dirty="0" smtClean="0"/>
-              <a:t>Issues</a:t>
-            </a:r>
-            <a:r>
-              <a:rPr kumimoji="1" lang="ja-JP" altLang="en-US" dirty="0" err="1" smtClean="0"/>
-              <a:t>での</a:t>
-            </a:r>
-            <a:r>
-              <a:rPr kumimoji="1" lang="ja-JP" altLang="en-US" dirty="0" smtClean="0"/>
-              <a:t>タスクの記述方法を統一するだけで利用可能であることが，本システムの大きな利点だと考えられる．</a:t>
-            </a:r>
-            <a:endParaRPr kumimoji="1" lang="en-US" altLang="ja-JP" dirty="0" smtClean="0"/>
-          </a:p>
-          <a:p>
-            <a:r>
-              <a:rPr kumimoji="1" lang="ja-JP" altLang="en-US" dirty="0" smtClean="0"/>
-              <a:t>本システムによって，</a:t>
-            </a:r>
-            <a:r>
-              <a:rPr kumimoji="1" lang="en-US" altLang="ja-JP" dirty="0" err="1" smtClean="0"/>
-              <a:t>GitHub</a:t>
-            </a:r>
-            <a:r>
-              <a:rPr kumimoji="1" lang="ja-JP" altLang="en-US" dirty="0" smtClean="0"/>
-              <a:t>上でのソフトウェア開発において，標準的なプロジェクトマネジメント手法を導入しやすくなることが期待されると考えられる．</a:t>
-            </a:r>
-            <a:endParaRPr kumimoji="1" lang="ja-JP" altLang="en-US" dirty="0"/>
-          </a:p>
-        </p:txBody>
-      </p:sp>
-      <p:sp>
-        <p:nvSpPr>
-          <p:cNvPr id="4" name="スライド番号プレースホルダー 3"/>
-          <p:cNvSpPr>
-            <a:spLocks noGrp="1"/>
-          </p:cNvSpPr>
-          <p:nvPr>
-            <p:ph type="sldNum" sz="quarter" idx="10"/>
-          </p:nvPr>
-        </p:nvSpPr>
-        <p:spPr/>
-        <p:txBody>
-          <a:bodyPr/>
-          <a:lstStyle/>
-          <a:p>
-            <a:fld id="{66808EC6-8396-49DB-A400-D3B95AE59215}" type="slidenum">
-              <a:rPr kumimoji="1" lang="ja-JP" altLang="en-US" smtClean="0"/>
-              <a:t>23</a:t>
+              <a:t>22</a:t>
             </a:fld>
             <a:endParaRPr kumimoji="1" lang="ja-JP" altLang="en-US"/>
           </a:p>
@@ -9124,8 +8976,20 @@
               <a:t>の</a:t>
             </a:r>
             <a:r>
+              <a:rPr lang="ja-JP" altLang="en-US" dirty="0" smtClean="0"/>
+              <a:t>返信</a:t>
+            </a:r>
+            <a:r>
+              <a:rPr lang="en-US" altLang="ja-JP" dirty="0" smtClean="0"/>
+              <a:t>comments</a:t>
+            </a:r>
+            <a:r>
+              <a:rPr lang="ja-JP" altLang="en-US" dirty="0" smtClean="0"/>
+              <a:t>を</a:t>
+            </a:r>
+            <a:r>
               <a:rPr lang="ja-JP" altLang="en-US" dirty="0"/>
-              <a:t>返信コメントを表示</a:t>
+              <a:t>表示</a:t>
             </a:r>
             <a:r>
               <a:rPr lang="ja-JP" altLang="en-US" dirty="0" smtClean="0"/>
@@ -9956,7 +9820,7 @@
         <p:spPr>
           <a:xfrm>
             <a:off x="2411760" y="2502260"/>
-            <a:ext cx="3240360" cy="494692"/>
+            <a:ext cx="3528392" cy="494692"/>
           </a:xfrm>
           <a:prstGeom prst="wedgeRectCallout">
             <a:avLst>
@@ -9988,7 +9852,10 @@
           <a:bodyPr rtlCol="0" anchor="ctr"/>
           <a:lstStyle/>
           <a:p>
-            <a:pPr algn="ctr"/>
+            <a:pPr marL="400050" indent="-400050" algn="ctr">
+              <a:buFont typeface="+mj-lt"/>
+              <a:buAutoNum type="romanUcPeriod"/>
+            </a:pPr>
             <a:r>
               <a:rPr lang="ja-JP" altLang="en-US" b="1" dirty="0" smtClean="0"/>
               <a:t>仮想</a:t>
@@ -10043,7 +9910,7 @@
             <a:pPr algn="ctr"/>
             <a:r>
               <a:rPr kumimoji="1" lang="ja-JP" altLang="en-US" b="1" dirty="0" smtClean="0"/>
-              <a:t>取り出したデータ</a:t>
+              <a:t>取り出した情報</a:t>
             </a:r>
             <a:endParaRPr kumimoji="1" lang="ja-JP" altLang="en-US" b="1" dirty="0"/>
           </a:p>
@@ -10057,7 +9924,7 @@
         </p:nvSpPr>
         <p:spPr>
           <a:xfrm>
-            <a:off x="6660232" y="2563056"/>
+            <a:off x="6567512" y="2558640"/>
             <a:ext cx="576064" cy="2450120"/>
           </a:xfrm>
           <a:prstGeom prst="downArrow">
@@ -10097,8 +9964,8 @@
         </p:nvSpPr>
         <p:spPr>
           <a:xfrm>
-            <a:off x="7236296" y="2749606"/>
-            <a:ext cx="1368152" cy="823410"/>
+            <a:off x="7143576" y="2749606"/>
+            <a:ext cx="1820912" cy="823410"/>
           </a:xfrm>
           <a:prstGeom prst="wedgeRectCallout">
             <a:avLst>
@@ -10130,7 +9997,10 @@
           <a:bodyPr rtlCol="0" anchor="ctr"/>
           <a:lstStyle/>
           <a:p>
-            <a:pPr algn="ctr"/>
+            <a:pPr marL="400050" indent="-400050" algn="ctr">
+              <a:buFont typeface="+mj-lt"/>
+              <a:buAutoNum type="romanUcPeriod" startAt="2"/>
+            </a:pPr>
             <a:r>
               <a:rPr kumimoji="1" lang="en-US" altLang="ja-JP" b="1" dirty="0" err="1" smtClean="0"/>
               <a:t>GitHub</a:t>
@@ -10228,7 +10098,10 @@
           <a:bodyPr rtlCol="0" anchor="ctr"/>
           <a:lstStyle/>
           <a:p>
-            <a:pPr algn="ctr"/>
+            <a:pPr marL="400050" indent="-400050" algn="ctr">
+              <a:buFont typeface="+mj-lt"/>
+              <a:buAutoNum type="romanUcPeriod" startAt="3"/>
+            </a:pPr>
             <a:r>
               <a:rPr kumimoji="1" lang="en-US" altLang="ja-JP" b="1" dirty="0" smtClean="0"/>
               <a:t>EVM</a:t>
@@ -10327,7 +10200,15 @@
             <a:pPr algn="ctr"/>
             <a:r>
               <a:rPr kumimoji="1" lang="ja-JP" altLang="en-US" b="1" dirty="0" smtClean="0"/>
-              <a:t>作成したグラフ</a:t>
+              <a:t>作成</a:t>
+            </a:r>
+            <a:r>
+              <a:rPr kumimoji="1" lang="ja-JP" altLang="en-US" b="1" dirty="0" smtClean="0"/>
+              <a:t>した</a:t>
+            </a:r>
+            <a:r>
+              <a:rPr kumimoji="1" lang="en-US" altLang="ja-JP" b="1" dirty="0" smtClean="0"/>
+              <a:t>EVM</a:t>
             </a:r>
             <a:endParaRPr kumimoji="1" lang="ja-JP" altLang="en-US" b="1" dirty="0"/>
           </a:p>
@@ -10414,7 +10295,10 @@
           <a:bodyPr rtlCol="0" anchor="ctr"/>
           <a:lstStyle/>
           <a:p>
-            <a:pPr algn="ctr"/>
+            <a:pPr marL="400050" indent="-400050" algn="ctr">
+              <a:buFont typeface="+mj-lt"/>
+              <a:buAutoNum type="romanUcPeriod" startAt="4"/>
+            </a:pPr>
             <a:r>
               <a:rPr kumimoji="1" lang="en-US" altLang="ja-JP" b="1" dirty="0" err="1" smtClean="0"/>
               <a:t>GitHub</a:t>
@@ -10487,216 +10371,23 @@
         </p:nvSpPr>
         <p:spPr>
           <a:xfrm>
-            <a:off x="179512" y="274638"/>
-            <a:ext cx="8856984" cy="1143000"/>
-          </a:xfrm>
-        </p:spPr>
-        <p:txBody>
-          <a:bodyPr>
-            <a:normAutofit fontScale="90000"/>
-          </a:bodyPr>
-          <a:lstStyle/>
-          <a:p>
-            <a:r>
-              <a:rPr kumimoji="1" lang="ja-JP" altLang="en-US" dirty="0" smtClean="0"/>
-              <a:t>動作確認用の仮想プロジェクトデータ</a:t>
-            </a:r>
-            <a:endParaRPr kumimoji="1" lang="ja-JP" altLang="en-US" dirty="0"/>
-          </a:p>
-        </p:txBody>
-      </p:sp>
-      <p:sp>
-        <p:nvSpPr>
-          <p:cNvPr id="3" name="コンテンツ プレースホルダー 2"/>
-          <p:cNvSpPr>
-            <a:spLocks noGrp="1"/>
-          </p:cNvSpPr>
-          <p:nvPr>
-            <p:ph idx="1"/>
-          </p:nvPr>
-        </p:nvSpPr>
-        <p:spPr/>
-        <p:txBody>
-          <a:bodyPr/>
-          <a:lstStyle/>
-          <a:p>
-            <a:r>
-              <a:rPr lang="ja-JP" altLang="en-US" dirty="0"/>
-              <a:t>動作確認をするために作成した</a:t>
-            </a:r>
-            <a:r>
-              <a:rPr lang="ja-JP" altLang="en-US" dirty="0" smtClean="0"/>
-              <a:t>リポジトリ</a:t>
-            </a:r>
-            <a:endParaRPr lang="en-US" altLang="ja-JP" dirty="0" smtClean="0"/>
-          </a:p>
-          <a:p>
-            <a:r>
-              <a:rPr lang="ja-JP" altLang="en-US" dirty="0" smtClean="0"/>
-              <a:t>タスク</a:t>
-            </a:r>
-            <a:r>
-              <a:rPr lang="ja-JP" altLang="en-US" dirty="0"/>
-              <a:t>を</a:t>
-            </a:r>
-            <a:r>
-              <a:rPr lang="en-US" altLang="ja-JP" dirty="0"/>
-              <a:t>Issues</a:t>
-            </a:r>
-            <a:r>
-              <a:rPr lang="ja-JP" altLang="en-US" dirty="0"/>
-              <a:t>によって</a:t>
-            </a:r>
-            <a:r>
-              <a:rPr lang="ja-JP" altLang="en-US" dirty="0" smtClean="0"/>
-              <a:t>指示</a:t>
-            </a:r>
-            <a:endParaRPr lang="en-US" altLang="ja-JP" dirty="0" smtClean="0"/>
-          </a:p>
-          <a:p>
-            <a:r>
-              <a:rPr lang="ja-JP" altLang="en-US" dirty="0" smtClean="0"/>
-              <a:t>その</a:t>
-            </a:r>
-            <a:r>
-              <a:rPr lang="en-US" altLang="ja-JP" dirty="0"/>
-              <a:t>Issues</a:t>
-            </a:r>
-            <a:r>
-              <a:rPr lang="ja-JP" altLang="en-US" dirty="0"/>
-              <a:t>に対応した内容を</a:t>
-            </a:r>
-            <a:r>
-              <a:rPr lang="en-US" altLang="ja-JP" dirty="0"/>
-              <a:t>comment</a:t>
-            </a:r>
-            <a:r>
-              <a:rPr lang="ja-JP" altLang="en-US" dirty="0"/>
-              <a:t>に記述</a:t>
-            </a:r>
-            <a:r>
-              <a:rPr lang="ja-JP" altLang="en-US" dirty="0" smtClean="0"/>
-              <a:t>する</a:t>
-            </a:r>
-            <a:endParaRPr lang="en-US" altLang="ja-JP" dirty="0" smtClean="0"/>
-          </a:p>
-          <a:p>
-            <a:r>
-              <a:rPr lang="ja-JP" altLang="en-US" dirty="0" smtClean="0"/>
-              <a:t>進行</a:t>
-            </a:r>
-            <a:r>
-              <a:rPr lang="ja-JP" altLang="en-US" dirty="0"/>
-              <a:t>するプロジェクトのタスクの管理を再現したデータ</a:t>
-            </a:r>
-            <a:endParaRPr kumimoji="1" lang="ja-JP" altLang="en-US" dirty="0"/>
-          </a:p>
-        </p:txBody>
-      </p:sp>
-      <p:sp>
-        <p:nvSpPr>
-          <p:cNvPr id="4" name="フッター プレースホルダー 3"/>
-          <p:cNvSpPr>
-            <a:spLocks noGrp="1"/>
-          </p:cNvSpPr>
-          <p:nvPr>
-            <p:ph type="ftr" sz="quarter" idx="11"/>
-          </p:nvPr>
-        </p:nvSpPr>
-        <p:spPr/>
-        <p:txBody>
-          <a:bodyPr/>
-          <a:lstStyle/>
-          <a:p>
-            <a:endParaRPr kumimoji="1" lang="ja-JP" altLang="en-US"/>
-          </a:p>
-        </p:txBody>
-      </p:sp>
-      <p:sp>
-        <p:nvSpPr>
-          <p:cNvPr id="5" name="スライド番号プレースホルダー 4"/>
-          <p:cNvSpPr>
-            <a:spLocks noGrp="1"/>
-          </p:cNvSpPr>
-          <p:nvPr>
-            <p:ph type="sldNum" sz="quarter" idx="12"/>
-          </p:nvPr>
-        </p:nvSpPr>
-        <p:spPr/>
-        <p:txBody>
-          <a:bodyPr/>
-          <a:lstStyle/>
-          <a:p>
-            <a:fld id="{84835224-79A0-4EB9-9992-36178AD955CF}" type="slidenum">
-              <a:rPr kumimoji="1" lang="ja-JP" altLang="en-US" smtClean="0"/>
-              <a:t>16</a:t>
-            </a:fld>
-            <a:endParaRPr kumimoji="1" lang="ja-JP" altLang="en-US"/>
-          </a:p>
-        </p:txBody>
-      </p:sp>
-    </p:spTree>
-    <p:extLst>
-      <p:ext uri="{BB962C8B-B14F-4D97-AF65-F5344CB8AC3E}">
-        <p14:creationId xmlns:p14="http://schemas.microsoft.com/office/powerpoint/2010/main" val="1446679108"/>
-      </p:ext>
-    </p:extLst>
-  </p:cSld>
-  <p:clrMapOvr>
-    <a:masterClrMapping/>
-  </p:clrMapOvr>
-  <p:timing>
-    <p:tnLst>
-      <p:par>
-        <p:cTn id="1" dur="indefinite" restart="never" nodeType="tmRoot"/>
-      </p:par>
-    </p:tnLst>
-  </p:timing>
-</p:sld>
-</file>
-
-<file path=ppt/slides/slide17.xml><?xml version="1.0" encoding="utf-8"?>
-<p:sld xmlns:a="http://schemas.openxmlformats.org/drawingml/2006/main" xmlns:r="http://schemas.openxmlformats.org/officeDocument/2006/relationships" xmlns:p="http://schemas.openxmlformats.org/presentationml/2006/main">
-  <p:cSld>
-    <p:spTree>
-      <p:nvGrpSpPr>
-        <p:cNvPr id="1" name=""/>
-        <p:cNvGrpSpPr/>
-        <p:nvPr/>
-      </p:nvGrpSpPr>
-      <p:grpSpPr>
-        <a:xfrm>
-          <a:off x="0" y="0"/>
-          <a:ext cx="0" cy="0"/>
-          <a:chOff x="0" y="0"/>
-          <a:chExt cx="0" cy="0"/>
-        </a:xfrm>
-      </p:grpSpPr>
-      <p:sp>
-        <p:nvSpPr>
-          <p:cNvPr id="2" name="タイトル 1"/>
-          <p:cNvSpPr>
-            <a:spLocks noGrp="1"/>
-          </p:cNvSpPr>
-          <p:nvPr>
-            <p:ph type="title"/>
-          </p:nvPr>
-        </p:nvSpPr>
-        <p:spPr>
-          <a:xfrm>
             <a:off x="107504" y="274638"/>
             <a:ext cx="8856984" cy="1143000"/>
           </a:xfrm>
         </p:spPr>
         <p:txBody>
           <a:bodyPr>
-            <a:normAutofit fontScale="90000"/>
+            <a:normAutofit/>
           </a:bodyPr>
           <a:lstStyle/>
           <a:p>
+            <a:pPr marL="857250" indent="-857250">
+              <a:buFont typeface="+mj-lt"/>
+              <a:buAutoNum type="romanUcPeriod"/>
+            </a:pPr>
             <a:r>
               <a:rPr kumimoji="1" lang="ja-JP" altLang="en-US" sz="4400" dirty="0" smtClean="0"/>
-              <a:t>動作確認用の仮想プロジェクトデータ</a:t>
+              <a:t>仮想プロジェクトデータの登録</a:t>
             </a:r>
             <a:endParaRPr kumimoji="1" lang="ja-JP" altLang="en-US" sz="4400" dirty="0"/>
           </a:p>
@@ -10724,8 +10415,8 @@
               <a:t>Issues</a:t>
             </a:r>
             <a:r>
-              <a:rPr kumimoji="1" lang="ja-JP" altLang="en-US" dirty="0" smtClean="0"/>
-              <a:t>データ</a:t>
+              <a:rPr lang="ja-JP" altLang="en-US" dirty="0"/>
+              <a:t>情報</a:t>
             </a:r>
             <a:endParaRPr kumimoji="1" lang="en-US" altLang="ja-JP" dirty="0" smtClean="0"/>
           </a:p>
@@ -10748,7 +10439,7 @@
             </a:r>
             <a:r>
               <a:rPr lang="ja-JP" altLang="en-US" dirty="0" smtClean="0"/>
-              <a:t>数値データ</a:t>
+              <a:t>数値情報</a:t>
             </a:r>
             <a:endParaRPr lang="en-US" altLang="ja-JP" dirty="0" smtClean="0"/>
           </a:p>
@@ -10819,7 +10510,7 @@
           <a:p>
             <a:fld id="{84835224-79A0-4EB9-9992-36178AD955CF}" type="slidenum">
               <a:rPr kumimoji="1" lang="ja-JP" altLang="en-US" smtClean="0"/>
-              <a:t>17</a:t>
+              <a:t>16</a:t>
             </a:fld>
             <a:endParaRPr kumimoji="1" lang="ja-JP" altLang="en-US" dirty="0"/>
           </a:p>
@@ -12671,7 +12362,7 @@
 </p:sld>
 </file>
 
-<file path=ppt/slides/slide18.xml><?xml version="1.0" encoding="utf-8"?>
+<file path=ppt/slides/slide17.xml><?xml version="1.0" encoding="utf-8"?>
 <p:sld xmlns:a="http://schemas.openxmlformats.org/drawingml/2006/main" xmlns:r="http://schemas.openxmlformats.org/officeDocument/2006/relationships" xmlns:p="http://schemas.openxmlformats.org/presentationml/2006/main">
   <p:cSld>
     <p:spTree>
@@ -12703,6 +12394,10 @@
           <a:bodyPr/>
           <a:lstStyle/>
           <a:p>
+            <a:pPr marL="857250" indent="-857250">
+              <a:buFont typeface="+mj-lt"/>
+              <a:buAutoNum type="romanUcPeriod" startAt="2"/>
+            </a:pPr>
             <a:r>
               <a:rPr kumimoji="1" lang="en-US" altLang="ja-JP" dirty="0" err="1" smtClean="0"/>
               <a:t>GitHub</a:t>
@@ -12783,11 +12478,7 @@
             </a:r>
             <a:r>
               <a:rPr kumimoji="1" lang="ja-JP" altLang="en-US" dirty="0" smtClean="0"/>
-              <a:t>を正常</a:t>
-            </a:r>
-            <a:r>
-              <a:rPr kumimoji="1" lang="ja-JP" altLang="en-US" dirty="0" smtClean="0"/>
-              <a:t>に</a:t>
+              <a:t>を正常に</a:t>
             </a:r>
             <a:r>
               <a:rPr lang="ja-JP" altLang="en-US" dirty="0"/>
@@ -12795,11 +12486,7 @@
             </a:r>
             <a:r>
               <a:rPr kumimoji="1" lang="ja-JP" altLang="en-US" dirty="0" smtClean="0"/>
-              <a:t>こと</a:t>
-            </a:r>
-            <a:r>
-              <a:rPr kumimoji="1" lang="ja-JP" altLang="en-US" dirty="0" smtClean="0"/>
-              <a:t>ができる</a:t>
+              <a:t>ことができる</a:t>
             </a:r>
             <a:endParaRPr kumimoji="1" lang="ja-JP" altLang="en-US" dirty="0"/>
           </a:p>
@@ -12841,7 +12528,7 @@
           <a:p>
             <a:fld id="{84835224-79A0-4EB9-9992-36178AD955CF}" type="slidenum">
               <a:rPr kumimoji="1" lang="ja-JP" altLang="en-US" smtClean="0"/>
-              <a:t>18</a:t>
+              <a:t>17</a:t>
             </a:fld>
             <a:endParaRPr kumimoji="1" lang="ja-JP" altLang="en-US"/>
           </a:p>
@@ -12867,7 +12554,7 @@
 </p:sld>
 </file>
 
-<file path=ppt/slides/slide19.xml><?xml version="1.0" encoding="utf-8"?>
+<file path=ppt/slides/slide18.xml><?xml version="1.0" encoding="utf-8"?>
 <p:sld xmlns:a="http://schemas.openxmlformats.org/drawingml/2006/main" xmlns:r="http://schemas.openxmlformats.org/officeDocument/2006/relationships" xmlns:p="http://schemas.openxmlformats.org/presentationml/2006/main">
   <p:cSld>
     <p:spTree>
@@ -12901,6 +12588,10 @@
           </a:bodyPr>
           <a:lstStyle/>
           <a:p>
+            <a:pPr marL="857250" indent="-857250">
+              <a:buFont typeface="+mj-lt"/>
+              <a:buAutoNum type="romanUcPeriod" startAt="3"/>
+            </a:pPr>
             <a:r>
               <a:rPr lang="en-US" altLang="ja-JP" dirty="0"/>
               <a:t>EVM</a:t>
@@ -13012,7 +12703,7 @@
           <a:p>
             <a:fld id="{84835224-79A0-4EB9-9992-36178AD955CF}" type="slidenum">
               <a:rPr kumimoji="1" lang="ja-JP" altLang="en-US" smtClean="0"/>
-              <a:t>19</a:t>
+              <a:t>18</a:t>
             </a:fld>
             <a:endParaRPr kumimoji="1" lang="ja-JP" altLang="en-US"/>
           </a:p>
@@ -13093,7 +12784,7 @@
 </p:sld>
 </file>
 
-<file path=ppt/slides/slide2.xml><?xml version="1.0" encoding="utf-8"?>
+<file path=ppt/slides/slide19.xml><?xml version="1.0" encoding="utf-8"?>
 <p:sld xmlns:a="http://schemas.openxmlformats.org/drawingml/2006/main" xmlns:r="http://schemas.openxmlformats.org/officeDocument/2006/relationships" xmlns:p="http://schemas.openxmlformats.org/presentationml/2006/main">
   <p:cSld>
     <p:spTree>
@@ -13120,19 +12811,51 @@
             <p:ph type="title"/>
           </p:nvPr>
         </p:nvSpPr>
-        <p:spPr/>
+        <p:spPr>
+          <a:xfrm>
+            <a:off x="251520" y="274638"/>
+            <a:ext cx="8784976" cy="1143000"/>
+          </a:xfrm>
+        </p:spPr>
         <p:txBody>
           <a:bodyPr>
-            <a:normAutofit/>
+            <a:noAutofit/>
           </a:bodyPr>
           <a:lstStyle/>
           <a:p>
-            <a:pPr algn="just"/>
-            <a:r>
-              <a:rPr kumimoji="1" lang="ja-JP" altLang="en-US" sz="4400" dirty="0" smtClean="0"/>
-              <a:t>目次</a:t>
-            </a:r>
-            <a:endParaRPr kumimoji="1" lang="ja-JP" altLang="en-US" sz="4400" dirty="0"/>
+            <a:pPr marL="857250" indent="-857250">
+              <a:buFont typeface="+mj-lt"/>
+              <a:buAutoNum type="romanUcPeriod" startAt="4"/>
+            </a:pPr>
+            <a:r>
+              <a:rPr lang="en-US" altLang="ja-JP" sz="4000" dirty="0" err="1" smtClean="0"/>
+              <a:t>GitHub</a:t>
+            </a:r>
+            <a:r>
+              <a:rPr lang="ja-JP" altLang="en-US" sz="4000" dirty="0" smtClean="0"/>
+              <a:t>上</a:t>
+            </a:r>
+            <a:r>
+              <a:rPr lang="ja-JP" altLang="en-US" sz="4000" dirty="0"/>
+              <a:t>での</a:t>
+            </a:r>
+            <a:r>
+              <a:rPr lang="en-US" altLang="ja-JP" sz="4000" dirty="0" smtClean="0"/>
+              <a:t>EVM</a:t>
+            </a:r>
+            <a:r>
+              <a:rPr lang="ja-JP" altLang="en-US" sz="4000" dirty="0"/>
+              <a:t>表示</a:t>
+            </a:r>
+            <a:r>
+              <a:rPr lang="ja-JP" altLang="en-US" sz="4000" dirty="0" smtClean="0"/>
+              <a:t>の</a:t>
+            </a:r>
+            <a:r>
+              <a:rPr lang="ja-JP" altLang="en-US" sz="4000" dirty="0"/>
+              <a:t>動作確認</a:t>
+            </a:r>
+            <a:endParaRPr kumimoji="1" lang="ja-JP" altLang="en-US" sz="4000" dirty="0"/>
           </a:p>
         </p:txBody>
       </p:sp>
@@ -13148,75 +12871,34 @@
         </p:nvSpPr>
         <p:spPr/>
         <p:txBody>
-          <a:bodyPr>
-            <a:normAutofit/>
-          </a:bodyPr>
-          <a:lstStyle/>
-          <a:p>
-            <a:pPr marL="514350" indent="-514350">
-              <a:buFont typeface="+mj-lt"/>
-              <a:buAutoNum type="arabicPeriod"/>
-            </a:pPr>
-            <a:r>
-              <a:rPr kumimoji="1" lang="ja-JP" altLang="en-US" sz="3200" dirty="0" smtClean="0"/>
-              <a:t>背景</a:t>
-            </a:r>
-            <a:endParaRPr kumimoji="1" lang="en-US" altLang="ja-JP" sz="3200" dirty="0" smtClean="0"/>
-          </a:p>
-          <a:p>
-            <a:pPr marL="514350" indent="-514350">
-              <a:buFont typeface="+mj-lt"/>
-              <a:buAutoNum type="arabicPeriod"/>
-            </a:pPr>
-            <a:r>
-              <a:rPr kumimoji="1" lang="ja-JP" altLang="en-US" sz="3200" dirty="0" smtClean="0"/>
-              <a:t>目的</a:t>
-            </a:r>
-            <a:endParaRPr lang="en-US" altLang="ja-JP" sz="3200" dirty="0" smtClean="0"/>
-          </a:p>
-          <a:p>
-            <a:pPr marL="514350" indent="-514350">
-              <a:buFont typeface="+mj-lt"/>
-              <a:buAutoNum type="arabicPeriod"/>
-            </a:pPr>
-            <a:r>
-              <a:rPr lang="ja-JP" altLang="en-US" dirty="0" smtClean="0"/>
-              <a:t>システムの運用方法</a:t>
-            </a:r>
-            <a:endParaRPr lang="en-US" altLang="ja-JP" dirty="0" smtClean="0"/>
-          </a:p>
-          <a:p>
-            <a:pPr marL="514350" indent="-514350">
-              <a:buFont typeface="+mj-lt"/>
-              <a:buAutoNum type="arabicPeriod"/>
-            </a:pPr>
-            <a:r>
-              <a:rPr lang="ja-JP" altLang="en-US" sz="3200" dirty="0" smtClean="0"/>
-              <a:t>手法</a:t>
-            </a:r>
-            <a:endParaRPr lang="en-US" altLang="ja-JP" sz="3200" dirty="0" smtClean="0"/>
-          </a:p>
-          <a:p>
-            <a:pPr marL="514350" indent="-514350">
-              <a:buFont typeface="+mj-lt"/>
-              <a:buAutoNum type="arabicPeriod"/>
-            </a:pPr>
-            <a:r>
-              <a:rPr lang="ja-JP" altLang="en-US" dirty="0" smtClean="0"/>
-              <a:t>動作確認</a:t>
-            </a:r>
-            <a:endParaRPr lang="en-US" altLang="ja-JP" sz="3200" dirty="0" smtClean="0"/>
-          </a:p>
-          <a:p>
-            <a:pPr marL="514350" indent="-514350">
-              <a:buFont typeface="+mj-lt"/>
-              <a:buAutoNum type="arabicPeriod"/>
-            </a:pPr>
+          <a:bodyPr/>
+          <a:lstStyle/>
+          <a:p>
+            <a:r>
+              <a:rPr kumimoji="1" lang="en-US" altLang="ja-JP" dirty="0" err="1" smtClean="0"/>
+              <a:t>GitHub</a:t>
+            </a:r>
+            <a:r>
+              <a:rPr kumimoji="1" lang="ja-JP" altLang="en-US" dirty="0" smtClean="0"/>
+              <a:t>上に</a:t>
+            </a:r>
+            <a:r>
+              <a:rPr kumimoji="1" lang="en-US" altLang="ja-JP" dirty="0" smtClean="0"/>
+              <a:t>EVM</a:t>
+            </a:r>
+            <a:r>
+              <a:rPr kumimoji="1" lang="ja-JP" altLang="en-US" dirty="0" smtClean="0"/>
+              <a:t>表示す</a:t>
+            </a:r>
             <a:r>
               <a:rPr lang="ja-JP" altLang="en-US" dirty="0"/>
-              <a:t>まとめ</a:t>
-            </a:r>
-            <a:endParaRPr lang="en-US" altLang="ja-JP" sz="3200" dirty="0" smtClean="0"/>
+              <a:t>る</a:t>
+            </a:r>
+            <a:r>
+              <a:rPr kumimoji="1" lang="ja-JP" altLang="en-US" dirty="0" smtClean="0"/>
+              <a:t>前の状態</a:t>
+            </a:r>
+            <a:endParaRPr kumimoji="1" lang="en-US" altLang="ja-JP" dirty="0" smtClean="0"/>
           </a:p>
           <a:p>
             <a:pPr marL="0" indent="0">
@@ -13262,184 +12944,7 @@
           <a:p>
             <a:fld id="{84835224-79A0-4EB9-9992-36178AD955CF}" type="slidenum">
               <a:rPr kumimoji="1" lang="ja-JP" altLang="en-US" smtClean="0"/>
-              <a:t>2</a:t>
-            </a:fld>
-            <a:endParaRPr kumimoji="1" lang="ja-JP" altLang="en-US"/>
-          </a:p>
-        </p:txBody>
-      </p:sp>
-    </p:spTree>
-    <p:extLst>
-      <p:ext uri="{BB962C8B-B14F-4D97-AF65-F5344CB8AC3E}">
-        <p14:creationId xmlns:p14="http://schemas.microsoft.com/office/powerpoint/2010/main" val="3186101249"/>
-      </p:ext>
-    </p:extLst>
-  </p:cSld>
-  <p:clrMapOvr>
-    <a:masterClrMapping/>
-  </p:clrMapOvr>
-  <p:timing>
-    <p:tnLst>
-      <p:par>
-        <p:cTn id="1" dur="indefinite" restart="never" nodeType="tmRoot"/>
-      </p:par>
-    </p:tnLst>
-  </p:timing>
-</p:sld>
-</file>
-
-<file path=ppt/slides/slide20.xml><?xml version="1.0" encoding="utf-8"?>
-<p:sld xmlns:a="http://schemas.openxmlformats.org/drawingml/2006/main" xmlns:r="http://schemas.openxmlformats.org/officeDocument/2006/relationships" xmlns:p="http://schemas.openxmlformats.org/presentationml/2006/main">
-  <p:cSld>
-    <p:spTree>
-      <p:nvGrpSpPr>
-        <p:cNvPr id="1" name=""/>
-        <p:cNvGrpSpPr/>
-        <p:nvPr/>
-      </p:nvGrpSpPr>
-      <p:grpSpPr>
-        <a:xfrm>
-          <a:off x="0" y="0"/>
-          <a:ext cx="0" cy="0"/>
-          <a:chOff x="0" y="0"/>
-          <a:chExt cx="0" cy="0"/>
-        </a:xfrm>
-      </p:grpSpPr>
-      <p:sp>
-        <p:nvSpPr>
-          <p:cNvPr id="2" name="タイトル 1"/>
-          <p:cNvSpPr>
-            <a:spLocks noGrp="1"/>
-          </p:cNvSpPr>
-          <p:nvPr>
-            <p:ph type="title"/>
-          </p:nvPr>
-        </p:nvSpPr>
-        <p:spPr/>
-        <p:txBody>
-          <a:bodyPr>
-            <a:noAutofit/>
-          </a:bodyPr>
-          <a:lstStyle/>
-          <a:p>
-            <a:r>
-              <a:rPr lang="en-US" altLang="ja-JP" sz="4000" dirty="0" err="1" smtClean="0"/>
-              <a:t>GitHub</a:t>
-            </a:r>
-            <a:r>
-              <a:rPr lang="ja-JP" altLang="en-US" sz="4000" dirty="0" smtClean="0"/>
-              <a:t>上</a:t>
-            </a:r>
-            <a:r>
-              <a:rPr lang="ja-JP" altLang="en-US" sz="4000" dirty="0"/>
-              <a:t>での</a:t>
-            </a:r>
-            <a:r>
-              <a:rPr lang="en-US" altLang="ja-JP" sz="4000" dirty="0" smtClean="0"/>
-              <a:t>EVM</a:t>
-            </a:r>
-            <a:r>
-              <a:rPr lang="ja-JP" altLang="en-US" sz="4000" dirty="0"/>
-              <a:t>表示</a:t>
-            </a:r>
-            <a:r>
-              <a:rPr lang="ja-JP" altLang="en-US" sz="4000" dirty="0" smtClean="0"/>
-              <a:t>の</a:t>
-            </a:r>
-            <a:r>
-              <a:rPr lang="ja-JP" altLang="en-US" sz="4000" dirty="0"/>
-              <a:t>動作確認</a:t>
-            </a:r>
-            <a:endParaRPr kumimoji="1" lang="ja-JP" altLang="en-US" sz="4000" dirty="0"/>
-          </a:p>
-        </p:txBody>
-      </p:sp>
-      <p:sp>
-        <p:nvSpPr>
-          <p:cNvPr id="3" name="コンテンツ プレースホルダー 2"/>
-          <p:cNvSpPr>
-            <a:spLocks noGrp="1"/>
-          </p:cNvSpPr>
-          <p:nvPr>
-            <p:ph idx="1"/>
-          </p:nvPr>
-        </p:nvSpPr>
-        <p:spPr/>
-        <p:txBody>
-          <a:bodyPr/>
-          <a:lstStyle/>
-          <a:p>
-            <a:r>
-              <a:rPr kumimoji="1" lang="en-US" altLang="ja-JP" dirty="0" err="1" smtClean="0"/>
-              <a:t>GitHub</a:t>
-            </a:r>
-            <a:r>
-              <a:rPr kumimoji="1" lang="ja-JP" altLang="en-US" dirty="0" smtClean="0"/>
-              <a:t>上に</a:t>
-            </a:r>
-            <a:r>
-              <a:rPr kumimoji="1" lang="en-US" altLang="ja-JP" dirty="0" smtClean="0"/>
-              <a:t>EVM</a:t>
-            </a:r>
-            <a:r>
-              <a:rPr kumimoji="1" lang="ja-JP" altLang="en-US" dirty="0" smtClean="0"/>
-              <a:t>表示す</a:t>
-            </a:r>
-            <a:r>
-              <a:rPr lang="ja-JP" altLang="en-US" dirty="0"/>
-              <a:t>る</a:t>
-            </a:r>
-            <a:r>
-              <a:rPr kumimoji="1" lang="ja-JP" altLang="en-US" dirty="0" smtClean="0"/>
-              <a:t>前の状態</a:t>
-            </a:r>
-            <a:endParaRPr kumimoji="1" lang="en-US" altLang="ja-JP" dirty="0" smtClean="0"/>
-          </a:p>
-          <a:p>
-            <a:pPr marL="0" indent="0">
-              <a:buNone/>
-            </a:pPr>
-            <a:endParaRPr kumimoji="1" lang="ja-JP" altLang="en-US" dirty="0"/>
-          </a:p>
-        </p:txBody>
-      </p:sp>
-      <p:sp>
-        <p:nvSpPr>
-          <p:cNvPr id="4" name="フッター プレースホルダー 3"/>
-          <p:cNvSpPr>
-            <a:spLocks noGrp="1"/>
-          </p:cNvSpPr>
-          <p:nvPr>
-            <p:ph type="ftr" sz="quarter" idx="11"/>
-          </p:nvPr>
-        </p:nvSpPr>
-        <p:spPr/>
-        <p:txBody>
-          <a:bodyPr/>
-          <a:lstStyle/>
-          <a:p>
-            <a:endParaRPr kumimoji="1" lang="ja-JP" altLang="en-US"/>
-          </a:p>
-        </p:txBody>
-      </p:sp>
-      <p:sp>
-        <p:nvSpPr>
-          <p:cNvPr id="5" name="スライド番号プレースホルダー 4"/>
-          <p:cNvSpPr>
-            <a:spLocks noGrp="1"/>
-          </p:cNvSpPr>
-          <p:nvPr>
-            <p:ph type="sldNum" sz="quarter" idx="12"/>
-          </p:nvPr>
-        </p:nvSpPr>
-        <p:spPr/>
-        <p:txBody>
-          <a:bodyPr/>
-          <a:lstStyle/>
-          <a:p>
-            <a:fld id="{84835224-79A0-4EB9-9992-36178AD955CF}" type="slidenum">
-              <a:rPr kumimoji="1" lang="ja-JP" altLang="en-US" smtClean="0"/>
-              <a:t>20</a:t>
+              <a:t>19</a:t>
             </a:fld>
             <a:endParaRPr kumimoji="1" lang="ja-JP" altLang="en-US"/>
           </a:p>
@@ -13529,7 +13034,7 @@
 </p:sld>
 </file>
 
-<file path=ppt/slides/slide21.xml><?xml version="1.0" encoding="utf-8"?>
+<file path=ppt/slides/slide2.xml><?xml version="1.0" encoding="utf-8"?>
 <p:sld xmlns:a="http://schemas.openxmlformats.org/drawingml/2006/main" xmlns:r="http://schemas.openxmlformats.org/officeDocument/2006/relationships" xmlns:p="http://schemas.openxmlformats.org/presentationml/2006/main">
   <p:cSld>
     <p:spTree>
@@ -13559,10 +13064,233 @@
         <p:spPr/>
         <p:txBody>
           <a:bodyPr>
+            <a:normAutofit/>
+          </a:bodyPr>
+          <a:lstStyle/>
+          <a:p>
+            <a:pPr algn="just"/>
+            <a:r>
+              <a:rPr kumimoji="1" lang="ja-JP" altLang="en-US" sz="4400" dirty="0" smtClean="0"/>
+              <a:t>目次</a:t>
+            </a:r>
+            <a:endParaRPr kumimoji="1" lang="ja-JP" altLang="en-US" sz="4400" dirty="0"/>
+          </a:p>
+        </p:txBody>
+      </p:sp>
+      <p:sp>
+        <p:nvSpPr>
+          <p:cNvPr id="3" name="コンテンツ プレースホルダー 2"/>
+          <p:cNvSpPr>
+            <a:spLocks noGrp="1"/>
+          </p:cNvSpPr>
+          <p:nvPr>
+            <p:ph idx="1"/>
+          </p:nvPr>
+        </p:nvSpPr>
+        <p:spPr/>
+        <p:txBody>
+          <a:bodyPr>
+            <a:normAutofit/>
+          </a:bodyPr>
+          <a:lstStyle/>
+          <a:p>
+            <a:pPr marL="514350" indent="-514350">
+              <a:buFont typeface="+mj-lt"/>
+              <a:buAutoNum type="arabicPeriod"/>
+            </a:pPr>
+            <a:r>
+              <a:rPr kumimoji="1" lang="ja-JP" altLang="en-US" sz="3200" dirty="0" smtClean="0"/>
+              <a:t>背景</a:t>
+            </a:r>
+            <a:endParaRPr kumimoji="1" lang="en-US" altLang="ja-JP" sz="3200" dirty="0" smtClean="0"/>
+          </a:p>
+          <a:p>
+            <a:pPr marL="514350" indent="-514350">
+              <a:buFont typeface="+mj-lt"/>
+              <a:buAutoNum type="arabicPeriod"/>
+            </a:pPr>
+            <a:r>
+              <a:rPr kumimoji="1" lang="ja-JP" altLang="en-US" sz="3200" dirty="0" smtClean="0"/>
+              <a:t>目的</a:t>
+            </a:r>
+            <a:endParaRPr lang="en-US" altLang="ja-JP" sz="3200" dirty="0" smtClean="0"/>
+          </a:p>
+          <a:p>
+            <a:pPr marL="514350" indent="-514350">
+              <a:buFont typeface="+mj-lt"/>
+              <a:buAutoNum type="arabicPeriod"/>
+            </a:pPr>
+            <a:r>
+              <a:rPr lang="ja-JP" altLang="en-US" dirty="0" smtClean="0"/>
+              <a:t>システムの運用方法</a:t>
+            </a:r>
+            <a:endParaRPr lang="en-US" altLang="ja-JP" dirty="0" smtClean="0"/>
+          </a:p>
+          <a:p>
+            <a:pPr marL="514350" indent="-514350">
+              <a:buFont typeface="+mj-lt"/>
+              <a:buAutoNum type="arabicPeriod"/>
+            </a:pPr>
+            <a:r>
+              <a:rPr lang="ja-JP" altLang="en-US" sz="3200" dirty="0" smtClean="0"/>
+              <a:t>手法</a:t>
+            </a:r>
+            <a:endParaRPr lang="en-US" altLang="ja-JP" sz="3200" dirty="0" smtClean="0"/>
+          </a:p>
+          <a:p>
+            <a:pPr marL="514350" indent="-514350">
+              <a:buFont typeface="+mj-lt"/>
+              <a:buAutoNum type="arabicPeriod"/>
+            </a:pPr>
+            <a:r>
+              <a:rPr lang="ja-JP" altLang="en-US" dirty="0" smtClean="0"/>
+              <a:t>動作</a:t>
+            </a:r>
+            <a:r>
+              <a:rPr lang="ja-JP" altLang="en-US" dirty="0" smtClean="0"/>
+              <a:t>確認</a:t>
+            </a:r>
+            <a:endParaRPr lang="en-US" altLang="ja-JP" dirty="0" smtClean="0"/>
+          </a:p>
+          <a:p>
+            <a:pPr marL="514350" indent="-514350">
+              <a:buFont typeface="+mj-lt"/>
+              <a:buAutoNum type="arabicPeriod"/>
+            </a:pPr>
+            <a:r>
+              <a:rPr lang="ja-JP" altLang="en-US" sz="3200" dirty="0"/>
+              <a:t>動作</a:t>
+            </a:r>
+            <a:r>
+              <a:rPr lang="ja-JP" altLang="en-US" sz="3200" dirty="0" smtClean="0"/>
+              <a:t>確認の結果</a:t>
+            </a:r>
+            <a:endParaRPr lang="en-US" altLang="ja-JP" sz="3200" dirty="0" smtClean="0"/>
+          </a:p>
+          <a:p>
+            <a:pPr marL="514350" indent="-514350">
+              <a:buFont typeface="+mj-lt"/>
+              <a:buAutoNum type="arabicPeriod"/>
+            </a:pPr>
+            <a:r>
+              <a:rPr lang="ja-JP" altLang="en-US" dirty="0"/>
+              <a:t>まとめ</a:t>
+            </a:r>
+            <a:endParaRPr lang="en-US" altLang="ja-JP" sz="3200" dirty="0" smtClean="0"/>
+          </a:p>
+          <a:p>
+            <a:pPr marL="0" indent="0">
+              <a:buNone/>
+            </a:pPr>
+            <a:endParaRPr kumimoji="1" lang="ja-JP" altLang="en-US" dirty="0"/>
+          </a:p>
+        </p:txBody>
+      </p:sp>
+      <p:sp>
+        <p:nvSpPr>
+          <p:cNvPr id="4" name="フッター プレースホルダー 3"/>
+          <p:cNvSpPr>
+            <a:spLocks noGrp="1"/>
+          </p:cNvSpPr>
+          <p:nvPr>
+            <p:ph type="ftr" sz="quarter" idx="11"/>
+          </p:nvPr>
+        </p:nvSpPr>
+        <p:spPr/>
+        <p:txBody>
+          <a:bodyPr/>
+          <a:lstStyle/>
+          <a:p>
+            <a:endParaRPr kumimoji="1" lang="ja-JP" altLang="en-US"/>
+          </a:p>
+        </p:txBody>
+      </p:sp>
+      <p:sp>
+        <p:nvSpPr>
+          <p:cNvPr id="5" name="スライド番号プレースホルダー 4"/>
+          <p:cNvSpPr>
+            <a:spLocks noGrp="1"/>
+          </p:cNvSpPr>
+          <p:nvPr>
+            <p:ph type="sldNum" sz="quarter" idx="12"/>
+          </p:nvPr>
+        </p:nvSpPr>
+        <p:spPr/>
+        <p:txBody>
+          <a:bodyPr/>
+          <a:lstStyle/>
+          <a:p>
+            <a:fld id="{84835224-79A0-4EB9-9992-36178AD955CF}" type="slidenum">
+              <a:rPr kumimoji="1" lang="ja-JP" altLang="en-US" smtClean="0"/>
+              <a:t>2</a:t>
+            </a:fld>
+            <a:endParaRPr kumimoji="1" lang="ja-JP" altLang="en-US"/>
+          </a:p>
+        </p:txBody>
+      </p:sp>
+    </p:spTree>
+    <p:extLst>
+      <p:ext uri="{BB962C8B-B14F-4D97-AF65-F5344CB8AC3E}">
+        <p14:creationId xmlns:p14="http://schemas.microsoft.com/office/powerpoint/2010/main" val="3186101249"/>
+      </p:ext>
+    </p:extLst>
+  </p:cSld>
+  <p:clrMapOvr>
+    <a:masterClrMapping/>
+  </p:clrMapOvr>
+  <p:timing>
+    <p:tnLst>
+      <p:par>
+        <p:cTn id="1" dur="indefinite" restart="never" nodeType="tmRoot"/>
+      </p:par>
+    </p:tnLst>
+  </p:timing>
+</p:sld>
+</file>
+
+<file path=ppt/slides/slide20.xml><?xml version="1.0" encoding="utf-8"?>
+<p:sld xmlns:a="http://schemas.openxmlformats.org/drawingml/2006/main" xmlns:r="http://schemas.openxmlformats.org/officeDocument/2006/relationships" xmlns:p="http://schemas.openxmlformats.org/presentationml/2006/main">
+  <p:cSld>
+    <p:spTree>
+      <p:nvGrpSpPr>
+        <p:cNvPr id="1" name=""/>
+        <p:cNvGrpSpPr/>
+        <p:nvPr/>
+      </p:nvGrpSpPr>
+      <p:grpSpPr>
+        <a:xfrm>
+          <a:off x="0" y="0"/>
+          <a:ext cx="0" cy="0"/>
+          <a:chOff x="0" y="0"/>
+          <a:chExt cx="0" cy="0"/>
+        </a:xfrm>
+      </p:grpSpPr>
+      <p:sp>
+        <p:nvSpPr>
+          <p:cNvPr id="2" name="タイトル 1"/>
+          <p:cNvSpPr>
+            <a:spLocks noGrp="1"/>
+          </p:cNvSpPr>
+          <p:nvPr>
+            <p:ph type="title"/>
+          </p:nvPr>
+        </p:nvSpPr>
+        <p:spPr>
+          <a:xfrm>
+            <a:off x="323528" y="274638"/>
+            <a:ext cx="8568952" cy="1143000"/>
+          </a:xfrm>
+        </p:spPr>
+        <p:txBody>
+          <a:bodyPr>
             <a:normAutofit fontScale="90000"/>
           </a:bodyPr>
           <a:lstStyle/>
           <a:p>
+            <a:pPr marL="857250" indent="-857250">
+              <a:buFont typeface="+mj-lt"/>
+              <a:buAutoNum type="romanUcPeriod" startAt="4"/>
+            </a:pPr>
             <a:r>
               <a:rPr lang="en-US" altLang="ja-JP" dirty="0" err="1" smtClean="0"/>
               <a:t>GitHub</a:t>
@@ -13674,7 +13402,7 @@
           <a:p>
             <a:fld id="{84835224-79A0-4EB9-9992-36178AD955CF}" type="slidenum">
               <a:rPr kumimoji="1" lang="ja-JP" altLang="en-US" smtClean="0"/>
-              <a:t>21</a:t>
+              <a:t>20</a:t>
             </a:fld>
             <a:endParaRPr kumimoji="1" lang="ja-JP" altLang="en-US"/>
           </a:p>
@@ -13722,6 +13450,187 @@
 </p:sld>
 </file>
 
+<file path=ppt/slides/slide21.xml><?xml version="1.0" encoding="utf-8"?>
+<p:sld xmlns:a="http://schemas.openxmlformats.org/drawingml/2006/main" xmlns:r="http://schemas.openxmlformats.org/officeDocument/2006/relationships" xmlns:p="http://schemas.openxmlformats.org/presentationml/2006/main">
+  <p:cSld>
+    <p:spTree>
+      <p:nvGrpSpPr>
+        <p:cNvPr id="1" name=""/>
+        <p:cNvGrpSpPr/>
+        <p:nvPr/>
+      </p:nvGrpSpPr>
+      <p:grpSpPr>
+        <a:xfrm>
+          <a:off x="0" y="0"/>
+          <a:ext cx="0" cy="0"/>
+          <a:chOff x="0" y="0"/>
+          <a:chExt cx="0" cy="0"/>
+        </a:xfrm>
+      </p:grpSpPr>
+      <p:sp>
+        <p:nvSpPr>
+          <p:cNvPr id="2" name="タイトル 1"/>
+          <p:cNvSpPr>
+            <a:spLocks noGrp="1"/>
+          </p:cNvSpPr>
+          <p:nvPr>
+            <p:ph type="title"/>
+          </p:nvPr>
+        </p:nvSpPr>
+        <p:spPr/>
+        <p:txBody>
+          <a:bodyPr/>
+          <a:lstStyle/>
+          <a:p>
+            <a:pPr marL="742950" indent="-742950">
+              <a:buFont typeface="+mj-lt"/>
+              <a:buAutoNum type="arabicPeriod" startAt="6"/>
+            </a:pPr>
+            <a:r>
+              <a:rPr kumimoji="1" lang="ja-JP" altLang="en-US" dirty="0" smtClean="0"/>
+              <a:t>動作確認の結果</a:t>
+            </a:r>
+            <a:endParaRPr kumimoji="1" lang="ja-JP" altLang="en-US" dirty="0"/>
+          </a:p>
+        </p:txBody>
+      </p:sp>
+      <p:sp>
+        <p:nvSpPr>
+          <p:cNvPr id="3" name="コンテンツ プレースホルダー 2"/>
+          <p:cNvSpPr>
+            <a:spLocks noGrp="1"/>
+          </p:cNvSpPr>
+          <p:nvPr>
+            <p:ph idx="1"/>
+          </p:nvPr>
+        </p:nvSpPr>
+        <p:spPr/>
+        <p:txBody>
+          <a:bodyPr/>
+          <a:lstStyle/>
+          <a:p>
+            <a:r>
+              <a:rPr kumimoji="1" lang="ja-JP" altLang="en-US" dirty="0" smtClean="0"/>
+              <a:t>システムで</a:t>
+            </a:r>
+            <a:r>
+              <a:rPr kumimoji="1" lang="ja-JP" altLang="en-US" dirty="0" smtClean="0"/>
+              <a:t>使用したそれぞれ</a:t>
+            </a:r>
+            <a:r>
+              <a:rPr kumimoji="1" lang="ja-JP" altLang="en-US" dirty="0" smtClean="0"/>
+              <a:t>の</a:t>
+            </a:r>
+            <a:r>
+              <a:rPr lang="ja-JP" altLang="en-US" dirty="0"/>
+              <a:t>動作</a:t>
+            </a:r>
+            <a:r>
+              <a:rPr kumimoji="1" lang="ja-JP" altLang="en-US" dirty="0" smtClean="0"/>
+              <a:t>は，正常に稼働したことが確認できた</a:t>
+            </a:r>
+            <a:endParaRPr kumimoji="1" lang="en-US" altLang="ja-JP" dirty="0" smtClean="0"/>
+          </a:p>
+          <a:p>
+            <a:r>
+              <a:rPr lang="ja-JP" altLang="en-US" dirty="0"/>
+              <a:t>この</a:t>
+            </a:r>
+            <a:r>
+              <a:rPr lang="ja-JP" altLang="en-US" dirty="0" smtClean="0"/>
+              <a:t>結果からシステムに不具合がないと判断でき，</a:t>
+            </a:r>
+            <a:r>
+              <a:rPr lang="en-US" altLang="ja-JP" dirty="0" err="1" smtClean="0"/>
+              <a:t>GitHub</a:t>
+            </a:r>
+            <a:r>
+              <a:rPr lang="ja-JP" altLang="en-US" dirty="0" smtClean="0"/>
+              <a:t>の</a:t>
+            </a:r>
+            <a:r>
+              <a:rPr lang="en-US" altLang="ja-JP" dirty="0" smtClean="0"/>
+              <a:t>Issues</a:t>
+            </a:r>
+            <a:r>
+              <a:rPr lang="ja-JP" altLang="en-US" dirty="0" smtClean="0"/>
+              <a:t>から必要な情報を取り出し，</a:t>
+            </a:r>
+            <a:r>
+              <a:rPr lang="en-US" altLang="ja-JP" dirty="0" err="1" smtClean="0"/>
+              <a:t>GitHub</a:t>
+            </a:r>
+            <a:r>
+              <a:rPr lang="ja-JP" altLang="en-US" dirty="0" smtClean="0"/>
+              <a:t>上に</a:t>
+            </a:r>
+            <a:r>
+              <a:rPr lang="en-US" altLang="ja-JP" dirty="0" smtClean="0"/>
+              <a:t>EVM</a:t>
+            </a:r>
+            <a:r>
+              <a:rPr lang="ja-JP" altLang="en-US" dirty="0" smtClean="0"/>
+              <a:t>を表示することが可能である</a:t>
+            </a:r>
+            <a:endParaRPr kumimoji="1" lang="ja-JP" altLang="en-US" dirty="0"/>
+          </a:p>
+        </p:txBody>
+      </p:sp>
+      <p:sp>
+        <p:nvSpPr>
+          <p:cNvPr id="4" name="フッター プレースホルダー 3"/>
+          <p:cNvSpPr>
+            <a:spLocks noGrp="1"/>
+          </p:cNvSpPr>
+          <p:nvPr>
+            <p:ph type="ftr" sz="quarter" idx="11"/>
+          </p:nvPr>
+        </p:nvSpPr>
+        <p:spPr/>
+        <p:txBody>
+          <a:bodyPr/>
+          <a:lstStyle/>
+          <a:p>
+            <a:endParaRPr kumimoji="1" lang="ja-JP" altLang="en-US"/>
+          </a:p>
+        </p:txBody>
+      </p:sp>
+      <p:sp>
+        <p:nvSpPr>
+          <p:cNvPr id="5" name="スライド番号プレースホルダー 4"/>
+          <p:cNvSpPr>
+            <a:spLocks noGrp="1"/>
+          </p:cNvSpPr>
+          <p:nvPr>
+            <p:ph type="sldNum" sz="quarter" idx="12"/>
+          </p:nvPr>
+        </p:nvSpPr>
+        <p:spPr/>
+        <p:txBody>
+          <a:bodyPr/>
+          <a:lstStyle/>
+          <a:p>
+            <a:fld id="{84835224-79A0-4EB9-9992-36178AD955CF}" type="slidenum">
+              <a:rPr kumimoji="1" lang="ja-JP" altLang="en-US" smtClean="0"/>
+              <a:t>21</a:t>
+            </a:fld>
+            <a:endParaRPr kumimoji="1" lang="ja-JP" altLang="en-US"/>
+          </a:p>
+        </p:txBody>
+      </p:sp>
+    </p:spTree>
+    <p:extLst>
+      <p:ext uri="{BB962C8B-B14F-4D97-AF65-F5344CB8AC3E}">
+        <p14:creationId xmlns:p14="http://schemas.microsoft.com/office/powerpoint/2010/main" val="3970692919"/>
+      </p:ext>
+    </p:extLst>
+  </p:cSld>
+  <p:clrMapOvr>
+    <a:masterClrMapping/>
+  </p:clrMapOvr>
+</p:sld>
+</file>
+
 <file path=ppt/slides/slide22.xml><?xml version="1.0" encoding="utf-8"?>
 <p:sld xmlns:a="http://schemas.openxmlformats.org/drawingml/2006/main" xmlns:r="http://schemas.openxmlformats.org/officeDocument/2006/relationships" xmlns:p="http://schemas.openxmlformats.org/presentationml/2006/main">
   <p:cSld>
@@ -13754,9 +13663,13 @@
           <a:bodyPr/>
           <a:lstStyle/>
           <a:p>
-            <a:r>
-              <a:rPr kumimoji="1" lang="ja-JP" altLang="en-US" dirty="0" smtClean="0"/>
-              <a:t>動作確認の結果</a:t>
+            <a:pPr marL="742950" indent="-742950">
+              <a:buFont typeface="+mj-lt"/>
+              <a:buAutoNum type="arabicPeriod" startAt="7"/>
+            </a:pPr>
+            <a:r>
+              <a:rPr lang="ja-JP" altLang="en-US" dirty="0"/>
+              <a:t>まとめ</a:t>
             </a:r>
             <a:endParaRPr kumimoji="1" lang="ja-JP" altLang="en-US" dirty="0"/>
           </a:p>
@@ -13774,64 +13687,127 @@
         </p:nvSpPr>
         <p:spPr/>
         <p:txBody>
-          <a:bodyPr/>
-          <a:lstStyle/>
-          <a:p>
-            <a:r>
-              <a:rPr kumimoji="1" lang="ja-JP" altLang="en-US" dirty="0" smtClean="0"/>
-              <a:t>システムで使用するそれぞれの</a:t>
-            </a:r>
-            <a:r>
-              <a:rPr lang="ja-JP" altLang="en-US" dirty="0"/>
-              <a:t>動作</a:t>
-            </a:r>
-            <a:r>
-              <a:rPr kumimoji="1" lang="ja-JP" altLang="en-US" dirty="0" smtClean="0"/>
-              <a:t>は，正常に稼働したことが確認できた</a:t>
-            </a:r>
-            <a:endParaRPr kumimoji="1" lang="en-US" altLang="ja-JP" dirty="0" smtClean="0"/>
-          </a:p>
-          <a:p>
-            <a:r>
-              <a:rPr lang="ja-JP" altLang="en-US" dirty="0"/>
-              <a:t>この</a:t>
-            </a:r>
-            <a:r>
-              <a:rPr lang="ja-JP" altLang="en-US" dirty="0" smtClean="0"/>
-              <a:t>結果からシステムに不具合がないと判断でき，</a:t>
-            </a:r>
+          <a:bodyPr>
+            <a:normAutofit fontScale="92500" lnSpcReduction="10000"/>
+          </a:bodyPr>
+          <a:lstStyle/>
+          <a:p>
             <a:r>
               <a:rPr lang="en-US" altLang="ja-JP" dirty="0" err="1" smtClean="0"/>
               <a:t>GitHub</a:t>
             </a:r>
             <a:r>
               <a:rPr lang="ja-JP" altLang="en-US" dirty="0" smtClean="0"/>
-              <a:t>の</a:t>
-            </a:r>
+              <a:t>は標準では</a:t>
+            </a:r>
+            <a:r>
+              <a:rPr lang="en-US" altLang="ja-JP" dirty="0" smtClean="0"/>
+              <a:t>EVM</a:t>
+            </a:r>
+            <a:r>
+              <a:rPr lang="ja-JP" altLang="en-US" dirty="0" smtClean="0"/>
+              <a:t>を描くことはできない</a:t>
+            </a:r>
+            <a:endParaRPr lang="en-US" altLang="ja-JP" dirty="0" smtClean="0"/>
+          </a:p>
+          <a:p>
+            <a:r>
+              <a:rPr lang="en-US" altLang="ja-JP" dirty="0" err="1" smtClean="0"/>
+              <a:t>GitHub</a:t>
+            </a:r>
+            <a:r>
+              <a:rPr lang="ja-JP" altLang="en-US" dirty="0" smtClean="0"/>
+              <a:t>で</a:t>
+            </a:r>
+            <a:r>
+              <a:rPr lang="en-US" altLang="ja-JP" dirty="0" smtClean="0"/>
+              <a:t>EVM</a:t>
+            </a:r>
+            <a:r>
+              <a:rPr lang="ja-JP" altLang="en-US" dirty="0" smtClean="0"/>
+              <a:t>を描けるようにしたい</a:t>
+            </a:r>
+            <a:endParaRPr lang="en-US" altLang="ja-JP" dirty="0" smtClean="0"/>
+          </a:p>
+          <a:p>
             <a:r>
               <a:rPr lang="en-US" altLang="ja-JP" dirty="0" smtClean="0"/>
               <a:t>Issues</a:t>
             </a:r>
             <a:r>
               <a:rPr lang="ja-JP" altLang="en-US" dirty="0" smtClean="0"/>
-              <a:t>から必要な情報を取り出し，</a:t>
-            </a:r>
+              <a:t>と</a:t>
+            </a:r>
+            <a:r>
+              <a:rPr lang="en-US" altLang="ja-JP" dirty="0" smtClean="0"/>
+              <a:t>comment</a:t>
+            </a:r>
+            <a:r>
+              <a:rPr lang="ja-JP" altLang="en-US" dirty="0" smtClean="0"/>
+              <a:t>の使い方を決める</a:t>
+            </a:r>
+            <a:endParaRPr lang="en-US" altLang="ja-JP" dirty="0" smtClean="0"/>
+          </a:p>
+          <a:p>
             <a:r>
               <a:rPr lang="en-US" altLang="ja-JP" dirty="0" err="1" smtClean="0"/>
               <a:t>GitHub</a:t>
             </a:r>
             <a:r>
+              <a:rPr lang="en-US" altLang="ja-JP" dirty="0" smtClean="0"/>
+              <a:t> API</a:t>
+            </a:r>
+            <a:r>
               <a:rPr lang="ja-JP" altLang="en-US" dirty="0" smtClean="0"/>
+              <a:t>で取り出せるようにする</a:t>
+            </a:r>
+            <a:endParaRPr lang="en-US" altLang="ja-JP" dirty="0" smtClean="0"/>
+          </a:p>
+          <a:p>
+            <a:r>
+              <a:rPr lang="en-US" altLang="ja-JP" dirty="0" smtClean="0"/>
+              <a:t>Google Chart API</a:t>
+            </a:r>
+            <a:r>
+              <a:rPr lang="ja-JP" altLang="en-US" dirty="0" smtClean="0"/>
+              <a:t>でグラフを描けるようにする</a:t>
+            </a:r>
+            <a:endParaRPr lang="en-US" altLang="ja-JP" dirty="0" smtClean="0"/>
+          </a:p>
+          <a:p>
+            <a:r>
+              <a:rPr lang="ja-JP" altLang="en-US" dirty="0" smtClean="0"/>
+              <a:t>ブックマークレットでグラフをうめこむようにする</a:t>
+            </a:r>
+            <a:endParaRPr lang="en-US" altLang="ja-JP" dirty="0" smtClean="0"/>
+          </a:p>
+          <a:p>
+            <a:r>
+              <a:rPr kumimoji="1" lang="ja-JP" altLang="en-US" dirty="0" smtClean="0"/>
+              <a:t>このようにすれば</a:t>
+            </a:r>
+            <a:r>
+              <a:rPr kumimoji="1" lang="en-US" altLang="ja-JP" dirty="0" err="1" smtClean="0"/>
+              <a:t>GitHub</a:t>
+            </a:r>
+            <a:r>
+              <a:rPr kumimoji="1" lang="ja-JP" altLang="en-US" dirty="0" smtClean="0"/>
               <a:t>上に</a:t>
             </a:r>
             <a:r>
-              <a:rPr lang="en-US" altLang="ja-JP" dirty="0" smtClean="0"/>
+              <a:rPr kumimoji="1" lang="en-US" altLang="ja-JP" dirty="0" smtClean="0"/>
               <a:t>EVM</a:t>
             </a:r>
             <a:r>
-              <a:rPr lang="ja-JP" altLang="en-US" dirty="0" smtClean="0"/>
-              <a:t>を表示することが可能である</a:t>
-            </a:r>
+              <a:rPr kumimoji="1" lang="ja-JP" altLang="en-US" dirty="0" smtClean="0"/>
+              <a:t>を描くことができると考え，システムを構築し，動かし，正常に動作できることが確認できた</a:t>
+            </a:r>
+            <a:endParaRPr kumimoji="1" lang="en-US" altLang="ja-JP" dirty="0" smtClean="0"/>
+          </a:p>
+          <a:p>
+            <a:pPr marL="0" indent="0">
+              <a:buNone/>
+            </a:pPr>
             <a:endParaRPr kumimoji="1" lang="ja-JP" altLang="en-US" dirty="0"/>
           </a:p>
         </p:txBody>
@@ -13881,13 +13857,20 @@
     </p:spTree>
     <p:extLst>
       <p:ext uri="{BB962C8B-B14F-4D97-AF65-F5344CB8AC3E}">
-        <p14:creationId xmlns:p14="http://schemas.microsoft.com/office/powerpoint/2010/main" val="3970692919"/>
+        <p14:creationId xmlns:p14="http://schemas.microsoft.com/office/powerpoint/2010/main" val="3467345169"/>
       </p:ext>
     </p:extLst>
   </p:cSld>
   <p:clrMapOvr>
     <a:masterClrMapping/>
   </p:clrMapOvr>
+  <p:timing>
+    <p:tnLst>
+      <p:par>
+        <p:cTn id="1" dur="indefinite" restart="never" nodeType="tmRoot"/>
+      </p:par>
+    </p:tnLst>
+  </p:timing>
 </p:sld>
 </file>
 
@@ -13925,10 +13908,10 @@
           <a:p>
             <a:pPr marL="742950" indent="-742950">
               <a:buFont typeface="+mj-lt"/>
-              <a:buAutoNum type="arabicPeriod" startAt="6"/>
+              <a:buAutoNum type="arabicPeriod" startAt="7"/>
             </a:pPr>
             <a:r>
-              <a:rPr lang="ja-JP" altLang="en-US" dirty="0"/>
+              <a:rPr kumimoji="1" lang="ja-JP" altLang="en-US" dirty="0" smtClean="0"/>
               <a:t>まとめ</a:t>
             </a:r>
             <a:endParaRPr kumimoji="1" lang="ja-JP" altLang="en-US" dirty="0"/>
@@ -13947,104 +13930,12 @@
         </p:nvSpPr>
         <p:spPr/>
         <p:txBody>
-          <a:bodyPr>
-            <a:normAutofit fontScale="92500" lnSpcReduction="10000"/>
-          </a:bodyPr>
-          <a:lstStyle/>
-          <a:p>
-            <a:r>
-              <a:rPr lang="en-US" altLang="ja-JP" dirty="0" err="1" smtClean="0"/>
-              <a:t>GitHub</a:t>
-            </a:r>
-            <a:r>
-              <a:rPr lang="ja-JP" altLang="en-US" dirty="0" smtClean="0"/>
-              <a:t>は標準では</a:t>
-            </a:r>
-            <a:r>
-              <a:rPr lang="en-US" altLang="ja-JP" dirty="0" smtClean="0"/>
-              <a:t>EVM</a:t>
-            </a:r>
-            <a:r>
-              <a:rPr lang="ja-JP" altLang="en-US" dirty="0" smtClean="0"/>
-              <a:t>を描くことはできない</a:t>
-            </a:r>
-            <a:endParaRPr lang="en-US" altLang="ja-JP" dirty="0" smtClean="0"/>
-          </a:p>
-          <a:p>
-            <a:r>
-              <a:rPr lang="en-US" altLang="ja-JP" dirty="0" err="1" smtClean="0"/>
-              <a:t>GitHub</a:t>
-            </a:r>
-            <a:r>
-              <a:rPr lang="ja-JP" altLang="en-US" dirty="0" smtClean="0"/>
-              <a:t>で</a:t>
-            </a:r>
-            <a:r>
-              <a:rPr lang="en-US" altLang="ja-JP" dirty="0" smtClean="0"/>
-              <a:t>EVM</a:t>
-            </a:r>
-            <a:r>
-              <a:rPr lang="ja-JP" altLang="en-US" dirty="0" smtClean="0"/>
-              <a:t>を描けるようにしたい</a:t>
-            </a:r>
-            <a:endParaRPr lang="en-US" altLang="ja-JP" dirty="0" smtClean="0"/>
-          </a:p>
-          <a:p>
-            <a:r>
-              <a:rPr lang="en-US" altLang="ja-JP" dirty="0" smtClean="0"/>
-              <a:t>Issues</a:t>
-            </a:r>
-            <a:r>
-              <a:rPr lang="ja-JP" altLang="en-US" dirty="0" smtClean="0"/>
-              <a:t>と</a:t>
-            </a:r>
-            <a:r>
-              <a:rPr lang="en-US" altLang="ja-JP" dirty="0" smtClean="0"/>
-              <a:t>comment</a:t>
-            </a:r>
-            <a:r>
-              <a:rPr lang="ja-JP" altLang="en-US" dirty="0" smtClean="0"/>
-              <a:t>の使い方を決める</a:t>
-            </a:r>
-            <a:endParaRPr lang="en-US" altLang="ja-JP" dirty="0" smtClean="0"/>
-          </a:p>
-          <a:p>
-            <a:r>
-              <a:rPr lang="en-US" altLang="ja-JP" dirty="0" err="1" smtClean="0"/>
-              <a:t>GitHub</a:t>
-            </a:r>
-            <a:r>
-              <a:rPr lang="en-US" altLang="ja-JP" dirty="0" smtClean="0"/>
-              <a:t> API</a:t>
-            </a:r>
-            <a:r>
-              <a:rPr lang="ja-JP" altLang="en-US" dirty="0" smtClean="0"/>
-              <a:t>で取り出せるようにする</a:t>
-            </a:r>
-            <a:endParaRPr lang="en-US" altLang="ja-JP" dirty="0" smtClean="0"/>
-          </a:p>
-          <a:p>
-            <a:r>
-              <a:rPr lang="en-US" altLang="ja-JP" dirty="0" smtClean="0"/>
-              <a:t>Google Chart API</a:t>
-            </a:r>
-            <a:r>
-              <a:rPr lang="ja-JP" altLang="en-US" dirty="0" smtClean="0"/>
-              <a:t>でグラフを描けるようにする</a:t>
-            </a:r>
-            <a:endParaRPr lang="en-US" altLang="ja-JP" dirty="0" smtClean="0"/>
-          </a:p>
-          <a:p>
-            <a:r>
-              <a:rPr lang="ja-JP" altLang="en-US" dirty="0" smtClean="0"/>
-              <a:t>ブックマークレットでグラフをうめこむようにする</a:t>
-            </a:r>
-            <a:endParaRPr lang="en-US" altLang="ja-JP" dirty="0" smtClean="0"/>
-          </a:p>
+          <a:bodyPr/>
+          <a:lstStyle/>
           <a:p>
             <a:r>
               <a:rPr kumimoji="1" lang="ja-JP" altLang="en-US" dirty="0" smtClean="0"/>
-              <a:t>このようにすれば</a:t>
+              <a:t>このシステムによってソフトウェア開発の現場でよく使用される</a:t>
             </a:r>
             <a:r>
               <a:rPr kumimoji="1" lang="en-US" altLang="ja-JP" dirty="0" err="1" smtClean="0"/>
@@ -14052,22 +13943,16 @@
             </a:r>
             <a:r>
               <a:rPr kumimoji="1" lang="ja-JP" altLang="en-US" dirty="0" smtClean="0"/>
-              <a:t>上に</a:t>
+              <a:t>に</a:t>
             </a:r>
             <a:r>
               <a:rPr kumimoji="1" lang="en-US" altLang="ja-JP" dirty="0" smtClean="0"/>
-              <a:t>EVM</a:t>
+              <a:t>PMBOK</a:t>
             </a:r>
             <a:r>
               <a:rPr kumimoji="1" lang="ja-JP" altLang="en-US" dirty="0" smtClean="0"/>
-              <a:t>を描くことができると考え，システムを構築し，動かし，正常に動作できることが確認できた</a:t>
-            </a:r>
-            <a:endParaRPr kumimoji="1" lang="en-US" altLang="ja-JP" dirty="0" smtClean="0"/>
-          </a:p>
-          <a:p>
-            <a:pPr marL="0" indent="0">
-              <a:buNone/>
-            </a:pPr>
+              <a:t>で言われているようなプロジェクトマネジメントのツールを導入することができるようになりました</a:t>
+            </a:r>
             <a:endParaRPr kumimoji="1" lang="ja-JP" altLang="en-US" dirty="0"/>
           </a:p>
         </p:txBody>
@@ -14109,151 +13994,6 @@
             <a:fld id="{84835224-79A0-4EB9-9992-36178AD955CF}" type="slidenum">
               <a:rPr kumimoji="1" lang="ja-JP" altLang="en-US" smtClean="0"/>
               <a:t>23</a:t>
-            </a:fld>
-            <a:endParaRPr kumimoji="1" lang="ja-JP" altLang="en-US"/>
-          </a:p>
-        </p:txBody>
-      </p:sp>
-    </p:spTree>
-    <p:extLst>
-      <p:ext uri="{BB962C8B-B14F-4D97-AF65-F5344CB8AC3E}">
-        <p14:creationId xmlns:p14="http://schemas.microsoft.com/office/powerpoint/2010/main" val="3467345169"/>
-      </p:ext>
-    </p:extLst>
-  </p:cSld>
-  <p:clrMapOvr>
-    <a:masterClrMapping/>
-  </p:clrMapOvr>
-  <p:timing>
-    <p:tnLst>
-      <p:par>
-        <p:cTn id="1" dur="indefinite" restart="never" nodeType="tmRoot"/>
-      </p:par>
-    </p:tnLst>
-  </p:timing>
-</p:sld>
-</file>
-
-<file path=ppt/slides/slide24.xml><?xml version="1.0" encoding="utf-8"?>
-<p:sld xmlns:a="http://schemas.openxmlformats.org/drawingml/2006/main" xmlns:r="http://schemas.openxmlformats.org/officeDocument/2006/relationships" xmlns:p="http://schemas.openxmlformats.org/presentationml/2006/main">
-  <p:cSld>
-    <p:spTree>
-      <p:nvGrpSpPr>
-        <p:cNvPr id="1" name=""/>
-        <p:cNvGrpSpPr/>
-        <p:nvPr/>
-      </p:nvGrpSpPr>
-      <p:grpSpPr>
-        <a:xfrm>
-          <a:off x="0" y="0"/>
-          <a:ext cx="0" cy="0"/>
-          <a:chOff x="0" y="0"/>
-          <a:chExt cx="0" cy="0"/>
-        </a:xfrm>
-      </p:grpSpPr>
-      <p:sp>
-        <p:nvSpPr>
-          <p:cNvPr id="2" name="タイトル 1"/>
-          <p:cNvSpPr>
-            <a:spLocks noGrp="1"/>
-          </p:cNvSpPr>
-          <p:nvPr>
-            <p:ph type="title"/>
-          </p:nvPr>
-        </p:nvSpPr>
-        <p:spPr/>
-        <p:txBody>
-          <a:bodyPr/>
-          <a:lstStyle/>
-          <a:p>
-            <a:pPr marL="742950" indent="-742950">
-              <a:buFont typeface="+mj-lt"/>
-              <a:buAutoNum type="arabicPeriod" startAt="6"/>
-            </a:pPr>
-            <a:r>
-              <a:rPr kumimoji="1" lang="ja-JP" altLang="en-US" dirty="0" smtClean="0"/>
-              <a:t>まとめ</a:t>
-            </a:r>
-            <a:endParaRPr kumimoji="1" lang="ja-JP" altLang="en-US" dirty="0"/>
-          </a:p>
-        </p:txBody>
-      </p:sp>
-      <p:sp>
-        <p:nvSpPr>
-          <p:cNvPr id="3" name="コンテンツ プレースホルダー 2"/>
-          <p:cNvSpPr>
-            <a:spLocks noGrp="1"/>
-          </p:cNvSpPr>
-          <p:nvPr>
-            <p:ph idx="1"/>
-          </p:nvPr>
-        </p:nvSpPr>
-        <p:spPr/>
-        <p:txBody>
-          <a:bodyPr/>
-          <a:lstStyle/>
-          <a:p>
-            <a:r>
-              <a:rPr kumimoji="1" lang="ja-JP" altLang="en-US" dirty="0" smtClean="0"/>
-              <a:t>このシステムによってソフトウェア開発の現場でよく使用される</a:t>
-            </a:r>
-            <a:r>
-              <a:rPr kumimoji="1" lang="en-US" altLang="ja-JP" dirty="0" err="1" smtClean="0"/>
-              <a:t>GitHub</a:t>
-            </a:r>
-            <a:r>
-              <a:rPr kumimoji="1" lang="ja-JP" altLang="en-US" dirty="0" smtClean="0"/>
-              <a:t>に</a:t>
-            </a:r>
-            <a:r>
-              <a:rPr kumimoji="1" lang="en-US" altLang="ja-JP" dirty="0" smtClean="0"/>
-              <a:t>PMBOK</a:t>
-            </a:r>
-            <a:r>
-              <a:rPr kumimoji="1" lang="ja-JP" altLang="en-US" dirty="0" smtClean="0"/>
-              <a:t>で言われているようなプロジェクトマネジメントのツールを導入することができるようになりました</a:t>
-            </a:r>
-            <a:endParaRPr kumimoji="1" lang="ja-JP" altLang="en-US" dirty="0"/>
-          </a:p>
-        </p:txBody>
-      </p:sp>
-      <p:sp>
-        <p:nvSpPr>
-          <p:cNvPr id="4" name="フッター プレースホルダー 3"/>
-          <p:cNvSpPr>
-            <a:spLocks noGrp="1"/>
-          </p:cNvSpPr>
-          <p:nvPr>
-            <p:ph type="ftr" sz="quarter" idx="11"/>
-          </p:nvPr>
-        </p:nvSpPr>
-        <p:spPr/>
-        <p:txBody>
-          <a:bodyPr/>
-          <a:lstStyle/>
-          <a:p>
-            <a:endParaRPr kumimoji="1" lang="ja-JP" altLang="en-US"/>
-          </a:p>
-        </p:txBody>
-      </p:sp>
-      <p:sp>
-        <p:nvSpPr>
-          <p:cNvPr id="5" name="スライド番号プレースホルダー 4"/>
-          <p:cNvSpPr>
-            <a:spLocks noGrp="1"/>
-          </p:cNvSpPr>
-          <p:nvPr>
-            <p:ph type="sldNum" sz="quarter" idx="12"/>
-          </p:nvPr>
-        </p:nvSpPr>
-        <p:spPr/>
-        <p:txBody>
-          <a:bodyPr/>
-          <a:lstStyle/>
-          <a:p>
-            <a:fld id="{84835224-79A0-4EB9-9992-36178AD955CF}" type="slidenum">
-              <a:rPr kumimoji="1" lang="ja-JP" altLang="en-US" smtClean="0"/>
-              <a:t>24</a:t>
             </a:fld>
             <a:endParaRPr kumimoji="1" lang="ja-JP" altLang="en-US"/>
           </a:p>
@@ -14619,11 +14359,7 @@
             </a:r>
             <a:r>
               <a:rPr lang="ja-JP" altLang="en-US" dirty="0" smtClean="0"/>
-              <a:t>ツール</a:t>
-            </a:r>
-            <a:r>
-              <a:rPr lang="ja-JP" altLang="en-US" dirty="0" smtClean="0"/>
-              <a:t>は可能か調査した</a:t>
+              <a:t>ツールは可能か調査した</a:t>
             </a:r>
             <a:endParaRPr lang="en-US" altLang="ja-JP" dirty="0" smtClean="0"/>
           </a:p>
@@ -14814,11 +14550,7 @@
             </a:r>
             <a:r>
               <a:rPr lang="ja-JP" altLang="en-US" dirty="0" smtClean="0"/>
-              <a:t>に記述されているツール</a:t>
-            </a:r>
-            <a:r>
-              <a:rPr lang="ja-JP" altLang="en-US" dirty="0" smtClean="0"/>
-              <a:t>の中でも重要な</a:t>
+              <a:t>に記述されているツールの中でも重要な</a:t>
             </a:r>
             <a:r>
               <a:rPr lang="en-US" altLang="ja-JP" dirty="0" smtClean="0"/>
